--- a/Slide_Presentation.pptx
+++ b/Slide_Presentation.pptx
@@ -1,41 +1,43 @@
 
 <file path=ppt/presentation.xml><?xml version="1.0" encoding="utf-8"?>
-<p:presentation xmlns:a="http://schemas.openxmlformats.org/drawingml/2006/main" xmlns:r="http://schemas.openxmlformats.org/officeDocument/2006/relationships" xmlns:mc="http://schemas.openxmlformats.org/markup-compatibility/2006" xmlns:mv="urn:schemas-microsoft-com:mac:vml" xmlns:p="http://schemas.openxmlformats.org/presentationml/2006/main" xmlns:c="http://schemas.openxmlformats.org/drawingml/2006/chart" xmlns:dgm="http://schemas.openxmlformats.org/drawingml/2006/diagram" xmlns:o="urn:schemas-microsoft-com:office:office" xmlns:v="urn:schemas-microsoft-com:vml" xmlns:pvml="urn:schemas-microsoft-com:office:powerpoint" xmlns:com="http://schemas.openxmlformats.org/drawingml/2006/compatibility" xmlns:p14="http://schemas.microsoft.com/office/powerpoint/2010/main" xmlns:p15="http://schemas.microsoft.com/office/powerpoint/2012/main" xmlns:ahyp="http://schemas.microsoft.com/office/drawing/2018/hyperlinkcolor" autoCompressPictures="0" embedTrueTypeFonts="1" strictFirstAndLastChars="0" saveSubsetFonts="1">
+<p:presentation xmlns:a="http://schemas.openxmlformats.org/drawingml/2006/main" xmlns:r="http://schemas.openxmlformats.org/officeDocument/2006/relationships" xmlns:p="http://schemas.openxmlformats.org/presentationml/2006/main" strictFirstAndLastChars="0" embedTrueTypeFonts="1" saveSubsetFonts="1" autoCompressPictures="0">
   <p:sldMasterIdLst>
-    <p:sldMasterId id="2147483659" r:id="rId5"/>
+    <p:sldMasterId id="2147483659" r:id="rId1"/>
   </p:sldMasterIdLst>
   <p:notesMasterIdLst>
-    <p:notesMasterId r:id="rId6"/>
+    <p:notesMasterId r:id="rId18"/>
   </p:notesMasterIdLst>
   <p:sldIdLst>
-    <p:sldId id="256" r:id="rId7"/>
-    <p:sldId id="257" r:id="rId8"/>
-    <p:sldId id="258" r:id="rId9"/>
-    <p:sldId id="259" r:id="rId10"/>
-    <p:sldId id="260" r:id="rId11"/>
-    <p:sldId id="261" r:id="rId12"/>
-    <p:sldId id="262" r:id="rId13"/>
-    <p:sldId id="263" r:id="rId14"/>
-    <p:sldId id="264" r:id="rId15"/>
-    <p:sldId id="265" r:id="rId16"/>
-    <p:sldId id="266" r:id="rId17"/>
-    <p:sldId id="267" r:id="rId18"/>
-    <p:sldId id="268" r:id="rId19"/>
-    <p:sldId id="269" r:id="rId20"/>
+    <p:sldId id="256" r:id="rId2"/>
+    <p:sldId id="257" r:id="rId3"/>
+    <p:sldId id="258" r:id="rId4"/>
+    <p:sldId id="259" r:id="rId5"/>
+    <p:sldId id="260" r:id="rId6"/>
+    <p:sldId id="261" r:id="rId7"/>
+    <p:sldId id="262" r:id="rId8"/>
+    <p:sldId id="263" r:id="rId9"/>
+    <p:sldId id="264" r:id="rId10"/>
+    <p:sldId id="265" r:id="rId11"/>
+    <p:sldId id="266" r:id="rId12"/>
+    <p:sldId id="267" r:id="rId13"/>
+    <p:sldId id="268" r:id="rId14"/>
+    <p:sldId id="270" r:id="rId15"/>
+    <p:sldId id="271" r:id="rId16"/>
+    <p:sldId id="269" r:id="rId17"/>
   </p:sldIdLst>
-  <p:sldSz cy="5143500" cx="9144000"/>
+  <p:sldSz cx="9144000" cy="5143500" type="screen16x9"/>
   <p:notesSz cx="6858000" cy="9144000"/>
   <p:embeddedFontLst>
     <p:embeddedFont>
-      <p:font typeface="Roboto"/>
-      <p:regular r:id="rId21"/>
-      <p:bold r:id="rId22"/>
-      <p:italic r:id="rId23"/>
-      <p:boldItalic r:id="rId24"/>
+      <p:font typeface="Roboto" panose="02000000000000000000" pitchFamily="2" charset="0"/>
+      <p:regular r:id="rId19"/>
+      <p:bold r:id="rId20"/>
+      <p:italic r:id="rId21"/>
+      <p:boldItalic r:id="rId22"/>
     </p:embeddedFont>
   </p:embeddedFontLst>
   <p:defaultTextStyle>
-    <a:defPPr lvl="0" marR="0" rtl="0" algn="l">
+    <a:defPPr marR="0" lvl="0" algn="l" rtl="0">
       <a:lnSpc>
         <a:spcPct val="100000"/>
       </a:lnSpc>
@@ -46,7 +48,7 @@
         <a:spcPts val="0"/>
       </a:spcAft>
     </a:defPPr>
-    <a:lvl1pPr lvl="0" marR="0" rtl="0" algn="l">
+    <a:lvl1pPr marR="0" lvl="0" algn="l" rtl="0">
       <a:lnSpc>
         <a:spcPct val="100000"/>
       </a:lnSpc>
@@ -60,7 +62,7 @@
         <a:srgbClr val="000000"/>
       </a:buClr>
       <a:buFont typeface="Arial"/>
-      <a:defRPr b="0" i="0" sz="1400" u="none" cap="none" strike="noStrike">
+      <a:defRPr sz="1400" b="0" i="0" u="none" strike="noStrike" cap="none">
         <a:solidFill>
           <a:srgbClr val="000000"/>
         </a:solidFill>
@@ -70,7 +72,7 @@
         <a:sym typeface="Arial"/>
       </a:defRPr>
     </a:lvl1pPr>
-    <a:lvl2pPr lvl="1" marR="0" rtl="0" algn="l">
+    <a:lvl2pPr marR="0" lvl="1" algn="l" rtl="0">
       <a:lnSpc>
         <a:spcPct val="100000"/>
       </a:lnSpc>
@@ -84,7 +86,7 @@
         <a:srgbClr val="000000"/>
       </a:buClr>
       <a:buFont typeface="Arial"/>
-      <a:defRPr b="0" i="0" sz="1400" u="none" cap="none" strike="noStrike">
+      <a:defRPr sz="1400" b="0" i="0" u="none" strike="noStrike" cap="none">
         <a:solidFill>
           <a:srgbClr val="000000"/>
         </a:solidFill>
@@ -94,7 +96,7 @@
         <a:sym typeface="Arial"/>
       </a:defRPr>
     </a:lvl2pPr>
-    <a:lvl3pPr lvl="2" marR="0" rtl="0" algn="l">
+    <a:lvl3pPr marR="0" lvl="2" algn="l" rtl="0">
       <a:lnSpc>
         <a:spcPct val="100000"/>
       </a:lnSpc>
@@ -108,7 +110,7 @@
         <a:srgbClr val="000000"/>
       </a:buClr>
       <a:buFont typeface="Arial"/>
-      <a:defRPr b="0" i="0" sz="1400" u="none" cap="none" strike="noStrike">
+      <a:defRPr sz="1400" b="0" i="0" u="none" strike="noStrike" cap="none">
         <a:solidFill>
           <a:srgbClr val="000000"/>
         </a:solidFill>
@@ -118,7 +120,7 @@
         <a:sym typeface="Arial"/>
       </a:defRPr>
     </a:lvl3pPr>
-    <a:lvl4pPr lvl="3" marR="0" rtl="0" algn="l">
+    <a:lvl4pPr marR="0" lvl="3" algn="l" rtl="0">
       <a:lnSpc>
         <a:spcPct val="100000"/>
       </a:lnSpc>
@@ -132,7 +134,7 @@
         <a:srgbClr val="000000"/>
       </a:buClr>
       <a:buFont typeface="Arial"/>
-      <a:defRPr b="0" i="0" sz="1400" u="none" cap="none" strike="noStrike">
+      <a:defRPr sz="1400" b="0" i="0" u="none" strike="noStrike" cap="none">
         <a:solidFill>
           <a:srgbClr val="000000"/>
         </a:solidFill>
@@ -142,7 +144,7 @@
         <a:sym typeface="Arial"/>
       </a:defRPr>
     </a:lvl4pPr>
-    <a:lvl5pPr lvl="4" marR="0" rtl="0" algn="l">
+    <a:lvl5pPr marR="0" lvl="4" algn="l" rtl="0">
       <a:lnSpc>
         <a:spcPct val="100000"/>
       </a:lnSpc>
@@ -156,7 +158,7 @@
         <a:srgbClr val="000000"/>
       </a:buClr>
       <a:buFont typeface="Arial"/>
-      <a:defRPr b="0" i="0" sz="1400" u="none" cap="none" strike="noStrike">
+      <a:defRPr sz="1400" b="0" i="0" u="none" strike="noStrike" cap="none">
         <a:solidFill>
           <a:srgbClr val="000000"/>
         </a:solidFill>
@@ -166,7 +168,7 @@
         <a:sym typeface="Arial"/>
       </a:defRPr>
     </a:lvl5pPr>
-    <a:lvl6pPr lvl="5" marR="0" rtl="0" algn="l">
+    <a:lvl6pPr marR="0" lvl="5" algn="l" rtl="0">
       <a:lnSpc>
         <a:spcPct val="100000"/>
       </a:lnSpc>
@@ -180,7 +182,7 @@
         <a:srgbClr val="000000"/>
       </a:buClr>
       <a:buFont typeface="Arial"/>
-      <a:defRPr b="0" i="0" sz="1400" u="none" cap="none" strike="noStrike">
+      <a:defRPr sz="1400" b="0" i="0" u="none" strike="noStrike" cap="none">
         <a:solidFill>
           <a:srgbClr val="000000"/>
         </a:solidFill>
@@ -190,7 +192,7 @@
         <a:sym typeface="Arial"/>
       </a:defRPr>
     </a:lvl6pPr>
-    <a:lvl7pPr lvl="6" marR="0" rtl="0" algn="l">
+    <a:lvl7pPr marR="0" lvl="6" algn="l" rtl="0">
       <a:lnSpc>
         <a:spcPct val="100000"/>
       </a:lnSpc>
@@ -204,7 +206,7 @@
         <a:srgbClr val="000000"/>
       </a:buClr>
       <a:buFont typeface="Arial"/>
-      <a:defRPr b="0" i="0" sz="1400" u="none" cap="none" strike="noStrike">
+      <a:defRPr sz="1400" b="0" i="0" u="none" strike="noStrike" cap="none">
         <a:solidFill>
           <a:srgbClr val="000000"/>
         </a:solidFill>
@@ -214,7 +216,7 @@
         <a:sym typeface="Arial"/>
       </a:defRPr>
     </a:lvl7pPr>
-    <a:lvl8pPr lvl="7" marR="0" rtl="0" algn="l">
+    <a:lvl8pPr marR="0" lvl="7" algn="l" rtl="0">
       <a:lnSpc>
         <a:spcPct val="100000"/>
       </a:lnSpc>
@@ -228,7 +230,7 @@
         <a:srgbClr val="000000"/>
       </a:buClr>
       <a:buFont typeface="Arial"/>
-      <a:defRPr b="0" i="0" sz="1400" u="none" cap="none" strike="noStrike">
+      <a:defRPr sz="1400" b="0" i="0" u="none" strike="noStrike" cap="none">
         <a:solidFill>
           <a:srgbClr val="000000"/>
         </a:solidFill>
@@ -238,7 +240,7 @@
         <a:sym typeface="Arial"/>
       </a:defRPr>
     </a:lvl8pPr>
-    <a:lvl9pPr lvl="8" marR="0" rtl="0" algn="l">
+    <a:lvl9pPr marR="0" lvl="8" algn="l" rtl="0">
       <a:lnSpc>
         <a:spcPct val="100000"/>
       </a:lnSpc>
@@ -252,7 +254,7 @@
         <a:srgbClr val="000000"/>
       </a:buClr>
       <a:buFont typeface="Arial"/>
-      <a:defRPr b="0" i="0" sz="1400" u="none" cap="none" strike="noStrike">
+      <a:defRPr sz="1400" b="0" i="0" u="none" strike="noStrike" cap="none">
         <a:solidFill>
           <a:srgbClr val="000000"/>
         </a:solidFill>
@@ -265,7 +267,7 @@
   </p:defaultTextStyle>
   <p:extLst>
     <p:ext uri="{EFAFB233-063F-42B5-8137-9DF3F51BA10A}">
-      <p15:sldGuideLst>
+      <p15:sldGuideLst xmlns:p15="http://schemas.microsoft.com/office/powerpoint/2012/main">
         <p15:guide id="1" orient="horz" pos="1620">
           <p15:clr>
             <a:srgbClr val="A4A3A4"/>
@@ -282,12 +284,186 @@
 </p:presentation>
 </file>
 
+<file path=ppt/revisionInfo.xml><?xml version="1.0" encoding="utf-8"?>
+<p1510:revInfo xmlns:a="http://schemas.openxmlformats.org/drawingml/2006/main" xmlns:r="http://schemas.openxmlformats.org/officeDocument/2006/relationships" xmlns:p1510="http://schemas.microsoft.com/office/powerpoint/2015/10/main">
+  <p1510:revLst>
+    <p1510:client id="{45DFB069-287A-48C6-A2EE-BDAC050FCD4E}" v="38" dt="2021-12-07T06:38:38.205"/>
+  </p1510:revLst>
+</p1510:revInfo>
+</file>
+
+<file path=ppt/changesInfos/changesInfo1.xml><?xml version="1.0" encoding="utf-8"?>
+<pc:chgInfo xmlns:a="http://schemas.openxmlformats.org/drawingml/2006/main" xmlns:r="http://schemas.openxmlformats.org/officeDocument/2006/relationships" xmlns:ac="http://schemas.microsoft.com/office/drawing/2013/main/command" xmlns:pc="http://schemas.microsoft.com/office/powerpoint/2013/main/command">
+  <pc:docChgLst>
+    <pc:chgData name="Tian Xia" userId="93c06f42-b671-488a-88df-870be2730da8" providerId="ADAL" clId="{45DFB069-287A-48C6-A2EE-BDAC050FCD4E}"/>
+    <pc:docChg chg="undo custSel addSld modSld">
+      <pc:chgData name="Tian Xia" userId="93c06f42-b671-488a-88df-870be2730da8" providerId="ADAL" clId="{45DFB069-287A-48C6-A2EE-BDAC050FCD4E}" dt="2021-12-07T06:39:27.117" v="156" actId="20577"/>
+      <pc:docMkLst>
+        <pc:docMk/>
+      </pc:docMkLst>
+      <pc:sldChg chg="modSp mod">
+        <pc:chgData name="Tian Xia" userId="93c06f42-b671-488a-88df-870be2730da8" providerId="ADAL" clId="{45DFB069-287A-48C6-A2EE-BDAC050FCD4E}" dt="2021-12-06T02:45:38.321" v="5" actId="27636"/>
+        <pc:sldMkLst>
+          <pc:docMk/>
+          <pc:sldMk cId="0" sldId="258"/>
+        </pc:sldMkLst>
+        <pc:spChg chg="mod">
+          <ac:chgData name="Tian Xia" userId="93c06f42-b671-488a-88df-870be2730da8" providerId="ADAL" clId="{45DFB069-287A-48C6-A2EE-BDAC050FCD4E}" dt="2021-12-06T02:45:38.321" v="5" actId="27636"/>
+          <ac:spMkLst>
+            <pc:docMk/>
+            <pc:sldMk cId="0" sldId="258"/>
+            <ac:spMk id="98" creationId="{00000000-0000-0000-0000-000000000000}"/>
+          </ac:spMkLst>
+        </pc:spChg>
+      </pc:sldChg>
+      <pc:sldChg chg="modSp mod">
+        <pc:chgData name="Tian Xia" userId="93c06f42-b671-488a-88df-870be2730da8" providerId="ADAL" clId="{45DFB069-287A-48C6-A2EE-BDAC050FCD4E}" dt="2021-12-06T02:45:29.089" v="0" actId="2164"/>
+        <pc:sldMkLst>
+          <pc:docMk/>
+          <pc:sldMk cId="0" sldId="266"/>
+        </pc:sldMkLst>
+        <pc:graphicFrameChg chg="modGraphic">
+          <ac:chgData name="Tian Xia" userId="93c06f42-b671-488a-88df-870be2730da8" providerId="ADAL" clId="{45DFB069-287A-48C6-A2EE-BDAC050FCD4E}" dt="2021-12-06T02:45:29.089" v="0" actId="2164"/>
+          <ac:graphicFrameMkLst>
+            <pc:docMk/>
+            <pc:sldMk cId="0" sldId="266"/>
+            <ac:graphicFrameMk id="161" creationId="{00000000-0000-0000-0000-000000000000}"/>
+          </ac:graphicFrameMkLst>
+        </pc:graphicFrameChg>
+      </pc:sldChg>
+      <pc:sldChg chg="modSp mod">
+        <pc:chgData name="Tian Xia" userId="93c06f42-b671-488a-88df-870be2730da8" providerId="ADAL" clId="{45DFB069-287A-48C6-A2EE-BDAC050FCD4E}" dt="2021-12-07T06:39:27.117" v="156" actId="20577"/>
+        <pc:sldMkLst>
+          <pc:docMk/>
+          <pc:sldMk cId="0" sldId="268"/>
+        </pc:sldMkLst>
+        <pc:spChg chg="mod">
+          <ac:chgData name="Tian Xia" userId="93c06f42-b671-488a-88df-870be2730da8" providerId="ADAL" clId="{45DFB069-287A-48C6-A2EE-BDAC050FCD4E}" dt="2021-12-07T06:39:27.117" v="156" actId="20577"/>
+          <ac:spMkLst>
+            <pc:docMk/>
+            <pc:sldMk cId="0" sldId="268"/>
+            <ac:spMk id="174" creationId="{00000000-0000-0000-0000-000000000000}"/>
+          </ac:spMkLst>
+        </pc:spChg>
+        <pc:graphicFrameChg chg="mod modGraphic">
+          <ac:chgData name="Tian Xia" userId="93c06f42-b671-488a-88df-870be2730da8" providerId="ADAL" clId="{45DFB069-287A-48C6-A2EE-BDAC050FCD4E}" dt="2021-12-07T06:38:39.517" v="110" actId="20577"/>
+          <ac:graphicFrameMkLst>
+            <pc:docMk/>
+            <pc:sldMk cId="0" sldId="268"/>
+            <ac:graphicFrameMk id="173" creationId="{00000000-0000-0000-0000-000000000000}"/>
+          </ac:graphicFrameMkLst>
+        </pc:graphicFrameChg>
+      </pc:sldChg>
+      <pc:sldChg chg="addSp delSp modSp new mod">
+        <pc:chgData name="Tian Xia" userId="93c06f42-b671-488a-88df-870be2730da8" providerId="ADAL" clId="{45DFB069-287A-48C6-A2EE-BDAC050FCD4E}" dt="2021-12-07T06:28:20.829" v="41" actId="1076"/>
+        <pc:sldMkLst>
+          <pc:docMk/>
+          <pc:sldMk cId="1281129183" sldId="270"/>
+        </pc:sldMkLst>
+        <pc:spChg chg="del">
+          <ac:chgData name="Tian Xia" userId="93c06f42-b671-488a-88df-870be2730da8" providerId="ADAL" clId="{45DFB069-287A-48C6-A2EE-BDAC050FCD4E}" dt="2021-12-07T06:27:25.380" v="19" actId="478"/>
+          <ac:spMkLst>
+            <pc:docMk/>
+            <pc:sldMk cId="1281129183" sldId="270"/>
+            <ac:spMk id="2" creationId="{C4B46DD9-67A7-4F56-BB5A-341B9D96285C}"/>
+          </ac:spMkLst>
+        </pc:spChg>
+        <pc:spChg chg="del">
+          <ac:chgData name="Tian Xia" userId="93c06f42-b671-488a-88df-870be2730da8" providerId="ADAL" clId="{45DFB069-287A-48C6-A2EE-BDAC050FCD4E}" dt="2021-12-07T06:27:26.715" v="20" actId="478"/>
+          <ac:spMkLst>
+            <pc:docMk/>
+            <pc:sldMk cId="1281129183" sldId="270"/>
+            <ac:spMk id="3" creationId="{5A225E64-4EBE-40FE-A152-C1DF4B83EB65}"/>
+          </ac:spMkLst>
+        </pc:spChg>
+        <pc:picChg chg="add mod">
+          <ac:chgData name="Tian Xia" userId="93c06f42-b671-488a-88df-870be2730da8" providerId="ADAL" clId="{45DFB069-287A-48C6-A2EE-BDAC050FCD4E}" dt="2021-12-07T06:28:14.369" v="39" actId="1076"/>
+          <ac:picMkLst>
+            <pc:docMk/>
+            <pc:sldMk cId="1281129183" sldId="270"/>
+            <ac:picMk id="5" creationId="{01A45685-095A-4044-9919-0C07FA650487}"/>
+          </ac:picMkLst>
+        </pc:picChg>
+        <pc:picChg chg="add mod">
+          <ac:chgData name="Tian Xia" userId="93c06f42-b671-488a-88df-870be2730da8" providerId="ADAL" clId="{45DFB069-287A-48C6-A2EE-BDAC050FCD4E}" dt="2021-12-07T06:28:20.829" v="41" actId="1076"/>
+          <ac:picMkLst>
+            <pc:docMk/>
+            <pc:sldMk cId="1281129183" sldId="270"/>
+            <ac:picMk id="7" creationId="{97871A5E-44B6-4895-91F7-4C193A459B08}"/>
+          </ac:picMkLst>
+        </pc:picChg>
+        <pc:picChg chg="add mod">
+          <ac:chgData name="Tian Xia" userId="93c06f42-b671-488a-88df-870be2730da8" providerId="ADAL" clId="{45DFB069-287A-48C6-A2EE-BDAC050FCD4E}" dt="2021-12-07T06:28:16.036" v="40" actId="1076"/>
+          <ac:picMkLst>
+            <pc:docMk/>
+            <pc:sldMk cId="1281129183" sldId="270"/>
+            <ac:picMk id="9" creationId="{B4AFC70C-75FE-4BE8-B4E8-B31406C8287C}"/>
+          </ac:picMkLst>
+        </pc:picChg>
+        <pc:picChg chg="add mod">
+          <ac:chgData name="Tian Xia" userId="93c06f42-b671-488a-88df-870be2730da8" providerId="ADAL" clId="{45DFB069-287A-48C6-A2EE-BDAC050FCD4E}" dt="2021-12-07T06:28:12.463" v="38" actId="1076"/>
+          <ac:picMkLst>
+            <pc:docMk/>
+            <pc:sldMk cId="1281129183" sldId="270"/>
+            <ac:picMk id="11" creationId="{02BA519A-4465-41B5-B929-4B4CA2709B0B}"/>
+          </ac:picMkLst>
+        </pc:picChg>
+      </pc:sldChg>
+      <pc:sldChg chg="addSp delSp modSp new mod">
+        <pc:chgData name="Tian Xia" userId="93c06f42-b671-488a-88df-870be2730da8" providerId="ADAL" clId="{45DFB069-287A-48C6-A2EE-BDAC050FCD4E}" dt="2021-12-07T06:30:03.772" v="57" actId="1076"/>
+        <pc:sldMkLst>
+          <pc:docMk/>
+          <pc:sldMk cId="3201186893" sldId="271"/>
+        </pc:sldMkLst>
+        <pc:spChg chg="del">
+          <ac:chgData name="Tian Xia" userId="93c06f42-b671-488a-88df-870be2730da8" providerId="ADAL" clId="{45DFB069-287A-48C6-A2EE-BDAC050FCD4E}" dt="2021-12-07T06:28:31.516" v="43" actId="478"/>
+          <ac:spMkLst>
+            <pc:docMk/>
+            <pc:sldMk cId="3201186893" sldId="271"/>
+            <ac:spMk id="2" creationId="{8C4C852B-01CE-4057-AF10-6E7AF3F93A59}"/>
+          </ac:spMkLst>
+        </pc:spChg>
+        <pc:spChg chg="del">
+          <ac:chgData name="Tian Xia" userId="93c06f42-b671-488a-88df-870be2730da8" providerId="ADAL" clId="{45DFB069-287A-48C6-A2EE-BDAC050FCD4E}" dt="2021-12-07T06:28:32.307" v="44" actId="478"/>
+          <ac:spMkLst>
+            <pc:docMk/>
+            <pc:sldMk cId="3201186893" sldId="271"/>
+            <ac:spMk id="3" creationId="{33B87CCF-E4F5-4ACB-9719-928D7EC5E45F}"/>
+          </ac:spMkLst>
+        </pc:spChg>
+        <pc:picChg chg="add mod">
+          <ac:chgData name="Tian Xia" userId="93c06f42-b671-488a-88df-870be2730da8" providerId="ADAL" clId="{45DFB069-287A-48C6-A2EE-BDAC050FCD4E}" dt="2021-12-07T06:29:18.377" v="50" actId="14100"/>
+          <ac:picMkLst>
+            <pc:docMk/>
+            <pc:sldMk cId="3201186893" sldId="271"/>
+            <ac:picMk id="5" creationId="{10922C2B-D71E-4558-AB53-11DCD87B3680}"/>
+          </ac:picMkLst>
+        </pc:picChg>
+        <pc:picChg chg="add mod">
+          <ac:chgData name="Tian Xia" userId="93c06f42-b671-488a-88df-870be2730da8" providerId="ADAL" clId="{45DFB069-287A-48C6-A2EE-BDAC050FCD4E}" dt="2021-12-07T06:30:03.772" v="57" actId="1076"/>
+          <ac:picMkLst>
+            <pc:docMk/>
+            <pc:sldMk cId="3201186893" sldId="271"/>
+            <ac:picMk id="7" creationId="{F267A06F-02BA-424F-8B79-B879E2D506B8}"/>
+          </ac:picMkLst>
+        </pc:picChg>
+      </pc:sldChg>
+    </pc:docChg>
+  </pc:docChgLst>
+</pc:chgInfo>
+</file>
+
 <file path=ppt/notesMasters/notesMaster1.xml><?xml version="1.0" encoding="utf-8"?>
-<p:notesMaster xmlns:a="http://schemas.openxmlformats.org/drawingml/2006/main" xmlns:r="http://schemas.openxmlformats.org/officeDocument/2006/relationships" xmlns:mc="http://schemas.openxmlformats.org/markup-compatibility/2006" xmlns:mv="urn:schemas-microsoft-com:mac:vml" xmlns:p="http://schemas.openxmlformats.org/presentationml/2006/main" xmlns:c="http://schemas.openxmlformats.org/drawingml/2006/chart" xmlns:dgm="http://schemas.openxmlformats.org/drawingml/2006/diagram" xmlns:o="urn:schemas-microsoft-com:office:office" xmlns:v="urn:schemas-microsoft-com:vml" xmlns:pvml="urn:schemas-microsoft-com:office:powerpoint" xmlns:com="http://schemas.openxmlformats.org/drawingml/2006/compatibility" xmlns:p14="http://schemas.microsoft.com/office/powerpoint/2010/main" xmlns:p15="http://schemas.microsoft.com/office/powerpoint/2012/main" xmlns:ahyp="http://schemas.microsoft.com/office/drawing/2018/hyperlinkcolor">
+<p:notesMaster xmlns:a="http://schemas.openxmlformats.org/drawingml/2006/main" xmlns:r="http://schemas.openxmlformats.org/officeDocument/2006/relationships" xmlns:p="http://schemas.openxmlformats.org/presentationml/2006/main">
   <p:cSld>
+    <p:bg>
+      <p:bgRef idx="1001">
+        <a:schemeClr val="bg1"/>
+      </p:bgRef>
+    </p:bg>
     <p:spTree>
       <p:nvGrpSpPr>
-        <p:cNvPr id="2" name="Shape 2"/>
+        <p:cNvPr id="1" name="Shape 2"/>
         <p:cNvGrpSpPr/>
         <p:nvPr/>
       </p:nvGrpSpPr>
@@ -302,9 +478,11 @@
       <p:sp>
         <p:nvSpPr>
           <p:cNvPr id="3" name="Google Shape;3;n"/>
-          <p:cNvSpPr/>
+          <p:cNvSpPr>
+            <a:spLocks noGrp="1" noRot="1" noChangeAspect="1"/>
+          </p:cNvSpPr>
           <p:nvPr>
-            <p:ph idx="2" type="sldImg"/>
+            <p:ph type="sldImg" idx="2"/>
           </p:nvPr>
         </p:nvSpPr>
         <p:spPr>
@@ -313,9 +491,13 @@
             <a:ext cx="6096075" cy="3429000"/>
           </a:xfrm>
           <a:custGeom>
-            <a:rect b="b" l="l" r="r" t="t"/>
+            <a:avLst/>
+            <a:gdLst/>
+            <a:ahLst/>
+            <a:cxnLst/>
+            <a:rect l="l" t="t" r="r" b="b"/>
             <a:pathLst>
-              <a:path extrusionOk="0" h="120000" w="120000">
+              <a:path w="120000" h="120000" extrusionOk="0">
                 <a:moveTo>
                   <a:pt x="0" y="0"/>
                 </a:moveTo>
@@ -333,23 +515,25 @@
             </a:pathLst>
           </a:custGeom>
           <a:noFill/>
-          <a:ln cap="flat" cmpd="sng" w="9525">
+          <a:ln w="9525" cap="flat" cmpd="sng">
             <a:solidFill>
               <a:srgbClr val="000000"/>
             </a:solidFill>
             <a:prstDash val="solid"/>
             <a:round/>
-            <a:headEnd len="sm" w="sm" type="none"/>
-            <a:tailEnd len="sm" w="sm" type="none"/>
+            <a:headEnd type="none" w="sm" len="sm"/>
+            <a:tailEnd type="none" w="sm" len="sm"/>
           </a:ln>
         </p:spPr>
       </p:sp>
       <p:sp>
         <p:nvSpPr>
           <p:cNvPr id="4" name="Google Shape;4;n"/>
-          <p:cNvSpPr txBox="1"/>
+          <p:cNvSpPr txBox="1">
+            <a:spLocks noGrp="1"/>
+          </p:cNvSpPr>
           <p:nvPr>
-            <p:ph idx="1" type="body"/>
+            <p:ph type="body" idx="1"/>
           </p:nvPr>
         </p:nvSpPr>
         <p:spPr>
@@ -366,11 +550,11 @@
           </a:ln>
         </p:spPr>
         <p:txBody>
-          <a:bodyPr anchorCtr="0" anchor="t" bIns="91425" lIns="91425" spcFirstLastPara="1" rIns="91425" wrap="square" tIns="91425">
+          <a:bodyPr spcFirstLastPara="1" wrap="square" lIns="91425" tIns="91425" rIns="91425" bIns="91425" anchor="t" anchorCtr="0">
             <a:noAutofit/>
           </a:bodyPr>
           <a:lstStyle>
-            <a:lvl1pPr indent="-298450" lvl="0" marL="457200">
+            <a:lvl1pPr marL="457200" lvl="0" indent="-298450">
               <a:spcBef>
                 <a:spcPts val="0"/>
               </a:spcBef>
@@ -381,7 +565,7 @@
               <a:buChar char="●"/>
               <a:defRPr sz="1100"/>
             </a:lvl1pPr>
-            <a:lvl2pPr indent="-298450" lvl="1" marL="914400">
+            <a:lvl2pPr marL="914400" lvl="1" indent="-298450">
               <a:spcBef>
                 <a:spcPts val="0"/>
               </a:spcBef>
@@ -392,7 +576,7 @@
               <a:buChar char="○"/>
               <a:defRPr sz="1100"/>
             </a:lvl2pPr>
-            <a:lvl3pPr indent="-298450" lvl="2" marL="1371600">
+            <a:lvl3pPr marL="1371600" lvl="2" indent="-298450">
               <a:spcBef>
                 <a:spcPts val="0"/>
               </a:spcBef>
@@ -403,7 +587,7 @@
               <a:buChar char="■"/>
               <a:defRPr sz="1100"/>
             </a:lvl3pPr>
-            <a:lvl4pPr indent="-298450" lvl="3" marL="1828800">
+            <a:lvl4pPr marL="1828800" lvl="3" indent="-298450">
               <a:spcBef>
                 <a:spcPts val="0"/>
               </a:spcBef>
@@ -414,7 +598,7 @@
               <a:buChar char="●"/>
               <a:defRPr sz="1100"/>
             </a:lvl4pPr>
-            <a:lvl5pPr indent="-298450" lvl="4" marL="2286000">
+            <a:lvl5pPr marL="2286000" lvl="4" indent="-298450">
               <a:spcBef>
                 <a:spcPts val="0"/>
               </a:spcBef>
@@ -425,7 +609,7 @@
               <a:buChar char="○"/>
               <a:defRPr sz="1100"/>
             </a:lvl5pPr>
-            <a:lvl6pPr indent="-298450" lvl="5" marL="2743200">
+            <a:lvl6pPr marL="2743200" lvl="5" indent="-298450">
               <a:spcBef>
                 <a:spcPts val="0"/>
               </a:spcBef>
@@ -436,7 +620,7 @@
               <a:buChar char="■"/>
               <a:defRPr sz="1100"/>
             </a:lvl6pPr>
-            <a:lvl7pPr indent="-298450" lvl="6" marL="3200400">
+            <a:lvl7pPr marL="3200400" lvl="6" indent="-298450">
               <a:spcBef>
                 <a:spcPts val="0"/>
               </a:spcBef>
@@ -447,7 +631,7 @@
               <a:buChar char="●"/>
               <a:defRPr sz="1100"/>
             </a:lvl7pPr>
-            <a:lvl8pPr indent="-298450" lvl="7" marL="3657600">
+            <a:lvl8pPr marL="3657600" lvl="7" indent="-298450">
               <a:spcBef>
                 <a:spcPts val="0"/>
               </a:spcBef>
@@ -458,7 +642,7 @@
               <a:buChar char="○"/>
               <a:defRPr sz="1100"/>
             </a:lvl8pPr>
-            <a:lvl9pPr indent="-298450" lvl="8" marL="4114800">
+            <a:lvl9pPr marL="4114800" lvl="8" indent="-298450">
               <a:spcBef>
                 <a:spcPts val="0"/>
               </a:spcBef>
@@ -470,14 +654,16 @@
               <a:defRPr sz="1100"/>
             </a:lvl9pPr>
           </a:lstStyle>
-          <a:p/>
+          <a:p>
+            <a:endParaRPr/>
+          </a:p>
         </p:txBody>
       </p:sp>
     </p:spTree>
   </p:cSld>
-  <p:clrMap accent1="accent1" accent2="accent2" accent3="accent3" accent4="accent4" accent5="accent5" accent6="accent6" bg1="lt1" bg2="dk2" tx1="dk1" tx2="lt2" folHlink="folHlink" hlink="hlink"/>
+  <p:clrMap bg1="lt1" tx1="dk1" bg2="dk2" tx2="lt2" accent1="accent1" accent2="accent2" accent3="accent3" accent4="accent4" accent5="accent5" accent6="accent6" hlink="hlink" folHlink="folHlink"/>
   <p:notesStyle>
-    <a:defPPr lvl="0" marR="0" rtl="0" algn="l">
+    <a:defPPr marR="0" lvl="0" algn="l" rtl="0">
       <a:lnSpc>
         <a:spcPct val="100000"/>
       </a:lnSpc>
@@ -488,7 +674,7 @@
         <a:spcPts val="0"/>
       </a:spcAft>
     </a:defPPr>
-    <a:lvl1pPr lvl="0" marR="0" rtl="0" algn="l">
+    <a:lvl1pPr marR="0" lvl="0" algn="l" rtl="0">
       <a:lnSpc>
         <a:spcPct val="100000"/>
       </a:lnSpc>
@@ -502,7 +688,7 @@
         <a:srgbClr val="000000"/>
       </a:buClr>
       <a:buFont typeface="Arial"/>
-      <a:defRPr b="0" i="0" sz="1400" u="none" cap="none" strike="noStrike">
+      <a:defRPr sz="1400" b="0" i="0" u="none" strike="noStrike" cap="none">
         <a:solidFill>
           <a:srgbClr val="000000"/>
         </a:solidFill>
@@ -512,7 +698,7 @@
         <a:sym typeface="Arial"/>
       </a:defRPr>
     </a:lvl1pPr>
-    <a:lvl2pPr lvl="1" marR="0" rtl="0" algn="l">
+    <a:lvl2pPr marR="0" lvl="1" algn="l" rtl="0">
       <a:lnSpc>
         <a:spcPct val="100000"/>
       </a:lnSpc>
@@ -526,7 +712,7 @@
         <a:srgbClr val="000000"/>
       </a:buClr>
       <a:buFont typeface="Arial"/>
-      <a:defRPr b="0" i="0" sz="1400" u="none" cap="none" strike="noStrike">
+      <a:defRPr sz="1400" b="0" i="0" u="none" strike="noStrike" cap="none">
         <a:solidFill>
           <a:srgbClr val="000000"/>
         </a:solidFill>
@@ -536,7 +722,7 @@
         <a:sym typeface="Arial"/>
       </a:defRPr>
     </a:lvl2pPr>
-    <a:lvl3pPr lvl="2" marR="0" rtl="0" algn="l">
+    <a:lvl3pPr marR="0" lvl="2" algn="l" rtl="0">
       <a:lnSpc>
         <a:spcPct val="100000"/>
       </a:lnSpc>
@@ -550,7 +736,7 @@
         <a:srgbClr val="000000"/>
       </a:buClr>
       <a:buFont typeface="Arial"/>
-      <a:defRPr b="0" i="0" sz="1400" u="none" cap="none" strike="noStrike">
+      <a:defRPr sz="1400" b="0" i="0" u="none" strike="noStrike" cap="none">
         <a:solidFill>
           <a:srgbClr val="000000"/>
         </a:solidFill>
@@ -560,7 +746,7 @@
         <a:sym typeface="Arial"/>
       </a:defRPr>
     </a:lvl3pPr>
-    <a:lvl4pPr lvl="3" marR="0" rtl="0" algn="l">
+    <a:lvl4pPr marR="0" lvl="3" algn="l" rtl="0">
       <a:lnSpc>
         <a:spcPct val="100000"/>
       </a:lnSpc>
@@ -574,7 +760,7 @@
         <a:srgbClr val="000000"/>
       </a:buClr>
       <a:buFont typeface="Arial"/>
-      <a:defRPr b="0" i="0" sz="1400" u="none" cap="none" strike="noStrike">
+      <a:defRPr sz="1400" b="0" i="0" u="none" strike="noStrike" cap="none">
         <a:solidFill>
           <a:srgbClr val="000000"/>
         </a:solidFill>
@@ -584,7 +770,7 @@
         <a:sym typeface="Arial"/>
       </a:defRPr>
     </a:lvl4pPr>
-    <a:lvl5pPr lvl="4" marR="0" rtl="0" algn="l">
+    <a:lvl5pPr marR="0" lvl="4" algn="l" rtl="0">
       <a:lnSpc>
         <a:spcPct val="100000"/>
       </a:lnSpc>
@@ -598,7 +784,7 @@
         <a:srgbClr val="000000"/>
       </a:buClr>
       <a:buFont typeface="Arial"/>
-      <a:defRPr b="0" i="0" sz="1400" u="none" cap="none" strike="noStrike">
+      <a:defRPr sz="1400" b="0" i="0" u="none" strike="noStrike" cap="none">
         <a:solidFill>
           <a:srgbClr val="000000"/>
         </a:solidFill>
@@ -608,7 +794,7 @@
         <a:sym typeface="Arial"/>
       </a:defRPr>
     </a:lvl5pPr>
-    <a:lvl6pPr lvl="5" marR="0" rtl="0" algn="l">
+    <a:lvl6pPr marR="0" lvl="5" algn="l" rtl="0">
       <a:lnSpc>
         <a:spcPct val="100000"/>
       </a:lnSpc>
@@ -622,7 +808,7 @@
         <a:srgbClr val="000000"/>
       </a:buClr>
       <a:buFont typeface="Arial"/>
-      <a:defRPr b="0" i="0" sz="1400" u="none" cap="none" strike="noStrike">
+      <a:defRPr sz="1400" b="0" i="0" u="none" strike="noStrike" cap="none">
         <a:solidFill>
           <a:srgbClr val="000000"/>
         </a:solidFill>
@@ -632,7 +818,7 @@
         <a:sym typeface="Arial"/>
       </a:defRPr>
     </a:lvl6pPr>
-    <a:lvl7pPr lvl="6" marR="0" rtl="0" algn="l">
+    <a:lvl7pPr marR="0" lvl="6" algn="l" rtl="0">
       <a:lnSpc>
         <a:spcPct val="100000"/>
       </a:lnSpc>
@@ -646,7 +832,7 @@
         <a:srgbClr val="000000"/>
       </a:buClr>
       <a:buFont typeface="Arial"/>
-      <a:defRPr b="0" i="0" sz="1400" u="none" cap="none" strike="noStrike">
+      <a:defRPr sz="1400" b="0" i="0" u="none" strike="noStrike" cap="none">
         <a:solidFill>
           <a:srgbClr val="000000"/>
         </a:solidFill>
@@ -656,7 +842,7 @@
         <a:sym typeface="Arial"/>
       </a:defRPr>
     </a:lvl7pPr>
-    <a:lvl8pPr lvl="7" marR="0" rtl="0" algn="l">
+    <a:lvl8pPr marR="0" lvl="7" algn="l" rtl="0">
       <a:lnSpc>
         <a:spcPct val="100000"/>
       </a:lnSpc>
@@ -670,7 +856,7 @@
         <a:srgbClr val="000000"/>
       </a:buClr>
       <a:buFont typeface="Arial"/>
-      <a:defRPr b="0" i="0" sz="1400" u="none" cap="none" strike="noStrike">
+      <a:defRPr sz="1400" b="0" i="0" u="none" strike="noStrike" cap="none">
         <a:solidFill>
           <a:srgbClr val="000000"/>
         </a:solidFill>
@@ -680,7 +866,7 @@
         <a:sym typeface="Arial"/>
       </a:defRPr>
     </a:lvl8pPr>
-    <a:lvl9pPr lvl="8" marR="0" rtl="0" algn="l">
+    <a:lvl9pPr marR="0" lvl="8" algn="l" rtl="0">
       <a:lnSpc>
         <a:spcPct val="100000"/>
       </a:lnSpc>
@@ -694,7 +880,7 @@
         <a:srgbClr val="000000"/>
       </a:buClr>
       <a:buFont typeface="Arial"/>
-      <a:defRPr b="0" i="0" sz="1400" u="none" cap="none" strike="noStrike">
+      <a:defRPr sz="1400" b="0" i="0" u="none" strike="noStrike" cap="none">
         <a:solidFill>
           <a:srgbClr val="000000"/>
         </a:solidFill>
@@ -709,11 +895,11 @@
 </file>
 
 <file path=ppt/notesSlides/notesSlide1.xml><?xml version="1.0" encoding="utf-8"?>
-<p:notes xmlns:a="http://schemas.openxmlformats.org/drawingml/2006/main" xmlns:r="http://schemas.openxmlformats.org/officeDocument/2006/relationships" xmlns:mc="http://schemas.openxmlformats.org/markup-compatibility/2006" xmlns:mv="urn:schemas-microsoft-com:mac:vml" xmlns:p="http://schemas.openxmlformats.org/presentationml/2006/main" xmlns:c="http://schemas.openxmlformats.org/drawingml/2006/chart" xmlns:dgm="http://schemas.openxmlformats.org/drawingml/2006/diagram" xmlns:o="urn:schemas-microsoft-com:office:office" xmlns:v="urn:schemas-microsoft-com:vml" xmlns:pvml="urn:schemas-microsoft-com:office:powerpoint" xmlns:com="http://schemas.openxmlformats.org/drawingml/2006/compatibility" xmlns:p14="http://schemas.microsoft.com/office/powerpoint/2010/main" xmlns:p15="http://schemas.microsoft.com/office/powerpoint/2012/main" xmlns:ahyp="http://schemas.microsoft.com/office/drawing/2018/hyperlinkcolor" showMasterPhAnim="0" showMasterSp="0">
+<p:notes xmlns:a="http://schemas.openxmlformats.org/drawingml/2006/main" xmlns:r="http://schemas.openxmlformats.org/officeDocument/2006/relationships" xmlns:p="http://schemas.openxmlformats.org/presentationml/2006/main" showMasterSp="0" showMasterPhAnim="0">
   <p:cSld>
     <p:spTree>
       <p:nvGrpSpPr>
-        <p:cNvPr id="81" name="Shape 81"/>
+        <p:cNvPr id="1" name="Shape 81"/>
         <p:cNvGrpSpPr/>
         <p:nvPr/>
       </p:nvGrpSpPr>
@@ -728,9 +914,11 @@
       <p:sp>
         <p:nvSpPr>
           <p:cNvPr id="82" name="Google Shape;82;p:notes"/>
-          <p:cNvSpPr/>
+          <p:cNvSpPr>
+            <a:spLocks noGrp="1" noRot="1" noChangeAspect="1"/>
+          </p:cNvSpPr>
           <p:nvPr>
-            <p:ph idx="2" type="sldImg"/>
+            <p:ph type="sldImg" idx="2"/>
           </p:nvPr>
         </p:nvSpPr>
         <p:spPr>
@@ -739,9 +927,13 @@
             <a:ext cx="6096075" cy="3429000"/>
           </a:xfrm>
           <a:custGeom>
-            <a:rect b="b" l="l" r="r" t="t"/>
+            <a:avLst/>
+            <a:gdLst/>
+            <a:ahLst/>
+            <a:cxnLst/>
+            <a:rect l="l" t="t" r="r" b="b"/>
             <a:pathLst>
-              <a:path extrusionOk="0" h="120000" w="120000">
+              <a:path w="120000" h="120000" extrusionOk="0">
                 <a:moveTo>
                   <a:pt x="0" y="0"/>
                 </a:moveTo>
@@ -763,9 +955,11 @@
       <p:sp>
         <p:nvSpPr>
           <p:cNvPr id="83" name="Google Shape;83;p:notes"/>
-          <p:cNvSpPr txBox="1"/>
+          <p:cNvSpPr txBox="1">
+            <a:spLocks noGrp="1"/>
+          </p:cNvSpPr>
           <p:nvPr>
-            <p:ph idx="1" type="body"/>
+            <p:ph type="body" idx="1"/>
           </p:nvPr>
         </p:nvSpPr>
         <p:spPr>
@@ -778,12 +972,12 @@
           </a:prstGeom>
         </p:spPr>
         <p:txBody>
-          <a:bodyPr anchorCtr="0" anchor="t" bIns="91425" lIns="91425" spcFirstLastPara="1" rIns="91425" wrap="square" tIns="91425">
+          <a:bodyPr spcFirstLastPara="1" wrap="square" lIns="91425" tIns="91425" rIns="91425" bIns="91425" anchor="t" anchorCtr="0">
             <a:noAutofit/>
           </a:bodyPr>
           <a:lstStyle/>
           <a:p>
-            <a:pPr indent="0" lvl="0" marL="0" rtl="0" algn="l">
+            <a:pPr marL="0" lvl="0" indent="0" algn="l" rtl="0">
               <a:spcBef>
                 <a:spcPts val="0"/>
               </a:spcBef>
@@ -792,9 +986,6 @@
               </a:spcAft>
               <a:buNone/>
             </a:pPr>
-            <a:r>
-              <a:t/>
-            </a:r>
             <a:endParaRPr/>
           </a:p>
         </p:txBody>
@@ -808,11 +999,11 @@
 </file>
 
 <file path=ppt/notesSlides/notesSlide10.xml><?xml version="1.0" encoding="utf-8"?>
-<p:notes xmlns:a="http://schemas.openxmlformats.org/drawingml/2006/main" xmlns:r="http://schemas.openxmlformats.org/officeDocument/2006/relationships" xmlns:mc="http://schemas.openxmlformats.org/markup-compatibility/2006" xmlns:mv="urn:schemas-microsoft-com:mac:vml" xmlns:p="http://schemas.openxmlformats.org/presentationml/2006/main" xmlns:c="http://schemas.openxmlformats.org/drawingml/2006/chart" xmlns:dgm="http://schemas.openxmlformats.org/drawingml/2006/diagram" xmlns:o="urn:schemas-microsoft-com:office:office" xmlns:v="urn:schemas-microsoft-com:vml" xmlns:pvml="urn:schemas-microsoft-com:office:powerpoint" xmlns:com="http://schemas.openxmlformats.org/drawingml/2006/compatibility" xmlns:p14="http://schemas.microsoft.com/office/powerpoint/2010/main" xmlns:p15="http://schemas.microsoft.com/office/powerpoint/2012/main" xmlns:ahyp="http://schemas.microsoft.com/office/drawing/2018/hyperlinkcolor" showMasterPhAnim="0" showMasterSp="0">
+<p:notes xmlns:a="http://schemas.openxmlformats.org/drawingml/2006/main" xmlns:r="http://schemas.openxmlformats.org/officeDocument/2006/relationships" xmlns:p="http://schemas.openxmlformats.org/presentationml/2006/main" showMasterSp="0" showMasterPhAnim="0">
   <p:cSld>
     <p:spTree>
       <p:nvGrpSpPr>
-        <p:cNvPr id="149" name="Shape 149"/>
+        <p:cNvPr id="1" name="Shape 149"/>
         <p:cNvGrpSpPr/>
         <p:nvPr/>
       </p:nvGrpSpPr>
@@ -827,9 +1018,11 @@
       <p:sp>
         <p:nvSpPr>
           <p:cNvPr id="150" name="Google Shape;150;g106151a3e67_0_125:notes"/>
-          <p:cNvSpPr/>
+          <p:cNvSpPr>
+            <a:spLocks noGrp="1" noRot="1" noChangeAspect="1"/>
+          </p:cNvSpPr>
           <p:nvPr>
-            <p:ph idx="2" type="sldImg"/>
+            <p:ph type="sldImg" idx="2"/>
           </p:nvPr>
         </p:nvSpPr>
         <p:spPr>
@@ -838,9 +1031,13 @@
             <a:ext cx="6096000" cy="3429000"/>
           </a:xfrm>
           <a:custGeom>
-            <a:rect b="b" l="l" r="r" t="t"/>
+            <a:avLst/>
+            <a:gdLst/>
+            <a:ahLst/>
+            <a:cxnLst/>
+            <a:rect l="l" t="t" r="r" b="b"/>
             <a:pathLst>
-              <a:path extrusionOk="0" h="120000" w="120000">
+              <a:path w="120000" h="120000" extrusionOk="0">
                 <a:moveTo>
                   <a:pt x="0" y="0"/>
                 </a:moveTo>
@@ -862,9 +1059,11 @@
       <p:sp>
         <p:nvSpPr>
           <p:cNvPr id="151" name="Google Shape;151;g106151a3e67_0_125:notes"/>
-          <p:cNvSpPr txBox="1"/>
+          <p:cNvSpPr txBox="1">
+            <a:spLocks noGrp="1"/>
+          </p:cNvSpPr>
           <p:nvPr>
-            <p:ph idx="1" type="body"/>
+            <p:ph type="body" idx="1"/>
           </p:nvPr>
         </p:nvSpPr>
         <p:spPr>
@@ -877,12 +1076,12 @@
           </a:prstGeom>
         </p:spPr>
         <p:txBody>
-          <a:bodyPr anchorCtr="0" anchor="t" bIns="91425" lIns="91425" spcFirstLastPara="1" rIns="91425" wrap="square" tIns="91425">
+          <a:bodyPr spcFirstLastPara="1" wrap="square" lIns="91425" tIns="91425" rIns="91425" bIns="91425" anchor="t" anchorCtr="0">
             <a:noAutofit/>
           </a:bodyPr>
           <a:lstStyle/>
           <a:p>
-            <a:pPr indent="0" lvl="0" marL="0" rtl="0" algn="l">
+            <a:pPr marL="0" lvl="0" indent="0" algn="l" rtl="0">
               <a:spcBef>
                 <a:spcPts val="0"/>
               </a:spcBef>
@@ -891,9 +1090,6 @@
               </a:spcAft>
               <a:buNone/>
             </a:pPr>
-            <a:r>
-              <a:t/>
-            </a:r>
             <a:endParaRPr/>
           </a:p>
         </p:txBody>
@@ -907,11 +1103,11 @@
 </file>
 
 <file path=ppt/notesSlides/notesSlide11.xml><?xml version="1.0" encoding="utf-8"?>
-<p:notes xmlns:a="http://schemas.openxmlformats.org/drawingml/2006/main" xmlns:r="http://schemas.openxmlformats.org/officeDocument/2006/relationships" xmlns:mc="http://schemas.openxmlformats.org/markup-compatibility/2006" xmlns:mv="urn:schemas-microsoft-com:mac:vml" xmlns:p="http://schemas.openxmlformats.org/presentationml/2006/main" xmlns:c="http://schemas.openxmlformats.org/drawingml/2006/chart" xmlns:dgm="http://schemas.openxmlformats.org/drawingml/2006/diagram" xmlns:o="urn:schemas-microsoft-com:office:office" xmlns:v="urn:schemas-microsoft-com:vml" xmlns:pvml="urn:schemas-microsoft-com:office:powerpoint" xmlns:com="http://schemas.openxmlformats.org/drawingml/2006/compatibility" xmlns:p14="http://schemas.microsoft.com/office/powerpoint/2010/main" xmlns:p15="http://schemas.microsoft.com/office/powerpoint/2012/main" xmlns:ahyp="http://schemas.microsoft.com/office/drawing/2018/hyperlinkcolor" showMasterPhAnim="0" showMasterSp="0">
+<p:notes xmlns:a="http://schemas.openxmlformats.org/drawingml/2006/main" xmlns:r="http://schemas.openxmlformats.org/officeDocument/2006/relationships" xmlns:p="http://schemas.openxmlformats.org/presentationml/2006/main" showMasterSp="0" showMasterPhAnim="0">
   <p:cSld>
     <p:spTree>
       <p:nvGrpSpPr>
-        <p:cNvPr id="155" name="Shape 155"/>
+        <p:cNvPr id="1" name="Shape 155"/>
         <p:cNvGrpSpPr/>
         <p:nvPr/>
       </p:nvGrpSpPr>
@@ -926,20 +1122,26 @@
       <p:sp>
         <p:nvSpPr>
           <p:cNvPr id="156" name="Google Shape;156;g106151a3e67_0_135:notes"/>
-          <p:cNvSpPr/>
+          <p:cNvSpPr>
+            <a:spLocks noGrp="1" noRot="1" noChangeAspect="1"/>
+          </p:cNvSpPr>
           <p:nvPr>
-            <p:ph idx="2" type="sldImg"/>
+            <p:ph type="sldImg" idx="2"/>
           </p:nvPr>
         </p:nvSpPr>
         <p:spPr>
           <a:xfrm>
-            <a:off x="381300" y="685800"/>
+            <a:off x="381000" y="685800"/>
             <a:ext cx="6096000" cy="3429000"/>
           </a:xfrm>
           <a:custGeom>
-            <a:rect b="b" l="l" r="r" t="t"/>
+            <a:avLst/>
+            <a:gdLst/>
+            <a:ahLst/>
+            <a:cxnLst/>
+            <a:rect l="l" t="t" r="r" b="b"/>
             <a:pathLst>
-              <a:path extrusionOk="0" h="120000" w="120000">
+              <a:path w="120000" h="120000" extrusionOk="0">
                 <a:moveTo>
                   <a:pt x="0" y="0"/>
                 </a:moveTo>
@@ -961,9 +1163,11 @@
       <p:sp>
         <p:nvSpPr>
           <p:cNvPr id="157" name="Google Shape;157;g106151a3e67_0_135:notes"/>
-          <p:cNvSpPr txBox="1"/>
+          <p:cNvSpPr txBox="1">
+            <a:spLocks noGrp="1"/>
+          </p:cNvSpPr>
           <p:nvPr>
-            <p:ph idx="1" type="body"/>
+            <p:ph type="body" idx="1"/>
           </p:nvPr>
         </p:nvSpPr>
         <p:spPr>
@@ -976,12 +1180,12 @@
           </a:prstGeom>
         </p:spPr>
         <p:txBody>
-          <a:bodyPr anchorCtr="0" anchor="t" bIns="91425" lIns="91425" spcFirstLastPara="1" rIns="91425" wrap="square" tIns="91425">
+          <a:bodyPr spcFirstLastPara="1" wrap="square" lIns="91425" tIns="91425" rIns="91425" bIns="91425" anchor="t" anchorCtr="0">
             <a:noAutofit/>
           </a:bodyPr>
           <a:lstStyle/>
           <a:p>
-            <a:pPr indent="0" lvl="0" marL="0" rtl="0" algn="l">
+            <a:pPr marL="0" lvl="0" indent="0" algn="l" rtl="0">
               <a:spcBef>
                 <a:spcPts val="0"/>
               </a:spcBef>
@@ -990,9 +1194,6 @@
               </a:spcAft>
               <a:buNone/>
             </a:pPr>
-            <a:r>
-              <a:t/>
-            </a:r>
             <a:endParaRPr/>
           </a:p>
         </p:txBody>
@@ -1006,11 +1207,11 @@
 </file>
 
 <file path=ppt/notesSlides/notesSlide12.xml><?xml version="1.0" encoding="utf-8"?>
-<p:notes xmlns:a="http://schemas.openxmlformats.org/drawingml/2006/main" xmlns:r="http://schemas.openxmlformats.org/officeDocument/2006/relationships" xmlns:mc="http://schemas.openxmlformats.org/markup-compatibility/2006" xmlns:mv="urn:schemas-microsoft-com:mac:vml" xmlns:p="http://schemas.openxmlformats.org/presentationml/2006/main" xmlns:c="http://schemas.openxmlformats.org/drawingml/2006/chart" xmlns:dgm="http://schemas.openxmlformats.org/drawingml/2006/diagram" xmlns:o="urn:schemas-microsoft-com:office:office" xmlns:v="urn:schemas-microsoft-com:vml" xmlns:pvml="urn:schemas-microsoft-com:office:powerpoint" xmlns:com="http://schemas.openxmlformats.org/drawingml/2006/compatibility" xmlns:p14="http://schemas.microsoft.com/office/powerpoint/2010/main" xmlns:p15="http://schemas.microsoft.com/office/powerpoint/2012/main" xmlns:ahyp="http://schemas.microsoft.com/office/drawing/2018/hyperlinkcolor" showMasterPhAnim="0" showMasterSp="0">
+<p:notes xmlns:a="http://schemas.openxmlformats.org/drawingml/2006/main" xmlns:r="http://schemas.openxmlformats.org/officeDocument/2006/relationships" xmlns:p="http://schemas.openxmlformats.org/presentationml/2006/main" showMasterSp="0" showMasterPhAnim="0">
   <p:cSld>
     <p:spTree>
       <p:nvGrpSpPr>
-        <p:cNvPr id="162" name="Shape 162"/>
+        <p:cNvPr id="1" name="Shape 162"/>
         <p:cNvGrpSpPr/>
         <p:nvPr/>
       </p:nvGrpSpPr>
@@ -1025,9 +1226,11 @@
       <p:sp>
         <p:nvSpPr>
           <p:cNvPr id="163" name="Google Shape;163;g1053b57643d_0_0:notes"/>
-          <p:cNvSpPr/>
+          <p:cNvSpPr>
+            <a:spLocks noGrp="1" noRot="1" noChangeAspect="1"/>
+          </p:cNvSpPr>
           <p:nvPr>
-            <p:ph idx="2" type="sldImg"/>
+            <p:ph type="sldImg" idx="2"/>
           </p:nvPr>
         </p:nvSpPr>
         <p:spPr>
@@ -1036,9 +1239,13 @@
             <a:ext cx="6096000" cy="3429000"/>
           </a:xfrm>
           <a:custGeom>
-            <a:rect b="b" l="l" r="r" t="t"/>
+            <a:avLst/>
+            <a:gdLst/>
+            <a:ahLst/>
+            <a:cxnLst/>
+            <a:rect l="l" t="t" r="r" b="b"/>
             <a:pathLst>
-              <a:path extrusionOk="0" h="120000" w="120000">
+              <a:path w="120000" h="120000" extrusionOk="0">
                 <a:moveTo>
                   <a:pt x="0" y="0"/>
                 </a:moveTo>
@@ -1060,9 +1267,11 @@
       <p:sp>
         <p:nvSpPr>
           <p:cNvPr id="164" name="Google Shape;164;g1053b57643d_0_0:notes"/>
-          <p:cNvSpPr txBox="1"/>
+          <p:cNvSpPr txBox="1">
+            <a:spLocks noGrp="1"/>
+          </p:cNvSpPr>
           <p:nvPr>
-            <p:ph idx="1" type="body"/>
+            <p:ph type="body" idx="1"/>
           </p:nvPr>
         </p:nvSpPr>
         <p:spPr>
@@ -1075,12 +1284,12 @@
           </a:prstGeom>
         </p:spPr>
         <p:txBody>
-          <a:bodyPr anchorCtr="0" anchor="t" bIns="91425" lIns="91425" spcFirstLastPara="1" rIns="91425" wrap="square" tIns="91425">
+          <a:bodyPr spcFirstLastPara="1" wrap="square" lIns="91425" tIns="91425" rIns="91425" bIns="91425" anchor="t" anchorCtr="0">
             <a:noAutofit/>
           </a:bodyPr>
           <a:lstStyle/>
           <a:p>
-            <a:pPr indent="0" lvl="0" marL="0" rtl="0" algn="l">
+            <a:pPr marL="0" lvl="0" indent="0" algn="l" rtl="0">
               <a:spcBef>
                 <a:spcPts val="0"/>
               </a:spcBef>
@@ -1089,9 +1298,6 @@
               </a:spcAft>
               <a:buNone/>
             </a:pPr>
-            <a:r>
-              <a:t/>
-            </a:r>
             <a:endParaRPr/>
           </a:p>
         </p:txBody>
@@ -1105,11 +1311,11 @@
 </file>
 
 <file path=ppt/notesSlides/notesSlide13.xml><?xml version="1.0" encoding="utf-8"?>
-<p:notes xmlns:a="http://schemas.openxmlformats.org/drawingml/2006/main" xmlns:r="http://schemas.openxmlformats.org/officeDocument/2006/relationships" xmlns:mc="http://schemas.openxmlformats.org/markup-compatibility/2006" xmlns:mv="urn:schemas-microsoft-com:mac:vml" xmlns:p="http://schemas.openxmlformats.org/presentationml/2006/main" xmlns:c="http://schemas.openxmlformats.org/drawingml/2006/chart" xmlns:dgm="http://schemas.openxmlformats.org/drawingml/2006/diagram" xmlns:o="urn:schemas-microsoft-com:office:office" xmlns:v="urn:schemas-microsoft-com:vml" xmlns:pvml="urn:schemas-microsoft-com:office:powerpoint" xmlns:com="http://schemas.openxmlformats.org/drawingml/2006/compatibility" xmlns:p14="http://schemas.microsoft.com/office/powerpoint/2010/main" xmlns:p15="http://schemas.microsoft.com/office/powerpoint/2012/main" xmlns:ahyp="http://schemas.microsoft.com/office/drawing/2018/hyperlinkcolor" showMasterPhAnim="0" showMasterSp="0">
+<p:notes xmlns:a="http://schemas.openxmlformats.org/drawingml/2006/main" xmlns:r="http://schemas.openxmlformats.org/officeDocument/2006/relationships" xmlns:p="http://schemas.openxmlformats.org/presentationml/2006/main" showMasterSp="0" showMasterPhAnim="0">
   <p:cSld>
     <p:spTree>
       <p:nvGrpSpPr>
-        <p:cNvPr id="168" name="Shape 168"/>
+        <p:cNvPr id="1" name="Shape 168"/>
         <p:cNvGrpSpPr/>
         <p:nvPr/>
       </p:nvGrpSpPr>
@@ -1124,20 +1330,26 @@
       <p:sp>
         <p:nvSpPr>
           <p:cNvPr id="169" name="Google Shape;169;g106151a3e67_0_145:notes"/>
-          <p:cNvSpPr/>
+          <p:cNvSpPr>
+            <a:spLocks noGrp="1" noRot="1" noChangeAspect="1"/>
+          </p:cNvSpPr>
           <p:nvPr>
-            <p:ph idx="2" type="sldImg"/>
+            <p:ph type="sldImg" idx="2"/>
           </p:nvPr>
         </p:nvSpPr>
         <p:spPr>
           <a:xfrm>
-            <a:off x="381300" y="685800"/>
+            <a:off x="381000" y="685800"/>
             <a:ext cx="6096000" cy="3429000"/>
           </a:xfrm>
           <a:custGeom>
-            <a:rect b="b" l="l" r="r" t="t"/>
+            <a:avLst/>
+            <a:gdLst/>
+            <a:ahLst/>
+            <a:cxnLst/>
+            <a:rect l="l" t="t" r="r" b="b"/>
             <a:pathLst>
-              <a:path extrusionOk="0" h="120000" w="120000">
+              <a:path w="120000" h="120000" extrusionOk="0">
                 <a:moveTo>
                   <a:pt x="0" y="0"/>
                 </a:moveTo>
@@ -1159,9 +1371,11 @@
       <p:sp>
         <p:nvSpPr>
           <p:cNvPr id="170" name="Google Shape;170;g106151a3e67_0_145:notes"/>
-          <p:cNvSpPr txBox="1"/>
+          <p:cNvSpPr txBox="1">
+            <a:spLocks noGrp="1"/>
+          </p:cNvSpPr>
           <p:nvPr>
-            <p:ph idx="1" type="body"/>
+            <p:ph type="body" idx="1"/>
           </p:nvPr>
         </p:nvSpPr>
         <p:spPr>
@@ -1174,12 +1388,12 @@
           </a:prstGeom>
         </p:spPr>
         <p:txBody>
-          <a:bodyPr anchorCtr="0" anchor="t" bIns="91425" lIns="91425" spcFirstLastPara="1" rIns="91425" wrap="square" tIns="91425">
+          <a:bodyPr spcFirstLastPara="1" wrap="square" lIns="91425" tIns="91425" rIns="91425" bIns="91425" anchor="t" anchorCtr="0">
             <a:noAutofit/>
           </a:bodyPr>
           <a:lstStyle/>
           <a:p>
-            <a:pPr indent="0" lvl="0" marL="0" rtl="0" algn="l">
+            <a:pPr marL="0" lvl="0" indent="0" algn="l" rtl="0">
               <a:spcBef>
                 <a:spcPts val="0"/>
               </a:spcBef>
@@ -1188,9 +1402,6 @@
               </a:spcAft>
               <a:buNone/>
             </a:pPr>
-            <a:r>
-              <a:t/>
-            </a:r>
             <a:endParaRPr/>
           </a:p>
         </p:txBody>
@@ -1204,11 +1415,11 @@
 </file>
 
 <file path=ppt/notesSlides/notesSlide14.xml><?xml version="1.0" encoding="utf-8"?>
-<p:notes xmlns:a="http://schemas.openxmlformats.org/drawingml/2006/main" xmlns:r="http://schemas.openxmlformats.org/officeDocument/2006/relationships" xmlns:mc="http://schemas.openxmlformats.org/markup-compatibility/2006" xmlns:mv="urn:schemas-microsoft-com:mac:vml" xmlns:p="http://schemas.openxmlformats.org/presentationml/2006/main" xmlns:c="http://schemas.openxmlformats.org/drawingml/2006/chart" xmlns:dgm="http://schemas.openxmlformats.org/drawingml/2006/diagram" xmlns:o="urn:schemas-microsoft-com:office:office" xmlns:v="urn:schemas-microsoft-com:vml" xmlns:pvml="urn:schemas-microsoft-com:office:powerpoint" xmlns:com="http://schemas.openxmlformats.org/drawingml/2006/compatibility" xmlns:p14="http://schemas.microsoft.com/office/powerpoint/2010/main" xmlns:p15="http://schemas.microsoft.com/office/powerpoint/2012/main" xmlns:ahyp="http://schemas.microsoft.com/office/drawing/2018/hyperlinkcolor" showMasterPhAnim="0" showMasterSp="0">
+<p:notes xmlns:a="http://schemas.openxmlformats.org/drawingml/2006/main" xmlns:r="http://schemas.openxmlformats.org/officeDocument/2006/relationships" xmlns:p="http://schemas.openxmlformats.org/presentationml/2006/main" showMasterSp="0" showMasterPhAnim="0">
   <p:cSld>
     <p:spTree>
       <p:nvGrpSpPr>
-        <p:cNvPr id="175" name="Shape 175"/>
+        <p:cNvPr id="1" name="Shape 175"/>
         <p:cNvGrpSpPr/>
         <p:nvPr/>
       </p:nvGrpSpPr>
@@ -1223,9 +1434,11 @@
       <p:sp>
         <p:nvSpPr>
           <p:cNvPr id="176" name="Google Shape;176;g1053a9bf707_0_9:notes"/>
-          <p:cNvSpPr/>
+          <p:cNvSpPr>
+            <a:spLocks noGrp="1" noRot="1" noChangeAspect="1"/>
+          </p:cNvSpPr>
           <p:nvPr>
-            <p:ph idx="2" type="sldImg"/>
+            <p:ph type="sldImg" idx="2"/>
           </p:nvPr>
         </p:nvSpPr>
         <p:spPr>
@@ -1234,9 +1447,13 @@
             <a:ext cx="6096000" cy="3429000"/>
           </a:xfrm>
           <a:custGeom>
-            <a:rect b="b" l="l" r="r" t="t"/>
+            <a:avLst/>
+            <a:gdLst/>
+            <a:ahLst/>
+            <a:cxnLst/>
+            <a:rect l="l" t="t" r="r" b="b"/>
             <a:pathLst>
-              <a:path extrusionOk="0" h="120000" w="120000">
+              <a:path w="120000" h="120000" extrusionOk="0">
                 <a:moveTo>
                   <a:pt x="0" y="0"/>
                 </a:moveTo>
@@ -1258,9 +1475,11 @@
       <p:sp>
         <p:nvSpPr>
           <p:cNvPr id="177" name="Google Shape;177;g1053a9bf707_0_9:notes"/>
-          <p:cNvSpPr txBox="1"/>
+          <p:cNvSpPr txBox="1">
+            <a:spLocks noGrp="1"/>
+          </p:cNvSpPr>
           <p:nvPr>
-            <p:ph idx="1" type="body"/>
+            <p:ph type="body" idx="1"/>
           </p:nvPr>
         </p:nvSpPr>
         <p:spPr>
@@ -1273,12 +1492,12 @@
           </a:prstGeom>
         </p:spPr>
         <p:txBody>
-          <a:bodyPr anchorCtr="0" anchor="t" bIns="91425" lIns="91425" spcFirstLastPara="1" rIns="91425" wrap="square" tIns="91425">
+          <a:bodyPr spcFirstLastPara="1" wrap="square" lIns="91425" tIns="91425" rIns="91425" bIns="91425" anchor="t" anchorCtr="0">
             <a:noAutofit/>
           </a:bodyPr>
           <a:lstStyle/>
           <a:p>
-            <a:pPr indent="0" lvl="0" marL="0" rtl="0" algn="l">
+            <a:pPr marL="0" lvl="0" indent="0" algn="l" rtl="0">
               <a:spcBef>
                 <a:spcPts val="0"/>
               </a:spcBef>
@@ -1287,9 +1506,6 @@
               </a:spcAft>
               <a:buNone/>
             </a:pPr>
-            <a:r>
-              <a:t/>
-            </a:r>
             <a:endParaRPr/>
           </a:p>
         </p:txBody>
@@ -1303,11 +1519,11 @@
 </file>
 
 <file path=ppt/notesSlides/notesSlide2.xml><?xml version="1.0" encoding="utf-8"?>
-<p:notes xmlns:a="http://schemas.openxmlformats.org/drawingml/2006/main" xmlns:r="http://schemas.openxmlformats.org/officeDocument/2006/relationships" xmlns:mc="http://schemas.openxmlformats.org/markup-compatibility/2006" xmlns:mv="urn:schemas-microsoft-com:mac:vml" xmlns:p="http://schemas.openxmlformats.org/presentationml/2006/main" xmlns:c="http://schemas.openxmlformats.org/drawingml/2006/chart" xmlns:dgm="http://schemas.openxmlformats.org/drawingml/2006/diagram" xmlns:o="urn:schemas-microsoft-com:office:office" xmlns:v="urn:schemas-microsoft-com:vml" xmlns:pvml="urn:schemas-microsoft-com:office:powerpoint" xmlns:com="http://schemas.openxmlformats.org/drawingml/2006/compatibility" xmlns:p14="http://schemas.microsoft.com/office/powerpoint/2010/main" xmlns:p15="http://schemas.microsoft.com/office/powerpoint/2012/main" xmlns:ahyp="http://schemas.microsoft.com/office/drawing/2018/hyperlinkcolor" showMasterPhAnim="0" showMasterSp="0">
+<p:notes xmlns:a="http://schemas.openxmlformats.org/drawingml/2006/main" xmlns:r="http://schemas.openxmlformats.org/officeDocument/2006/relationships" xmlns:p="http://schemas.openxmlformats.org/presentationml/2006/main" showMasterSp="0" showMasterPhAnim="0">
   <p:cSld>
     <p:spTree>
       <p:nvGrpSpPr>
-        <p:cNvPr id="87" name="Shape 87"/>
+        <p:cNvPr id="1" name="Shape 87"/>
         <p:cNvGrpSpPr/>
         <p:nvPr/>
       </p:nvGrpSpPr>
@@ -1322,9 +1538,11 @@
       <p:sp>
         <p:nvSpPr>
           <p:cNvPr id="88" name="Google Shape;88;g106151a3e67_0_140:notes"/>
-          <p:cNvSpPr/>
+          <p:cNvSpPr>
+            <a:spLocks noGrp="1" noRot="1" noChangeAspect="1"/>
+          </p:cNvSpPr>
           <p:nvPr>
-            <p:ph idx="2" type="sldImg"/>
+            <p:ph type="sldImg" idx="2"/>
           </p:nvPr>
         </p:nvSpPr>
         <p:spPr>
@@ -1333,9 +1551,13 @@
             <a:ext cx="6096000" cy="3429000"/>
           </a:xfrm>
           <a:custGeom>
-            <a:rect b="b" l="l" r="r" t="t"/>
+            <a:avLst/>
+            <a:gdLst/>
+            <a:ahLst/>
+            <a:cxnLst/>
+            <a:rect l="l" t="t" r="r" b="b"/>
             <a:pathLst>
-              <a:path extrusionOk="0" h="120000" w="120000">
+              <a:path w="120000" h="120000" extrusionOk="0">
                 <a:moveTo>
                   <a:pt x="0" y="0"/>
                 </a:moveTo>
@@ -1357,9 +1579,11 @@
       <p:sp>
         <p:nvSpPr>
           <p:cNvPr id="89" name="Google Shape;89;g106151a3e67_0_140:notes"/>
-          <p:cNvSpPr txBox="1"/>
+          <p:cNvSpPr txBox="1">
+            <a:spLocks noGrp="1"/>
+          </p:cNvSpPr>
           <p:nvPr>
-            <p:ph idx="1" type="body"/>
+            <p:ph type="body" idx="1"/>
           </p:nvPr>
         </p:nvSpPr>
         <p:spPr>
@@ -1372,12 +1596,12 @@
           </a:prstGeom>
         </p:spPr>
         <p:txBody>
-          <a:bodyPr anchorCtr="0" anchor="t" bIns="91425" lIns="91425" spcFirstLastPara="1" rIns="91425" wrap="square" tIns="91425">
+          <a:bodyPr spcFirstLastPara="1" wrap="square" lIns="91425" tIns="91425" rIns="91425" bIns="91425" anchor="t" anchorCtr="0">
             <a:noAutofit/>
           </a:bodyPr>
           <a:lstStyle/>
           <a:p>
-            <a:pPr indent="0" lvl="0" marL="0" rtl="0" algn="l">
+            <a:pPr marL="0" lvl="0" indent="0" algn="l" rtl="0">
               <a:spcBef>
                 <a:spcPts val="0"/>
               </a:spcBef>
@@ -1386,9 +1610,6 @@
               </a:spcAft>
               <a:buNone/>
             </a:pPr>
-            <a:r>
-              <a:t/>
-            </a:r>
             <a:endParaRPr/>
           </a:p>
         </p:txBody>
@@ -1402,11 +1623,11 @@
 </file>
 
 <file path=ppt/notesSlides/notesSlide3.xml><?xml version="1.0" encoding="utf-8"?>
-<p:notes xmlns:a="http://schemas.openxmlformats.org/drawingml/2006/main" xmlns:r="http://schemas.openxmlformats.org/officeDocument/2006/relationships" xmlns:mc="http://schemas.openxmlformats.org/markup-compatibility/2006" xmlns:mv="urn:schemas-microsoft-com:mac:vml" xmlns:p="http://schemas.openxmlformats.org/presentationml/2006/main" xmlns:c="http://schemas.openxmlformats.org/drawingml/2006/chart" xmlns:dgm="http://schemas.openxmlformats.org/drawingml/2006/diagram" xmlns:o="urn:schemas-microsoft-com:office:office" xmlns:v="urn:schemas-microsoft-com:vml" xmlns:pvml="urn:schemas-microsoft-com:office:powerpoint" xmlns:com="http://schemas.openxmlformats.org/drawingml/2006/compatibility" xmlns:p14="http://schemas.microsoft.com/office/powerpoint/2010/main" xmlns:p15="http://schemas.microsoft.com/office/powerpoint/2012/main" xmlns:ahyp="http://schemas.microsoft.com/office/drawing/2018/hyperlinkcolor" showMasterPhAnim="0" showMasterSp="0">
+<p:notes xmlns:a="http://schemas.openxmlformats.org/drawingml/2006/main" xmlns:r="http://schemas.openxmlformats.org/officeDocument/2006/relationships" xmlns:p="http://schemas.openxmlformats.org/presentationml/2006/main" showMasterSp="0" showMasterPhAnim="0">
   <p:cSld>
     <p:spTree>
       <p:nvGrpSpPr>
-        <p:cNvPr id="93" name="Shape 93"/>
+        <p:cNvPr id="1" name="Shape 93"/>
         <p:cNvGrpSpPr/>
         <p:nvPr/>
       </p:nvGrpSpPr>
@@ -1421,20 +1642,26 @@
       <p:sp>
         <p:nvSpPr>
           <p:cNvPr id="94" name="Google Shape;94;g106151a3e67_0_130:notes"/>
-          <p:cNvSpPr/>
+          <p:cNvSpPr>
+            <a:spLocks noGrp="1" noRot="1" noChangeAspect="1"/>
+          </p:cNvSpPr>
           <p:nvPr>
-            <p:ph idx="2" type="sldImg"/>
+            <p:ph type="sldImg" idx="2"/>
           </p:nvPr>
         </p:nvSpPr>
         <p:spPr>
           <a:xfrm>
-            <a:off x="381300" y="685800"/>
+            <a:off x="381000" y="685800"/>
             <a:ext cx="6096000" cy="3429000"/>
           </a:xfrm>
           <a:custGeom>
-            <a:rect b="b" l="l" r="r" t="t"/>
+            <a:avLst/>
+            <a:gdLst/>
+            <a:ahLst/>
+            <a:cxnLst/>
+            <a:rect l="l" t="t" r="r" b="b"/>
             <a:pathLst>
-              <a:path extrusionOk="0" h="120000" w="120000">
+              <a:path w="120000" h="120000" extrusionOk="0">
                 <a:moveTo>
                   <a:pt x="0" y="0"/>
                 </a:moveTo>
@@ -1456,9 +1683,11 @@
       <p:sp>
         <p:nvSpPr>
           <p:cNvPr id="95" name="Google Shape;95;g106151a3e67_0_130:notes"/>
-          <p:cNvSpPr txBox="1"/>
+          <p:cNvSpPr txBox="1">
+            <a:spLocks noGrp="1"/>
+          </p:cNvSpPr>
           <p:nvPr>
-            <p:ph idx="1" type="body"/>
+            <p:ph type="body" idx="1"/>
           </p:nvPr>
         </p:nvSpPr>
         <p:spPr>
@@ -1471,12 +1700,12 @@
           </a:prstGeom>
         </p:spPr>
         <p:txBody>
-          <a:bodyPr anchorCtr="0" anchor="t" bIns="91425" lIns="91425" spcFirstLastPara="1" rIns="91425" wrap="square" tIns="91425">
+          <a:bodyPr spcFirstLastPara="1" wrap="square" lIns="91425" tIns="91425" rIns="91425" bIns="91425" anchor="t" anchorCtr="0">
             <a:noAutofit/>
           </a:bodyPr>
           <a:lstStyle/>
           <a:p>
-            <a:pPr indent="0" lvl="0" marL="0" rtl="0" algn="l">
+            <a:pPr marL="0" lvl="0" indent="0" algn="l" rtl="0">
               <a:spcBef>
                 <a:spcPts val="0"/>
               </a:spcBef>
@@ -1485,9 +1714,6 @@
               </a:spcAft>
               <a:buNone/>
             </a:pPr>
-            <a:r>
-              <a:t/>
-            </a:r>
             <a:endParaRPr/>
           </a:p>
         </p:txBody>
@@ -1501,11 +1727,11 @@
 </file>
 
 <file path=ppt/notesSlides/notesSlide4.xml><?xml version="1.0" encoding="utf-8"?>
-<p:notes xmlns:a="http://schemas.openxmlformats.org/drawingml/2006/main" xmlns:r="http://schemas.openxmlformats.org/officeDocument/2006/relationships" xmlns:mc="http://schemas.openxmlformats.org/markup-compatibility/2006" xmlns:mv="urn:schemas-microsoft-com:mac:vml" xmlns:p="http://schemas.openxmlformats.org/presentationml/2006/main" xmlns:c="http://schemas.openxmlformats.org/drawingml/2006/chart" xmlns:dgm="http://schemas.openxmlformats.org/drawingml/2006/diagram" xmlns:o="urn:schemas-microsoft-com:office:office" xmlns:v="urn:schemas-microsoft-com:vml" xmlns:pvml="urn:schemas-microsoft-com:office:powerpoint" xmlns:com="http://schemas.openxmlformats.org/drawingml/2006/compatibility" xmlns:p14="http://schemas.microsoft.com/office/powerpoint/2010/main" xmlns:p15="http://schemas.microsoft.com/office/powerpoint/2012/main" xmlns:ahyp="http://schemas.microsoft.com/office/drawing/2018/hyperlinkcolor" showMasterPhAnim="0" showMasterSp="0">
+<p:notes xmlns:a="http://schemas.openxmlformats.org/drawingml/2006/main" xmlns:r="http://schemas.openxmlformats.org/officeDocument/2006/relationships" xmlns:p="http://schemas.openxmlformats.org/presentationml/2006/main" showMasterSp="0" showMasterPhAnim="0">
   <p:cSld>
     <p:spTree>
       <p:nvGrpSpPr>
-        <p:cNvPr id="100" name="Shape 100"/>
+        <p:cNvPr id="1" name="Shape 100"/>
         <p:cNvGrpSpPr/>
         <p:nvPr/>
       </p:nvGrpSpPr>
@@ -1520,9 +1746,11 @@
       <p:sp>
         <p:nvSpPr>
           <p:cNvPr id="101" name="Google Shape;101;g106151a3e67_0_158:notes"/>
-          <p:cNvSpPr/>
+          <p:cNvSpPr>
+            <a:spLocks noGrp="1" noRot="1" noChangeAspect="1"/>
+          </p:cNvSpPr>
           <p:nvPr>
-            <p:ph idx="2" type="sldImg"/>
+            <p:ph type="sldImg" idx="2"/>
           </p:nvPr>
         </p:nvSpPr>
         <p:spPr>
@@ -1531,9 +1759,13 @@
             <a:ext cx="6096000" cy="3429000"/>
           </a:xfrm>
           <a:custGeom>
-            <a:rect b="b" l="l" r="r" t="t"/>
+            <a:avLst/>
+            <a:gdLst/>
+            <a:ahLst/>
+            <a:cxnLst/>
+            <a:rect l="l" t="t" r="r" b="b"/>
             <a:pathLst>
-              <a:path extrusionOk="0" h="120000" w="120000">
+              <a:path w="120000" h="120000" extrusionOk="0">
                 <a:moveTo>
                   <a:pt x="0" y="0"/>
                 </a:moveTo>
@@ -1555,9 +1787,11 @@
       <p:sp>
         <p:nvSpPr>
           <p:cNvPr id="102" name="Google Shape;102;g106151a3e67_0_158:notes"/>
-          <p:cNvSpPr txBox="1"/>
+          <p:cNvSpPr txBox="1">
+            <a:spLocks noGrp="1"/>
+          </p:cNvSpPr>
           <p:nvPr>
-            <p:ph idx="1" type="body"/>
+            <p:ph type="body" idx="1"/>
           </p:nvPr>
         </p:nvSpPr>
         <p:spPr>
@@ -1570,12 +1804,12 @@
           </a:prstGeom>
         </p:spPr>
         <p:txBody>
-          <a:bodyPr anchorCtr="0" anchor="t" bIns="91425" lIns="91425" spcFirstLastPara="1" rIns="91425" wrap="square" tIns="91425">
+          <a:bodyPr spcFirstLastPara="1" wrap="square" lIns="91425" tIns="91425" rIns="91425" bIns="91425" anchor="t" anchorCtr="0">
             <a:noAutofit/>
           </a:bodyPr>
           <a:lstStyle/>
           <a:p>
-            <a:pPr indent="0" lvl="0" marL="0" rtl="0" algn="l">
+            <a:pPr marL="0" lvl="0" indent="0" algn="l" rtl="0">
               <a:spcBef>
                 <a:spcPts val="0"/>
               </a:spcBef>
@@ -1584,9 +1818,6 @@
               </a:spcAft>
               <a:buNone/>
             </a:pPr>
-            <a:r>
-              <a:t/>
-            </a:r>
             <a:endParaRPr/>
           </a:p>
         </p:txBody>
@@ -1600,11 +1831,11 @@
 </file>
 
 <file path=ppt/notesSlides/notesSlide5.xml><?xml version="1.0" encoding="utf-8"?>
-<p:notes xmlns:a="http://schemas.openxmlformats.org/drawingml/2006/main" xmlns:r="http://schemas.openxmlformats.org/officeDocument/2006/relationships" xmlns:mc="http://schemas.openxmlformats.org/markup-compatibility/2006" xmlns:mv="urn:schemas-microsoft-com:mac:vml" xmlns:p="http://schemas.openxmlformats.org/presentationml/2006/main" xmlns:c="http://schemas.openxmlformats.org/drawingml/2006/chart" xmlns:dgm="http://schemas.openxmlformats.org/drawingml/2006/diagram" xmlns:o="urn:schemas-microsoft-com:office:office" xmlns:v="urn:schemas-microsoft-com:vml" xmlns:pvml="urn:schemas-microsoft-com:office:powerpoint" xmlns:com="http://schemas.openxmlformats.org/drawingml/2006/compatibility" xmlns:p14="http://schemas.microsoft.com/office/powerpoint/2010/main" xmlns:p15="http://schemas.microsoft.com/office/powerpoint/2012/main" xmlns:ahyp="http://schemas.microsoft.com/office/drawing/2018/hyperlinkcolor" showMasterPhAnim="0" showMasterSp="0">
+<p:notes xmlns:a="http://schemas.openxmlformats.org/drawingml/2006/main" xmlns:r="http://schemas.openxmlformats.org/officeDocument/2006/relationships" xmlns:p="http://schemas.openxmlformats.org/presentationml/2006/main" showMasterSp="0" showMasterPhAnim="0">
   <p:cSld>
     <p:spTree>
       <p:nvGrpSpPr>
-        <p:cNvPr id="117" name="Shape 117"/>
+        <p:cNvPr id="1" name="Shape 117"/>
         <p:cNvGrpSpPr/>
         <p:nvPr/>
       </p:nvGrpSpPr>
@@ -1619,9 +1850,11 @@
       <p:sp>
         <p:nvSpPr>
           <p:cNvPr id="118" name="Google Shape;118;g10615f8b372_0_1:notes"/>
-          <p:cNvSpPr/>
+          <p:cNvSpPr>
+            <a:spLocks noGrp="1" noRot="1" noChangeAspect="1"/>
+          </p:cNvSpPr>
           <p:nvPr>
-            <p:ph idx="2" type="sldImg"/>
+            <p:ph type="sldImg" idx="2"/>
           </p:nvPr>
         </p:nvSpPr>
         <p:spPr>
@@ -1630,9 +1863,13 @@
             <a:ext cx="6096000" cy="3429000"/>
           </a:xfrm>
           <a:custGeom>
-            <a:rect b="b" l="l" r="r" t="t"/>
+            <a:avLst/>
+            <a:gdLst/>
+            <a:ahLst/>
+            <a:cxnLst/>
+            <a:rect l="l" t="t" r="r" b="b"/>
             <a:pathLst>
-              <a:path extrusionOk="0" h="120000" w="120000">
+              <a:path w="120000" h="120000" extrusionOk="0">
                 <a:moveTo>
                   <a:pt x="0" y="0"/>
                 </a:moveTo>
@@ -1654,9 +1891,11 @@
       <p:sp>
         <p:nvSpPr>
           <p:cNvPr id="119" name="Google Shape;119;g10615f8b372_0_1:notes"/>
-          <p:cNvSpPr txBox="1"/>
+          <p:cNvSpPr txBox="1">
+            <a:spLocks noGrp="1"/>
+          </p:cNvSpPr>
           <p:nvPr>
-            <p:ph idx="1" type="body"/>
+            <p:ph type="body" idx="1"/>
           </p:nvPr>
         </p:nvSpPr>
         <p:spPr>
@@ -1669,12 +1908,12 @@
           </a:prstGeom>
         </p:spPr>
         <p:txBody>
-          <a:bodyPr anchorCtr="0" anchor="t" bIns="91425" lIns="91425" spcFirstLastPara="1" rIns="91425" wrap="square" tIns="91425">
+          <a:bodyPr spcFirstLastPara="1" wrap="square" lIns="91425" tIns="91425" rIns="91425" bIns="91425" anchor="t" anchorCtr="0">
             <a:noAutofit/>
           </a:bodyPr>
           <a:lstStyle/>
           <a:p>
-            <a:pPr indent="0" lvl="0" marL="0" rtl="0" algn="l">
+            <a:pPr marL="0" lvl="0" indent="0" algn="l" rtl="0">
               <a:spcBef>
                 <a:spcPts val="0"/>
               </a:spcBef>
@@ -1683,9 +1922,6 @@
               </a:spcAft>
               <a:buNone/>
             </a:pPr>
-            <a:r>
-              <a:t/>
-            </a:r>
             <a:endParaRPr/>
           </a:p>
         </p:txBody>
@@ -1699,11 +1935,11 @@
 </file>
 
 <file path=ppt/notesSlides/notesSlide6.xml><?xml version="1.0" encoding="utf-8"?>
-<p:notes xmlns:a="http://schemas.openxmlformats.org/drawingml/2006/main" xmlns:r="http://schemas.openxmlformats.org/officeDocument/2006/relationships" xmlns:mc="http://schemas.openxmlformats.org/markup-compatibility/2006" xmlns:mv="urn:schemas-microsoft-com:mac:vml" xmlns:p="http://schemas.openxmlformats.org/presentationml/2006/main" xmlns:c="http://schemas.openxmlformats.org/drawingml/2006/chart" xmlns:dgm="http://schemas.openxmlformats.org/drawingml/2006/diagram" xmlns:o="urn:schemas-microsoft-com:office:office" xmlns:v="urn:schemas-microsoft-com:vml" xmlns:pvml="urn:schemas-microsoft-com:office:powerpoint" xmlns:com="http://schemas.openxmlformats.org/drawingml/2006/compatibility" xmlns:p14="http://schemas.microsoft.com/office/powerpoint/2010/main" xmlns:p15="http://schemas.microsoft.com/office/powerpoint/2012/main" xmlns:ahyp="http://schemas.microsoft.com/office/drawing/2018/hyperlinkcolor" showMasterPhAnim="0" showMasterSp="0">
+<p:notes xmlns:a="http://schemas.openxmlformats.org/drawingml/2006/main" xmlns:r="http://schemas.openxmlformats.org/officeDocument/2006/relationships" xmlns:p="http://schemas.openxmlformats.org/presentationml/2006/main" showMasterSp="0" showMasterPhAnim="0">
   <p:cSld>
     <p:spTree>
       <p:nvGrpSpPr>
-        <p:cNvPr id="124" name="Shape 124"/>
+        <p:cNvPr id="1" name="Shape 124"/>
         <p:cNvGrpSpPr/>
         <p:nvPr/>
       </p:nvGrpSpPr>
@@ -1718,9 +1954,11 @@
       <p:sp>
         <p:nvSpPr>
           <p:cNvPr id="125" name="Google Shape;125;g106151a3e67_0_163:notes"/>
-          <p:cNvSpPr/>
+          <p:cNvSpPr>
+            <a:spLocks noGrp="1" noRot="1" noChangeAspect="1"/>
+          </p:cNvSpPr>
           <p:nvPr>
-            <p:ph idx="2" type="sldImg"/>
+            <p:ph type="sldImg" idx="2"/>
           </p:nvPr>
         </p:nvSpPr>
         <p:spPr>
@@ -1729,9 +1967,13 @@
             <a:ext cx="6096000" cy="3429000"/>
           </a:xfrm>
           <a:custGeom>
-            <a:rect b="b" l="l" r="r" t="t"/>
+            <a:avLst/>
+            <a:gdLst/>
+            <a:ahLst/>
+            <a:cxnLst/>
+            <a:rect l="l" t="t" r="r" b="b"/>
             <a:pathLst>
-              <a:path extrusionOk="0" h="120000" w="120000">
+              <a:path w="120000" h="120000" extrusionOk="0">
                 <a:moveTo>
                   <a:pt x="0" y="0"/>
                 </a:moveTo>
@@ -1753,9 +1995,11 @@
       <p:sp>
         <p:nvSpPr>
           <p:cNvPr id="126" name="Google Shape;126;g106151a3e67_0_163:notes"/>
-          <p:cNvSpPr txBox="1"/>
+          <p:cNvSpPr txBox="1">
+            <a:spLocks noGrp="1"/>
+          </p:cNvSpPr>
           <p:nvPr>
-            <p:ph idx="1" type="body"/>
+            <p:ph type="body" idx="1"/>
           </p:nvPr>
         </p:nvSpPr>
         <p:spPr>
@@ -1768,12 +2012,12 @@
           </a:prstGeom>
         </p:spPr>
         <p:txBody>
-          <a:bodyPr anchorCtr="0" anchor="t" bIns="91425" lIns="91425" spcFirstLastPara="1" rIns="91425" wrap="square" tIns="91425">
+          <a:bodyPr spcFirstLastPara="1" wrap="square" lIns="91425" tIns="91425" rIns="91425" bIns="91425" anchor="t" anchorCtr="0">
             <a:noAutofit/>
           </a:bodyPr>
           <a:lstStyle/>
           <a:p>
-            <a:pPr indent="0" lvl="0" marL="0" rtl="0" algn="l">
+            <a:pPr marL="0" lvl="0" indent="0" algn="l" rtl="0">
               <a:spcBef>
                 <a:spcPts val="0"/>
               </a:spcBef>
@@ -1782,9 +2026,6 @@
               </a:spcAft>
               <a:buNone/>
             </a:pPr>
-            <a:r>
-              <a:t/>
-            </a:r>
             <a:endParaRPr/>
           </a:p>
         </p:txBody>
@@ -1798,11 +2039,11 @@
 </file>
 
 <file path=ppt/notesSlides/notesSlide7.xml><?xml version="1.0" encoding="utf-8"?>
-<p:notes xmlns:a="http://schemas.openxmlformats.org/drawingml/2006/main" xmlns:r="http://schemas.openxmlformats.org/officeDocument/2006/relationships" xmlns:mc="http://schemas.openxmlformats.org/markup-compatibility/2006" xmlns:mv="urn:schemas-microsoft-com:mac:vml" xmlns:p="http://schemas.openxmlformats.org/presentationml/2006/main" xmlns:c="http://schemas.openxmlformats.org/drawingml/2006/chart" xmlns:dgm="http://schemas.openxmlformats.org/drawingml/2006/diagram" xmlns:o="urn:schemas-microsoft-com:office:office" xmlns:v="urn:schemas-microsoft-com:vml" xmlns:pvml="urn:schemas-microsoft-com:office:powerpoint" xmlns:com="http://schemas.openxmlformats.org/drawingml/2006/compatibility" xmlns:p14="http://schemas.microsoft.com/office/powerpoint/2010/main" xmlns:p15="http://schemas.microsoft.com/office/powerpoint/2012/main" xmlns:ahyp="http://schemas.microsoft.com/office/drawing/2018/hyperlinkcolor" showMasterPhAnim="0" showMasterSp="0">
+<p:notes xmlns:a="http://schemas.openxmlformats.org/drawingml/2006/main" xmlns:r="http://schemas.openxmlformats.org/officeDocument/2006/relationships" xmlns:p="http://schemas.openxmlformats.org/presentationml/2006/main" showMasterSp="0" showMasterPhAnim="0">
   <p:cSld>
     <p:spTree>
       <p:nvGrpSpPr>
-        <p:cNvPr id="130" name="Shape 130"/>
+        <p:cNvPr id="1" name="Shape 130"/>
         <p:cNvGrpSpPr/>
         <p:nvPr/>
       </p:nvGrpSpPr>
@@ -1817,9 +2058,11 @@
       <p:sp>
         <p:nvSpPr>
           <p:cNvPr id="131" name="Google Shape;131;g1053b57643d_0_102:notes"/>
-          <p:cNvSpPr/>
+          <p:cNvSpPr>
+            <a:spLocks noGrp="1" noRot="1" noChangeAspect="1"/>
+          </p:cNvSpPr>
           <p:nvPr>
-            <p:ph idx="2" type="sldImg"/>
+            <p:ph type="sldImg" idx="2"/>
           </p:nvPr>
         </p:nvSpPr>
         <p:spPr>
@@ -1828,9 +2071,13 @@
             <a:ext cx="6096000" cy="3429000"/>
           </a:xfrm>
           <a:custGeom>
-            <a:rect b="b" l="l" r="r" t="t"/>
+            <a:avLst/>
+            <a:gdLst/>
+            <a:ahLst/>
+            <a:cxnLst/>
+            <a:rect l="l" t="t" r="r" b="b"/>
             <a:pathLst>
-              <a:path extrusionOk="0" h="120000" w="120000">
+              <a:path w="120000" h="120000" extrusionOk="0">
                 <a:moveTo>
                   <a:pt x="0" y="0"/>
                 </a:moveTo>
@@ -1852,9 +2099,11 @@
       <p:sp>
         <p:nvSpPr>
           <p:cNvPr id="132" name="Google Shape;132;g1053b57643d_0_102:notes"/>
-          <p:cNvSpPr txBox="1"/>
+          <p:cNvSpPr txBox="1">
+            <a:spLocks noGrp="1"/>
+          </p:cNvSpPr>
           <p:nvPr>
-            <p:ph idx="1" type="body"/>
+            <p:ph type="body" idx="1"/>
           </p:nvPr>
         </p:nvSpPr>
         <p:spPr>
@@ -1867,12 +2116,12 @@
           </a:prstGeom>
         </p:spPr>
         <p:txBody>
-          <a:bodyPr anchorCtr="0" anchor="t" bIns="91425" lIns="91425" spcFirstLastPara="1" rIns="91425" wrap="square" tIns="91425">
+          <a:bodyPr spcFirstLastPara="1" wrap="square" lIns="91425" tIns="91425" rIns="91425" bIns="91425" anchor="t" anchorCtr="0">
             <a:noAutofit/>
           </a:bodyPr>
           <a:lstStyle/>
           <a:p>
-            <a:pPr indent="0" lvl="0" marL="0" rtl="0" algn="l">
+            <a:pPr marL="0" lvl="0" indent="0" algn="l" rtl="0">
               <a:spcBef>
                 <a:spcPts val="0"/>
               </a:spcBef>
@@ -1881,9 +2130,6 @@
               </a:spcAft>
               <a:buNone/>
             </a:pPr>
-            <a:r>
-              <a:t/>
-            </a:r>
             <a:endParaRPr/>
           </a:p>
         </p:txBody>
@@ -1897,11 +2143,11 @@
 </file>
 
 <file path=ppt/notesSlides/notesSlide8.xml><?xml version="1.0" encoding="utf-8"?>
-<p:notes xmlns:a="http://schemas.openxmlformats.org/drawingml/2006/main" xmlns:r="http://schemas.openxmlformats.org/officeDocument/2006/relationships" xmlns:mc="http://schemas.openxmlformats.org/markup-compatibility/2006" xmlns:mv="urn:schemas-microsoft-com:mac:vml" xmlns:p="http://schemas.openxmlformats.org/presentationml/2006/main" xmlns:c="http://schemas.openxmlformats.org/drawingml/2006/chart" xmlns:dgm="http://schemas.openxmlformats.org/drawingml/2006/diagram" xmlns:o="urn:schemas-microsoft-com:office:office" xmlns:v="urn:schemas-microsoft-com:vml" xmlns:pvml="urn:schemas-microsoft-com:office:powerpoint" xmlns:com="http://schemas.openxmlformats.org/drawingml/2006/compatibility" xmlns:p14="http://schemas.microsoft.com/office/powerpoint/2010/main" xmlns:p15="http://schemas.microsoft.com/office/powerpoint/2012/main" xmlns:ahyp="http://schemas.microsoft.com/office/drawing/2018/hyperlinkcolor" showMasterPhAnim="0" showMasterSp="0">
+<p:notes xmlns:a="http://schemas.openxmlformats.org/drawingml/2006/main" xmlns:r="http://schemas.openxmlformats.org/officeDocument/2006/relationships" xmlns:p="http://schemas.openxmlformats.org/presentationml/2006/main" showMasterSp="0" showMasterPhAnim="0">
   <p:cSld>
     <p:spTree>
       <p:nvGrpSpPr>
-        <p:cNvPr id="137" name="Shape 137"/>
+        <p:cNvPr id="1" name="Shape 137"/>
         <p:cNvGrpSpPr/>
         <p:nvPr/>
       </p:nvGrpSpPr>
@@ -1916,9 +2162,11 @@
       <p:sp>
         <p:nvSpPr>
           <p:cNvPr id="138" name="Google Shape;138;g1053a9bf707_0_2:notes"/>
-          <p:cNvSpPr/>
+          <p:cNvSpPr>
+            <a:spLocks noGrp="1" noRot="1" noChangeAspect="1"/>
+          </p:cNvSpPr>
           <p:nvPr>
-            <p:ph idx="2" type="sldImg"/>
+            <p:ph type="sldImg" idx="2"/>
           </p:nvPr>
         </p:nvSpPr>
         <p:spPr>
@@ -1927,9 +2175,13 @@
             <a:ext cx="6096000" cy="3429000"/>
           </a:xfrm>
           <a:custGeom>
-            <a:rect b="b" l="l" r="r" t="t"/>
+            <a:avLst/>
+            <a:gdLst/>
+            <a:ahLst/>
+            <a:cxnLst/>
+            <a:rect l="l" t="t" r="r" b="b"/>
             <a:pathLst>
-              <a:path extrusionOk="0" h="120000" w="120000">
+              <a:path w="120000" h="120000" extrusionOk="0">
                 <a:moveTo>
                   <a:pt x="0" y="0"/>
                 </a:moveTo>
@@ -1951,9 +2203,11 @@
       <p:sp>
         <p:nvSpPr>
           <p:cNvPr id="139" name="Google Shape;139;g1053a9bf707_0_2:notes"/>
-          <p:cNvSpPr txBox="1"/>
+          <p:cNvSpPr txBox="1">
+            <a:spLocks noGrp="1"/>
+          </p:cNvSpPr>
           <p:nvPr>
-            <p:ph idx="1" type="body"/>
+            <p:ph type="body" idx="1"/>
           </p:nvPr>
         </p:nvSpPr>
         <p:spPr>
@@ -1966,12 +2220,12 @@
           </a:prstGeom>
         </p:spPr>
         <p:txBody>
-          <a:bodyPr anchorCtr="0" anchor="t" bIns="91425" lIns="91425" spcFirstLastPara="1" rIns="91425" wrap="square" tIns="91425">
+          <a:bodyPr spcFirstLastPara="1" wrap="square" lIns="91425" tIns="91425" rIns="91425" bIns="91425" anchor="t" anchorCtr="0">
             <a:noAutofit/>
           </a:bodyPr>
           <a:lstStyle/>
           <a:p>
-            <a:pPr indent="0" lvl="0" marL="0" rtl="0" algn="l">
+            <a:pPr marL="0" lvl="0" indent="0" algn="l" rtl="0">
               <a:spcBef>
                 <a:spcPts val="0"/>
               </a:spcBef>
@@ -1980,9 +2234,6 @@
               </a:spcAft>
               <a:buNone/>
             </a:pPr>
-            <a:r>
-              <a:t/>
-            </a:r>
             <a:endParaRPr/>
           </a:p>
         </p:txBody>
@@ -1996,11 +2247,11 @@
 </file>
 
 <file path=ppt/notesSlides/notesSlide9.xml><?xml version="1.0" encoding="utf-8"?>
-<p:notes xmlns:a="http://schemas.openxmlformats.org/drawingml/2006/main" xmlns:r="http://schemas.openxmlformats.org/officeDocument/2006/relationships" xmlns:mc="http://schemas.openxmlformats.org/markup-compatibility/2006" xmlns:mv="urn:schemas-microsoft-com:mac:vml" xmlns:p="http://schemas.openxmlformats.org/presentationml/2006/main" xmlns:c="http://schemas.openxmlformats.org/drawingml/2006/chart" xmlns:dgm="http://schemas.openxmlformats.org/drawingml/2006/diagram" xmlns:o="urn:schemas-microsoft-com:office:office" xmlns:v="urn:schemas-microsoft-com:vml" xmlns:pvml="urn:schemas-microsoft-com:office:powerpoint" xmlns:com="http://schemas.openxmlformats.org/drawingml/2006/compatibility" xmlns:p14="http://schemas.microsoft.com/office/powerpoint/2010/main" xmlns:p15="http://schemas.microsoft.com/office/powerpoint/2012/main" xmlns:ahyp="http://schemas.microsoft.com/office/drawing/2018/hyperlinkcolor" showMasterPhAnim="0" showMasterSp="0">
+<p:notes xmlns:a="http://schemas.openxmlformats.org/drawingml/2006/main" xmlns:r="http://schemas.openxmlformats.org/officeDocument/2006/relationships" xmlns:p="http://schemas.openxmlformats.org/presentationml/2006/main" showMasterSp="0" showMasterPhAnim="0">
   <p:cSld>
     <p:spTree>
       <p:nvGrpSpPr>
-        <p:cNvPr id="143" name="Shape 143"/>
+        <p:cNvPr id="1" name="Shape 143"/>
         <p:cNvGrpSpPr/>
         <p:nvPr/>
       </p:nvGrpSpPr>
@@ -2015,9 +2266,11 @@
       <p:sp>
         <p:nvSpPr>
           <p:cNvPr id="144" name="Google Shape;144;g10606a811f0_0_4:notes"/>
-          <p:cNvSpPr/>
+          <p:cNvSpPr>
+            <a:spLocks noGrp="1" noRot="1" noChangeAspect="1"/>
+          </p:cNvSpPr>
           <p:nvPr>
-            <p:ph idx="2" type="sldImg"/>
+            <p:ph type="sldImg" idx="2"/>
           </p:nvPr>
         </p:nvSpPr>
         <p:spPr>
@@ -2026,9 +2279,13 @@
             <a:ext cx="6096000" cy="3429000"/>
           </a:xfrm>
           <a:custGeom>
-            <a:rect b="b" l="l" r="r" t="t"/>
+            <a:avLst/>
+            <a:gdLst/>
+            <a:ahLst/>
+            <a:cxnLst/>
+            <a:rect l="l" t="t" r="r" b="b"/>
             <a:pathLst>
-              <a:path extrusionOk="0" h="120000" w="120000">
+              <a:path w="120000" h="120000" extrusionOk="0">
                 <a:moveTo>
                   <a:pt x="0" y="0"/>
                 </a:moveTo>
@@ -2050,9 +2307,11 @@
       <p:sp>
         <p:nvSpPr>
           <p:cNvPr id="145" name="Google Shape;145;g10606a811f0_0_4:notes"/>
-          <p:cNvSpPr txBox="1"/>
+          <p:cNvSpPr txBox="1">
+            <a:spLocks noGrp="1"/>
+          </p:cNvSpPr>
           <p:nvPr>
-            <p:ph idx="1" type="body"/>
+            <p:ph type="body" idx="1"/>
           </p:nvPr>
         </p:nvSpPr>
         <p:spPr>
@@ -2065,12 +2324,12 @@
           </a:prstGeom>
         </p:spPr>
         <p:txBody>
-          <a:bodyPr anchorCtr="0" anchor="t" bIns="91425" lIns="91425" spcFirstLastPara="1" rIns="91425" wrap="square" tIns="91425">
+          <a:bodyPr spcFirstLastPara="1" wrap="square" lIns="91425" tIns="91425" rIns="91425" bIns="91425" anchor="t" anchorCtr="0">
             <a:noAutofit/>
           </a:bodyPr>
           <a:lstStyle/>
           <a:p>
-            <a:pPr indent="0" lvl="0" marL="0" rtl="0" algn="l">
+            <a:pPr marL="0" lvl="0" indent="0" algn="l" rtl="0">
               <a:spcBef>
                 <a:spcPts val="0"/>
               </a:spcBef>
@@ -2079,9 +2338,6 @@
               </a:spcAft>
               <a:buNone/>
             </a:pPr>
-            <a:r>
-              <a:t/>
-            </a:r>
             <a:endParaRPr/>
           </a:p>
         </p:txBody>
@@ -2095,18 +2351,19 @@
 </file>
 
 <file path=ppt/slideLayouts/slideLayout1.xml><?xml version="1.0" encoding="utf-8"?>
-<p:sldLayout xmlns:a="http://schemas.openxmlformats.org/drawingml/2006/main" xmlns:r="http://schemas.openxmlformats.org/officeDocument/2006/relationships" xmlns:mc="http://schemas.openxmlformats.org/markup-compatibility/2006" xmlns:mv="urn:schemas-microsoft-com:mac:vml" xmlns:p="http://schemas.openxmlformats.org/presentationml/2006/main" xmlns:c="http://schemas.openxmlformats.org/drawingml/2006/chart" xmlns:dgm="http://schemas.openxmlformats.org/drawingml/2006/diagram" xmlns:o="urn:schemas-microsoft-com:office:office" xmlns:v="urn:schemas-microsoft-com:vml" xmlns:pvml="urn:schemas-microsoft-com:office:powerpoint" xmlns:com="http://schemas.openxmlformats.org/drawingml/2006/compatibility" xmlns:p14="http://schemas.microsoft.com/office/powerpoint/2010/main" xmlns:p15="http://schemas.microsoft.com/office/powerpoint/2012/main" xmlns:ahyp="http://schemas.microsoft.com/office/drawing/2018/hyperlinkcolor" matchingName="Title slide" type="title">
+<p:sldLayout xmlns:a="http://schemas.openxmlformats.org/drawingml/2006/main" xmlns:r="http://schemas.openxmlformats.org/officeDocument/2006/relationships" xmlns:p="http://schemas.openxmlformats.org/presentationml/2006/main" matchingName="Title slide" type="title">
   <p:cSld name="TITLE">
     <p:bg>
       <p:bgPr>
         <a:solidFill>
           <a:schemeClr val="dk1"/>
         </a:solidFill>
+        <a:effectLst/>
       </p:bgPr>
     </p:bg>
     <p:spTree>
       <p:nvGrpSpPr>
-        <p:cNvPr id="9" name="Shape 9"/>
+        <p:cNvPr id="1" name="Shape 9"/>
         <p:cNvGrpSpPr/>
         <p:nvPr/>
       </p:nvGrpSpPr>
@@ -2154,12 +2411,12 @@
             </a:ln>
           </p:spPr>
           <p:txBody>
-            <a:bodyPr anchorCtr="0" anchor="ctr" bIns="91425" lIns="91425" spcFirstLastPara="1" rIns="91425" wrap="square" tIns="91425">
+            <a:bodyPr spcFirstLastPara="1" wrap="square" lIns="91425" tIns="91425" rIns="91425" bIns="91425" anchor="ctr" anchorCtr="0">
               <a:noAutofit/>
             </a:bodyPr>
             <a:lstStyle/>
             <a:p>
-              <a:pPr indent="0" lvl="0" marL="0" rtl="0" algn="l">
+              <a:pPr marL="0" lvl="0" indent="0" algn="l" rtl="0">
                 <a:spcBef>
                   <a:spcPts val="0"/>
                 </a:spcBef>
@@ -2168,9 +2425,6 @@
                 </a:spcAft>
                 <a:buNone/>
               </a:pPr>
-              <a:r>
-                <a:t/>
-              </a:r>
               <a:endParaRPr/>
             </a:p>
           </p:txBody>
@@ -2197,12 +2451,12 @@
             </a:ln>
           </p:spPr>
           <p:txBody>
-            <a:bodyPr anchorCtr="0" anchor="ctr" bIns="91425" lIns="91425" spcFirstLastPara="1" rIns="91425" wrap="square" tIns="91425">
+            <a:bodyPr spcFirstLastPara="1" wrap="square" lIns="91425" tIns="91425" rIns="91425" bIns="91425" anchor="ctr" anchorCtr="0">
               <a:noAutofit/>
             </a:bodyPr>
             <a:lstStyle/>
             <a:p>
-              <a:pPr indent="0" lvl="0" marL="0" rtl="0" algn="l">
+              <a:pPr marL="0" lvl="0" indent="0" algn="l" rtl="0">
                 <a:spcBef>
                   <a:spcPts val="0"/>
                 </a:spcBef>
@@ -2211,9 +2465,6 @@
                 </a:spcAft>
                 <a:buNone/>
               </a:pPr>
-              <a:r>
-                <a:t/>
-              </a:r>
               <a:endParaRPr/>
             </a:p>
           </p:txBody>
@@ -2225,7 +2476,7 @@
             <p:nvPr/>
           </p:nvSpPr>
           <p:spPr>
-            <a:xfrm flipH="1" rot="10800000">
+            <a:xfrm rot="10800000" flipH="1">
               <a:off x="7113588" y="107"/>
               <a:ext cx="1015200" cy="1015200"/>
             </a:xfrm>
@@ -2240,12 +2491,12 @@
             </a:ln>
           </p:spPr>
           <p:txBody>
-            <a:bodyPr anchorCtr="0" anchor="ctr" bIns="91425" lIns="91425" spcFirstLastPara="1" rIns="91425" wrap="square" tIns="91425">
+            <a:bodyPr spcFirstLastPara="1" wrap="square" lIns="91425" tIns="91425" rIns="91425" bIns="91425" anchor="ctr" anchorCtr="0">
               <a:noAutofit/>
             </a:bodyPr>
             <a:lstStyle/>
             <a:p>
-              <a:pPr indent="0" lvl="0" marL="0" rtl="0" algn="l">
+              <a:pPr marL="0" lvl="0" indent="0" algn="l" rtl="0">
                 <a:spcBef>
                   <a:spcPts val="0"/>
                 </a:spcBef>
@@ -2254,9 +2505,6 @@
                 </a:spcAft>
                 <a:buNone/>
               </a:pPr>
-              <a:r>
-                <a:t/>
-              </a:r>
               <a:endParaRPr/>
             </a:p>
           </p:txBody>
@@ -2283,12 +2531,12 @@
             </a:ln>
           </p:spPr>
           <p:txBody>
-            <a:bodyPr anchorCtr="0" anchor="ctr" bIns="91425" lIns="91425" spcFirstLastPara="1" rIns="91425" wrap="square" tIns="91425">
+            <a:bodyPr spcFirstLastPara="1" wrap="square" lIns="91425" tIns="91425" rIns="91425" bIns="91425" anchor="ctr" anchorCtr="0">
               <a:noAutofit/>
             </a:bodyPr>
             <a:lstStyle/>
             <a:p>
-              <a:pPr indent="0" lvl="0" marL="0" rtl="0" algn="l">
+              <a:pPr marL="0" lvl="0" indent="0" algn="l" rtl="0">
                 <a:spcBef>
                   <a:spcPts val="0"/>
                 </a:spcBef>
@@ -2297,9 +2545,6 @@
                 </a:spcAft>
                 <a:buNone/>
               </a:pPr>
-              <a:r>
-                <a:t/>
-              </a:r>
               <a:endParaRPr/>
             </a:p>
           </p:txBody>
@@ -2326,12 +2571,12 @@
             </a:ln>
           </p:spPr>
           <p:txBody>
-            <a:bodyPr anchorCtr="0" anchor="ctr" bIns="91425" lIns="91425" spcFirstLastPara="1" rIns="91425" wrap="square" tIns="91425">
+            <a:bodyPr spcFirstLastPara="1" wrap="square" lIns="91425" tIns="91425" rIns="91425" bIns="91425" anchor="ctr" anchorCtr="0">
               <a:noAutofit/>
             </a:bodyPr>
             <a:lstStyle/>
             <a:p>
-              <a:pPr indent="0" lvl="0" marL="0" rtl="0" algn="l">
+              <a:pPr marL="0" lvl="0" indent="0" algn="l" rtl="0">
                 <a:spcBef>
                   <a:spcPts val="0"/>
                 </a:spcBef>
@@ -2340,9 +2585,6 @@
                 </a:spcAft>
                 <a:buNone/>
               </a:pPr>
-              <a:r>
-                <a:t/>
-              </a:r>
               <a:endParaRPr/>
             </a:p>
           </p:txBody>
@@ -2351,7 +2593,9 @@
       <p:sp>
         <p:nvSpPr>
           <p:cNvPr id="16" name="Google Shape;16;p2"/>
-          <p:cNvSpPr txBox="1"/>
+          <p:cNvSpPr txBox="1">
+            <a:spLocks noGrp="1"/>
+          </p:cNvSpPr>
           <p:nvPr>
             <p:ph type="ctrTitle"/>
           </p:nvPr>
@@ -2366,7 +2610,7 @@
           </a:prstGeom>
         </p:spPr>
         <p:txBody>
-          <a:bodyPr anchorCtr="0" anchor="b" bIns="91425" lIns="91425" spcFirstLastPara="1" rIns="91425" wrap="square" tIns="91425">
+          <a:bodyPr spcFirstLastPara="1" wrap="square" lIns="91425" tIns="91425" rIns="91425" bIns="91425" anchor="b" anchorCtr="0">
             <a:normAutofit/>
           </a:bodyPr>
           <a:lstStyle>
@@ -2533,15 +2777,19 @@
               </a:defRPr>
             </a:lvl9pPr>
           </a:lstStyle>
-          <a:p/>
+          <a:p>
+            <a:endParaRPr/>
+          </a:p>
         </p:txBody>
       </p:sp>
       <p:sp>
         <p:nvSpPr>
           <p:cNvPr id="17" name="Google Shape;17;p2"/>
-          <p:cNvSpPr txBox="1"/>
+          <p:cNvSpPr txBox="1">
+            <a:spLocks noGrp="1"/>
+          </p:cNvSpPr>
           <p:nvPr>
-            <p:ph idx="1" type="subTitle"/>
+            <p:ph type="subTitle" idx="1"/>
           </p:nvPr>
         </p:nvSpPr>
         <p:spPr>
@@ -2554,7 +2802,7 @@
           </a:prstGeom>
         </p:spPr>
         <p:txBody>
-          <a:bodyPr anchorCtr="0" anchor="t" bIns="91425" lIns="91425" spcFirstLastPara="1" rIns="91425" wrap="square" tIns="91425">
+          <a:bodyPr spcFirstLastPara="1" wrap="square" lIns="91425" tIns="91425" rIns="91425" bIns="91425" anchor="t" anchorCtr="0">
             <a:normAutofit/>
           </a:bodyPr>
           <a:lstStyle>
@@ -2748,15 +2996,19 @@
               </a:defRPr>
             </a:lvl9pPr>
           </a:lstStyle>
-          <a:p/>
+          <a:p>
+            <a:endParaRPr/>
+          </a:p>
         </p:txBody>
       </p:sp>
       <p:sp>
         <p:nvSpPr>
           <p:cNvPr id="18" name="Google Shape;18;p2"/>
-          <p:cNvSpPr txBox="1"/>
+          <p:cNvSpPr txBox="1">
+            <a:spLocks noGrp="1"/>
+          </p:cNvSpPr>
           <p:nvPr>
-            <p:ph idx="12" type="sldNum"/>
+            <p:ph type="sldNum" idx="12"/>
           </p:nvPr>
         </p:nvSpPr>
         <p:spPr>
@@ -2769,7 +3021,7 @@
           </a:prstGeom>
         </p:spPr>
         <p:txBody>
-          <a:bodyPr anchorCtr="0" anchor="ctr" bIns="91425" lIns="91425" spcFirstLastPara="1" rIns="91425" wrap="square" tIns="91425">
+          <a:bodyPr spcFirstLastPara="1" wrap="square" lIns="91425" tIns="91425" rIns="91425" bIns="91425" anchor="ctr" anchorCtr="0">
             <a:normAutofit/>
           </a:bodyPr>
           <a:lstStyle>
@@ -2811,7 +3063,7 @@
             </a:lvl9pPr>
           </a:lstStyle>
           <a:p>
-            <a:pPr indent="0" lvl="0" marL="0" rtl="0" algn="r">
+            <a:pPr marL="0" lvl="0" indent="0" algn="r" rtl="0">
               <a:spcBef>
                 <a:spcPts val="0"/>
               </a:spcBef>
@@ -2837,18 +3089,19 @@
 </file>
 
 <file path=ppt/slideLayouts/slideLayout10.xml><?xml version="1.0" encoding="utf-8"?>
-<p:sldLayout xmlns:a="http://schemas.openxmlformats.org/drawingml/2006/main" xmlns:r="http://schemas.openxmlformats.org/officeDocument/2006/relationships" xmlns:mc="http://schemas.openxmlformats.org/markup-compatibility/2006" xmlns:mv="urn:schemas-microsoft-com:mac:vml" xmlns:p="http://schemas.openxmlformats.org/presentationml/2006/main" xmlns:c="http://schemas.openxmlformats.org/drawingml/2006/chart" xmlns:dgm="http://schemas.openxmlformats.org/drawingml/2006/diagram" xmlns:o="urn:schemas-microsoft-com:office:office" xmlns:v="urn:schemas-microsoft-com:vml" xmlns:pvml="urn:schemas-microsoft-com:office:powerpoint" xmlns:com="http://schemas.openxmlformats.org/drawingml/2006/compatibility" xmlns:p14="http://schemas.microsoft.com/office/powerpoint/2010/main" xmlns:p15="http://schemas.microsoft.com/office/powerpoint/2012/main" xmlns:ahyp="http://schemas.microsoft.com/office/drawing/2018/hyperlinkcolor" matchingName="Big number">
+<p:sldLayout xmlns:a="http://schemas.openxmlformats.org/drawingml/2006/main" xmlns:r="http://schemas.openxmlformats.org/officeDocument/2006/relationships" xmlns:p="http://schemas.openxmlformats.org/presentationml/2006/main" matchingName="Big number">
   <p:cSld name="BIG_NUMBER">
     <p:bg>
       <p:bgPr>
         <a:solidFill>
           <a:schemeClr val="dk1"/>
         </a:solidFill>
+        <a:effectLst/>
       </p:bgPr>
     </p:bg>
     <p:spTree>
       <p:nvGrpSpPr>
-        <p:cNvPr id="69" name="Shape 69"/>
+        <p:cNvPr id="1" name="Shape 69"/>
         <p:cNvGrpSpPr/>
         <p:nvPr/>
       </p:nvGrpSpPr>
@@ -2896,12 +3149,12 @@
             </a:ln>
           </p:spPr>
           <p:txBody>
-            <a:bodyPr anchorCtr="0" anchor="ctr" bIns="91425" lIns="91425" spcFirstLastPara="1" rIns="91425" wrap="square" tIns="91425">
+            <a:bodyPr spcFirstLastPara="1" wrap="square" lIns="91425" tIns="91425" rIns="91425" bIns="91425" anchor="ctr" anchorCtr="0">
               <a:noAutofit/>
             </a:bodyPr>
             <a:lstStyle/>
             <a:p>
-              <a:pPr indent="0" lvl="0" marL="0" rtl="0" algn="l">
+              <a:pPr marL="0" lvl="0" indent="0" algn="l" rtl="0">
                 <a:spcBef>
                   <a:spcPts val="0"/>
                 </a:spcBef>
@@ -2910,9 +3163,6 @@
                 </a:spcAft>
                 <a:buNone/>
               </a:pPr>
-              <a:r>
-                <a:t/>
-              </a:r>
               <a:endParaRPr/>
             </a:p>
           </p:txBody>
@@ -2939,12 +3189,12 @@
             </a:ln>
           </p:spPr>
           <p:txBody>
-            <a:bodyPr anchorCtr="0" anchor="ctr" bIns="91425" lIns="91425" spcFirstLastPara="1" rIns="91425" wrap="square" tIns="91425">
+            <a:bodyPr spcFirstLastPara="1" wrap="square" lIns="91425" tIns="91425" rIns="91425" bIns="91425" anchor="ctr" anchorCtr="0">
               <a:noAutofit/>
             </a:bodyPr>
             <a:lstStyle/>
             <a:p>
-              <a:pPr indent="0" lvl="0" marL="0" rtl="0" algn="l">
+              <a:pPr marL="0" lvl="0" indent="0" algn="l" rtl="0">
                 <a:spcBef>
                   <a:spcPts val="0"/>
                 </a:spcBef>
@@ -2953,9 +3203,6 @@
                 </a:spcAft>
                 <a:buNone/>
               </a:pPr>
-              <a:r>
-                <a:t/>
-              </a:r>
               <a:endParaRPr/>
             </a:p>
           </p:txBody>
@@ -2967,7 +3214,7 @@
             <p:nvPr/>
           </p:nvSpPr>
           <p:spPr>
-            <a:xfrm flipH="1" rot="10800000">
+            <a:xfrm rot="10800000" flipH="1">
               <a:off x="7113588" y="107"/>
               <a:ext cx="1015200" cy="1015200"/>
             </a:xfrm>
@@ -2982,12 +3229,12 @@
             </a:ln>
           </p:spPr>
           <p:txBody>
-            <a:bodyPr anchorCtr="0" anchor="ctr" bIns="91425" lIns="91425" spcFirstLastPara="1" rIns="91425" wrap="square" tIns="91425">
+            <a:bodyPr spcFirstLastPara="1" wrap="square" lIns="91425" tIns="91425" rIns="91425" bIns="91425" anchor="ctr" anchorCtr="0">
               <a:noAutofit/>
             </a:bodyPr>
             <a:lstStyle/>
             <a:p>
-              <a:pPr indent="0" lvl="0" marL="0" rtl="0" algn="l">
+              <a:pPr marL="0" lvl="0" indent="0" algn="l" rtl="0">
                 <a:spcBef>
                   <a:spcPts val="0"/>
                 </a:spcBef>
@@ -2996,9 +3243,6 @@
                 </a:spcAft>
                 <a:buNone/>
               </a:pPr>
-              <a:r>
-                <a:t/>
-              </a:r>
               <a:endParaRPr/>
             </a:p>
           </p:txBody>
@@ -3025,12 +3269,12 @@
             </a:ln>
           </p:spPr>
           <p:txBody>
-            <a:bodyPr anchorCtr="0" anchor="ctr" bIns="91425" lIns="91425" spcFirstLastPara="1" rIns="91425" wrap="square" tIns="91425">
+            <a:bodyPr spcFirstLastPara="1" wrap="square" lIns="91425" tIns="91425" rIns="91425" bIns="91425" anchor="ctr" anchorCtr="0">
               <a:noAutofit/>
             </a:bodyPr>
             <a:lstStyle/>
             <a:p>
-              <a:pPr indent="0" lvl="0" marL="0" rtl="0" algn="l">
+              <a:pPr marL="0" lvl="0" indent="0" algn="l" rtl="0">
                 <a:spcBef>
                   <a:spcPts val="0"/>
                 </a:spcBef>
@@ -3039,9 +3283,6 @@
                 </a:spcAft>
                 <a:buNone/>
               </a:pPr>
-              <a:r>
-                <a:t/>
-              </a:r>
               <a:endParaRPr/>
             </a:p>
           </p:txBody>
@@ -3068,12 +3309,12 @@
             </a:ln>
           </p:spPr>
           <p:txBody>
-            <a:bodyPr anchorCtr="0" anchor="ctr" bIns="91425" lIns="91425" spcFirstLastPara="1" rIns="91425" wrap="square" tIns="91425">
+            <a:bodyPr spcFirstLastPara="1" wrap="square" lIns="91425" tIns="91425" rIns="91425" bIns="91425" anchor="ctr" anchorCtr="0">
               <a:noAutofit/>
             </a:bodyPr>
             <a:lstStyle/>
             <a:p>
-              <a:pPr indent="0" lvl="0" marL="0" rtl="0" algn="l">
+              <a:pPr marL="0" lvl="0" indent="0" algn="l" rtl="0">
                 <a:spcBef>
                   <a:spcPts val="0"/>
                 </a:spcBef>
@@ -3082,9 +3323,6 @@
                 </a:spcAft>
                 <a:buNone/>
               </a:pPr>
-              <a:r>
-                <a:t/>
-              </a:r>
               <a:endParaRPr/>
             </a:p>
           </p:txBody>
@@ -3093,9 +3331,11 @@
       <p:sp>
         <p:nvSpPr>
           <p:cNvPr id="76" name="Google Shape;76;p11"/>
-          <p:cNvSpPr txBox="1"/>
+          <p:cNvSpPr txBox="1">
+            <a:spLocks noGrp="1"/>
+          </p:cNvSpPr>
           <p:nvPr>
-            <p:ph hasCustomPrompt="1" type="title"/>
+            <p:ph type="title" hasCustomPrompt="1"/>
           </p:nvPr>
         </p:nvSpPr>
         <p:spPr>
@@ -3108,7 +3348,7 @@
           </a:prstGeom>
         </p:spPr>
         <p:txBody>
-          <a:bodyPr anchorCtr="0" anchor="b" bIns="91425" lIns="91425" spcFirstLastPara="1" rIns="91425" wrap="square" tIns="91425">
+          <a:bodyPr spcFirstLastPara="1" wrap="square" lIns="91425" tIns="91425" rIns="91425" bIns="91425" anchor="b" anchorCtr="0">
             <a:normAutofit/>
           </a:bodyPr>
           <a:lstStyle>
@@ -3285,9 +3525,11 @@
       <p:sp>
         <p:nvSpPr>
           <p:cNvPr id="77" name="Google Shape;77;p11"/>
-          <p:cNvSpPr txBox="1"/>
+          <p:cNvSpPr txBox="1">
+            <a:spLocks noGrp="1"/>
+          </p:cNvSpPr>
           <p:nvPr>
-            <p:ph idx="1" type="body"/>
+            <p:ph type="body" idx="1"/>
           </p:nvPr>
         </p:nvSpPr>
         <p:spPr>
@@ -3300,11 +3542,11 @@
           </a:prstGeom>
         </p:spPr>
         <p:txBody>
-          <a:bodyPr anchorCtr="0" anchor="t" bIns="91425" lIns="91425" spcFirstLastPara="1" rIns="91425" wrap="square" tIns="91425">
+          <a:bodyPr spcFirstLastPara="1" wrap="square" lIns="91425" tIns="91425" rIns="91425" bIns="91425" anchor="t" anchorCtr="0">
             <a:normAutofit/>
           </a:bodyPr>
           <a:lstStyle>
-            <a:lvl1pPr indent="-342900" lvl="0" marL="457200" algn="ctr">
+            <a:lvl1pPr marL="457200" lvl="0" indent="-342900" algn="ctr">
               <a:spcBef>
                 <a:spcPts val="0"/>
               </a:spcBef>
@@ -3322,7 +3564,7 @@
                 </a:solidFill>
               </a:defRPr>
             </a:lvl1pPr>
-            <a:lvl2pPr indent="-317500" lvl="1" marL="914400" algn="ctr">
+            <a:lvl2pPr marL="914400" lvl="1" indent="-317500" algn="ctr">
               <a:spcBef>
                 <a:spcPts val="0"/>
               </a:spcBef>
@@ -3340,7 +3582,7 @@
                 </a:solidFill>
               </a:defRPr>
             </a:lvl2pPr>
-            <a:lvl3pPr indent="-317500" lvl="2" marL="1371600" algn="ctr">
+            <a:lvl3pPr marL="1371600" lvl="2" indent="-317500" algn="ctr">
               <a:spcBef>
                 <a:spcPts val="0"/>
               </a:spcBef>
@@ -3358,7 +3600,7 @@
                 </a:solidFill>
               </a:defRPr>
             </a:lvl3pPr>
-            <a:lvl4pPr indent="-317500" lvl="3" marL="1828800" algn="ctr">
+            <a:lvl4pPr marL="1828800" lvl="3" indent="-317500" algn="ctr">
               <a:spcBef>
                 <a:spcPts val="0"/>
               </a:spcBef>
@@ -3376,7 +3618,7 @@
                 </a:solidFill>
               </a:defRPr>
             </a:lvl4pPr>
-            <a:lvl5pPr indent="-317500" lvl="4" marL="2286000" algn="ctr">
+            <a:lvl5pPr marL="2286000" lvl="4" indent="-317500" algn="ctr">
               <a:spcBef>
                 <a:spcPts val="0"/>
               </a:spcBef>
@@ -3394,7 +3636,7 @@
                 </a:solidFill>
               </a:defRPr>
             </a:lvl5pPr>
-            <a:lvl6pPr indent="-317500" lvl="5" marL="2743200" algn="ctr">
+            <a:lvl6pPr marL="2743200" lvl="5" indent="-317500" algn="ctr">
               <a:spcBef>
                 <a:spcPts val="0"/>
               </a:spcBef>
@@ -3412,7 +3654,7 @@
                 </a:solidFill>
               </a:defRPr>
             </a:lvl6pPr>
-            <a:lvl7pPr indent="-317500" lvl="6" marL="3200400" algn="ctr">
+            <a:lvl7pPr marL="3200400" lvl="6" indent="-317500" algn="ctr">
               <a:spcBef>
                 <a:spcPts val="0"/>
               </a:spcBef>
@@ -3430,7 +3672,7 @@
                 </a:solidFill>
               </a:defRPr>
             </a:lvl7pPr>
-            <a:lvl8pPr indent="-317500" lvl="7" marL="3657600" algn="ctr">
+            <a:lvl8pPr marL="3657600" lvl="7" indent="-317500" algn="ctr">
               <a:spcBef>
                 <a:spcPts val="0"/>
               </a:spcBef>
@@ -3448,7 +3690,7 @@
                 </a:solidFill>
               </a:defRPr>
             </a:lvl8pPr>
-            <a:lvl9pPr indent="-317500" lvl="8" marL="4114800" algn="ctr">
+            <a:lvl9pPr marL="4114800" lvl="8" indent="-317500" algn="ctr">
               <a:spcBef>
                 <a:spcPts val="0"/>
               </a:spcBef>
@@ -3467,15 +3709,19 @@
               </a:defRPr>
             </a:lvl9pPr>
           </a:lstStyle>
-          <a:p/>
+          <a:p>
+            <a:endParaRPr/>
+          </a:p>
         </p:txBody>
       </p:sp>
       <p:sp>
         <p:nvSpPr>
           <p:cNvPr id="78" name="Google Shape;78;p11"/>
-          <p:cNvSpPr txBox="1"/>
+          <p:cNvSpPr txBox="1">
+            <a:spLocks noGrp="1"/>
+          </p:cNvSpPr>
           <p:nvPr>
-            <p:ph idx="12" type="sldNum"/>
+            <p:ph type="sldNum" idx="12"/>
           </p:nvPr>
         </p:nvSpPr>
         <p:spPr>
@@ -3488,7 +3734,7 @@
           </a:prstGeom>
         </p:spPr>
         <p:txBody>
-          <a:bodyPr anchorCtr="0" anchor="ctr" bIns="91425" lIns="91425" spcFirstLastPara="1" rIns="91425" wrap="square" tIns="91425">
+          <a:bodyPr spcFirstLastPara="1" wrap="square" lIns="91425" tIns="91425" rIns="91425" bIns="91425" anchor="ctr" anchorCtr="0">
             <a:normAutofit/>
           </a:bodyPr>
           <a:lstStyle>
@@ -3530,7 +3776,7 @@
             </a:lvl9pPr>
           </a:lstStyle>
           <a:p>
-            <a:pPr indent="0" lvl="0" marL="0" rtl="0" algn="r">
+            <a:pPr marL="0" lvl="0" indent="0" algn="r" rtl="0">
               <a:spcBef>
                 <a:spcPts val="0"/>
               </a:spcBef>
@@ -3556,11 +3802,11 @@
 </file>
 
 <file path=ppt/slideLayouts/slideLayout11.xml><?xml version="1.0" encoding="utf-8"?>
-<p:sldLayout xmlns:a="http://schemas.openxmlformats.org/drawingml/2006/main" xmlns:r="http://schemas.openxmlformats.org/officeDocument/2006/relationships" xmlns:mc="http://schemas.openxmlformats.org/markup-compatibility/2006" xmlns:mv="urn:schemas-microsoft-com:mac:vml" xmlns:p="http://schemas.openxmlformats.org/presentationml/2006/main" xmlns:c="http://schemas.openxmlformats.org/drawingml/2006/chart" xmlns:dgm="http://schemas.openxmlformats.org/drawingml/2006/diagram" xmlns:o="urn:schemas-microsoft-com:office:office" xmlns:v="urn:schemas-microsoft-com:vml" xmlns:pvml="urn:schemas-microsoft-com:office:powerpoint" xmlns:com="http://schemas.openxmlformats.org/drawingml/2006/compatibility" xmlns:p14="http://schemas.microsoft.com/office/powerpoint/2010/main" xmlns:p15="http://schemas.microsoft.com/office/powerpoint/2012/main" xmlns:ahyp="http://schemas.microsoft.com/office/drawing/2018/hyperlinkcolor" matchingName="Blank" type="blank">
+<p:sldLayout xmlns:a="http://schemas.openxmlformats.org/drawingml/2006/main" xmlns:r="http://schemas.openxmlformats.org/officeDocument/2006/relationships" xmlns:p="http://schemas.openxmlformats.org/presentationml/2006/main" matchingName="Blank" type="blank">
   <p:cSld name="BLANK">
     <p:spTree>
       <p:nvGrpSpPr>
-        <p:cNvPr id="79" name="Shape 79"/>
+        <p:cNvPr id="1" name="Shape 79"/>
         <p:cNvGrpSpPr/>
         <p:nvPr/>
       </p:nvGrpSpPr>
@@ -3575,9 +3821,11 @@
       <p:sp>
         <p:nvSpPr>
           <p:cNvPr id="80" name="Google Shape;80;p12"/>
-          <p:cNvSpPr txBox="1"/>
+          <p:cNvSpPr txBox="1">
+            <a:spLocks noGrp="1"/>
+          </p:cNvSpPr>
           <p:nvPr>
-            <p:ph idx="12" type="sldNum"/>
+            <p:ph type="sldNum" idx="12"/>
           </p:nvPr>
         </p:nvSpPr>
         <p:spPr>
@@ -3590,7 +3838,7 @@
           </a:prstGeom>
         </p:spPr>
         <p:txBody>
-          <a:bodyPr anchorCtr="0" anchor="ctr" bIns="91425" lIns="91425" spcFirstLastPara="1" rIns="91425" wrap="square" tIns="91425">
+          <a:bodyPr spcFirstLastPara="1" wrap="square" lIns="91425" tIns="91425" rIns="91425" bIns="91425" anchor="ctr" anchorCtr="0">
             <a:normAutofit/>
           </a:bodyPr>
           <a:lstStyle>
@@ -3668,7 +3916,7 @@
             </a:lvl9pPr>
           </a:lstStyle>
           <a:p>
-            <a:pPr indent="0" lvl="0" marL="0" rtl="0" algn="r">
+            <a:pPr marL="0" lvl="0" indent="0" algn="r" rtl="0">
               <a:spcBef>
                 <a:spcPts val="0"/>
               </a:spcBef>
@@ -3694,18 +3942,19 @@
 </file>
 
 <file path=ppt/slideLayouts/slideLayout2.xml><?xml version="1.0" encoding="utf-8"?>
-<p:sldLayout xmlns:a="http://schemas.openxmlformats.org/drawingml/2006/main" xmlns:r="http://schemas.openxmlformats.org/officeDocument/2006/relationships" xmlns:mc="http://schemas.openxmlformats.org/markup-compatibility/2006" xmlns:mv="urn:schemas-microsoft-com:mac:vml" xmlns:p="http://schemas.openxmlformats.org/presentationml/2006/main" xmlns:c="http://schemas.openxmlformats.org/drawingml/2006/chart" xmlns:dgm="http://schemas.openxmlformats.org/drawingml/2006/diagram" xmlns:o="urn:schemas-microsoft-com:office:office" xmlns:v="urn:schemas-microsoft-com:vml" xmlns:pvml="urn:schemas-microsoft-com:office:powerpoint" xmlns:com="http://schemas.openxmlformats.org/drawingml/2006/compatibility" xmlns:p14="http://schemas.microsoft.com/office/powerpoint/2010/main" xmlns:p15="http://schemas.microsoft.com/office/powerpoint/2012/main" xmlns:ahyp="http://schemas.microsoft.com/office/drawing/2018/hyperlinkcolor" matchingName="Section header" type="secHead">
+<p:sldLayout xmlns:a="http://schemas.openxmlformats.org/drawingml/2006/main" xmlns:r="http://schemas.openxmlformats.org/officeDocument/2006/relationships" xmlns:p="http://schemas.openxmlformats.org/presentationml/2006/main" matchingName="Section header" type="secHead">
   <p:cSld name="SECTION_HEADER">
     <p:bg>
       <p:bgPr>
         <a:solidFill>
           <a:schemeClr val="dk1"/>
         </a:solidFill>
+        <a:effectLst/>
       </p:bgPr>
     </p:bg>
     <p:spTree>
       <p:nvGrpSpPr>
-        <p:cNvPr id="19" name="Shape 19"/>
+        <p:cNvPr id="1" name="Shape 19"/>
         <p:cNvGrpSpPr/>
         <p:nvPr/>
       </p:nvGrpSpPr>
@@ -3753,12 +4002,12 @@
             </a:ln>
           </p:spPr>
           <p:txBody>
-            <a:bodyPr anchorCtr="0" anchor="ctr" bIns="91425" lIns="91425" spcFirstLastPara="1" rIns="91425" wrap="square" tIns="91425">
+            <a:bodyPr spcFirstLastPara="1" wrap="square" lIns="91425" tIns="91425" rIns="91425" bIns="91425" anchor="ctr" anchorCtr="0">
               <a:noAutofit/>
             </a:bodyPr>
             <a:lstStyle/>
             <a:p>
-              <a:pPr indent="0" lvl="0" marL="0" rtl="0" algn="l">
+              <a:pPr marL="0" lvl="0" indent="0" algn="l" rtl="0">
                 <a:spcBef>
                   <a:spcPts val="0"/>
                 </a:spcBef>
@@ -3767,9 +4016,6 @@
                 </a:spcAft>
                 <a:buNone/>
               </a:pPr>
-              <a:r>
-                <a:t/>
-              </a:r>
               <a:endParaRPr/>
             </a:p>
           </p:txBody>
@@ -3796,12 +4042,12 @@
             </a:ln>
           </p:spPr>
           <p:txBody>
-            <a:bodyPr anchorCtr="0" anchor="ctr" bIns="91425" lIns="91425" spcFirstLastPara="1" rIns="91425" wrap="square" tIns="91425">
+            <a:bodyPr spcFirstLastPara="1" wrap="square" lIns="91425" tIns="91425" rIns="91425" bIns="91425" anchor="ctr" anchorCtr="0">
               <a:noAutofit/>
             </a:bodyPr>
             <a:lstStyle/>
             <a:p>
-              <a:pPr indent="0" lvl="0" marL="0" rtl="0" algn="l">
+              <a:pPr marL="0" lvl="0" indent="0" algn="l" rtl="0">
                 <a:spcBef>
                   <a:spcPts val="0"/>
                 </a:spcBef>
@@ -3810,9 +4056,6 @@
                 </a:spcAft>
                 <a:buNone/>
               </a:pPr>
-              <a:r>
-                <a:t/>
-              </a:r>
               <a:endParaRPr/>
             </a:p>
           </p:txBody>
@@ -3824,7 +4067,7 @@
             <p:nvPr/>
           </p:nvSpPr>
           <p:spPr>
-            <a:xfrm flipH="1" rot="10800000">
+            <a:xfrm rot="10800000" flipH="1">
               <a:off x="7113588" y="107"/>
               <a:ext cx="1015200" cy="1015200"/>
             </a:xfrm>
@@ -3839,12 +4082,12 @@
             </a:ln>
           </p:spPr>
           <p:txBody>
-            <a:bodyPr anchorCtr="0" anchor="ctr" bIns="91425" lIns="91425" spcFirstLastPara="1" rIns="91425" wrap="square" tIns="91425">
+            <a:bodyPr spcFirstLastPara="1" wrap="square" lIns="91425" tIns="91425" rIns="91425" bIns="91425" anchor="ctr" anchorCtr="0">
               <a:noAutofit/>
             </a:bodyPr>
             <a:lstStyle/>
             <a:p>
-              <a:pPr indent="0" lvl="0" marL="0" rtl="0" algn="l">
+              <a:pPr marL="0" lvl="0" indent="0" algn="l" rtl="0">
                 <a:spcBef>
                   <a:spcPts val="0"/>
                 </a:spcBef>
@@ -3853,9 +4096,6 @@
                 </a:spcAft>
                 <a:buNone/>
               </a:pPr>
-              <a:r>
-                <a:t/>
-              </a:r>
               <a:endParaRPr/>
             </a:p>
           </p:txBody>
@@ -3882,12 +4122,12 @@
             </a:ln>
           </p:spPr>
           <p:txBody>
-            <a:bodyPr anchorCtr="0" anchor="ctr" bIns="91425" lIns="91425" spcFirstLastPara="1" rIns="91425" wrap="square" tIns="91425">
+            <a:bodyPr spcFirstLastPara="1" wrap="square" lIns="91425" tIns="91425" rIns="91425" bIns="91425" anchor="ctr" anchorCtr="0">
               <a:noAutofit/>
             </a:bodyPr>
             <a:lstStyle/>
             <a:p>
-              <a:pPr indent="0" lvl="0" marL="0" rtl="0" algn="l">
+              <a:pPr marL="0" lvl="0" indent="0" algn="l" rtl="0">
                 <a:spcBef>
                   <a:spcPts val="0"/>
                 </a:spcBef>
@@ -3896,9 +4136,6 @@
                 </a:spcAft>
                 <a:buNone/>
               </a:pPr>
-              <a:r>
-                <a:t/>
-              </a:r>
               <a:endParaRPr/>
             </a:p>
           </p:txBody>
@@ -3925,12 +4162,12 @@
             </a:ln>
           </p:spPr>
           <p:txBody>
-            <a:bodyPr anchorCtr="0" anchor="ctr" bIns="91425" lIns="91425" spcFirstLastPara="1" rIns="91425" wrap="square" tIns="91425">
+            <a:bodyPr spcFirstLastPara="1" wrap="square" lIns="91425" tIns="91425" rIns="91425" bIns="91425" anchor="ctr" anchorCtr="0">
               <a:noAutofit/>
             </a:bodyPr>
             <a:lstStyle/>
             <a:p>
-              <a:pPr indent="0" lvl="0" marL="0" rtl="0" algn="l">
+              <a:pPr marL="0" lvl="0" indent="0" algn="l" rtl="0">
                 <a:spcBef>
                   <a:spcPts val="0"/>
                 </a:spcBef>
@@ -3939,9 +4176,6 @@
                 </a:spcAft>
                 <a:buNone/>
               </a:pPr>
-              <a:r>
-                <a:t/>
-              </a:r>
               <a:endParaRPr/>
             </a:p>
           </p:txBody>
@@ -3950,7 +4184,9 @@
       <p:sp>
         <p:nvSpPr>
           <p:cNvPr id="26" name="Google Shape;26;p3"/>
-          <p:cNvSpPr txBox="1"/>
+          <p:cNvSpPr txBox="1">
+            <a:spLocks noGrp="1"/>
+          </p:cNvSpPr>
           <p:nvPr>
             <p:ph type="title"/>
           </p:nvPr>
@@ -3965,7 +4201,7 @@
           </a:prstGeom>
         </p:spPr>
         <p:txBody>
-          <a:bodyPr anchorCtr="0" anchor="ctr" bIns="91425" lIns="91425" spcFirstLastPara="1" rIns="91425" wrap="square" tIns="91425">
+          <a:bodyPr spcFirstLastPara="1" wrap="square" lIns="91425" tIns="91425" rIns="91425" bIns="91425" anchor="ctr" anchorCtr="0">
             <a:normAutofit/>
           </a:bodyPr>
           <a:lstStyle>
@@ -4132,15 +4368,19 @@
               </a:defRPr>
             </a:lvl9pPr>
           </a:lstStyle>
-          <a:p/>
+          <a:p>
+            <a:endParaRPr/>
+          </a:p>
         </p:txBody>
       </p:sp>
       <p:sp>
         <p:nvSpPr>
           <p:cNvPr id="27" name="Google Shape;27;p3"/>
-          <p:cNvSpPr txBox="1"/>
+          <p:cNvSpPr txBox="1">
+            <a:spLocks noGrp="1"/>
+          </p:cNvSpPr>
           <p:nvPr>
-            <p:ph idx="12" type="sldNum"/>
+            <p:ph type="sldNum" idx="12"/>
           </p:nvPr>
         </p:nvSpPr>
         <p:spPr>
@@ -4153,7 +4393,7 @@
           </a:prstGeom>
         </p:spPr>
         <p:txBody>
-          <a:bodyPr anchorCtr="0" anchor="ctr" bIns="91425" lIns="91425" spcFirstLastPara="1" rIns="91425" wrap="square" tIns="91425">
+          <a:bodyPr spcFirstLastPara="1" wrap="square" lIns="91425" tIns="91425" rIns="91425" bIns="91425" anchor="ctr" anchorCtr="0">
             <a:normAutofit/>
           </a:bodyPr>
           <a:lstStyle>
@@ -4195,7 +4435,7 @@
             </a:lvl9pPr>
           </a:lstStyle>
           <a:p>
-            <a:pPr indent="0" lvl="0" marL="0" rtl="0" algn="r">
+            <a:pPr marL="0" lvl="0" indent="0" algn="r" rtl="0">
               <a:spcBef>
                 <a:spcPts val="0"/>
               </a:spcBef>
@@ -4221,11 +4461,11 @@
 </file>
 
 <file path=ppt/slideLayouts/slideLayout3.xml><?xml version="1.0" encoding="utf-8"?>
-<p:sldLayout xmlns:a="http://schemas.openxmlformats.org/drawingml/2006/main" xmlns:r="http://schemas.openxmlformats.org/officeDocument/2006/relationships" xmlns:mc="http://schemas.openxmlformats.org/markup-compatibility/2006" xmlns:mv="urn:schemas-microsoft-com:mac:vml" xmlns:p="http://schemas.openxmlformats.org/presentationml/2006/main" xmlns:c="http://schemas.openxmlformats.org/drawingml/2006/chart" xmlns:dgm="http://schemas.openxmlformats.org/drawingml/2006/diagram" xmlns:o="urn:schemas-microsoft-com:office:office" xmlns:v="urn:schemas-microsoft-com:vml" xmlns:pvml="urn:schemas-microsoft-com:office:powerpoint" xmlns:com="http://schemas.openxmlformats.org/drawingml/2006/compatibility" xmlns:p14="http://schemas.microsoft.com/office/powerpoint/2010/main" xmlns:p15="http://schemas.microsoft.com/office/powerpoint/2012/main" xmlns:ahyp="http://schemas.microsoft.com/office/drawing/2018/hyperlinkcolor" matchingName="Title and body" type="tx">
+<p:sldLayout xmlns:a="http://schemas.openxmlformats.org/drawingml/2006/main" xmlns:r="http://schemas.openxmlformats.org/officeDocument/2006/relationships" xmlns:p="http://schemas.openxmlformats.org/presentationml/2006/main" matchingName="Title and body" type="tx">
   <p:cSld name="TITLE_AND_BODY">
     <p:spTree>
       <p:nvGrpSpPr>
-        <p:cNvPr id="28" name="Shape 28"/>
+        <p:cNvPr id="1" name="Shape 28"/>
         <p:cNvGrpSpPr/>
         <p:nvPr/>
       </p:nvGrpSpPr>
@@ -4273,12 +4513,12 @@
             </a:ln>
           </p:spPr>
           <p:txBody>
-            <a:bodyPr anchorCtr="0" anchor="ctr" bIns="91425" lIns="91425" spcFirstLastPara="1" rIns="91425" wrap="square" tIns="91425">
+            <a:bodyPr spcFirstLastPara="1" wrap="square" lIns="91425" tIns="91425" rIns="91425" bIns="91425" anchor="ctr" anchorCtr="0">
               <a:noAutofit/>
             </a:bodyPr>
             <a:lstStyle/>
             <a:p>
-              <a:pPr indent="0" lvl="0" marL="0" rtl="0" algn="l">
+              <a:pPr marL="0" lvl="0" indent="0" algn="l" rtl="0">
                 <a:spcBef>
                   <a:spcPts val="0"/>
                 </a:spcBef>
@@ -4287,9 +4527,6 @@
                 </a:spcAft>
                 <a:buNone/>
               </a:pPr>
-              <a:r>
-                <a:t/>
-              </a:r>
               <a:endParaRPr/>
             </a:p>
           </p:txBody>
@@ -4316,12 +4553,12 @@
             </a:ln>
           </p:spPr>
           <p:txBody>
-            <a:bodyPr anchorCtr="0" anchor="ctr" bIns="91425" lIns="91425" spcFirstLastPara="1" rIns="91425" wrap="square" tIns="91425">
+            <a:bodyPr spcFirstLastPara="1" wrap="square" lIns="91425" tIns="91425" rIns="91425" bIns="91425" anchor="ctr" anchorCtr="0">
               <a:noAutofit/>
             </a:bodyPr>
             <a:lstStyle/>
             <a:p>
-              <a:pPr indent="0" lvl="0" marL="0" rtl="0" algn="l">
+              <a:pPr marL="0" lvl="0" indent="0" algn="l" rtl="0">
                 <a:spcBef>
                   <a:spcPts val="0"/>
                 </a:spcBef>
@@ -4330,9 +4567,6 @@
                 </a:spcAft>
                 <a:buNone/>
               </a:pPr>
-              <a:r>
-                <a:t/>
-              </a:r>
               <a:endParaRPr/>
             </a:p>
           </p:txBody>
@@ -4359,12 +4593,12 @@
             </a:ln>
           </p:spPr>
           <p:txBody>
-            <a:bodyPr anchorCtr="0" anchor="ctr" bIns="91425" lIns="91425" spcFirstLastPara="1" rIns="91425" wrap="square" tIns="91425">
+            <a:bodyPr spcFirstLastPara="1" wrap="square" lIns="91425" tIns="91425" rIns="91425" bIns="91425" anchor="ctr" anchorCtr="0">
               <a:noAutofit/>
             </a:bodyPr>
             <a:lstStyle/>
             <a:p>
-              <a:pPr indent="0" lvl="0" marL="0" rtl="0" algn="l">
+              <a:pPr marL="0" lvl="0" indent="0" algn="l" rtl="0">
                 <a:spcBef>
                   <a:spcPts val="0"/>
                 </a:spcBef>
@@ -4373,9 +4607,6 @@
                 </a:spcAft>
                 <a:buNone/>
               </a:pPr>
-              <a:r>
-                <a:t/>
-              </a:r>
               <a:endParaRPr/>
             </a:p>
           </p:txBody>
@@ -4402,12 +4633,12 @@
             </a:ln>
           </p:spPr>
           <p:txBody>
-            <a:bodyPr anchorCtr="0" anchor="ctr" bIns="91425" lIns="91425" spcFirstLastPara="1" rIns="91425" wrap="square" tIns="91425">
+            <a:bodyPr spcFirstLastPara="1" wrap="square" lIns="91425" tIns="91425" rIns="91425" bIns="91425" anchor="ctr" anchorCtr="0">
               <a:noAutofit/>
             </a:bodyPr>
             <a:lstStyle/>
             <a:p>
-              <a:pPr indent="0" lvl="0" marL="0" rtl="0" algn="l">
+              <a:pPr marL="0" lvl="0" indent="0" algn="l" rtl="0">
                 <a:spcBef>
                   <a:spcPts val="0"/>
                 </a:spcBef>
@@ -4416,9 +4647,6 @@
                 </a:spcAft>
                 <a:buNone/>
               </a:pPr>
-              <a:r>
-                <a:t/>
-              </a:r>
               <a:endParaRPr/>
             </a:p>
           </p:txBody>
@@ -4445,12 +4673,12 @@
             </a:ln>
           </p:spPr>
           <p:txBody>
-            <a:bodyPr anchorCtr="0" anchor="ctr" bIns="91425" lIns="91425" spcFirstLastPara="1" rIns="91425" wrap="square" tIns="91425">
+            <a:bodyPr spcFirstLastPara="1" wrap="square" lIns="91425" tIns="91425" rIns="91425" bIns="91425" anchor="ctr" anchorCtr="0">
               <a:noAutofit/>
             </a:bodyPr>
             <a:lstStyle/>
             <a:p>
-              <a:pPr indent="0" lvl="0" marL="0" rtl="0" algn="l">
+              <a:pPr marL="0" lvl="0" indent="0" algn="l" rtl="0">
                 <a:spcBef>
                   <a:spcPts val="0"/>
                 </a:spcBef>
@@ -4459,9 +4687,6 @@
                 </a:spcAft>
                 <a:buNone/>
               </a:pPr>
-              <a:r>
-                <a:t/>
-              </a:r>
               <a:endParaRPr/>
             </a:p>
           </p:txBody>
@@ -4470,7 +4695,9 @@
       <p:sp>
         <p:nvSpPr>
           <p:cNvPr id="35" name="Google Shape;35;p4"/>
-          <p:cNvSpPr txBox="1"/>
+          <p:cNvSpPr txBox="1">
+            <a:spLocks noGrp="1"/>
+          </p:cNvSpPr>
           <p:nvPr>
             <p:ph type="title"/>
           </p:nvPr>
@@ -4485,7 +4712,7 @@
           </a:prstGeom>
         </p:spPr>
         <p:txBody>
-          <a:bodyPr anchorCtr="0" anchor="t" bIns="91425" lIns="91425" spcFirstLastPara="1" rIns="91425" wrap="square" tIns="91425">
+          <a:bodyPr spcFirstLastPara="1" wrap="square" lIns="91425" tIns="91425" rIns="91425" bIns="91425" anchor="t" anchorCtr="0">
             <a:normAutofit/>
           </a:bodyPr>
           <a:lstStyle>
@@ -4589,15 +4816,19 @@
               <a:defRPr/>
             </a:lvl9pPr>
           </a:lstStyle>
-          <a:p/>
+          <a:p>
+            <a:endParaRPr/>
+          </a:p>
         </p:txBody>
       </p:sp>
       <p:sp>
         <p:nvSpPr>
           <p:cNvPr id="36" name="Google Shape;36;p4"/>
-          <p:cNvSpPr txBox="1"/>
+          <p:cNvSpPr txBox="1">
+            <a:spLocks noGrp="1"/>
+          </p:cNvSpPr>
           <p:nvPr>
-            <p:ph idx="1" type="body"/>
+            <p:ph type="body" idx="1"/>
           </p:nvPr>
         </p:nvSpPr>
         <p:spPr>
@@ -4610,11 +4841,11 @@
           </a:prstGeom>
         </p:spPr>
         <p:txBody>
-          <a:bodyPr anchorCtr="0" anchor="t" bIns="91425" lIns="91425" spcFirstLastPara="1" rIns="91425" wrap="square" tIns="91425">
+          <a:bodyPr spcFirstLastPara="1" wrap="square" lIns="91425" tIns="91425" rIns="91425" bIns="91425" anchor="t" anchorCtr="0">
             <a:normAutofit/>
           </a:bodyPr>
           <a:lstStyle>
-            <a:lvl1pPr indent="-342900" lvl="0" marL="457200">
+            <a:lvl1pPr marL="457200" lvl="0" indent="-342900">
               <a:spcBef>
                 <a:spcPts val="0"/>
               </a:spcBef>
@@ -4625,7 +4856,7 @@
               <a:buChar char="●"/>
               <a:defRPr/>
             </a:lvl1pPr>
-            <a:lvl2pPr indent="-317500" lvl="1" marL="914400">
+            <a:lvl2pPr marL="914400" lvl="1" indent="-317500">
               <a:spcBef>
                 <a:spcPts val="0"/>
               </a:spcBef>
@@ -4636,7 +4867,7 @@
               <a:buChar char="○"/>
               <a:defRPr/>
             </a:lvl2pPr>
-            <a:lvl3pPr indent="-317500" lvl="2" marL="1371600">
+            <a:lvl3pPr marL="1371600" lvl="2" indent="-317500">
               <a:spcBef>
                 <a:spcPts val="0"/>
               </a:spcBef>
@@ -4647,7 +4878,7 @@
               <a:buChar char="■"/>
               <a:defRPr/>
             </a:lvl3pPr>
-            <a:lvl4pPr indent="-317500" lvl="3" marL="1828800">
+            <a:lvl4pPr marL="1828800" lvl="3" indent="-317500">
               <a:spcBef>
                 <a:spcPts val="0"/>
               </a:spcBef>
@@ -4658,7 +4889,7 @@
               <a:buChar char="●"/>
               <a:defRPr/>
             </a:lvl4pPr>
-            <a:lvl5pPr indent="-317500" lvl="4" marL="2286000">
+            <a:lvl5pPr marL="2286000" lvl="4" indent="-317500">
               <a:spcBef>
                 <a:spcPts val="0"/>
               </a:spcBef>
@@ -4669,7 +4900,7 @@
               <a:buChar char="○"/>
               <a:defRPr/>
             </a:lvl5pPr>
-            <a:lvl6pPr indent="-317500" lvl="5" marL="2743200">
+            <a:lvl6pPr marL="2743200" lvl="5" indent="-317500">
               <a:spcBef>
                 <a:spcPts val="0"/>
               </a:spcBef>
@@ -4680,7 +4911,7 @@
               <a:buChar char="■"/>
               <a:defRPr/>
             </a:lvl6pPr>
-            <a:lvl7pPr indent="-317500" lvl="6" marL="3200400">
+            <a:lvl7pPr marL="3200400" lvl="6" indent="-317500">
               <a:spcBef>
                 <a:spcPts val="0"/>
               </a:spcBef>
@@ -4691,7 +4922,7 @@
               <a:buChar char="●"/>
               <a:defRPr/>
             </a:lvl7pPr>
-            <a:lvl8pPr indent="-317500" lvl="7" marL="3657600">
+            <a:lvl8pPr marL="3657600" lvl="7" indent="-317500">
               <a:spcBef>
                 <a:spcPts val="0"/>
               </a:spcBef>
@@ -4702,7 +4933,7 @@
               <a:buChar char="○"/>
               <a:defRPr/>
             </a:lvl8pPr>
-            <a:lvl9pPr indent="-317500" lvl="8" marL="4114800">
+            <a:lvl9pPr marL="4114800" lvl="8" indent="-317500">
               <a:spcBef>
                 <a:spcPts val="0"/>
               </a:spcBef>
@@ -4714,15 +4945,19 @@
               <a:defRPr/>
             </a:lvl9pPr>
           </a:lstStyle>
-          <a:p/>
+          <a:p>
+            <a:endParaRPr/>
+          </a:p>
         </p:txBody>
       </p:sp>
       <p:sp>
         <p:nvSpPr>
           <p:cNvPr id="37" name="Google Shape;37;p4"/>
-          <p:cNvSpPr txBox="1"/>
+          <p:cNvSpPr txBox="1">
+            <a:spLocks noGrp="1"/>
+          </p:cNvSpPr>
           <p:nvPr>
-            <p:ph idx="12" type="sldNum"/>
+            <p:ph type="sldNum" idx="12"/>
           </p:nvPr>
         </p:nvSpPr>
         <p:spPr>
@@ -4735,7 +4970,7 @@
           </a:prstGeom>
         </p:spPr>
         <p:txBody>
-          <a:bodyPr anchorCtr="0" anchor="ctr" bIns="91425" lIns="91425" spcFirstLastPara="1" rIns="91425" wrap="square" tIns="91425">
+          <a:bodyPr spcFirstLastPara="1" wrap="square" lIns="91425" tIns="91425" rIns="91425" bIns="91425" anchor="ctr" anchorCtr="0">
             <a:normAutofit/>
           </a:bodyPr>
           <a:lstStyle>
@@ -4777,7 +5012,7 @@
             </a:lvl9pPr>
           </a:lstStyle>
           <a:p>
-            <a:pPr indent="0" lvl="0" marL="0" rtl="0" algn="r">
+            <a:pPr marL="0" lvl="0" indent="0" algn="r" rtl="0">
               <a:spcBef>
                 <a:spcPts val="0"/>
               </a:spcBef>
@@ -4803,11 +5038,11 @@
 </file>
 
 <file path=ppt/slideLayouts/slideLayout4.xml><?xml version="1.0" encoding="utf-8"?>
-<p:sldLayout xmlns:a="http://schemas.openxmlformats.org/drawingml/2006/main" xmlns:r="http://schemas.openxmlformats.org/officeDocument/2006/relationships" xmlns:mc="http://schemas.openxmlformats.org/markup-compatibility/2006" xmlns:mv="urn:schemas-microsoft-com:mac:vml" xmlns:p="http://schemas.openxmlformats.org/presentationml/2006/main" xmlns:c="http://schemas.openxmlformats.org/drawingml/2006/chart" xmlns:dgm="http://schemas.openxmlformats.org/drawingml/2006/diagram" xmlns:o="urn:schemas-microsoft-com:office:office" xmlns:v="urn:schemas-microsoft-com:vml" xmlns:pvml="urn:schemas-microsoft-com:office:powerpoint" xmlns:com="http://schemas.openxmlformats.org/drawingml/2006/compatibility" xmlns:p14="http://schemas.microsoft.com/office/powerpoint/2010/main" xmlns:p15="http://schemas.microsoft.com/office/powerpoint/2012/main" xmlns:ahyp="http://schemas.microsoft.com/office/drawing/2018/hyperlinkcolor" matchingName="Title and two columns" type="twoColTx">
+<p:sldLayout xmlns:a="http://schemas.openxmlformats.org/drawingml/2006/main" xmlns:r="http://schemas.openxmlformats.org/officeDocument/2006/relationships" xmlns:p="http://schemas.openxmlformats.org/presentationml/2006/main" matchingName="Title and two columns" type="twoColTx">
   <p:cSld name="TITLE_AND_TWO_COLUMNS">
     <p:spTree>
       <p:nvGrpSpPr>
-        <p:cNvPr id="38" name="Shape 38"/>
+        <p:cNvPr id="1" name="Shape 38"/>
         <p:cNvGrpSpPr/>
         <p:nvPr/>
       </p:nvGrpSpPr>
@@ -4822,7 +5057,9 @@
       <p:sp>
         <p:nvSpPr>
           <p:cNvPr id="39" name="Google Shape;39;p5"/>
-          <p:cNvSpPr txBox="1"/>
+          <p:cNvSpPr txBox="1">
+            <a:spLocks noGrp="1"/>
+          </p:cNvSpPr>
           <p:nvPr>
             <p:ph type="title"/>
           </p:nvPr>
@@ -4837,7 +5074,7 @@
           </a:prstGeom>
         </p:spPr>
         <p:txBody>
-          <a:bodyPr anchorCtr="0" anchor="t" bIns="91425" lIns="91425" spcFirstLastPara="1" rIns="91425" wrap="square" tIns="91425">
+          <a:bodyPr spcFirstLastPara="1" wrap="square" lIns="91425" tIns="91425" rIns="91425" bIns="91425" anchor="t" anchorCtr="0">
             <a:normAutofit/>
           </a:bodyPr>
           <a:lstStyle>
@@ -4941,15 +5178,19 @@
               <a:defRPr/>
             </a:lvl9pPr>
           </a:lstStyle>
-          <a:p/>
+          <a:p>
+            <a:endParaRPr/>
+          </a:p>
         </p:txBody>
       </p:sp>
       <p:sp>
         <p:nvSpPr>
           <p:cNvPr id="40" name="Google Shape;40;p5"/>
-          <p:cNvSpPr txBox="1"/>
+          <p:cNvSpPr txBox="1">
+            <a:spLocks noGrp="1"/>
+          </p:cNvSpPr>
           <p:nvPr>
-            <p:ph idx="1" type="body"/>
+            <p:ph type="body" idx="1"/>
           </p:nvPr>
         </p:nvSpPr>
         <p:spPr>
@@ -4962,11 +5203,11 @@
           </a:prstGeom>
         </p:spPr>
         <p:txBody>
-          <a:bodyPr anchorCtr="0" anchor="t" bIns="91425" lIns="91425" spcFirstLastPara="1" rIns="91425" wrap="square" tIns="91425">
+          <a:bodyPr spcFirstLastPara="1" wrap="square" lIns="91425" tIns="91425" rIns="91425" bIns="91425" anchor="t" anchorCtr="0">
             <a:normAutofit/>
           </a:bodyPr>
           <a:lstStyle>
-            <a:lvl1pPr indent="-317500" lvl="0" marL="457200">
+            <a:lvl1pPr marL="457200" lvl="0" indent="-317500">
               <a:spcBef>
                 <a:spcPts val="0"/>
               </a:spcBef>
@@ -4977,7 +5218,7 @@
               <a:buChar char="●"/>
               <a:defRPr sz="1400"/>
             </a:lvl1pPr>
-            <a:lvl2pPr indent="-304800" lvl="1" marL="914400">
+            <a:lvl2pPr marL="914400" lvl="1" indent="-304800">
               <a:spcBef>
                 <a:spcPts val="0"/>
               </a:spcBef>
@@ -4988,7 +5229,7 @@
               <a:buChar char="○"/>
               <a:defRPr sz="1200"/>
             </a:lvl2pPr>
-            <a:lvl3pPr indent="-304800" lvl="2" marL="1371600">
+            <a:lvl3pPr marL="1371600" lvl="2" indent="-304800">
               <a:spcBef>
                 <a:spcPts val="0"/>
               </a:spcBef>
@@ -4999,7 +5240,7 @@
               <a:buChar char="■"/>
               <a:defRPr sz="1200"/>
             </a:lvl3pPr>
-            <a:lvl4pPr indent="-304800" lvl="3" marL="1828800">
+            <a:lvl4pPr marL="1828800" lvl="3" indent="-304800">
               <a:spcBef>
                 <a:spcPts val="0"/>
               </a:spcBef>
@@ -5010,7 +5251,7 @@
               <a:buChar char="●"/>
               <a:defRPr sz="1200"/>
             </a:lvl4pPr>
-            <a:lvl5pPr indent="-304800" lvl="4" marL="2286000">
+            <a:lvl5pPr marL="2286000" lvl="4" indent="-304800">
               <a:spcBef>
                 <a:spcPts val="0"/>
               </a:spcBef>
@@ -5021,7 +5262,7 @@
               <a:buChar char="○"/>
               <a:defRPr sz="1200"/>
             </a:lvl5pPr>
-            <a:lvl6pPr indent="-304800" lvl="5" marL="2743200">
+            <a:lvl6pPr marL="2743200" lvl="5" indent="-304800">
               <a:spcBef>
                 <a:spcPts val="0"/>
               </a:spcBef>
@@ -5032,7 +5273,7 @@
               <a:buChar char="■"/>
               <a:defRPr sz="1200"/>
             </a:lvl6pPr>
-            <a:lvl7pPr indent="-304800" lvl="6" marL="3200400">
+            <a:lvl7pPr marL="3200400" lvl="6" indent="-304800">
               <a:spcBef>
                 <a:spcPts val="0"/>
               </a:spcBef>
@@ -5043,7 +5284,7 @@
               <a:buChar char="●"/>
               <a:defRPr sz="1200"/>
             </a:lvl7pPr>
-            <a:lvl8pPr indent="-304800" lvl="7" marL="3657600">
+            <a:lvl8pPr marL="3657600" lvl="7" indent="-304800">
               <a:spcBef>
                 <a:spcPts val="0"/>
               </a:spcBef>
@@ -5054,7 +5295,7 @@
               <a:buChar char="○"/>
               <a:defRPr sz="1200"/>
             </a:lvl8pPr>
-            <a:lvl9pPr indent="-304800" lvl="8" marL="4114800">
+            <a:lvl9pPr marL="4114800" lvl="8" indent="-304800">
               <a:spcBef>
                 <a:spcPts val="0"/>
               </a:spcBef>
@@ -5066,15 +5307,19 @@
               <a:defRPr sz="1200"/>
             </a:lvl9pPr>
           </a:lstStyle>
-          <a:p/>
+          <a:p>
+            <a:endParaRPr/>
+          </a:p>
         </p:txBody>
       </p:sp>
       <p:sp>
         <p:nvSpPr>
           <p:cNvPr id="41" name="Google Shape;41;p5"/>
-          <p:cNvSpPr txBox="1"/>
+          <p:cNvSpPr txBox="1">
+            <a:spLocks noGrp="1"/>
+          </p:cNvSpPr>
           <p:nvPr>
-            <p:ph idx="2" type="body"/>
+            <p:ph type="body" idx="2"/>
           </p:nvPr>
         </p:nvSpPr>
         <p:spPr>
@@ -5087,11 +5332,11 @@
           </a:prstGeom>
         </p:spPr>
         <p:txBody>
-          <a:bodyPr anchorCtr="0" anchor="t" bIns="91425" lIns="91425" spcFirstLastPara="1" rIns="91425" wrap="square" tIns="91425">
+          <a:bodyPr spcFirstLastPara="1" wrap="square" lIns="91425" tIns="91425" rIns="91425" bIns="91425" anchor="t" anchorCtr="0">
             <a:normAutofit/>
           </a:bodyPr>
           <a:lstStyle>
-            <a:lvl1pPr indent="-317500" lvl="0" marL="457200">
+            <a:lvl1pPr marL="457200" lvl="0" indent="-317500">
               <a:spcBef>
                 <a:spcPts val="0"/>
               </a:spcBef>
@@ -5102,7 +5347,7 @@
               <a:buChar char="●"/>
               <a:defRPr sz="1400"/>
             </a:lvl1pPr>
-            <a:lvl2pPr indent="-304800" lvl="1" marL="914400">
+            <a:lvl2pPr marL="914400" lvl="1" indent="-304800">
               <a:spcBef>
                 <a:spcPts val="0"/>
               </a:spcBef>
@@ -5113,7 +5358,7 @@
               <a:buChar char="○"/>
               <a:defRPr sz="1200"/>
             </a:lvl2pPr>
-            <a:lvl3pPr indent="-304800" lvl="2" marL="1371600">
+            <a:lvl3pPr marL="1371600" lvl="2" indent="-304800">
               <a:spcBef>
                 <a:spcPts val="0"/>
               </a:spcBef>
@@ -5124,7 +5369,7 @@
               <a:buChar char="■"/>
               <a:defRPr sz="1200"/>
             </a:lvl3pPr>
-            <a:lvl4pPr indent="-304800" lvl="3" marL="1828800">
+            <a:lvl4pPr marL="1828800" lvl="3" indent="-304800">
               <a:spcBef>
                 <a:spcPts val="0"/>
               </a:spcBef>
@@ -5135,7 +5380,7 @@
               <a:buChar char="●"/>
               <a:defRPr sz="1200"/>
             </a:lvl4pPr>
-            <a:lvl5pPr indent="-304800" lvl="4" marL="2286000">
+            <a:lvl5pPr marL="2286000" lvl="4" indent="-304800">
               <a:spcBef>
                 <a:spcPts val="0"/>
               </a:spcBef>
@@ -5146,7 +5391,7 @@
               <a:buChar char="○"/>
               <a:defRPr sz="1200"/>
             </a:lvl5pPr>
-            <a:lvl6pPr indent="-304800" lvl="5" marL="2743200">
+            <a:lvl6pPr marL="2743200" lvl="5" indent="-304800">
               <a:spcBef>
                 <a:spcPts val="0"/>
               </a:spcBef>
@@ -5157,7 +5402,7 @@
               <a:buChar char="■"/>
               <a:defRPr sz="1200"/>
             </a:lvl6pPr>
-            <a:lvl7pPr indent="-304800" lvl="6" marL="3200400">
+            <a:lvl7pPr marL="3200400" lvl="6" indent="-304800">
               <a:spcBef>
                 <a:spcPts val="0"/>
               </a:spcBef>
@@ -5168,7 +5413,7 @@
               <a:buChar char="●"/>
               <a:defRPr sz="1200"/>
             </a:lvl7pPr>
-            <a:lvl8pPr indent="-304800" lvl="7" marL="3657600">
+            <a:lvl8pPr marL="3657600" lvl="7" indent="-304800">
               <a:spcBef>
                 <a:spcPts val="0"/>
               </a:spcBef>
@@ -5179,7 +5424,7 @@
               <a:buChar char="○"/>
               <a:defRPr sz="1200"/>
             </a:lvl8pPr>
-            <a:lvl9pPr indent="-304800" lvl="8" marL="4114800">
+            <a:lvl9pPr marL="4114800" lvl="8" indent="-304800">
               <a:spcBef>
                 <a:spcPts val="0"/>
               </a:spcBef>
@@ -5191,15 +5436,19 @@
               <a:defRPr sz="1200"/>
             </a:lvl9pPr>
           </a:lstStyle>
-          <a:p/>
+          <a:p>
+            <a:endParaRPr/>
+          </a:p>
         </p:txBody>
       </p:sp>
       <p:sp>
         <p:nvSpPr>
           <p:cNvPr id="42" name="Google Shape;42;p5"/>
-          <p:cNvSpPr txBox="1"/>
+          <p:cNvSpPr txBox="1">
+            <a:spLocks noGrp="1"/>
+          </p:cNvSpPr>
           <p:nvPr>
-            <p:ph idx="12" type="sldNum"/>
+            <p:ph type="sldNum" idx="12"/>
           </p:nvPr>
         </p:nvSpPr>
         <p:spPr>
@@ -5212,7 +5461,7 @@
           </a:prstGeom>
         </p:spPr>
         <p:txBody>
-          <a:bodyPr anchorCtr="0" anchor="ctr" bIns="91425" lIns="91425" spcFirstLastPara="1" rIns="91425" wrap="square" tIns="91425">
+          <a:bodyPr spcFirstLastPara="1" wrap="square" lIns="91425" tIns="91425" rIns="91425" bIns="91425" anchor="ctr" anchorCtr="0">
             <a:normAutofit/>
           </a:bodyPr>
           <a:lstStyle>
@@ -5290,7 +5539,7 @@
             </a:lvl9pPr>
           </a:lstStyle>
           <a:p>
-            <a:pPr indent="0" lvl="0" marL="0" rtl="0" algn="r">
+            <a:pPr marL="0" lvl="0" indent="0" algn="r" rtl="0">
               <a:spcBef>
                 <a:spcPts val="0"/>
               </a:spcBef>
@@ -5316,11 +5565,11 @@
 </file>
 
 <file path=ppt/slideLayouts/slideLayout5.xml><?xml version="1.0" encoding="utf-8"?>
-<p:sldLayout xmlns:a="http://schemas.openxmlformats.org/drawingml/2006/main" xmlns:r="http://schemas.openxmlformats.org/officeDocument/2006/relationships" xmlns:mc="http://schemas.openxmlformats.org/markup-compatibility/2006" xmlns:mv="urn:schemas-microsoft-com:mac:vml" xmlns:p="http://schemas.openxmlformats.org/presentationml/2006/main" xmlns:c="http://schemas.openxmlformats.org/drawingml/2006/chart" xmlns:dgm="http://schemas.openxmlformats.org/drawingml/2006/diagram" xmlns:o="urn:schemas-microsoft-com:office:office" xmlns:v="urn:schemas-microsoft-com:vml" xmlns:pvml="urn:schemas-microsoft-com:office:powerpoint" xmlns:com="http://schemas.openxmlformats.org/drawingml/2006/compatibility" xmlns:p14="http://schemas.microsoft.com/office/powerpoint/2010/main" xmlns:p15="http://schemas.microsoft.com/office/powerpoint/2012/main" xmlns:ahyp="http://schemas.microsoft.com/office/drawing/2018/hyperlinkcolor" matchingName="Title only" type="titleOnly">
+<p:sldLayout xmlns:a="http://schemas.openxmlformats.org/drawingml/2006/main" xmlns:r="http://schemas.openxmlformats.org/officeDocument/2006/relationships" xmlns:p="http://schemas.openxmlformats.org/presentationml/2006/main" matchingName="Title only" type="titleOnly">
   <p:cSld name="TITLE_ONLY">
     <p:spTree>
       <p:nvGrpSpPr>
-        <p:cNvPr id="43" name="Shape 43"/>
+        <p:cNvPr id="1" name="Shape 43"/>
         <p:cNvGrpSpPr/>
         <p:nvPr/>
       </p:nvGrpSpPr>
@@ -5335,7 +5584,9 @@
       <p:sp>
         <p:nvSpPr>
           <p:cNvPr id="44" name="Google Shape;44;p6"/>
-          <p:cNvSpPr txBox="1"/>
+          <p:cNvSpPr txBox="1">
+            <a:spLocks noGrp="1"/>
+          </p:cNvSpPr>
           <p:nvPr>
             <p:ph type="title"/>
           </p:nvPr>
@@ -5350,7 +5601,7 @@
           </a:prstGeom>
         </p:spPr>
         <p:txBody>
-          <a:bodyPr anchorCtr="0" anchor="t" bIns="91425" lIns="91425" spcFirstLastPara="1" rIns="91425" wrap="square" tIns="91425">
+          <a:bodyPr spcFirstLastPara="1" wrap="square" lIns="91425" tIns="91425" rIns="91425" bIns="91425" anchor="t" anchorCtr="0">
             <a:normAutofit/>
           </a:bodyPr>
           <a:lstStyle>
@@ -5454,15 +5705,19 @@
               <a:defRPr/>
             </a:lvl9pPr>
           </a:lstStyle>
-          <a:p/>
+          <a:p>
+            <a:endParaRPr/>
+          </a:p>
         </p:txBody>
       </p:sp>
       <p:sp>
         <p:nvSpPr>
           <p:cNvPr id="45" name="Google Shape;45;p6"/>
-          <p:cNvSpPr txBox="1"/>
+          <p:cNvSpPr txBox="1">
+            <a:spLocks noGrp="1"/>
+          </p:cNvSpPr>
           <p:nvPr>
-            <p:ph idx="12" type="sldNum"/>
+            <p:ph type="sldNum" idx="12"/>
           </p:nvPr>
         </p:nvSpPr>
         <p:spPr>
@@ -5475,7 +5730,7 @@
           </a:prstGeom>
         </p:spPr>
         <p:txBody>
-          <a:bodyPr anchorCtr="0" anchor="ctr" bIns="91425" lIns="91425" spcFirstLastPara="1" rIns="91425" wrap="square" tIns="91425">
+          <a:bodyPr spcFirstLastPara="1" wrap="square" lIns="91425" tIns="91425" rIns="91425" bIns="91425" anchor="ctr" anchorCtr="0">
             <a:normAutofit/>
           </a:bodyPr>
           <a:lstStyle>
@@ -5553,7 +5808,7 @@
             </a:lvl9pPr>
           </a:lstStyle>
           <a:p>
-            <a:pPr indent="0" lvl="0" marL="0" rtl="0" algn="r">
+            <a:pPr marL="0" lvl="0" indent="0" algn="r" rtl="0">
               <a:spcBef>
                 <a:spcPts val="0"/>
               </a:spcBef>
@@ -5579,11 +5834,11 @@
 </file>
 
 <file path=ppt/slideLayouts/slideLayout6.xml><?xml version="1.0" encoding="utf-8"?>
-<p:sldLayout xmlns:a="http://schemas.openxmlformats.org/drawingml/2006/main" xmlns:r="http://schemas.openxmlformats.org/officeDocument/2006/relationships" xmlns:mc="http://schemas.openxmlformats.org/markup-compatibility/2006" xmlns:mv="urn:schemas-microsoft-com:mac:vml" xmlns:p="http://schemas.openxmlformats.org/presentationml/2006/main" xmlns:c="http://schemas.openxmlformats.org/drawingml/2006/chart" xmlns:dgm="http://schemas.openxmlformats.org/drawingml/2006/diagram" xmlns:o="urn:schemas-microsoft-com:office:office" xmlns:v="urn:schemas-microsoft-com:vml" xmlns:pvml="urn:schemas-microsoft-com:office:powerpoint" xmlns:com="http://schemas.openxmlformats.org/drawingml/2006/compatibility" xmlns:p14="http://schemas.microsoft.com/office/powerpoint/2010/main" xmlns:p15="http://schemas.microsoft.com/office/powerpoint/2012/main" xmlns:ahyp="http://schemas.microsoft.com/office/drawing/2018/hyperlinkcolor" matchingName="One column text">
+<p:sldLayout xmlns:a="http://schemas.openxmlformats.org/drawingml/2006/main" xmlns:r="http://schemas.openxmlformats.org/officeDocument/2006/relationships" xmlns:p="http://schemas.openxmlformats.org/presentationml/2006/main" matchingName="One column text">
   <p:cSld name="ONE_COLUMN_TEXT">
     <p:spTree>
       <p:nvGrpSpPr>
-        <p:cNvPr id="46" name="Shape 46"/>
+        <p:cNvPr id="1" name="Shape 46"/>
         <p:cNvGrpSpPr/>
         <p:nvPr/>
       </p:nvGrpSpPr>
@@ -5598,7 +5853,9 @@
       <p:sp>
         <p:nvSpPr>
           <p:cNvPr id="47" name="Google Shape;47;p7"/>
-          <p:cNvSpPr txBox="1"/>
+          <p:cNvSpPr txBox="1">
+            <a:spLocks noGrp="1"/>
+          </p:cNvSpPr>
           <p:nvPr>
             <p:ph type="title"/>
           </p:nvPr>
@@ -5613,7 +5870,7 @@
           </a:prstGeom>
         </p:spPr>
         <p:txBody>
-          <a:bodyPr anchorCtr="0" anchor="b" bIns="91425" lIns="91425" spcFirstLastPara="1" rIns="91425" wrap="square" tIns="91425">
+          <a:bodyPr spcFirstLastPara="1" wrap="square" lIns="91425" tIns="91425" rIns="91425" bIns="91425" anchor="b" anchorCtr="0">
             <a:normAutofit/>
           </a:bodyPr>
           <a:lstStyle>
@@ -5717,15 +5974,19 @@
               <a:defRPr sz="2400"/>
             </a:lvl9pPr>
           </a:lstStyle>
-          <a:p/>
+          <a:p>
+            <a:endParaRPr/>
+          </a:p>
         </p:txBody>
       </p:sp>
       <p:sp>
         <p:nvSpPr>
           <p:cNvPr id="48" name="Google Shape;48;p7"/>
-          <p:cNvSpPr txBox="1"/>
+          <p:cNvSpPr txBox="1">
+            <a:spLocks noGrp="1"/>
+          </p:cNvSpPr>
           <p:nvPr>
-            <p:ph idx="1" type="body"/>
+            <p:ph type="body" idx="1"/>
           </p:nvPr>
         </p:nvSpPr>
         <p:spPr>
@@ -5738,11 +5999,11 @@
           </a:prstGeom>
         </p:spPr>
         <p:txBody>
-          <a:bodyPr anchorCtr="0" anchor="t" bIns="91425" lIns="91425" spcFirstLastPara="1" rIns="91425" wrap="square" tIns="91425">
+          <a:bodyPr spcFirstLastPara="1" wrap="square" lIns="91425" tIns="91425" rIns="91425" bIns="91425" anchor="t" anchorCtr="0">
             <a:normAutofit/>
           </a:bodyPr>
           <a:lstStyle>
-            <a:lvl1pPr indent="-304800" lvl="0" marL="457200">
+            <a:lvl1pPr marL="457200" lvl="0" indent="-304800">
               <a:spcBef>
                 <a:spcPts val="0"/>
               </a:spcBef>
@@ -5753,7 +6014,7 @@
               <a:buChar char="●"/>
               <a:defRPr sz="1200"/>
             </a:lvl1pPr>
-            <a:lvl2pPr indent="-304800" lvl="1" marL="914400">
+            <a:lvl2pPr marL="914400" lvl="1" indent="-304800">
               <a:spcBef>
                 <a:spcPts val="0"/>
               </a:spcBef>
@@ -5764,7 +6025,7 @@
               <a:buChar char="○"/>
               <a:defRPr sz="1200"/>
             </a:lvl2pPr>
-            <a:lvl3pPr indent="-304800" lvl="2" marL="1371600">
+            <a:lvl3pPr marL="1371600" lvl="2" indent="-304800">
               <a:spcBef>
                 <a:spcPts val="0"/>
               </a:spcBef>
@@ -5775,7 +6036,7 @@
               <a:buChar char="■"/>
               <a:defRPr sz="1200"/>
             </a:lvl3pPr>
-            <a:lvl4pPr indent="-304800" lvl="3" marL="1828800">
+            <a:lvl4pPr marL="1828800" lvl="3" indent="-304800">
               <a:spcBef>
                 <a:spcPts val="0"/>
               </a:spcBef>
@@ -5786,7 +6047,7 @@
               <a:buChar char="●"/>
               <a:defRPr sz="1200"/>
             </a:lvl4pPr>
-            <a:lvl5pPr indent="-304800" lvl="4" marL="2286000">
+            <a:lvl5pPr marL="2286000" lvl="4" indent="-304800">
               <a:spcBef>
                 <a:spcPts val="0"/>
               </a:spcBef>
@@ -5797,7 +6058,7 @@
               <a:buChar char="○"/>
               <a:defRPr sz="1200"/>
             </a:lvl5pPr>
-            <a:lvl6pPr indent="-304800" lvl="5" marL="2743200">
+            <a:lvl6pPr marL="2743200" lvl="5" indent="-304800">
               <a:spcBef>
                 <a:spcPts val="0"/>
               </a:spcBef>
@@ -5808,7 +6069,7 @@
               <a:buChar char="■"/>
               <a:defRPr sz="1200"/>
             </a:lvl6pPr>
-            <a:lvl7pPr indent="-304800" lvl="6" marL="3200400">
+            <a:lvl7pPr marL="3200400" lvl="6" indent="-304800">
               <a:spcBef>
                 <a:spcPts val="0"/>
               </a:spcBef>
@@ -5819,7 +6080,7 @@
               <a:buChar char="●"/>
               <a:defRPr sz="1200"/>
             </a:lvl7pPr>
-            <a:lvl8pPr indent="-304800" lvl="7" marL="3657600">
+            <a:lvl8pPr marL="3657600" lvl="7" indent="-304800">
               <a:spcBef>
                 <a:spcPts val="0"/>
               </a:spcBef>
@@ -5830,7 +6091,7 @@
               <a:buChar char="○"/>
               <a:defRPr sz="1200"/>
             </a:lvl8pPr>
-            <a:lvl9pPr indent="-304800" lvl="8" marL="4114800">
+            <a:lvl9pPr marL="4114800" lvl="8" indent="-304800">
               <a:spcBef>
                 <a:spcPts val="0"/>
               </a:spcBef>
@@ -5842,15 +6103,19 @@
               <a:defRPr sz="1200"/>
             </a:lvl9pPr>
           </a:lstStyle>
-          <a:p/>
+          <a:p>
+            <a:endParaRPr/>
+          </a:p>
         </p:txBody>
       </p:sp>
       <p:sp>
         <p:nvSpPr>
           <p:cNvPr id="49" name="Google Shape;49;p7"/>
-          <p:cNvSpPr txBox="1"/>
+          <p:cNvSpPr txBox="1">
+            <a:spLocks noGrp="1"/>
+          </p:cNvSpPr>
           <p:nvPr>
-            <p:ph idx="12" type="sldNum"/>
+            <p:ph type="sldNum" idx="12"/>
           </p:nvPr>
         </p:nvSpPr>
         <p:spPr>
@@ -5863,7 +6128,7 @@
           </a:prstGeom>
         </p:spPr>
         <p:txBody>
-          <a:bodyPr anchorCtr="0" anchor="ctr" bIns="91425" lIns="91425" spcFirstLastPara="1" rIns="91425" wrap="square" tIns="91425">
+          <a:bodyPr spcFirstLastPara="1" wrap="square" lIns="91425" tIns="91425" rIns="91425" bIns="91425" anchor="ctr" anchorCtr="0">
             <a:normAutofit/>
           </a:bodyPr>
           <a:lstStyle>
@@ -5941,7 +6206,7 @@
             </a:lvl9pPr>
           </a:lstStyle>
           <a:p>
-            <a:pPr indent="0" lvl="0" marL="0" rtl="0" algn="r">
+            <a:pPr marL="0" lvl="0" indent="0" algn="r" rtl="0">
               <a:spcBef>
                 <a:spcPts val="0"/>
               </a:spcBef>
@@ -5967,18 +6232,19 @@
 </file>
 
 <file path=ppt/slideLayouts/slideLayout7.xml><?xml version="1.0" encoding="utf-8"?>
-<p:sldLayout xmlns:a="http://schemas.openxmlformats.org/drawingml/2006/main" xmlns:r="http://schemas.openxmlformats.org/officeDocument/2006/relationships" xmlns:mc="http://schemas.openxmlformats.org/markup-compatibility/2006" xmlns:mv="urn:schemas-microsoft-com:mac:vml" xmlns:p="http://schemas.openxmlformats.org/presentationml/2006/main" xmlns:c="http://schemas.openxmlformats.org/drawingml/2006/chart" xmlns:dgm="http://schemas.openxmlformats.org/drawingml/2006/diagram" xmlns:o="urn:schemas-microsoft-com:office:office" xmlns:v="urn:schemas-microsoft-com:vml" xmlns:pvml="urn:schemas-microsoft-com:office:powerpoint" xmlns:com="http://schemas.openxmlformats.org/drawingml/2006/compatibility" xmlns:p14="http://schemas.microsoft.com/office/powerpoint/2010/main" xmlns:p15="http://schemas.microsoft.com/office/powerpoint/2012/main" xmlns:ahyp="http://schemas.microsoft.com/office/drawing/2018/hyperlinkcolor" matchingName="Main point">
+<p:sldLayout xmlns:a="http://schemas.openxmlformats.org/drawingml/2006/main" xmlns:r="http://schemas.openxmlformats.org/officeDocument/2006/relationships" xmlns:p="http://schemas.openxmlformats.org/presentationml/2006/main" matchingName="Main point">
   <p:cSld name="MAIN_POINT">
     <p:bg>
       <p:bgPr>
         <a:solidFill>
           <a:schemeClr val="accent4"/>
         </a:solidFill>
+        <a:effectLst/>
       </p:bgPr>
     </p:bg>
     <p:spTree>
       <p:nvGrpSpPr>
-        <p:cNvPr id="50" name="Shape 50"/>
+        <p:cNvPr id="1" name="Shape 50"/>
         <p:cNvGrpSpPr/>
         <p:nvPr/>
       </p:nvGrpSpPr>
@@ -6026,12 +6292,12 @@
             </a:ln>
           </p:spPr>
           <p:txBody>
-            <a:bodyPr anchorCtr="0" anchor="ctr" bIns="91425" lIns="91425" spcFirstLastPara="1" rIns="91425" wrap="square" tIns="91425">
+            <a:bodyPr spcFirstLastPara="1" wrap="square" lIns="91425" tIns="91425" rIns="91425" bIns="91425" anchor="ctr" anchorCtr="0">
               <a:noAutofit/>
             </a:bodyPr>
             <a:lstStyle/>
             <a:p>
-              <a:pPr indent="0" lvl="0" marL="0" rtl="0" algn="l">
+              <a:pPr marL="0" lvl="0" indent="0" algn="l" rtl="0">
                 <a:spcBef>
                   <a:spcPts val="0"/>
                 </a:spcBef>
@@ -6040,9 +6306,6 @@
                 </a:spcAft>
                 <a:buNone/>
               </a:pPr>
-              <a:r>
-                <a:t/>
-              </a:r>
               <a:endParaRPr/>
             </a:p>
           </p:txBody>
@@ -6069,12 +6332,12 @@
             </a:ln>
           </p:spPr>
           <p:txBody>
-            <a:bodyPr anchorCtr="0" anchor="ctr" bIns="91425" lIns="91425" spcFirstLastPara="1" rIns="91425" wrap="square" tIns="91425">
+            <a:bodyPr spcFirstLastPara="1" wrap="square" lIns="91425" tIns="91425" rIns="91425" bIns="91425" anchor="ctr" anchorCtr="0">
               <a:noAutofit/>
             </a:bodyPr>
             <a:lstStyle/>
             <a:p>
-              <a:pPr indent="0" lvl="0" marL="0" rtl="0" algn="l">
+              <a:pPr marL="0" lvl="0" indent="0" algn="l" rtl="0">
                 <a:spcBef>
                   <a:spcPts val="0"/>
                 </a:spcBef>
@@ -6083,9 +6346,6 @@
                 </a:spcAft>
                 <a:buNone/>
               </a:pPr>
-              <a:r>
-                <a:t/>
-              </a:r>
               <a:endParaRPr/>
             </a:p>
           </p:txBody>
@@ -6097,7 +6357,7 @@
             <p:nvPr/>
           </p:nvSpPr>
           <p:spPr>
-            <a:xfrm flipH="1" rot="10800000">
+            <a:xfrm rot="10800000" flipH="1">
               <a:off x="7113588" y="107"/>
               <a:ext cx="1015200" cy="1015200"/>
             </a:xfrm>
@@ -6112,12 +6372,12 @@
             </a:ln>
           </p:spPr>
           <p:txBody>
-            <a:bodyPr anchorCtr="0" anchor="ctr" bIns="91425" lIns="91425" spcFirstLastPara="1" rIns="91425" wrap="square" tIns="91425">
+            <a:bodyPr spcFirstLastPara="1" wrap="square" lIns="91425" tIns="91425" rIns="91425" bIns="91425" anchor="ctr" anchorCtr="0">
               <a:noAutofit/>
             </a:bodyPr>
             <a:lstStyle/>
             <a:p>
-              <a:pPr indent="0" lvl="0" marL="0" rtl="0" algn="l">
+              <a:pPr marL="0" lvl="0" indent="0" algn="l" rtl="0">
                 <a:spcBef>
                   <a:spcPts val="0"/>
                 </a:spcBef>
@@ -6126,9 +6386,6 @@
                 </a:spcAft>
                 <a:buNone/>
               </a:pPr>
-              <a:r>
-                <a:t/>
-              </a:r>
               <a:endParaRPr/>
             </a:p>
           </p:txBody>
@@ -6155,12 +6412,12 @@
             </a:ln>
           </p:spPr>
           <p:txBody>
-            <a:bodyPr anchorCtr="0" anchor="ctr" bIns="91425" lIns="91425" spcFirstLastPara="1" rIns="91425" wrap="square" tIns="91425">
+            <a:bodyPr spcFirstLastPara="1" wrap="square" lIns="91425" tIns="91425" rIns="91425" bIns="91425" anchor="ctr" anchorCtr="0">
               <a:noAutofit/>
             </a:bodyPr>
             <a:lstStyle/>
             <a:p>
-              <a:pPr indent="0" lvl="0" marL="0" rtl="0" algn="l">
+              <a:pPr marL="0" lvl="0" indent="0" algn="l" rtl="0">
                 <a:spcBef>
                   <a:spcPts val="0"/>
                 </a:spcBef>
@@ -6169,9 +6426,6 @@
                 </a:spcAft>
                 <a:buNone/>
               </a:pPr>
-              <a:r>
-                <a:t/>
-              </a:r>
               <a:endParaRPr/>
             </a:p>
           </p:txBody>
@@ -6198,12 +6452,12 @@
             </a:ln>
           </p:spPr>
           <p:txBody>
-            <a:bodyPr anchorCtr="0" anchor="ctr" bIns="91425" lIns="91425" spcFirstLastPara="1" rIns="91425" wrap="square" tIns="91425">
+            <a:bodyPr spcFirstLastPara="1" wrap="square" lIns="91425" tIns="91425" rIns="91425" bIns="91425" anchor="ctr" anchorCtr="0">
               <a:noAutofit/>
             </a:bodyPr>
             <a:lstStyle/>
             <a:p>
-              <a:pPr indent="0" lvl="0" marL="0" rtl="0" algn="l">
+              <a:pPr marL="0" lvl="0" indent="0" algn="l" rtl="0">
                 <a:spcBef>
                   <a:spcPts val="0"/>
                 </a:spcBef>
@@ -6212,9 +6466,6 @@
                 </a:spcAft>
                 <a:buNone/>
               </a:pPr>
-              <a:r>
-                <a:t/>
-              </a:r>
               <a:endParaRPr/>
             </a:p>
           </p:txBody>
@@ -6223,7 +6474,9 @@
       <p:sp>
         <p:nvSpPr>
           <p:cNvPr id="57" name="Google Shape;57;p8"/>
-          <p:cNvSpPr txBox="1"/>
+          <p:cNvSpPr txBox="1">
+            <a:spLocks noGrp="1"/>
+          </p:cNvSpPr>
           <p:nvPr>
             <p:ph type="title"/>
           </p:nvPr>
@@ -6238,7 +6491,7 @@
           </a:prstGeom>
         </p:spPr>
         <p:txBody>
-          <a:bodyPr anchorCtr="0" anchor="ctr" bIns="91425" lIns="91425" spcFirstLastPara="1" rIns="91425" wrap="square" tIns="91425">
+          <a:bodyPr spcFirstLastPara="1" wrap="square" lIns="91425" tIns="91425" rIns="91425" bIns="91425" anchor="ctr" anchorCtr="0">
             <a:normAutofit/>
           </a:bodyPr>
           <a:lstStyle>
@@ -6405,15 +6658,19 @@
               </a:defRPr>
             </a:lvl9pPr>
           </a:lstStyle>
-          <a:p/>
+          <a:p>
+            <a:endParaRPr/>
+          </a:p>
         </p:txBody>
       </p:sp>
       <p:sp>
         <p:nvSpPr>
           <p:cNvPr id="58" name="Google Shape;58;p8"/>
-          <p:cNvSpPr txBox="1"/>
+          <p:cNvSpPr txBox="1">
+            <a:spLocks noGrp="1"/>
+          </p:cNvSpPr>
           <p:nvPr>
-            <p:ph idx="12" type="sldNum"/>
+            <p:ph type="sldNum" idx="12"/>
           </p:nvPr>
         </p:nvSpPr>
         <p:spPr>
@@ -6426,7 +6683,7 @@
           </a:prstGeom>
         </p:spPr>
         <p:txBody>
-          <a:bodyPr anchorCtr="0" anchor="ctr" bIns="91425" lIns="91425" spcFirstLastPara="1" rIns="91425" wrap="square" tIns="91425">
+          <a:bodyPr spcFirstLastPara="1" wrap="square" lIns="91425" tIns="91425" rIns="91425" bIns="91425" anchor="ctr" anchorCtr="0">
             <a:normAutofit/>
           </a:bodyPr>
           <a:lstStyle>
@@ -6468,7 +6725,7 @@
             </a:lvl9pPr>
           </a:lstStyle>
           <a:p>
-            <a:pPr indent="0" lvl="0" marL="0" rtl="0" algn="r">
+            <a:pPr marL="0" lvl="0" indent="0" algn="r" rtl="0">
               <a:spcBef>
                 <a:spcPts val="0"/>
               </a:spcBef>
@@ -6494,11 +6751,11 @@
 </file>
 
 <file path=ppt/slideLayouts/slideLayout8.xml><?xml version="1.0" encoding="utf-8"?>
-<p:sldLayout xmlns:a="http://schemas.openxmlformats.org/drawingml/2006/main" xmlns:r="http://schemas.openxmlformats.org/officeDocument/2006/relationships" xmlns:mc="http://schemas.openxmlformats.org/markup-compatibility/2006" xmlns:mv="urn:schemas-microsoft-com:mac:vml" xmlns:p="http://schemas.openxmlformats.org/presentationml/2006/main" xmlns:c="http://schemas.openxmlformats.org/drawingml/2006/chart" xmlns:dgm="http://schemas.openxmlformats.org/drawingml/2006/diagram" xmlns:o="urn:schemas-microsoft-com:office:office" xmlns:v="urn:schemas-microsoft-com:vml" xmlns:pvml="urn:schemas-microsoft-com:office:powerpoint" xmlns:com="http://schemas.openxmlformats.org/drawingml/2006/compatibility" xmlns:p14="http://schemas.microsoft.com/office/powerpoint/2010/main" xmlns:p15="http://schemas.microsoft.com/office/powerpoint/2012/main" xmlns:ahyp="http://schemas.microsoft.com/office/drawing/2018/hyperlinkcolor" matchingName="Section title and description">
+<p:sldLayout xmlns:a="http://schemas.openxmlformats.org/drawingml/2006/main" xmlns:r="http://schemas.openxmlformats.org/officeDocument/2006/relationships" xmlns:p="http://schemas.openxmlformats.org/presentationml/2006/main" matchingName="Section title and description">
   <p:cSld name="SECTION_TITLE_AND_DESCRIPTION">
     <p:spTree>
       <p:nvGrpSpPr>
-        <p:cNvPr id="59" name="Shape 59"/>
+        <p:cNvPr id="1" name="Shape 59"/>
         <p:cNvGrpSpPr/>
         <p:nvPr/>
       </p:nvGrpSpPr>
@@ -6532,12 +6789,12 @@
           </a:ln>
         </p:spPr>
         <p:txBody>
-          <a:bodyPr anchorCtr="0" anchor="ctr" bIns="91425" lIns="91425" spcFirstLastPara="1" rIns="91425" wrap="square" tIns="91425">
+          <a:bodyPr spcFirstLastPara="1" wrap="square" lIns="91425" tIns="91425" rIns="91425" bIns="91425" anchor="ctr" anchorCtr="0">
             <a:noAutofit/>
           </a:bodyPr>
           <a:lstStyle/>
           <a:p>
-            <a:pPr indent="0" lvl="0" marL="0" rtl="0" algn="l">
+            <a:pPr marL="0" lvl="0" indent="0" algn="l" rtl="0">
               <a:spcBef>
                 <a:spcPts val="0"/>
               </a:spcBef>
@@ -6546,9 +6803,6 @@
               </a:spcAft>
               <a:buNone/>
             </a:pPr>
-            <a:r>
-              <a:t/>
-            </a:r>
             <a:endParaRPr/>
           </a:p>
         </p:txBody>
@@ -6568,21 +6822,23 @@
             <a:avLst/>
           </a:prstGeom>
           <a:noFill/>
-          <a:ln cap="flat" cmpd="sng" w="19050">
+          <a:ln w="19050" cap="flat" cmpd="sng">
             <a:solidFill>
               <a:schemeClr val="lt1"/>
             </a:solidFill>
             <a:prstDash val="solid"/>
             <a:round/>
-            <a:headEnd len="sm" w="sm" type="none"/>
-            <a:tailEnd len="sm" w="sm" type="none"/>
+            <a:headEnd type="none" w="sm" len="sm"/>
+            <a:tailEnd type="none" w="sm" len="sm"/>
           </a:ln>
         </p:spPr>
       </p:cxnSp>
       <p:sp>
         <p:nvSpPr>
           <p:cNvPr id="62" name="Google Shape;62;p9"/>
-          <p:cNvSpPr txBox="1"/>
+          <p:cNvSpPr txBox="1">
+            <a:spLocks noGrp="1"/>
+          </p:cNvSpPr>
           <p:nvPr>
             <p:ph type="title"/>
           </p:nvPr>
@@ -6597,7 +6853,7 @@
           </a:prstGeom>
         </p:spPr>
         <p:txBody>
-          <a:bodyPr anchorCtr="0" anchor="b" bIns="91425" lIns="91425" spcFirstLastPara="1" rIns="91425" wrap="square" tIns="91425">
+          <a:bodyPr spcFirstLastPara="1" wrap="square" lIns="91425" tIns="91425" rIns="91425" bIns="91425" anchor="b" anchorCtr="0">
             <a:normAutofit/>
           </a:bodyPr>
           <a:lstStyle>
@@ -6701,15 +6957,19 @@
               <a:defRPr sz="4200"/>
             </a:lvl9pPr>
           </a:lstStyle>
-          <a:p/>
+          <a:p>
+            <a:endParaRPr/>
+          </a:p>
         </p:txBody>
       </p:sp>
       <p:sp>
         <p:nvSpPr>
           <p:cNvPr id="63" name="Google Shape;63;p9"/>
-          <p:cNvSpPr txBox="1"/>
+          <p:cNvSpPr txBox="1">
+            <a:spLocks noGrp="1"/>
+          </p:cNvSpPr>
           <p:nvPr>
-            <p:ph idx="1" type="subTitle"/>
+            <p:ph type="subTitle" idx="1"/>
           </p:nvPr>
         </p:nvSpPr>
         <p:spPr>
@@ -6722,7 +6982,7 @@
           </a:prstGeom>
         </p:spPr>
         <p:txBody>
-          <a:bodyPr anchorCtr="0" anchor="t" bIns="91425" lIns="91425" spcFirstLastPara="1" rIns="91425" wrap="square" tIns="91425">
+          <a:bodyPr spcFirstLastPara="1" wrap="square" lIns="91425" tIns="91425" rIns="91425" bIns="91425" anchor="t" anchorCtr="0">
             <a:normAutofit/>
           </a:bodyPr>
           <a:lstStyle>
@@ -6853,15 +7113,19 @@
               <a:defRPr sz="2100"/>
             </a:lvl9pPr>
           </a:lstStyle>
-          <a:p/>
+          <a:p>
+            <a:endParaRPr/>
+          </a:p>
         </p:txBody>
       </p:sp>
       <p:sp>
         <p:nvSpPr>
           <p:cNvPr id="64" name="Google Shape;64;p9"/>
-          <p:cNvSpPr txBox="1"/>
+          <p:cNvSpPr txBox="1">
+            <a:spLocks noGrp="1"/>
+          </p:cNvSpPr>
           <p:nvPr>
-            <p:ph idx="2" type="body"/>
+            <p:ph type="body" idx="2"/>
           </p:nvPr>
         </p:nvSpPr>
         <p:spPr>
@@ -6874,11 +7138,11 @@
           </a:prstGeom>
         </p:spPr>
         <p:txBody>
-          <a:bodyPr anchorCtr="0" anchor="ctr" bIns="91425" lIns="91425" spcFirstLastPara="1" rIns="91425" wrap="square" tIns="91425">
+          <a:bodyPr spcFirstLastPara="1" wrap="square" lIns="91425" tIns="91425" rIns="91425" bIns="91425" anchor="ctr" anchorCtr="0">
             <a:normAutofit/>
           </a:bodyPr>
           <a:lstStyle>
-            <a:lvl1pPr indent="-342900" lvl="0" marL="457200">
+            <a:lvl1pPr marL="457200" lvl="0" indent="-342900">
               <a:spcBef>
                 <a:spcPts val="0"/>
               </a:spcBef>
@@ -6896,7 +7160,7 @@
                 </a:solidFill>
               </a:defRPr>
             </a:lvl1pPr>
-            <a:lvl2pPr indent="-317500" lvl="1" marL="914400">
+            <a:lvl2pPr marL="914400" lvl="1" indent="-317500">
               <a:spcBef>
                 <a:spcPts val="0"/>
               </a:spcBef>
@@ -6914,7 +7178,7 @@
                 </a:solidFill>
               </a:defRPr>
             </a:lvl2pPr>
-            <a:lvl3pPr indent="-317500" lvl="2" marL="1371600">
+            <a:lvl3pPr marL="1371600" lvl="2" indent="-317500">
               <a:spcBef>
                 <a:spcPts val="0"/>
               </a:spcBef>
@@ -6932,7 +7196,7 @@
                 </a:solidFill>
               </a:defRPr>
             </a:lvl3pPr>
-            <a:lvl4pPr indent="-317500" lvl="3" marL="1828800">
+            <a:lvl4pPr marL="1828800" lvl="3" indent="-317500">
               <a:spcBef>
                 <a:spcPts val="0"/>
               </a:spcBef>
@@ -6950,7 +7214,7 @@
                 </a:solidFill>
               </a:defRPr>
             </a:lvl4pPr>
-            <a:lvl5pPr indent="-317500" lvl="4" marL="2286000">
+            <a:lvl5pPr marL="2286000" lvl="4" indent="-317500">
               <a:spcBef>
                 <a:spcPts val="0"/>
               </a:spcBef>
@@ -6968,7 +7232,7 @@
                 </a:solidFill>
               </a:defRPr>
             </a:lvl5pPr>
-            <a:lvl6pPr indent="-317500" lvl="5" marL="2743200">
+            <a:lvl6pPr marL="2743200" lvl="5" indent="-317500">
               <a:spcBef>
                 <a:spcPts val="0"/>
               </a:spcBef>
@@ -6986,7 +7250,7 @@
                 </a:solidFill>
               </a:defRPr>
             </a:lvl6pPr>
-            <a:lvl7pPr indent="-317500" lvl="6" marL="3200400">
+            <a:lvl7pPr marL="3200400" lvl="6" indent="-317500">
               <a:spcBef>
                 <a:spcPts val="0"/>
               </a:spcBef>
@@ -7004,7 +7268,7 @@
                 </a:solidFill>
               </a:defRPr>
             </a:lvl7pPr>
-            <a:lvl8pPr indent="-317500" lvl="7" marL="3657600">
+            <a:lvl8pPr marL="3657600" lvl="7" indent="-317500">
               <a:spcBef>
                 <a:spcPts val="0"/>
               </a:spcBef>
@@ -7022,7 +7286,7 @@
                 </a:solidFill>
               </a:defRPr>
             </a:lvl8pPr>
-            <a:lvl9pPr indent="-317500" lvl="8" marL="4114800">
+            <a:lvl9pPr marL="4114800" lvl="8" indent="-317500">
               <a:spcBef>
                 <a:spcPts val="0"/>
               </a:spcBef>
@@ -7041,15 +7305,19 @@
               </a:defRPr>
             </a:lvl9pPr>
           </a:lstStyle>
-          <a:p/>
+          <a:p>
+            <a:endParaRPr/>
+          </a:p>
         </p:txBody>
       </p:sp>
       <p:sp>
         <p:nvSpPr>
           <p:cNvPr id="65" name="Google Shape;65;p9"/>
-          <p:cNvSpPr txBox="1"/>
+          <p:cNvSpPr txBox="1">
+            <a:spLocks noGrp="1"/>
+          </p:cNvSpPr>
           <p:nvPr>
-            <p:ph idx="12" type="sldNum"/>
+            <p:ph type="sldNum" idx="12"/>
           </p:nvPr>
         </p:nvSpPr>
         <p:spPr>
@@ -7062,7 +7330,7 @@
           </a:prstGeom>
         </p:spPr>
         <p:txBody>
-          <a:bodyPr anchorCtr="0" anchor="ctr" bIns="91425" lIns="91425" spcFirstLastPara="1" rIns="91425" wrap="square" tIns="91425">
+          <a:bodyPr spcFirstLastPara="1" wrap="square" lIns="91425" tIns="91425" rIns="91425" bIns="91425" anchor="ctr" anchorCtr="0">
             <a:normAutofit/>
           </a:bodyPr>
           <a:lstStyle>
@@ -7104,7 +7372,7 @@
             </a:lvl9pPr>
           </a:lstStyle>
           <a:p>
-            <a:pPr indent="0" lvl="0" marL="0" rtl="0" algn="r">
+            <a:pPr marL="0" lvl="0" indent="0" algn="r" rtl="0">
               <a:spcBef>
                 <a:spcPts val="0"/>
               </a:spcBef>
@@ -7130,11 +7398,11 @@
 </file>
 
 <file path=ppt/slideLayouts/slideLayout9.xml><?xml version="1.0" encoding="utf-8"?>
-<p:sldLayout xmlns:a="http://schemas.openxmlformats.org/drawingml/2006/main" xmlns:r="http://schemas.openxmlformats.org/officeDocument/2006/relationships" xmlns:mc="http://schemas.openxmlformats.org/markup-compatibility/2006" xmlns:mv="urn:schemas-microsoft-com:mac:vml" xmlns:p="http://schemas.openxmlformats.org/presentationml/2006/main" xmlns:c="http://schemas.openxmlformats.org/drawingml/2006/chart" xmlns:dgm="http://schemas.openxmlformats.org/drawingml/2006/diagram" xmlns:o="urn:schemas-microsoft-com:office:office" xmlns:v="urn:schemas-microsoft-com:vml" xmlns:pvml="urn:schemas-microsoft-com:office:powerpoint" xmlns:com="http://schemas.openxmlformats.org/drawingml/2006/compatibility" xmlns:p14="http://schemas.microsoft.com/office/powerpoint/2010/main" xmlns:p15="http://schemas.microsoft.com/office/powerpoint/2012/main" xmlns:ahyp="http://schemas.microsoft.com/office/drawing/2018/hyperlinkcolor" matchingName="Caption">
+<p:sldLayout xmlns:a="http://schemas.openxmlformats.org/drawingml/2006/main" xmlns:r="http://schemas.openxmlformats.org/officeDocument/2006/relationships" xmlns:p="http://schemas.openxmlformats.org/presentationml/2006/main" matchingName="Caption">
   <p:cSld name="CAPTION_ONLY">
     <p:spTree>
       <p:nvGrpSpPr>
-        <p:cNvPr id="66" name="Shape 66"/>
+        <p:cNvPr id="1" name="Shape 66"/>
         <p:cNvGrpSpPr/>
         <p:nvPr/>
       </p:nvGrpSpPr>
@@ -7149,9 +7417,11 @@
       <p:sp>
         <p:nvSpPr>
           <p:cNvPr id="67" name="Google Shape;67;p10"/>
-          <p:cNvSpPr txBox="1"/>
+          <p:cNvSpPr txBox="1">
+            <a:spLocks noGrp="1"/>
+          </p:cNvSpPr>
           <p:nvPr>
-            <p:ph idx="1" type="body"/>
+            <p:ph type="body" idx="1"/>
           </p:nvPr>
         </p:nvSpPr>
         <p:spPr>
@@ -7164,11 +7434,11 @@
           </a:prstGeom>
         </p:spPr>
         <p:txBody>
-          <a:bodyPr anchorCtr="0" anchor="ctr" bIns="91425" lIns="91425" spcFirstLastPara="1" rIns="91425" wrap="square" tIns="91425">
+          <a:bodyPr spcFirstLastPara="1" wrap="square" lIns="91425" tIns="91425" rIns="91425" bIns="91425" anchor="ctr" anchorCtr="0">
             <a:normAutofit/>
           </a:bodyPr>
           <a:lstStyle>
-            <a:lvl1pPr indent="-228600" lvl="0" marL="457200">
+            <a:lvl1pPr marL="457200" lvl="0" indent="-228600">
               <a:lnSpc>
                 <a:spcPct val="100000"/>
               </a:lnSpc>
@@ -7183,15 +7453,19 @@
               <a:defRPr/>
             </a:lvl1pPr>
           </a:lstStyle>
-          <a:p/>
+          <a:p>
+            <a:endParaRPr/>
+          </a:p>
         </p:txBody>
       </p:sp>
       <p:sp>
         <p:nvSpPr>
           <p:cNvPr id="68" name="Google Shape;68;p10"/>
-          <p:cNvSpPr txBox="1"/>
+          <p:cNvSpPr txBox="1">
+            <a:spLocks noGrp="1"/>
+          </p:cNvSpPr>
           <p:nvPr>
-            <p:ph idx="12" type="sldNum"/>
+            <p:ph type="sldNum" idx="12"/>
           </p:nvPr>
         </p:nvSpPr>
         <p:spPr>
@@ -7204,7 +7478,7 @@
           </a:prstGeom>
         </p:spPr>
         <p:txBody>
-          <a:bodyPr anchorCtr="0" anchor="ctr" bIns="91425" lIns="91425" spcFirstLastPara="1" rIns="91425" wrap="square" tIns="91425">
+          <a:bodyPr spcFirstLastPara="1" wrap="square" lIns="91425" tIns="91425" rIns="91425" bIns="91425" anchor="ctr" anchorCtr="0">
             <a:normAutofit/>
           </a:bodyPr>
           <a:lstStyle>
@@ -7282,7 +7556,7 @@
             </a:lvl9pPr>
           </a:lstStyle>
           <a:p>
-            <a:pPr indent="0" lvl="0" marL="0" rtl="0" algn="r">
+            <a:pPr marL="0" lvl="0" indent="0" algn="r" rtl="0">
               <a:spcBef>
                 <a:spcPts val="0"/>
               </a:spcBef>
@@ -7308,18 +7582,19 @@
 </file>
 
 <file path=ppt/slideMasters/slideMaster1.xml><?xml version="1.0" encoding="utf-8"?>
-<p:sldMaster xmlns:a="http://schemas.openxmlformats.org/drawingml/2006/main" xmlns:r="http://schemas.openxmlformats.org/officeDocument/2006/relationships" xmlns:mc="http://schemas.openxmlformats.org/markup-compatibility/2006" xmlns:mv="urn:schemas-microsoft-com:mac:vml" xmlns:p="http://schemas.openxmlformats.org/presentationml/2006/main" xmlns:c="http://schemas.openxmlformats.org/drawingml/2006/chart" xmlns:dgm="http://schemas.openxmlformats.org/drawingml/2006/diagram" xmlns:o="urn:schemas-microsoft-com:office:office" xmlns:v="urn:schemas-microsoft-com:vml" xmlns:pvml="urn:schemas-microsoft-com:office:powerpoint" xmlns:com="http://schemas.openxmlformats.org/drawingml/2006/compatibility" xmlns:p14="http://schemas.microsoft.com/office/powerpoint/2010/main" xmlns:p15="http://schemas.microsoft.com/office/powerpoint/2012/main" xmlns:ahyp="http://schemas.microsoft.com/office/drawing/2018/hyperlinkcolor">
+<p:sldMaster xmlns:a="http://schemas.openxmlformats.org/drawingml/2006/main" xmlns:r="http://schemas.openxmlformats.org/officeDocument/2006/relationships" xmlns:p="http://schemas.openxmlformats.org/presentationml/2006/main">
   <p:cSld name="geometric">
     <p:bg>
       <p:bgPr>
         <a:solidFill>
           <a:schemeClr val="lt1"/>
         </a:solidFill>
+        <a:effectLst/>
       </p:bgPr>
     </p:bg>
     <p:spTree>
       <p:nvGrpSpPr>
-        <p:cNvPr id="5" name="Shape 5"/>
+        <p:cNvPr id="1" name="Shape 5"/>
         <p:cNvGrpSpPr/>
         <p:nvPr/>
       </p:nvGrpSpPr>
@@ -7334,7 +7609,9 @@
       <p:sp>
         <p:nvSpPr>
           <p:cNvPr id="6" name="Google Shape;6;p1"/>
-          <p:cNvSpPr txBox="1"/>
+          <p:cNvSpPr txBox="1">
+            <a:spLocks noGrp="1"/>
+          </p:cNvSpPr>
           <p:nvPr>
             <p:ph type="title"/>
           </p:nvPr>
@@ -7353,7 +7630,7 @@
           </a:ln>
         </p:spPr>
         <p:txBody>
-          <a:bodyPr anchorCtr="0" anchor="t" bIns="91425" lIns="91425" spcFirstLastPara="1" rIns="91425" wrap="square" tIns="91425">
+          <a:bodyPr spcFirstLastPara="1" wrap="square" lIns="91425" tIns="91425" rIns="91425" bIns="91425" anchor="t" anchorCtr="0">
             <a:normAutofit/>
           </a:bodyPr>
           <a:lstStyle>
@@ -7565,15 +7842,19 @@
               </a:defRPr>
             </a:lvl9pPr>
           </a:lstStyle>
-          <a:p/>
+          <a:p>
+            <a:endParaRPr/>
+          </a:p>
         </p:txBody>
       </p:sp>
       <p:sp>
         <p:nvSpPr>
           <p:cNvPr id="7" name="Google Shape;7;p1"/>
-          <p:cNvSpPr txBox="1"/>
+          <p:cNvSpPr txBox="1">
+            <a:spLocks noGrp="1"/>
+          </p:cNvSpPr>
           <p:nvPr>
-            <p:ph idx="1" type="body"/>
+            <p:ph type="body" idx="1"/>
           </p:nvPr>
         </p:nvSpPr>
         <p:spPr>
@@ -7590,11 +7871,11 @@
           </a:ln>
         </p:spPr>
         <p:txBody>
-          <a:bodyPr anchorCtr="0" anchor="t" bIns="91425" lIns="91425" spcFirstLastPara="1" rIns="91425" wrap="square" tIns="91425">
+          <a:bodyPr spcFirstLastPara="1" wrap="square" lIns="91425" tIns="91425" rIns="91425" bIns="91425" anchor="t" anchorCtr="0">
             <a:normAutofit/>
           </a:bodyPr>
           <a:lstStyle>
-            <a:lvl1pPr indent="-342900" lvl="0" marL="457200">
+            <a:lvl1pPr marL="457200" lvl="0" indent="-342900">
               <a:lnSpc>
                 <a:spcPct val="115000"/>
               </a:lnSpc>
@@ -7620,7 +7901,7 @@
                 <a:sym typeface="Roboto"/>
               </a:defRPr>
             </a:lvl1pPr>
-            <a:lvl2pPr indent="-317500" lvl="1" marL="914400">
+            <a:lvl2pPr marL="914400" lvl="1" indent="-317500">
               <a:lnSpc>
                 <a:spcPct val="115000"/>
               </a:lnSpc>
@@ -7646,7 +7927,7 @@
                 <a:sym typeface="Roboto"/>
               </a:defRPr>
             </a:lvl2pPr>
-            <a:lvl3pPr indent="-317500" lvl="2" marL="1371600">
+            <a:lvl3pPr marL="1371600" lvl="2" indent="-317500">
               <a:lnSpc>
                 <a:spcPct val="115000"/>
               </a:lnSpc>
@@ -7672,7 +7953,7 @@
                 <a:sym typeface="Roboto"/>
               </a:defRPr>
             </a:lvl3pPr>
-            <a:lvl4pPr indent="-317500" lvl="3" marL="1828800">
+            <a:lvl4pPr marL="1828800" lvl="3" indent="-317500">
               <a:lnSpc>
                 <a:spcPct val="115000"/>
               </a:lnSpc>
@@ -7698,7 +7979,7 @@
                 <a:sym typeface="Roboto"/>
               </a:defRPr>
             </a:lvl4pPr>
-            <a:lvl5pPr indent="-317500" lvl="4" marL="2286000">
+            <a:lvl5pPr marL="2286000" lvl="4" indent="-317500">
               <a:lnSpc>
                 <a:spcPct val="115000"/>
               </a:lnSpc>
@@ -7724,7 +8005,7 @@
                 <a:sym typeface="Roboto"/>
               </a:defRPr>
             </a:lvl5pPr>
-            <a:lvl6pPr indent="-317500" lvl="5" marL="2743200">
+            <a:lvl6pPr marL="2743200" lvl="5" indent="-317500">
               <a:lnSpc>
                 <a:spcPct val="115000"/>
               </a:lnSpc>
@@ -7750,7 +8031,7 @@
                 <a:sym typeface="Roboto"/>
               </a:defRPr>
             </a:lvl6pPr>
-            <a:lvl7pPr indent="-317500" lvl="6" marL="3200400">
+            <a:lvl7pPr marL="3200400" lvl="6" indent="-317500">
               <a:lnSpc>
                 <a:spcPct val="115000"/>
               </a:lnSpc>
@@ -7776,7 +8057,7 @@
                 <a:sym typeface="Roboto"/>
               </a:defRPr>
             </a:lvl7pPr>
-            <a:lvl8pPr indent="-317500" lvl="7" marL="3657600">
+            <a:lvl8pPr marL="3657600" lvl="7" indent="-317500">
               <a:lnSpc>
                 <a:spcPct val="115000"/>
               </a:lnSpc>
@@ -7802,7 +8083,7 @@
                 <a:sym typeface="Roboto"/>
               </a:defRPr>
             </a:lvl8pPr>
-            <a:lvl9pPr indent="-317500" lvl="8" marL="4114800">
+            <a:lvl9pPr marL="4114800" lvl="8" indent="-317500">
               <a:lnSpc>
                 <a:spcPct val="115000"/>
               </a:lnSpc>
@@ -7829,15 +8110,19 @@
               </a:defRPr>
             </a:lvl9pPr>
           </a:lstStyle>
-          <a:p/>
+          <a:p>
+            <a:endParaRPr/>
+          </a:p>
         </p:txBody>
       </p:sp>
       <p:sp>
         <p:nvSpPr>
           <p:cNvPr id="8" name="Google Shape;8;p1"/>
-          <p:cNvSpPr txBox="1"/>
+          <p:cNvSpPr txBox="1">
+            <a:spLocks noGrp="1"/>
+          </p:cNvSpPr>
           <p:nvPr>
-            <p:ph idx="12" type="sldNum"/>
+            <p:ph type="sldNum" idx="12"/>
           </p:nvPr>
         </p:nvSpPr>
         <p:spPr>
@@ -7854,7 +8139,7 @@
           </a:ln>
         </p:spPr>
         <p:txBody>
-          <a:bodyPr anchorCtr="0" anchor="ctr" bIns="91425" lIns="91425" spcFirstLastPara="1" rIns="91425" wrap="square" tIns="91425">
+          <a:bodyPr spcFirstLastPara="1" wrap="square" lIns="91425" tIns="91425" rIns="91425" bIns="91425" anchor="ctr" anchorCtr="0">
             <a:normAutofit/>
           </a:bodyPr>
           <a:lstStyle>
@@ -7968,7 +8253,7 @@
             </a:lvl9pPr>
           </a:lstStyle>
           <a:p>
-            <a:pPr indent="0" lvl="0" marL="0" rtl="0" algn="r">
+            <a:pPr marL="0" lvl="0" indent="0" algn="r" rtl="0">
               <a:spcBef>
                 <a:spcPts val="0"/>
               </a:spcBef>
@@ -7987,7 +8272,7 @@
       </p:sp>
     </p:spTree>
   </p:cSld>
-  <p:clrMap accent1="accent1" accent2="accent2" accent3="accent3" accent4="accent4" accent5="accent5" accent6="accent6" bg1="lt1" bg2="dk2" tx1="dk1" tx2="lt2" folHlink="folHlink" hlink="hlink"/>
+  <p:clrMap bg1="lt1" tx1="dk1" bg2="dk2" tx2="lt2" accent1="accent1" accent2="accent2" accent3="accent3" accent4="accent4" accent5="accent5" accent6="accent6" hlink="hlink" folHlink="folHlink"/>
   <p:sldLayoutIdLst>
     <p:sldLayoutId id="2147483648" r:id="rId1"/>
     <p:sldLayoutId id="2147483649" r:id="rId2"/>
@@ -8001,10 +8286,10 @@
     <p:sldLayoutId id="2147483657" r:id="rId10"/>
     <p:sldLayoutId id="2147483658" r:id="rId11"/>
   </p:sldLayoutIdLst>
-  <p:hf dt="0" ftr="0" hdr="0" sldNum="0"/>
+  <p:hf sldNum="0" hdr="0" ftr="0" dt="0"/>
   <p:txStyles>
     <p:titleStyle>
-      <a:defPPr lvl="0" marR="0" rtl="0" algn="l">
+      <a:defPPr marR="0" lvl="0" algn="l" rtl="0">
         <a:lnSpc>
           <a:spcPct val="100000"/>
         </a:lnSpc>
@@ -8015,7 +8300,7 @@
           <a:spcPts val="0"/>
         </a:spcAft>
       </a:defPPr>
-      <a:lvl1pPr lvl="0" marR="0" rtl="0" algn="l">
+      <a:lvl1pPr marR="0" lvl="0" algn="l" rtl="0">
         <a:lnSpc>
           <a:spcPct val="100000"/>
         </a:lnSpc>
@@ -8029,7 +8314,7 @@
           <a:srgbClr val="000000"/>
         </a:buClr>
         <a:buFont typeface="Arial"/>
-        <a:defRPr b="0" i="0" sz="1400" u="none" cap="none" strike="noStrike">
+        <a:defRPr sz="1400" b="0" i="0" u="none" strike="noStrike" cap="none">
           <a:solidFill>
             <a:srgbClr val="000000"/>
           </a:solidFill>
@@ -8039,7 +8324,7 @@
           <a:sym typeface="Arial"/>
         </a:defRPr>
       </a:lvl1pPr>
-      <a:lvl2pPr lvl="1" marR="0" rtl="0" algn="l">
+      <a:lvl2pPr marR="0" lvl="1" algn="l" rtl="0">
         <a:lnSpc>
           <a:spcPct val="100000"/>
         </a:lnSpc>
@@ -8053,7 +8338,7 @@
           <a:srgbClr val="000000"/>
         </a:buClr>
         <a:buFont typeface="Arial"/>
-        <a:defRPr b="0" i="0" sz="1400" u="none" cap="none" strike="noStrike">
+        <a:defRPr sz="1400" b="0" i="0" u="none" strike="noStrike" cap="none">
           <a:solidFill>
             <a:srgbClr val="000000"/>
           </a:solidFill>
@@ -8063,7 +8348,7 @@
           <a:sym typeface="Arial"/>
         </a:defRPr>
       </a:lvl2pPr>
-      <a:lvl3pPr lvl="2" marR="0" rtl="0" algn="l">
+      <a:lvl3pPr marR="0" lvl="2" algn="l" rtl="0">
         <a:lnSpc>
           <a:spcPct val="100000"/>
         </a:lnSpc>
@@ -8077,7 +8362,7 @@
           <a:srgbClr val="000000"/>
         </a:buClr>
         <a:buFont typeface="Arial"/>
-        <a:defRPr b="0" i="0" sz="1400" u="none" cap="none" strike="noStrike">
+        <a:defRPr sz="1400" b="0" i="0" u="none" strike="noStrike" cap="none">
           <a:solidFill>
             <a:srgbClr val="000000"/>
           </a:solidFill>
@@ -8087,7 +8372,7 @@
           <a:sym typeface="Arial"/>
         </a:defRPr>
       </a:lvl3pPr>
-      <a:lvl4pPr lvl="3" marR="0" rtl="0" algn="l">
+      <a:lvl4pPr marR="0" lvl="3" algn="l" rtl="0">
         <a:lnSpc>
           <a:spcPct val="100000"/>
         </a:lnSpc>
@@ -8101,7 +8386,7 @@
           <a:srgbClr val="000000"/>
         </a:buClr>
         <a:buFont typeface="Arial"/>
-        <a:defRPr b="0" i="0" sz="1400" u="none" cap="none" strike="noStrike">
+        <a:defRPr sz="1400" b="0" i="0" u="none" strike="noStrike" cap="none">
           <a:solidFill>
             <a:srgbClr val="000000"/>
           </a:solidFill>
@@ -8111,7 +8396,7 @@
           <a:sym typeface="Arial"/>
         </a:defRPr>
       </a:lvl4pPr>
-      <a:lvl5pPr lvl="4" marR="0" rtl="0" algn="l">
+      <a:lvl5pPr marR="0" lvl="4" algn="l" rtl="0">
         <a:lnSpc>
           <a:spcPct val="100000"/>
         </a:lnSpc>
@@ -8125,7 +8410,7 @@
           <a:srgbClr val="000000"/>
         </a:buClr>
         <a:buFont typeface="Arial"/>
-        <a:defRPr b="0" i="0" sz="1400" u="none" cap="none" strike="noStrike">
+        <a:defRPr sz="1400" b="0" i="0" u="none" strike="noStrike" cap="none">
           <a:solidFill>
             <a:srgbClr val="000000"/>
           </a:solidFill>
@@ -8135,7 +8420,7 @@
           <a:sym typeface="Arial"/>
         </a:defRPr>
       </a:lvl5pPr>
-      <a:lvl6pPr lvl="5" marR="0" rtl="0" algn="l">
+      <a:lvl6pPr marR="0" lvl="5" algn="l" rtl="0">
         <a:lnSpc>
           <a:spcPct val="100000"/>
         </a:lnSpc>
@@ -8149,7 +8434,7 @@
           <a:srgbClr val="000000"/>
         </a:buClr>
         <a:buFont typeface="Arial"/>
-        <a:defRPr b="0" i="0" sz="1400" u="none" cap="none" strike="noStrike">
+        <a:defRPr sz="1400" b="0" i="0" u="none" strike="noStrike" cap="none">
           <a:solidFill>
             <a:srgbClr val="000000"/>
           </a:solidFill>
@@ -8159,7 +8444,7 @@
           <a:sym typeface="Arial"/>
         </a:defRPr>
       </a:lvl6pPr>
-      <a:lvl7pPr lvl="6" marR="0" rtl="0" algn="l">
+      <a:lvl7pPr marR="0" lvl="6" algn="l" rtl="0">
         <a:lnSpc>
           <a:spcPct val="100000"/>
         </a:lnSpc>
@@ -8173,7 +8458,7 @@
           <a:srgbClr val="000000"/>
         </a:buClr>
         <a:buFont typeface="Arial"/>
-        <a:defRPr b="0" i="0" sz="1400" u="none" cap="none" strike="noStrike">
+        <a:defRPr sz="1400" b="0" i="0" u="none" strike="noStrike" cap="none">
           <a:solidFill>
             <a:srgbClr val="000000"/>
           </a:solidFill>
@@ -8183,7 +8468,7 @@
           <a:sym typeface="Arial"/>
         </a:defRPr>
       </a:lvl7pPr>
-      <a:lvl8pPr lvl="7" marR="0" rtl="0" algn="l">
+      <a:lvl8pPr marR="0" lvl="7" algn="l" rtl="0">
         <a:lnSpc>
           <a:spcPct val="100000"/>
         </a:lnSpc>
@@ -8197,7 +8482,7 @@
           <a:srgbClr val="000000"/>
         </a:buClr>
         <a:buFont typeface="Arial"/>
-        <a:defRPr b="0" i="0" sz="1400" u="none" cap="none" strike="noStrike">
+        <a:defRPr sz="1400" b="0" i="0" u="none" strike="noStrike" cap="none">
           <a:solidFill>
             <a:srgbClr val="000000"/>
           </a:solidFill>
@@ -8207,7 +8492,7 @@
           <a:sym typeface="Arial"/>
         </a:defRPr>
       </a:lvl8pPr>
-      <a:lvl9pPr lvl="8" marR="0" rtl="0" algn="l">
+      <a:lvl9pPr marR="0" lvl="8" algn="l" rtl="0">
         <a:lnSpc>
           <a:spcPct val="100000"/>
         </a:lnSpc>
@@ -8221,7 +8506,7 @@
           <a:srgbClr val="000000"/>
         </a:buClr>
         <a:buFont typeface="Arial"/>
-        <a:defRPr b="0" i="0" sz="1400" u="none" cap="none" strike="noStrike">
+        <a:defRPr sz="1400" b="0" i="0" u="none" strike="noStrike" cap="none">
           <a:solidFill>
             <a:srgbClr val="000000"/>
           </a:solidFill>
@@ -8233,7 +8518,7 @@
       </a:lvl9pPr>
     </p:titleStyle>
     <p:bodyStyle>
-      <a:defPPr lvl="0" marR="0" rtl="0" algn="l">
+      <a:defPPr marR="0" lvl="0" algn="l" rtl="0">
         <a:lnSpc>
           <a:spcPct val="100000"/>
         </a:lnSpc>
@@ -8244,7 +8529,7 @@
           <a:spcPts val="0"/>
         </a:spcAft>
       </a:defPPr>
-      <a:lvl1pPr lvl="0" marR="0" rtl="0" algn="l">
+      <a:lvl1pPr marR="0" lvl="0" algn="l" rtl="0">
         <a:lnSpc>
           <a:spcPct val="100000"/>
         </a:lnSpc>
@@ -8258,7 +8543,7 @@
           <a:srgbClr val="000000"/>
         </a:buClr>
         <a:buFont typeface="Arial"/>
-        <a:defRPr b="0" i="0" sz="1400" u="none" cap="none" strike="noStrike">
+        <a:defRPr sz="1400" b="0" i="0" u="none" strike="noStrike" cap="none">
           <a:solidFill>
             <a:srgbClr val="000000"/>
           </a:solidFill>
@@ -8268,7 +8553,7 @@
           <a:sym typeface="Arial"/>
         </a:defRPr>
       </a:lvl1pPr>
-      <a:lvl2pPr lvl="1" marR="0" rtl="0" algn="l">
+      <a:lvl2pPr marR="0" lvl="1" algn="l" rtl="0">
         <a:lnSpc>
           <a:spcPct val="100000"/>
         </a:lnSpc>
@@ -8282,7 +8567,7 @@
           <a:srgbClr val="000000"/>
         </a:buClr>
         <a:buFont typeface="Arial"/>
-        <a:defRPr b="0" i="0" sz="1400" u="none" cap="none" strike="noStrike">
+        <a:defRPr sz="1400" b="0" i="0" u="none" strike="noStrike" cap="none">
           <a:solidFill>
             <a:srgbClr val="000000"/>
           </a:solidFill>
@@ -8292,7 +8577,7 @@
           <a:sym typeface="Arial"/>
         </a:defRPr>
       </a:lvl2pPr>
-      <a:lvl3pPr lvl="2" marR="0" rtl="0" algn="l">
+      <a:lvl3pPr marR="0" lvl="2" algn="l" rtl="0">
         <a:lnSpc>
           <a:spcPct val="100000"/>
         </a:lnSpc>
@@ -8306,7 +8591,7 @@
           <a:srgbClr val="000000"/>
         </a:buClr>
         <a:buFont typeface="Arial"/>
-        <a:defRPr b="0" i="0" sz="1400" u="none" cap="none" strike="noStrike">
+        <a:defRPr sz="1400" b="0" i="0" u="none" strike="noStrike" cap="none">
           <a:solidFill>
             <a:srgbClr val="000000"/>
           </a:solidFill>
@@ -8316,7 +8601,7 @@
           <a:sym typeface="Arial"/>
         </a:defRPr>
       </a:lvl3pPr>
-      <a:lvl4pPr lvl="3" marR="0" rtl="0" algn="l">
+      <a:lvl4pPr marR="0" lvl="3" algn="l" rtl="0">
         <a:lnSpc>
           <a:spcPct val="100000"/>
         </a:lnSpc>
@@ -8330,7 +8615,7 @@
           <a:srgbClr val="000000"/>
         </a:buClr>
         <a:buFont typeface="Arial"/>
-        <a:defRPr b="0" i="0" sz="1400" u="none" cap="none" strike="noStrike">
+        <a:defRPr sz="1400" b="0" i="0" u="none" strike="noStrike" cap="none">
           <a:solidFill>
             <a:srgbClr val="000000"/>
           </a:solidFill>
@@ -8340,7 +8625,7 @@
           <a:sym typeface="Arial"/>
         </a:defRPr>
       </a:lvl4pPr>
-      <a:lvl5pPr lvl="4" marR="0" rtl="0" algn="l">
+      <a:lvl5pPr marR="0" lvl="4" algn="l" rtl="0">
         <a:lnSpc>
           <a:spcPct val="100000"/>
         </a:lnSpc>
@@ -8354,7 +8639,7 @@
           <a:srgbClr val="000000"/>
         </a:buClr>
         <a:buFont typeface="Arial"/>
-        <a:defRPr b="0" i="0" sz="1400" u="none" cap="none" strike="noStrike">
+        <a:defRPr sz="1400" b="0" i="0" u="none" strike="noStrike" cap="none">
           <a:solidFill>
             <a:srgbClr val="000000"/>
           </a:solidFill>
@@ -8364,7 +8649,7 @@
           <a:sym typeface="Arial"/>
         </a:defRPr>
       </a:lvl5pPr>
-      <a:lvl6pPr lvl="5" marR="0" rtl="0" algn="l">
+      <a:lvl6pPr marR="0" lvl="5" algn="l" rtl="0">
         <a:lnSpc>
           <a:spcPct val="100000"/>
         </a:lnSpc>
@@ -8378,7 +8663,7 @@
           <a:srgbClr val="000000"/>
         </a:buClr>
         <a:buFont typeface="Arial"/>
-        <a:defRPr b="0" i="0" sz="1400" u="none" cap="none" strike="noStrike">
+        <a:defRPr sz="1400" b="0" i="0" u="none" strike="noStrike" cap="none">
           <a:solidFill>
             <a:srgbClr val="000000"/>
           </a:solidFill>
@@ -8388,7 +8673,7 @@
           <a:sym typeface="Arial"/>
         </a:defRPr>
       </a:lvl6pPr>
-      <a:lvl7pPr lvl="6" marR="0" rtl="0" algn="l">
+      <a:lvl7pPr marR="0" lvl="6" algn="l" rtl="0">
         <a:lnSpc>
           <a:spcPct val="100000"/>
         </a:lnSpc>
@@ -8402,7 +8687,7 @@
           <a:srgbClr val="000000"/>
         </a:buClr>
         <a:buFont typeface="Arial"/>
-        <a:defRPr b="0" i="0" sz="1400" u="none" cap="none" strike="noStrike">
+        <a:defRPr sz="1400" b="0" i="0" u="none" strike="noStrike" cap="none">
           <a:solidFill>
             <a:srgbClr val="000000"/>
           </a:solidFill>
@@ -8412,7 +8697,7 @@
           <a:sym typeface="Arial"/>
         </a:defRPr>
       </a:lvl7pPr>
-      <a:lvl8pPr lvl="7" marR="0" rtl="0" algn="l">
+      <a:lvl8pPr marR="0" lvl="7" algn="l" rtl="0">
         <a:lnSpc>
           <a:spcPct val="100000"/>
         </a:lnSpc>
@@ -8426,7 +8711,7 @@
           <a:srgbClr val="000000"/>
         </a:buClr>
         <a:buFont typeface="Arial"/>
-        <a:defRPr b="0" i="0" sz="1400" u="none" cap="none" strike="noStrike">
+        <a:defRPr sz="1400" b="0" i="0" u="none" strike="noStrike" cap="none">
           <a:solidFill>
             <a:srgbClr val="000000"/>
           </a:solidFill>
@@ -8436,7 +8721,7 @@
           <a:sym typeface="Arial"/>
         </a:defRPr>
       </a:lvl8pPr>
-      <a:lvl9pPr lvl="8" marR="0" rtl="0" algn="l">
+      <a:lvl9pPr marR="0" lvl="8" algn="l" rtl="0">
         <a:lnSpc>
           <a:spcPct val="100000"/>
         </a:lnSpc>
@@ -8450,7 +8735,7 @@
           <a:srgbClr val="000000"/>
         </a:buClr>
         <a:buFont typeface="Arial"/>
-        <a:defRPr b="0" i="0" sz="1400" u="none" cap="none" strike="noStrike">
+        <a:defRPr sz="1400" b="0" i="0" u="none" strike="noStrike" cap="none">
           <a:solidFill>
             <a:srgbClr val="000000"/>
           </a:solidFill>
@@ -8462,7 +8747,7 @@
       </a:lvl9pPr>
     </p:bodyStyle>
     <p:otherStyle>
-      <a:defPPr lvl="0" marR="0" rtl="0" algn="l">
+      <a:defPPr marR="0" lvl="0" algn="l" rtl="0">
         <a:lnSpc>
           <a:spcPct val="100000"/>
         </a:lnSpc>
@@ -8473,7 +8758,7 @@
           <a:spcPts val="0"/>
         </a:spcAft>
       </a:defPPr>
-      <a:lvl1pPr lvl="0" marR="0" rtl="0" algn="l">
+      <a:lvl1pPr marR="0" lvl="0" algn="l" rtl="0">
         <a:lnSpc>
           <a:spcPct val="100000"/>
         </a:lnSpc>
@@ -8487,7 +8772,7 @@
           <a:srgbClr val="000000"/>
         </a:buClr>
         <a:buFont typeface="Arial"/>
-        <a:defRPr b="0" i="0" sz="1400" u="none" cap="none" strike="noStrike">
+        <a:defRPr sz="1400" b="0" i="0" u="none" strike="noStrike" cap="none">
           <a:solidFill>
             <a:srgbClr val="000000"/>
           </a:solidFill>
@@ -8497,7 +8782,7 @@
           <a:sym typeface="Arial"/>
         </a:defRPr>
       </a:lvl1pPr>
-      <a:lvl2pPr lvl="1" marR="0" rtl="0" algn="l">
+      <a:lvl2pPr marR="0" lvl="1" algn="l" rtl="0">
         <a:lnSpc>
           <a:spcPct val="100000"/>
         </a:lnSpc>
@@ -8511,7 +8796,7 @@
           <a:srgbClr val="000000"/>
         </a:buClr>
         <a:buFont typeface="Arial"/>
-        <a:defRPr b="0" i="0" sz="1400" u="none" cap="none" strike="noStrike">
+        <a:defRPr sz="1400" b="0" i="0" u="none" strike="noStrike" cap="none">
           <a:solidFill>
             <a:srgbClr val="000000"/>
           </a:solidFill>
@@ -8521,7 +8806,7 @@
           <a:sym typeface="Arial"/>
         </a:defRPr>
       </a:lvl2pPr>
-      <a:lvl3pPr lvl="2" marR="0" rtl="0" algn="l">
+      <a:lvl3pPr marR="0" lvl="2" algn="l" rtl="0">
         <a:lnSpc>
           <a:spcPct val="100000"/>
         </a:lnSpc>
@@ -8535,7 +8820,7 @@
           <a:srgbClr val="000000"/>
         </a:buClr>
         <a:buFont typeface="Arial"/>
-        <a:defRPr b="0" i="0" sz="1400" u="none" cap="none" strike="noStrike">
+        <a:defRPr sz="1400" b="0" i="0" u="none" strike="noStrike" cap="none">
           <a:solidFill>
             <a:srgbClr val="000000"/>
           </a:solidFill>
@@ -8545,7 +8830,7 @@
           <a:sym typeface="Arial"/>
         </a:defRPr>
       </a:lvl3pPr>
-      <a:lvl4pPr lvl="3" marR="0" rtl="0" algn="l">
+      <a:lvl4pPr marR="0" lvl="3" algn="l" rtl="0">
         <a:lnSpc>
           <a:spcPct val="100000"/>
         </a:lnSpc>
@@ -8559,7 +8844,7 @@
           <a:srgbClr val="000000"/>
         </a:buClr>
         <a:buFont typeface="Arial"/>
-        <a:defRPr b="0" i="0" sz="1400" u="none" cap="none" strike="noStrike">
+        <a:defRPr sz="1400" b="0" i="0" u="none" strike="noStrike" cap="none">
           <a:solidFill>
             <a:srgbClr val="000000"/>
           </a:solidFill>
@@ -8569,7 +8854,7 @@
           <a:sym typeface="Arial"/>
         </a:defRPr>
       </a:lvl4pPr>
-      <a:lvl5pPr lvl="4" marR="0" rtl="0" algn="l">
+      <a:lvl5pPr marR="0" lvl="4" algn="l" rtl="0">
         <a:lnSpc>
           <a:spcPct val="100000"/>
         </a:lnSpc>
@@ -8583,7 +8868,7 @@
           <a:srgbClr val="000000"/>
         </a:buClr>
         <a:buFont typeface="Arial"/>
-        <a:defRPr b="0" i="0" sz="1400" u="none" cap="none" strike="noStrike">
+        <a:defRPr sz="1400" b="0" i="0" u="none" strike="noStrike" cap="none">
           <a:solidFill>
             <a:srgbClr val="000000"/>
           </a:solidFill>
@@ -8593,7 +8878,7 @@
           <a:sym typeface="Arial"/>
         </a:defRPr>
       </a:lvl5pPr>
-      <a:lvl6pPr lvl="5" marR="0" rtl="0" algn="l">
+      <a:lvl6pPr marR="0" lvl="5" algn="l" rtl="0">
         <a:lnSpc>
           <a:spcPct val="100000"/>
         </a:lnSpc>
@@ -8607,7 +8892,7 @@
           <a:srgbClr val="000000"/>
         </a:buClr>
         <a:buFont typeface="Arial"/>
-        <a:defRPr b="0" i="0" sz="1400" u="none" cap="none" strike="noStrike">
+        <a:defRPr sz="1400" b="0" i="0" u="none" strike="noStrike" cap="none">
           <a:solidFill>
             <a:srgbClr val="000000"/>
           </a:solidFill>
@@ -8617,7 +8902,7 @@
           <a:sym typeface="Arial"/>
         </a:defRPr>
       </a:lvl6pPr>
-      <a:lvl7pPr lvl="6" marR="0" rtl="0" algn="l">
+      <a:lvl7pPr marR="0" lvl="6" algn="l" rtl="0">
         <a:lnSpc>
           <a:spcPct val="100000"/>
         </a:lnSpc>
@@ -8631,7 +8916,7 @@
           <a:srgbClr val="000000"/>
         </a:buClr>
         <a:buFont typeface="Arial"/>
-        <a:defRPr b="0" i="0" sz="1400" u="none" cap="none" strike="noStrike">
+        <a:defRPr sz="1400" b="0" i="0" u="none" strike="noStrike" cap="none">
           <a:solidFill>
             <a:srgbClr val="000000"/>
           </a:solidFill>
@@ -8641,7 +8926,7 @@
           <a:sym typeface="Arial"/>
         </a:defRPr>
       </a:lvl7pPr>
-      <a:lvl8pPr lvl="7" marR="0" rtl="0" algn="l">
+      <a:lvl8pPr marR="0" lvl="7" algn="l" rtl="0">
         <a:lnSpc>
           <a:spcPct val="100000"/>
         </a:lnSpc>
@@ -8655,7 +8940,7 @@
           <a:srgbClr val="000000"/>
         </a:buClr>
         <a:buFont typeface="Arial"/>
-        <a:defRPr b="0" i="0" sz="1400" u="none" cap="none" strike="noStrike">
+        <a:defRPr sz="1400" b="0" i="0" u="none" strike="noStrike" cap="none">
           <a:solidFill>
             <a:srgbClr val="000000"/>
           </a:solidFill>
@@ -8665,7 +8950,7 @@
           <a:sym typeface="Arial"/>
         </a:defRPr>
       </a:lvl8pPr>
-      <a:lvl9pPr lvl="8" marR="0" rtl="0" algn="l">
+      <a:lvl9pPr marR="0" lvl="8" algn="l" rtl="0">
         <a:lnSpc>
           <a:spcPct val="100000"/>
         </a:lnSpc>
@@ -8679,7 +8964,7 @@
           <a:srgbClr val="000000"/>
         </a:buClr>
         <a:buFont typeface="Arial"/>
-        <a:defRPr b="0" i="0" sz="1400" u="none" cap="none" strike="noStrike">
+        <a:defRPr sz="1400" b="0" i="0" u="none" strike="noStrike" cap="none">
           <a:solidFill>
             <a:srgbClr val="000000"/>
           </a:solidFill>
@@ -8695,11 +8980,11 @@
 </file>
 
 <file path=ppt/slides/slide1.xml><?xml version="1.0" encoding="utf-8"?>
-<p:sld xmlns:a="http://schemas.openxmlformats.org/drawingml/2006/main" xmlns:r="http://schemas.openxmlformats.org/officeDocument/2006/relationships" xmlns:mc="http://schemas.openxmlformats.org/markup-compatibility/2006" xmlns:mv="urn:schemas-microsoft-com:mac:vml" xmlns:p="http://schemas.openxmlformats.org/presentationml/2006/main" xmlns:c="http://schemas.openxmlformats.org/drawingml/2006/chart" xmlns:dgm="http://schemas.openxmlformats.org/drawingml/2006/diagram" xmlns:o="urn:schemas-microsoft-com:office:office" xmlns:v="urn:schemas-microsoft-com:vml" xmlns:pvml="urn:schemas-microsoft-com:office:powerpoint" xmlns:com="http://schemas.openxmlformats.org/drawingml/2006/compatibility" xmlns:p14="http://schemas.microsoft.com/office/powerpoint/2010/main" xmlns:p15="http://schemas.microsoft.com/office/powerpoint/2012/main" xmlns:ahyp="http://schemas.microsoft.com/office/drawing/2018/hyperlinkcolor">
+<p:sld xmlns:a="http://schemas.openxmlformats.org/drawingml/2006/main" xmlns:r="http://schemas.openxmlformats.org/officeDocument/2006/relationships" xmlns:p="http://schemas.openxmlformats.org/presentationml/2006/main">
   <p:cSld>
     <p:spTree>
       <p:nvGrpSpPr>
-        <p:cNvPr id="84" name="Shape 84"/>
+        <p:cNvPr id="1" name="Shape 84"/>
         <p:cNvGrpSpPr/>
         <p:nvPr/>
       </p:nvGrpSpPr>
@@ -8714,7 +8999,9 @@
       <p:sp>
         <p:nvSpPr>
           <p:cNvPr id="85" name="Google Shape;85;p13"/>
-          <p:cNvSpPr txBox="1"/>
+          <p:cNvSpPr txBox="1">
+            <a:spLocks noGrp="1"/>
+          </p:cNvSpPr>
           <p:nvPr>
             <p:ph type="ctrTitle"/>
           </p:nvPr>
@@ -8729,12 +9016,12 @@
           </a:prstGeom>
         </p:spPr>
         <p:txBody>
-          <a:bodyPr anchorCtr="0" anchor="b" bIns="91425" lIns="91425" spcFirstLastPara="1" rIns="91425" wrap="square" tIns="91425">
+          <a:bodyPr spcFirstLastPara="1" wrap="square" lIns="91425" tIns="91425" rIns="91425" bIns="91425" anchor="b" anchorCtr="0">
             <a:normAutofit fontScale="90000"/>
           </a:bodyPr>
           <a:lstStyle/>
           <a:p>
-            <a:pPr indent="0" lvl="0" marL="0" rtl="0" algn="l">
+            <a:pPr marL="0" lvl="0" indent="0" algn="l" rtl="0">
               <a:spcBef>
                 <a:spcPts val="0"/>
               </a:spcBef>
@@ -8754,9 +9041,11 @@
       <p:sp>
         <p:nvSpPr>
           <p:cNvPr id="86" name="Google Shape;86;p13"/>
-          <p:cNvSpPr txBox="1"/>
+          <p:cNvSpPr txBox="1">
+            <a:spLocks noGrp="1"/>
+          </p:cNvSpPr>
           <p:nvPr>
-            <p:ph idx="1" type="subTitle"/>
+            <p:ph type="subTitle" idx="1"/>
           </p:nvPr>
         </p:nvSpPr>
         <p:spPr>
@@ -8769,12 +9058,12 @@
           </a:prstGeom>
         </p:spPr>
         <p:txBody>
-          <a:bodyPr anchorCtr="0" anchor="t" bIns="91425" lIns="91425" spcFirstLastPara="1" rIns="91425" wrap="square" tIns="91425">
+          <a:bodyPr spcFirstLastPara="1" wrap="square" lIns="91425" tIns="91425" rIns="91425" bIns="91425" anchor="t" anchorCtr="0">
             <a:normAutofit fontScale="92500" lnSpcReduction="20000"/>
           </a:bodyPr>
           <a:lstStyle/>
           <a:p>
-            <a:pPr indent="0" lvl="0" marL="0" rtl="0" algn="l">
+            <a:pPr marL="0" lvl="0" indent="0" algn="l" rtl="0">
               <a:spcBef>
                 <a:spcPts val="0"/>
               </a:spcBef>
@@ -8800,11 +9089,11 @@
 </file>
 
 <file path=ppt/slides/slide10.xml><?xml version="1.0" encoding="utf-8"?>
-<p:sld xmlns:a="http://schemas.openxmlformats.org/drawingml/2006/main" xmlns:r="http://schemas.openxmlformats.org/officeDocument/2006/relationships" xmlns:mc="http://schemas.openxmlformats.org/markup-compatibility/2006" xmlns:mv="urn:schemas-microsoft-com:mac:vml" xmlns:p="http://schemas.openxmlformats.org/presentationml/2006/main" xmlns:c="http://schemas.openxmlformats.org/drawingml/2006/chart" xmlns:dgm="http://schemas.openxmlformats.org/drawingml/2006/diagram" xmlns:o="urn:schemas-microsoft-com:office:office" xmlns:v="urn:schemas-microsoft-com:vml" xmlns:pvml="urn:schemas-microsoft-com:office:powerpoint" xmlns:com="http://schemas.openxmlformats.org/drawingml/2006/compatibility" xmlns:p14="http://schemas.microsoft.com/office/powerpoint/2010/main" xmlns:p15="http://schemas.microsoft.com/office/powerpoint/2012/main" xmlns:ahyp="http://schemas.microsoft.com/office/drawing/2018/hyperlinkcolor">
+<p:sld xmlns:a="http://schemas.openxmlformats.org/drawingml/2006/main" xmlns:r="http://schemas.openxmlformats.org/officeDocument/2006/relationships" xmlns:p="http://schemas.openxmlformats.org/presentationml/2006/main">
   <p:cSld>
     <p:spTree>
       <p:nvGrpSpPr>
-        <p:cNvPr id="152" name="Shape 152"/>
+        <p:cNvPr id="1" name="Shape 152"/>
         <p:cNvGrpSpPr/>
         <p:nvPr/>
       </p:nvGrpSpPr>
@@ -8819,7 +9108,9 @@
       <p:sp>
         <p:nvSpPr>
           <p:cNvPr id="153" name="Google Shape;153;p22"/>
-          <p:cNvSpPr txBox="1"/>
+          <p:cNvSpPr txBox="1">
+            <a:spLocks noGrp="1"/>
+          </p:cNvSpPr>
           <p:nvPr>
             <p:ph type="title"/>
           </p:nvPr>
@@ -8834,12 +9125,12 @@
           </a:prstGeom>
         </p:spPr>
         <p:txBody>
-          <a:bodyPr anchorCtr="0" anchor="t" bIns="91425" lIns="91425" spcFirstLastPara="1" rIns="91425" wrap="square" tIns="91425">
+          <a:bodyPr spcFirstLastPara="1" wrap="square" lIns="91425" tIns="91425" rIns="91425" bIns="91425" anchor="t" anchorCtr="0">
             <a:normAutofit fontScale="90000"/>
           </a:bodyPr>
           <a:lstStyle/>
           <a:p>
-            <a:pPr indent="0" lvl="0" marL="0" rtl="0" algn="l">
+            <a:pPr marL="0" lvl="0" indent="0" algn="l" rtl="0">
               <a:spcBef>
                 <a:spcPts val="0"/>
               </a:spcBef>
@@ -8859,9 +9150,11 @@
       <p:sp>
         <p:nvSpPr>
           <p:cNvPr id="154" name="Google Shape;154;p22"/>
-          <p:cNvSpPr txBox="1"/>
+          <p:cNvSpPr txBox="1">
+            <a:spLocks noGrp="1"/>
+          </p:cNvSpPr>
           <p:nvPr>
-            <p:ph idx="1" type="body"/>
+            <p:ph type="body" idx="1"/>
           </p:nvPr>
         </p:nvSpPr>
         <p:spPr>
@@ -8874,12 +9167,12 @@
           </a:prstGeom>
         </p:spPr>
         <p:txBody>
-          <a:bodyPr anchorCtr="0" anchor="t" bIns="91425" lIns="91425" spcFirstLastPara="1" rIns="91425" wrap="square" tIns="91425">
+          <a:bodyPr spcFirstLastPara="1" wrap="square" lIns="91425" tIns="91425" rIns="91425" bIns="91425" anchor="t" anchorCtr="0">
             <a:normAutofit/>
           </a:bodyPr>
           <a:lstStyle/>
           <a:p>
-            <a:pPr indent="0" lvl="0" marL="0" rtl="0" algn="l">
+            <a:pPr marL="0" lvl="0" indent="0" algn="l" rtl="0">
               <a:spcBef>
                 <a:spcPts val="0"/>
               </a:spcBef>
@@ -8895,7 +9188,7 @@
             <a:endParaRPr/>
           </a:p>
           <a:p>
-            <a:pPr indent="-342900" lvl="0" marL="457200" rtl="0" algn="l">
+            <a:pPr marL="457200" lvl="0" indent="-342900" algn="l" rtl="0">
               <a:spcBef>
                 <a:spcPts val="1200"/>
               </a:spcBef>
@@ -8912,7 +9205,7 @@
             <a:endParaRPr/>
           </a:p>
           <a:p>
-            <a:pPr indent="0" lvl="0" marL="0" rtl="0" algn="l">
+            <a:pPr marL="0" lvl="0" indent="0" algn="l" rtl="0">
               <a:spcBef>
                 <a:spcPts val="1200"/>
               </a:spcBef>
@@ -8928,7 +9221,7 @@
             <a:endParaRPr/>
           </a:p>
           <a:p>
-            <a:pPr indent="-342900" lvl="0" marL="457200" rtl="0" algn="l">
+            <a:pPr marL="457200" lvl="0" indent="-342900" algn="l" rtl="0">
               <a:spcBef>
                 <a:spcPts val="1200"/>
               </a:spcBef>
@@ -8955,11 +9248,11 @@
 </file>
 
 <file path=ppt/slides/slide11.xml><?xml version="1.0" encoding="utf-8"?>
-<p:sld xmlns:a="http://schemas.openxmlformats.org/drawingml/2006/main" xmlns:r="http://schemas.openxmlformats.org/officeDocument/2006/relationships" xmlns:mc="http://schemas.openxmlformats.org/markup-compatibility/2006" xmlns:mv="urn:schemas-microsoft-com:mac:vml" xmlns:p="http://schemas.openxmlformats.org/presentationml/2006/main" xmlns:c="http://schemas.openxmlformats.org/drawingml/2006/chart" xmlns:dgm="http://schemas.openxmlformats.org/drawingml/2006/diagram" xmlns:o="urn:schemas-microsoft-com:office:office" xmlns:v="urn:schemas-microsoft-com:vml" xmlns:pvml="urn:schemas-microsoft-com:office:powerpoint" xmlns:com="http://schemas.openxmlformats.org/drawingml/2006/compatibility" xmlns:p14="http://schemas.microsoft.com/office/powerpoint/2010/main" xmlns:p15="http://schemas.microsoft.com/office/powerpoint/2012/main" xmlns:ahyp="http://schemas.microsoft.com/office/drawing/2018/hyperlinkcolor">
+<p:sld xmlns:a="http://schemas.openxmlformats.org/drawingml/2006/main" xmlns:r="http://schemas.openxmlformats.org/officeDocument/2006/relationships" xmlns:p="http://schemas.openxmlformats.org/presentationml/2006/main">
   <p:cSld>
     <p:spTree>
       <p:nvGrpSpPr>
-        <p:cNvPr id="158" name="Shape 158"/>
+        <p:cNvPr id="1" name="Shape 158"/>
         <p:cNvGrpSpPr/>
         <p:nvPr/>
       </p:nvGrpSpPr>
@@ -8974,7 +9267,9 @@
       <p:sp>
         <p:nvSpPr>
           <p:cNvPr id="159" name="Google Shape;159;p23"/>
-          <p:cNvSpPr txBox="1"/>
+          <p:cNvSpPr txBox="1">
+            <a:spLocks noGrp="1"/>
+          </p:cNvSpPr>
           <p:nvPr>
             <p:ph type="title"/>
           </p:nvPr>
@@ -8989,12 +9284,12 @@
           </a:prstGeom>
         </p:spPr>
         <p:txBody>
-          <a:bodyPr anchorCtr="0" anchor="t" bIns="91425" lIns="91425" spcFirstLastPara="1" rIns="91425" wrap="square" tIns="91425">
+          <a:bodyPr spcFirstLastPara="1" wrap="square" lIns="91425" tIns="91425" rIns="91425" bIns="91425" anchor="t" anchorCtr="0">
             <a:normAutofit fontScale="90000"/>
           </a:bodyPr>
           <a:lstStyle/>
           <a:p>
-            <a:pPr indent="0" lvl="0" marL="0" rtl="0" algn="l">
+            <a:pPr marL="0" lvl="0" indent="0" algn="l" rtl="0">
               <a:spcBef>
                 <a:spcPts val="0"/>
               </a:spcBef>
@@ -9014,9 +9309,11 @@
       <p:sp>
         <p:nvSpPr>
           <p:cNvPr id="160" name="Google Shape;160;p23"/>
-          <p:cNvSpPr txBox="1"/>
+          <p:cNvSpPr txBox="1">
+            <a:spLocks noGrp="1"/>
+          </p:cNvSpPr>
           <p:nvPr>
-            <p:ph idx="1" type="body"/>
+            <p:ph type="body" idx="1"/>
           </p:nvPr>
         </p:nvSpPr>
         <p:spPr>
@@ -9029,12 +9326,12 @@
           </a:prstGeom>
         </p:spPr>
         <p:txBody>
-          <a:bodyPr anchorCtr="0" anchor="t" bIns="91425" lIns="91425" spcFirstLastPara="1" rIns="91425" wrap="square" tIns="91425">
+          <a:bodyPr spcFirstLastPara="1" wrap="square" lIns="91425" tIns="91425" rIns="91425" bIns="91425" anchor="t" anchorCtr="0">
             <a:normAutofit/>
           </a:bodyPr>
           <a:lstStyle/>
           <a:p>
-            <a:pPr indent="0" lvl="0" marL="0" rtl="0" algn="l">
+            <a:pPr marL="0" lvl="0" indent="0" algn="l" rtl="0">
               <a:spcBef>
                 <a:spcPts val="0"/>
               </a:spcBef>
@@ -9043,13 +9340,10 @@
               </a:spcAft>
               <a:buNone/>
             </a:pPr>
-            <a:r>
-              <a:t/>
-            </a:r>
             <a:endParaRPr/>
           </a:p>
           <a:p>
-            <a:pPr indent="0" lvl="0" marL="0" rtl="0" algn="l">
+            <a:pPr marL="0" lvl="0" indent="0" algn="l" rtl="0">
               <a:spcBef>
                 <a:spcPts val="1200"/>
               </a:spcBef>
@@ -9058,9 +9352,6 @@
               </a:spcAft>
               <a:buNone/>
             </a:pPr>
-            <a:r>
-              <a:t/>
-            </a:r>
             <a:endParaRPr/>
           </a:p>
         </p:txBody>
@@ -9069,11 +9360,17 @@
         <p:nvGraphicFramePr>
           <p:cNvPr id="161" name="Google Shape;161;p23"/>
           <p:cNvGraphicFramePr/>
-          <p:nvPr/>
+          <p:nvPr>
+            <p:extLst>
+              <p:ext uri="{D42A27DB-BD31-4B8C-83A1-F6EECF244321}">
+                <p14:modId xmlns:p14="http://schemas.microsoft.com/office/powerpoint/2010/main" val="773416833"/>
+              </p:ext>
+            </p:extLst>
+          </p:nvPr>
         </p:nvGraphicFramePr>
         <p:xfrm>
           <a:off x="1423350" y="1527408"/>
-          <a:ext cx="3000000" cy="3000000"/>
+          <a:ext cx="5800950" cy="1896151"/>
         </p:xfrm>
         <a:graphic>
           <a:graphicData uri="http://schemas.openxmlformats.org/drawingml/2006/table">
@@ -9083,17 +9380,35 @@
                 <a:tableStyleId>{E74C9EED-7A96-41DB-B529-8890FE543061}</a:tableStyleId>
               </a:tblPr>
               <a:tblGrid>
-                <a:gridCol w="1933650"/>
-                <a:gridCol w="1933650"/>
-                <a:gridCol w="1933650"/>
+                <a:gridCol w="1933650">
+                  <a:extLst>
+                    <a:ext uri="{9D8B030D-6E8A-4147-A177-3AD203B41FA5}">
+                      <a16:colId xmlns:a16="http://schemas.microsoft.com/office/drawing/2014/main" val="20000"/>
+                    </a:ext>
+                  </a:extLst>
+                </a:gridCol>
+                <a:gridCol w="1933650">
+                  <a:extLst>
+                    <a:ext uri="{9D8B030D-6E8A-4147-A177-3AD203B41FA5}">
+                      <a16:colId xmlns:a16="http://schemas.microsoft.com/office/drawing/2014/main" val="20001"/>
+                    </a:ext>
+                  </a:extLst>
+                </a:gridCol>
+                <a:gridCol w="1933650">
+                  <a:extLst>
+                    <a:ext uri="{9D8B030D-6E8A-4147-A177-3AD203B41FA5}">
+                      <a16:colId xmlns:a16="http://schemas.microsoft.com/office/drawing/2014/main" val="20002"/>
+                    </a:ext>
+                  </a:extLst>
+                </a:gridCol>
               </a:tblGrid>
-              <a:tr h="100000">
+              <a:tr h="0">
                 <a:tc>
                   <a:txBody>
                     <a:bodyPr/>
                     <a:lstStyle/>
                     <a:p>
-                      <a:pPr indent="0" lvl="0" marL="0" rtl="0" algn="l">
+                      <a:pPr marL="0" lvl="0" indent="0" algn="l" rtl="0">
                         <a:lnSpc>
                           <a:spcPct val="115000"/>
                         </a:lnSpc>
@@ -9112,14 +9427,14 @@
                       <a:endParaRPr/>
                     </a:p>
                   </a:txBody>
-                  <a:tcPr marT="91425" marB="91425" marR="91425" marL="91425"/>
+                  <a:tcPr marL="91425" marR="91425" marT="91425" marB="91425"/>
                 </a:tc>
                 <a:tc>
                   <a:txBody>
                     <a:bodyPr/>
                     <a:lstStyle/>
                     <a:p>
-                      <a:pPr indent="0" lvl="0" marL="0" rtl="0" algn="l">
+                      <a:pPr marL="0" lvl="0" indent="0" algn="l" rtl="0">
                         <a:spcBef>
                           <a:spcPts val="0"/>
                         </a:spcBef>
@@ -9135,14 +9450,14 @@
                       <a:endParaRPr/>
                     </a:p>
                   </a:txBody>
-                  <a:tcPr marT="91425" marB="91425" marR="91425" marL="91425"/>
+                  <a:tcPr marL="91425" marR="91425" marT="91425" marB="91425"/>
                 </a:tc>
                 <a:tc>
                   <a:txBody>
                     <a:bodyPr/>
                     <a:lstStyle/>
                     <a:p>
-                      <a:pPr indent="0" lvl="0" marL="0" rtl="0" algn="l">
+                      <a:pPr marL="0" lvl="0" indent="0" algn="l" rtl="0">
                         <a:spcBef>
                           <a:spcPts val="0"/>
                         </a:spcBef>
@@ -9158,8 +9473,13 @@
                       <a:endParaRPr/>
                     </a:p>
                   </a:txBody>
-                  <a:tcPr marT="91425" marB="91425" marR="91425" marL="91425"/>
+                  <a:tcPr marL="91425" marR="91425" marT="91425" marB="91425"/>
                 </a:tc>
+                <a:extLst>
+                  <a:ext uri="{0D108BD9-81ED-4DB2-BD59-A6C34878D82A}">
+                    <a16:rowId xmlns:a16="http://schemas.microsoft.com/office/drawing/2014/main" val="10000"/>
+                  </a:ext>
+                </a:extLst>
               </a:tr>
               <a:tr h="305200">
                 <a:tc>
@@ -9167,7 +9487,7 @@
                     <a:bodyPr/>
                     <a:lstStyle/>
                     <a:p>
-                      <a:pPr indent="0" lvl="0" marL="0" rtl="0" algn="l">
+                      <a:pPr marL="0" lvl="0" indent="0" algn="l" rtl="0">
                         <a:lnSpc>
                           <a:spcPct val="115000"/>
                         </a:lnSpc>
@@ -9208,14 +9528,14 @@
                       </a:endParaRPr>
                     </a:p>
                   </a:txBody>
-                  <a:tcPr marT="91425" marB="91425" marR="91425" marL="91425"/>
+                  <a:tcPr marL="91425" marR="91425" marT="91425" marB="91425"/>
                 </a:tc>
                 <a:tc>
                   <a:txBody>
                     <a:bodyPr/>
                     <a:lstStyle/>
                     <a:p>
-                      <a:pPr indent="0" lvl="0" marL="0" rtl="0" algn="l">
+                      <a:pPr marL="0" lvl="0" indent="0" algn="l" rtl="0">
                         <a:spcBef>
                           <a:spcPts val="0"/>
                         </a:spcBef>
@@ -9225,7 +9545,7 @@
                         <a:buNone/>
                       </a:pPr>
                       <a:r>
-                        <a:rPr lang="zh-CN" sz="1200">
+                        <a:rPr lang="zh-CN" sz="1200" dirty="0">
                           <a:solidFill>
                             <a:schemeClr val="dk2"/>
                           </a:solidFill>
@@ -9239,7 +9559,7 @@
                         </a:rPr>
                         <a:t>7115</a:t>
                       </a:r>
-                      <a:endParaRPr sz="1200">
+                      <a:endParaRPr sz="1200" dirty="0">
                         <a:solidFill>
                           <a:schemeClr val="dk2"/>
                         </a:solidFill>
@@ -9253,14 +9573,14 @@
                       </a:endParaRPr>
                     </a:p>
                   </a:txBody>
-                  <a:tcPr marT="91425" marB="91425" marR="91425" marL="91425"/>
+                  <a:tcPr marL="91425" marR="91425" marT="91425" marB="91425"/>
                 </a:tc>
                 <a:tc>
                   <a:txBody>
                     <a:bodyPr/>
                     <a:lstStyle/>
                     <a:p>
-                      <a:pPr indent="0" lvl="0" marL="0" rtl="0" algn="l">
+                      <a:pPr marL="0" lvl="0" indent="0" algn="l" rtl="0">
                         <a:spcBef>
                           <a:spcPts val="0"/>
                         </a:spcBef>
@@ -9270,7 +9590,7 @@
                         <a:buNone/>
                       </a:pPr>
                       <a:r>
-                        <a:rPr lang="zh-CN" sz="1200">
+                        <a:rPr lang="zh-CN" sz="1200" dirty="0">
                           <a:solidFill>
                             <a:schemeClr val="dk2"/>
                           </a:solidFill>
@@ -9284,7 +9604,7 @@
                         </a:rPr>
                         <a:t>103689</a:t>
                       </a:r>
-                      <a:endParaRPr sz="1200">
+                      <a:endParaRPr sz="1200" dirty="0">
                         <a:solidFill>
                           <a:schemeClr val="dk2"/>
                         </a:solidFill>
@@ -9298,8 +9618,13 @@
                       </a:endParaRPr>
                     </a:p>
                   </a:txBody>
-                  <a:tcPr marT="91425" marB="91425" marR="91425" marL="91425"/>
+                  <a:tcPr marL="91425" marR="91425" marT="91425" marB="91425"/>
                 </a:tc>
+                <a:extLst>
+                  <a:ext uri="{0D108BD9-81ED-4DB2-BD59-A6C34878D82A}">
+                    <a16:rowId xmlns:a16="http://schemas.microsoft.com/office/drawing/2014/main" val="10001"/>
+                  </a:ext>
+                </a:extLst>
               </a:tr>
               <a:tr h="305200">
                 <a:tc>
@@ -9307,7 +9632,7 @@
                     <a:bodyPr/>
                     <a:lstStyle/>
                     <a:p>
-                      <a:pPr indent="0" lvl="0" marL="0" rtl="0" algn="l">
+                      <a:pPr marL="0" lvl="0" indent="0" algn="l" rtl="0">
                         <a:lnSpc>
                           <a:spcPct val="115000"/>
                         </a:lnSpc>
@@ -9348,14 +9673,14 @@
                       </a:endParaRPr>
                     </a:p>
                   </a:txBody>
-                  <a:tcPr marT="91425" marB="91425" marR="91425" marL="91425"/>
+                  <a:tcPr marL="91425" marR="91425" marT="91425" marB="91425"/>
                 </a:tc>
                 <a:tc>
                   <a:txBody>
                     <a:bodyPr/>
                     <a:lstStyle/>
                     <a:p>
-                      <a:pPr indent="0" lvl="0" marL="0" rtl="0" algn="l">
+                      <a:pPr marL="0" lvl="0" indent="0" algn="l" rtl="0">
                         <a:spcBef>
                           <a:spcPts val="0"/>
                         </a:spcBef>
@@ -9393,14 +9718,14 @@
                       </a:endParaRPr>
                     </a:p>
                   </a:txBody>
-                  <a:tcPr marT="91425" marB="91425" marR="91425" marL="91425"/>
+                  <a:tcPr marL="91425" marR="91425" marT="91425" marB="91425"/>
                 </a:tc>
                 <a:tc>
                   <a:txBody>
                     <a:bodyPr/>
                     <a:lstStyle/>
                     <a:p>
-                      <a:pPr indent="0" lvl="0" marL="0" rtl="0" algn="l">
+                      <a:pPr marL="0" lvl="0" indent="0" algn="l" rtl="0">
                         <a:spcBef>
                           <a:spcPts val="0"/>
                         </a:spcBef>
@@ -9438,8 +9763,13 @@
                       </a:endParaRPr>
                     </a:p>
                   </a:txBody>
-                  <a:tcPr marT="91425" marB="91425" marR="91425" marL="91425"/>
+                  <a:tcPr marL="91425" marR="91425" marT="91425" marB="91425"/>
                 </a:tc>
+                <a:extLst>
+                  <a:ext uri="{0D108BD9-81ED-4DB2-BD59-A6C34878D82A}">
+                    <a16:rowId xmlns:a16="http://schemas.microsoft.com/office/drawing/2014/main" val="10002"/>
+                  </a:ext>
+                </a:extLst>
               </a:tr>
               <a:tr h="305200">
                 <a:tc>
@@ -9447,7 +9777,7 @@
                     <a:bodyPr/>
                     <a:lstStyle/>
                     <a:p>
-                      <a:pPr indent="0" lvl="0" marL="0" rtl="0" algn="l">
+                      <a:pPr marL="0" lvl="0" indent="0" algn="l" rtl="0">
                         <a:spcBef>
                           <a:spcPts val="0"/>
                         </a:spcBef>
@@ -9457,7 +9787,7 @@
                         <a:buNone/>
                       </a:pPr>
                       <a:r>
-                        <a:rPr lang="zh-CN" sz="1200">
+                        <a:rPr lang="zh-CN" sz="1200" dirty="0">
                           <a:solidFill>
                             <a:schemeClr val="dk2"/>
                           </a:solidFill>
@@ -9469,9 +9799,9 @@
                           <a:cs typeface="Roboto"/>
                           <a:sym typeface="Roboto"/>
                         </a:rPr>
-                        <a:t>facebook</a:t>
+                        <a:t>web-stanford</a:t>
                       </a:r>
-                      <a:endParaRPr sz="1200">
+                      <a:endParaRPr sz="1200" dirty="0">
                         <a:solidFill>
                           <a:schemeClr val="dk2"/>
                         </a:solidFill>
@@ -9485,151 +9815,14 @@
                       </a:endParaRPr>
                     </a:p>
                   </a:txBody>
-                  <a:tcPr marT="91425" marB="91425" marR="91425" marL="91425"/>
+                  <a:tcPr marL="91425" marR="91425" marT="91425" marB="91425"/>
                 </a:tc>
                 <a:tc>
                   <a:txBody>
                     <a:bodyPr/>
                     <a:lstStyle/>
                     <a:p>
-                      <a:pPr indent="0" lvl="0" marL="0" rtl="0" algn="l">
-                        <a:spcBef>
-                          <a:spcPts val="0"/>
-                        </a:spcBef>
-                        <a:spcAft>
-                          <a:spcPts val="0"/>
-                        </a:spcAft>
-                        <a:buNone/>
-                      </a:pPr>
-                      <a:r>
-                        <a:rPr lang="zh-CN" sz="1200">
-                          <a:solidFill>
-                            <a:schemeClr val="dk2"/>
-                          </a:solidFill>
-                          <a:highlight>
-                            <a:schemeClr val="lt1"/>
-                          </a:highlight>
-                          <a:latin typeface="Roboto"/>
-                          <a:ea typeface="Roboto"/>
-                          <a:cs typeface="Roboto"/>
-                          <a:sym typeface="Roboto"/>
-                        </a:rPr>
-                        <a:t>4039</a:t>
-                      </a:r>
-                      <a:endParaRPr sz="1200">
-                        <a:solidFill>
-                          <a:schemeClr val="dk2"/>
-                        </a:solidFill>
-                        <a:highlight>
-                          <a:schemeClr val="lt1"/>
-                        </a:highlight>
-                        <a:latin typeface="Roboto"/>
-                        <a:ea typeface="Roboto"/>
-                        <a:cs typeface="Roboto"/>
-                        <a:sym typeface="Roboto"/>
-                      </a:endParaRPr>
-                    </a:p>
-                  </a:txBody>
-                  <a:tcPr marT="91425" marB="91425" marR="91425" marL="91425"/>
-                </a:tc>
-                <a:tc>
-                  <a:txBody>
-                    <a:bodyPr/>
-                    <a:lstStyle/>
-                    <a:p>
-                      <a:pPr indent="0" lvl="0" marL="0" rtl="0" algn="l">
-                        <a:spcBef>
-                          <a:spcPts val="0"/>
-                        </a:spcBef>
-                        <a:spcAft>
-                          <a:spcPts val="0"/>
-                        </a:spcAft>
-                        <a:buNone/>
-                      </a:pPr>
-                      <a:r>
-                        <a:rPr lang="zh-CN" sz="1200">
-                          <a:solidFill>
-                            <a:schemeClr val="dk2"/>
-                          </a:solidFill>
-                          <a:highlight>
-                            <a:schemeClr val="lt1"/>
-                          </a:highlight>
-                          <a:latin typeface="Roboto"/>
-                          <a:ea typeface="Roboto"/>
-                          <a:cs typeface="Roboto"/>
-                          <a:sym typeface="Roboto"/>
-                        </a:rPr>
-                        <a:t>88234</a:t>
-                      </a:r>
-                      <a:endParaRPr sz="1200">
-                        <a:solidFill>
-                          <a:schemeClr val="dk2"/>
-                        </a:solidFill>
-                        <a:highlight>
-                          <a:schemeClr val="lt1"/>
-                        </a:highlight>
-                        <a:latin typeface="Roboto"/>
-                        <a:ea typeface="Roboto"/>
-                        <a:cs typeface="Roboto"/>
-                        <a:sym typeface="Roboto"/>
-                      </a:endParaRPr>
-                    </a:p>
-                  </a:txBody>
-                  <a:tcPr marT="91425" marB="91425" marR="91425" marL="91425"/>
-                </a:tc>
-              </a:tr>
-              <a:tr h="305200">
-                <a:tc>
-                  <a:txBody>
-                    <a:bodyPr/>
-                    <a:lstStyle/>
-                    <a:p>
-                      <a:pPr indent="0" lvl="0" marL="0" rtl="0" algn="l">
-                        <a:spcBef>
-                          <a:spcPts val="0"/>
-                        </a:spcBef>
-                        <a:spcAft>
-                          <a:spcPts val="0"/>
-                        </a:spcAft>
-                        <a:buNone/>
-                      </a:pPr>
-                      <a:r>
-                        <a:rPr lang="zh-CN" sz="1200">
-                          <a:solidFill>
-                            <a:schemeClr val="dk2"/>
-                          </a:solidFill>
-                          <a:highlight>
-                            <a:schemeClr val="lt1"/>
-                          </a:highlight>
-                          <a:latin typeface="Roboto"/>
-                          <a:ea typeface="Roboto"/>
-                          <a:cs typeface="Roboto"/>
-                          <a:sym typeface="Roboto"/>
-                        </a:rPr>
-                        <a:t>web-stanford</a:t>
-                      </a:r>
-                      <a:endParaRPr sz="1200">
-                        <a:solidFill>
-                          <a:schemeClr val="dk2"/>
-                        </a:solidFill>
-                        <a:highlight>
-                          <a:schemeClr val="lt1"/>
-                        </a:highlight>
-                        <a:latin typeface="Roboto"/>
-                        <a:ea typeface="Roboto"/>
-                        <a:cs typeface="Roboto"/>
-                        <a:sym typeface="Roboto"/>
-                      </a:endParaRPr>
-                    </a:p>
-                  </a:txBody>
-                  <a:tcPr marT="91425" marB="91425" marR="91425" marL="91425"/>
-                </a:tc>
-                <a:tc>
-                  <a:txBody>
-                    <a:bodyPr/>
-                    <a:lstStyle/>
-                    <a:p>
-                      <a:pPr indent="0" lvl="0" marL="0" rtl="0" algn="l">
+                      <a:pPr marL="0" lvl="0" indent="0" algn="l" rtl="0">
                         <a:spcBef>
                           <a:spcPts val="0"/>
                         </a:spcBef>
@@ -9667,14 +9860,14 @@
                       </a:endParaRPr>
                     </a:p>
                   </a:txBody>
-                  <a:tcPr marT="91425" marB="91425" marR="91425" marL="91425"/>
+                  <a:tcPr marL="91425" marR="91425" marT="91425" marB="91425"/>
                 </a:tc>
                 <a:tc>
                   <a:txBody>
                     <a:bodyPr/>
                     <a:lstStyle/>
                     <a:p>
-                      <a:pPr indent="0" lvl="0" marL="0" rtl="0" algn="l">
+                      <a:pPr marL="0" lvl="0" indent="0" algn="l" rtl="0">
                         <a:spcBef>
                           <a:spcPts val="0"/>
                         </a:spcBef>
@@ -9684,7 +9877,7 @@
                         <a:buNone/>
                       </a:pPr>
                       <a:r>
-                        <a:rPr lang="zh-CN" sz="1200">
+                        <a:rPr lang="zh-CN" sz="1200" dirty="0">
                           <a:solidFill>
                             <a:schemeClr val="dk2"/>
                           </a:solidFill>
@@ -9698,7 +9891,7 @@
                         </a:rPr>
                         <a:t>2,312,497</a:t>
                       </a:r>
-                      <a:endParaRPr sz="1200">
+                      <a:endParaRPr sz="1200" dirty="0">
                         <a:solidFill>
                           <a:schemeClr val="dk2"/>
                         </a:solidFill>
@@ -9712,8 +9905,13 @@
                       </a:endParaRPr>
                     </a:p>
                   </a:txBody>
-                  <a:tcPr marT="91425" marB="91425" marR="91425" marL="91425"/>
+                  <a:tcPr marL="91425" marR="91425" marT="91425" marB="91425"/>
                 </a:tc>
+                <a:extLst>
+                  <a:ext uri="{0D108BD9-81ED-4DB2-BD59-A6C34878D82A}">
+                    <a16:rowId xmlns:a16="http://schemas.microsoft.com/office/drawing/2014/main" val="10004"/>
+                  </a:ext>
+                </a:extLst>
               </a:tr>
               <a:tr h="305200">
                 <a:tc>
@@ -9721,7 +9919,7 @@
                     <a:bodyPr/>
                     <a:lstStyle/>
                     <a:p>
-                      <a:pPr indent="0" lvl="0" marL="0" rtl="0" algn="l">
+                      <a:pPr marL="0" lvl="0" indent="0" algn="l" rtl="0">
                         <a:spcBef>
                           <a:spcPts val="0"/>
                         </a:spcBef>
@@ -9731,7 +9929,7 @@
                         <a:buNone/>
                       </a:pPr>
                       <a:r>
-                        <a:rPr lang="zh-CN" sz="1200">
+                        <a:rPr lang="zh-CN" sz="1200" dirty="0">
                           <a:highlight>
                             <a:srgbClr val="FF9900"/>
                           </a:highlight>
@@ -9742,7 +9940,7 @@
                         </a:rPr>
                         <a:t>com-orkut</a:t>
                       </a:r>
-                      <a:endParaRPr sz="1200">
+                      <a:endParaRPr sz="1200" dirty="0">
                         <a:highlight>
                           <a:srgbClr val="FF9900"/>
                         </a:highlight>
@@ -9753,14 +9951,14 @@
                       </a:endParaRPr>
                     </a:p>
                   </a:txBody>
-                  <a:tcPr marT="91425" marB="91425" marR="91425" marL="91425"/>
+                  <a:tcPr marL="91425" marR="91425" marT="91425" marB="91425"/>
                 </a:tc>
                 <a:tc>
                   <a:txBody>
                     <a:bodyPr/>
                     <a:lstStyle/>
                     <a:p>
-                      <a:pPr indent="0" lvl="0" marL="0" rtl="0" algn="l">
+                      <a:pPr marL="0" lvl="0" indent="0" algn="l" rtl="0">
                         <a:spcBef>
                           <a:spcPts val="0"/>
                         </a:spcBef>
@@ -9770,7 +9968,7 @@
                         <a:buNone/>
                       </a:pPr>
                       <a:r>
-                        <a:rPr lang="zh-CN" sz="1200">
+                        <a:rPr lang="zh-CN" sz="1200" dirty="0">
                           <a:highlight>
                             <a:srgbClr val="FF9900"/>
                           </a:highlight>
@@ -9781,7 +9979,7 @@
                         </a:rPr>
                         <a:t>3,072,441</a:t>
                       </a:r>
-                      <a:endParaRPr sz="1200">
+                      <a:endParaRPr sz="1200" dirty="0">
                         <a:highlight>
                           <a:srgbClr val="FF9900"/>
                         </a:highlight>
@@ -9792,14 +9990,14 @@
                       </a:endParaRPr>
                     </a:p>
                   </a:txBody>
-                  <a:tcPr marT="91425" marB="91425" marR="91425" marL="91425"/>
+                  <a:tcPr marL="91425" marR="91425" marT="91425" marB="91425"/>
                 </a:tc>
                 <a:tc>
                   <a:txBody>
                     <a:bodyPr/>
                     <a:lstStyle/>
                     <a:p>
-                      <a:pPr indent="0" lvl="0" marL="0" rtl="0" algn="l">
+                      <a:pPr marL="0" lvl="0" indent="0" algn="l" rtl="0">
                         <a:spcBef>
                           <a:spcPts val="0"/>
                         </a:spcBef>
@@ -9809,7 +10007,7 @@
                         <a:buNone/>
                       </a:pPr>
                       <a:r>
-                        <a:rPr lang="zh-CN" sz="1200">
+                        <a:rPr lang="zh-CN" sz="1200" dirty="0">
                           <a:highlight>
                             <a:srgbClr val="FF9900"/>
                           </a:highlight>
@@ -9820,7 +10018,7 @@
                         </a:rPr>
                         <a:t>117,185,083</a:t>
                       </a:r>
-                      <a:endParaRPr sz="1200">
+                      <a:endParaRPr sz="1200" dirty="0">
                         <a:highlight>
                           <a:srgbClr val="FF9900"/>
                         </a:highlight>
@@ -9831,8 +10029,13 @@
                       </a:endParaRPr>
                     </a:p>
                   </a:txBody>
-                  <a:tcPr marT="91425" marB="91425" marR="91425" marL="91425"/>
+                  <a:tcPr marL="91425" marR="91425" marT="91425" marB="91425"/>
                 </a:tc>
+                <a:extLst>
+                  <a:ext uri="{0D108BD9-81ED-4DB2-BD59-A6C34878D82A}">
+                    <a16:rowId xmlns:a16="http://schemas.microsoft.com/office/drawing/2014/main" val="10005"/>
+                  </a:ext>
+                </a:extLst>
               </a:tr>
             </a:tbl>
           </a:graphicData>
@@ -9847,11 +10050,11 @@
 </file>
 
 <file path=ppt/slides/slide12.xml><?xml version="1.0" encoding="utf-8"?>
-<p:sld xmlns:a="http://schemas.openxmlformats.org/drawingml/2006/main" xmlns:r="http://schemas.openxmlformats.org/officeDocument/2006/relationships" xmlns:mc="http://schemas.openxmlformats.org/markup-compatibility/2006" xmlns:mv="urn:schemas-microsoft-com:mac:vml" xmlns:p="http://schemas.openxmlformats.org/presentationml/2006/main" xmlns:c="http://schemas.openxmlformats.org/drawingml/2006/chart" xmlns:dgm="http://schemas.openxmlformats.org/drawingml/2006/diagram" xmlns:o="urn:schemas-microsoft-com:office:office" xmlns:v="urn:schemas-microsoft-com:vml" xmlns:pvml="urn:schemas-microsoft-com:office:powerpoint" xmlns:com="http://schemas.openxmlformats.org/drawingml/2006/compatibility" xmlns:p14="http://schemas.microsoft.com/office/powerpoint/2010/main" xmlns:p15="http://schemas.microsoft.com/office/powerpoint/2012/main" xmlns:ahyp="http://schemas.microsoft.com/office/drawing/2018/hyperlinkcolor">
+<p:sld xmlns:a="http://schemas.openxmlformats.org/drawingml/2006/main" xmlns:r="http://schemas.openxmlformats.org/officeDocument/2006/relationships" xmlns:p="http://schemas.openxmlformats.org/presentationml/2006/main">
   <p:cSld>
     <p:spTree>
       <p:nvGrpSpPr>
-        <p:cNvPr id="165" name="Shape 165"/>
+        <p:cNvPr id="1" name="Shape 165"/>
         <p:cNvGrpSpPr/>
         <p:nvPr/>
       </p:nvGrpSpPr>
@@ -9866,7 +10069,9 @@
       <p:sp>
         <p:nvSpPr>
           <p:cNvPr id="166" name="Google Shape;166;p24"/>
-          <p:cNvSpPr txBox="1"/>
+          <p:cNvSpPr txBox="1">
+            <a:spLocks noGrp="1"/>
+          </p:cNvSpPr>
           <p:nvPr>
             <p:ph type="title"/>
           </p:nvPr>
@@ -9881,12 +10086,12 @@
           </a:prstGeom>
         </p:spPr>
         <p:txBody>
-          <a:bodyPr anchorCtr="0" anchor="t" bIns="91425" lIns="91425" spcFirstLastPara="1" rIns="91425" wrap="square" tIns="91425">
+          <a:bodyPr spcFirstLastPara="1" wrap="square" lIns="91425" tIns="91425" rIns="91425" bIns="91425" anchor="t" anchorCtr="0">
             <a:normAutofit fontScale="90000"/>
           </a:bodyPr>
           <a:lstStyle/>
           <a:p>
-            <a:pPr indent="0" lvl="0" marL="0" rtl="0" algn="l">
+            <a:pPr marL="0" lvl="0" indent="0" algn="l" rtl="0">
               <a:spcBef>
                 <a:spcPts val="0"/>
               </a:spcBef>
@@ -9906,9 +10111,11 @@
       <p:sp>
         <p:nvSpPr>
           <p:cNvPr id="167" name="Google Shape;167;p24"/>
-          <p:cNvSpPr txBox="1"/>
+          <p:cNvSpPr txBox="1">
+            <a:spLocks noGrp="1"/>
+          </p:cNvSpPr>
           <p:nvPr>
-            <p:ph idx="1" type="body"/>
+            <p:ph type="body" idx="1"/>
           </p:nvPr>
         </p:nvSpPr>
         <p:spPr>
@@ -9921,12 +10128,12 @@
           </a:prstGeom>
         </p:spPr>
         <p:txBody>
-          <a:bodyPr anchorCtr="0" anchor="t" bIns="91425" lIns="91425" spcFirstLastPara="1" rIns="91425" wrap="square" tIns="91425">
+          <a:bodyPr spcFirstLastPara="1" wrap="square" lIns="91425" tIns="91425" rIns="91425" bIns="91425" anchor="t" anchorCtr="0">
             <a:normAutofit/>
           </a:bodyPr>
           <a:lstStyle/>
           <a:p>
-            <a:pPr indent="-342900" lvl="0" marL="457200" rtl="0" algn="l">
+            <a:pPr marL="457200" lvl="0" indent="-342900" algn="l" rtl="0">
               <a:spcBef>
                 <a:spcPts val="0"/>
               </a:spcBef>
@@ -9943,7 +10150,7 @@
             <a:endParaRPr/>
           </a:p>
           <a:p>
-            <a:pPr indent="-342900" lvl="0" marL="457200" rtl="0" algn="l">
+            <a:pPr marL="457200" lvl="0" indent="-342900" algn="l" rtl="0">
               <a:spcBef>
                 <a:spcPts val="0"/>
               </a:spcBef>
@@ -9960,7 +10167,7 @@
             <a:endParaRPr/>
           </a:p>
           <a:p>
-            <a:pPr indent="-342900" lvl="0" marL="457200" rtl="0" algn="l">
+            <a:pPr marL="457200" lvl="0" indent="-342900" algn="l" rtl="0">
               <a:spcBef>
                 <a:spcPts val="0"/>
               </a:spcBef>
@@ -9977,7 +10184,7 @@
             <a:endParaRPr/>
           </a:p>
           <a:p>
-            <a:pPr indent="-342900" lvl="0" marL="457200" rtl="0" algn="l">
+            <a:pPr marL="457200" lvl="0" indent="-342900" algn="l" rtl="0">
               <a:spcBef>
                 <a:spcPts val="0"/>
               </a:spcBef>
@@ -9994,7 +10201,7 @@
             <a:endParaRPr/>
           </a:p>
           <a:p>
-            <a:pPr indent="-342900" lvl="0" marL="457200" rtl="0" algn="l">
+            <a:pPr marL="457200" lvl="0" indent="-342900" algn="l" rtl="0">
               <a:spcBef>
                 <a:spcPts val="0"/>
               </a:spcBef>
@@ -10011,7 +10218,7 @@
             <a:endParaRPr/>
           </a:p>
           <a:p>
-            <a:pPr indent="0" lvl="0" marL="457200" rtl="0" algn="l">
+            <a:pPr marL="457200" lvl="0" indent="0" algn="l" rtl="0">
               <a:spcBef>
                 <a:spcPts val="1200"/>
               </a:spcBef>
@@ -10020,13 +10227,10 @@
               </a:spcAft>
               <a:buNone/>
             </a:pPr>
-            <a:r>
-              <a:t/>
-            </a:r>
             <a:endParaRPr/>
           </a:p>
           <a:p>
-            <a:pPr indent="-342900" lvl="0" marL="457200" rtl="0" algn="l">
+            <a:pPr marL="457200" lvl="0" indent="-342900" algn="l" rtl="0">
               <a:spcBef>
                 <a:spcPts val="1200"/>
               </a:spcBef>
@@ -10053,11 +10257,11 @@
 </file>
 
 <file path=ppt/slides/slide13.xml><?xml version="1.0" encoding="utf-8"?>
-<p:sld xmlns:a="http://schemas.openxmlformats.org/drawingml/2006/main" xmlns:r="http://schemas.openxmlformats.org/officeDocument/2006/relationships" xmlns:mc="http://schemas.openxmlformats.org/markup-compatibility/2006" xmlns:mv="urn:schemas-microsoft-com:mac:vml" xmlns:p="http://schemas.openxmlformats.org/presentationml/2006/main" xmlns:c="http://schemas.openxmlformats.org/drawingml/2006/chart" xmlns:dgm="http://schemas.openxmlformats.org/drawingml/2006/diagram" xmlns:o="urn:schemas-microsoft-com:office:office" xmlns:v="urn:schemas-microsoft-com:vml" xmlns:pvml="urn:schemas-microsoft-com:office:powerpoint" xmlns:com="http://schemas.openxmlformats.org/drawingml/2006/compatibility" xmlns:p14="http://schemas.microsoft.com/office/powerpoint/2010/main" xmlns:p15="http://schemas.microsoft.com/office/powerpoint/2012/main" xmlns:ahyp="http://schemas.microsoft.com/office/drawing/2018/hyperlinkcolor">
+<p:sld xmlns:a="http://schemas.openxmlformats.org/drawingml/2006/main" xmlns:r="http://schemas.openxmlformats.org/officeDocument/2006/relationships" xmlns:p="http://schemas.openxmlformats.org/presentationml/2006/main">
   <p:cSld>
     <p:spTree>
       <p:nvGrpSpPr>
-        <p:cNvPr id="171" name="Shape 171"/>
+        <p:cNvPr id="1" name="Shape 171"/>
         <p:cNvGrpSpPr/>
         <p:nvPr/>
       </p:nvGrpSpPr>
@@ -10072,7 +10276,9 @@
       <p:sp>
         <p:nvSpPr>
           <p:cNvPr id="172" name="Google Shape;172;p25"/>
-          <p:cNvSpPr txBox="1"/>
+          <p:cNvSpPr txBox="1">
+            <a:spLocks noGrp="1"/>
+          </p:cNvSpPr>
           <p:nvPr>
             <p:ph type="title"/>
           </p:nvPr>
@@ -10087,12 +10293,12 @@
           </a:prstGeom>
         </p:spPr>
         <p:txBody>
-          <a:bodyPr anchorCtr="0" anchor="t" bIns="91425" lIns="91425" spcFirstLastPara="1" rIns="91425" wrap="square" tIns="91425">
+          <a:bodyPr spcFirstLastPara="1" wrap="square" lIns="91425" tIns="91425" rIns="91425" bIns="91425" anchor="t" anchorCtr="0">
             <a:normAutofit fontScale="90000"/>
           </a:bodyPr>
           <a:lstStyle/>
           <a:p>
-            <a:pPr indent="0" lvl="0" marL="0" rtl="0" algn="l">
+            <a:pPr marL="0" lvl="0" indent="0" algn="l" rtl="0">
               <a:spcBef>
                 <a:spcPts val="0"/>
               </a:spcBef>
@@ -10113,11 +10319,17 @@
         <p:nvGraphicFramePr>
           <p:cNvPr id="173" name="Google Shape;173;p25"/>
           <p:cNvGraphicFramePr/>
-          <p:nvPr/>
+          <p:nvPr>
+            <p:extLst>
+              <p:ext uri="{D42A27DB-BD31-4B8C-83A1-F6EECF244321}">
+                <p14:modId xmlns:p14="http://schemas.microsoft.com/office/powerpoint/2010/main" val="401901724"/>
+              </p:ext>
+            </p:extLst>
+          </p:nvPr>
         </p:nvGraphicFramePr>
         <p:xfrm>
           <a:off x="952500" y="1724600"/>
-          <a:ext cx="3000000" cy="3000000"/>
+          <a:ext cx="7239000" cy="1981050"/>
         </p:xfrm>
         <a:graphic>
           <a:graphicData uri="http://schemas.openxmlformats.org/drawingml/2006/table">
@@ -10127,10 +10339,34 @@
                 <a:tableStyleId>{E74C9EED-7A96-41DB-B529-8890FE543061}</a:tableStyleId>
               </a:tblPr>
               <a:tblGrid>
-                <a:gridCol w="1809750"/>
-                <a:gridCol w="1809750"/>
-                <a:gridCol w="1809750"/>
-                <a:gridCol w="1809750"/>
+                <a:gridCol w="1809750">
+                  <a:extLst>
+                    <a:ext uri="{9D8B030D-6E8A-4147-A177-3AD203B41FA5}">
+                      <a16:colId xmlns:a16="http://schemas.microsoft.com/office/drawing/2014/main" val="20000"/>
+                    </a:ext>
+                  </a:extLst>
+                </a:gridCol>
+                <a:gridCol w="1809750">
+                  <a:extLst>
+                    <a:ext uri="{9D8B030D-6E8A-4147-A177-3AD203B41FA5}">
+                      <a16:colId xmlns:a16="http://schemas.microsoft.com/office/drawing/2014/main" val="20001"/>
+                    </a:ext>
+                  </a:extLst>
+                </a:gridCol>
+                <a:gridCol w="1809750">
+                  <a:extLst>
+                    <a:ext uri="{9D8B030D-6E8A-4147-A177-3AD203B41FA5}">
+                      <a16:colId xmlns:a16="http://schemas.microsoft.com/office/drawing/2014/main" val="20002"/>
+                    </a:ext>
+                  </a:extLst>
+                </a:gridCol>
+                <a:gridCol w="1809750">
+                  <a:extLst>
+                    <a:ext uri="{9D8B030D-6E8A-4147-A177-3AD203B41FA5}">
+                      <a16:colId xmlns:a16="http://schemas.microsoft.com/office/drawing/2014/main" val="20003"/>
+                    </a:ext>
+                  </a:extLst>
+                </a:gridCol>
               </a:tblGrid>
               <a:tr h="281150">
                 <a:tc>
@@ -10138,7 +10374,26 @@
                     <a:bodyPr/>
                     <a:lstStyle/>
                     <a:p>
-                      <a:pPr indent="0" lvl="0" marL="0" rtl="0" algn="l">
+                      <a:pPr marL="0" lvl="0" indent="0" algn="l" rtl="0">
+                        <a:spcBef>
+                          <a:spcPts val="0"/>
+                        </a:spcBef>
+                        <a:spcAft>
+                          <a:spcPts val="0"/>
+                        </a:spcAft>
+                        <a:buNone/>
+                      </a:pPr>
+                      <a:endParaRPr/>
+                    </a:p>
+                  </a:txBody>
+                  <a:tcPr marL="91425" marR="91425" marT="91425" marB="91425"/>
+                </a:tc>
+                <a:tc>
+                  <a:txBody>
+                    <a:bodyPr/>
+                    <a:lstStyle/>
+                    <a:p>
+                      <a:pPr marL="0" lvl="0" indent="0" algn="l" rtl="0">
                         <a:spcBef>
                           <a:spcPts val="0"/>
                         </a:spcBef>
@@ -10148,19 +10403,20 @@
                         <a:buNone/>
                       </a:pPr>
                       <a:r>
-                        <a:t/>
+                        <a:rPr lang="zh-CN" dirty="0"/>
+                        <a:t>com-orkut*</a:t>
                       </a:r>
-                      <a:endParaRPr/>
+                      <a:endParaRPr dirty="0"/>
                     </a:p>
                   </a:txBody>
-                  <a:tcPr marT="91425" marB="91425" marR="91425" marL="91425"/>
+                  <a:tcPr marL="91425" marR="91425" marT="91425" marB="91425"/>
                 </a:tc>
                 <a:tc>
                   <a:txBody>
                     <a:bodyPr/>
                     <a:lstStyle/>
                     <a:p>
-                      <a:pPr indent="0" lvl="0" marL="0" rtl="0" algn="l">
+                      <a:pPr marL="0" lvl="0" indent="0" algn="l" rtl="0">
                         <a:spcBef>
                           <a:spcPts val="0"/>
                         </a:spcBef>
@@ -10170,20 +10426,20 @@
                         <a:buNone/>
                       </a:pPr>
                       <a:r>
-                        <a:rPr lang="zh-CN"/>
-                        <a:t>com-orkut*</a:t>
+                        <a:rPr lang="zh-CN" dirty="0"/>
+                        <a:t>Wiki-Vote</a:t>
                       </a:r>
-                      <a:endParaRPr/>
+                      <a:endParaRPr dirty="0"/>
                     </a:p>
                   </a:txBody>
-                  <a:tcPr marT="91425" marB="91425" marR="91425" marL="91425"/>
+                  <a:tcPr marL="91425" marR="91425" marT="91425" marB="91425"/>
                 </a:tc>
                 <a:tc>
                   <a:txBody>
                     <a:bodyPr/>
                     <a:lstStyle/>
                     <a:p>
-                      <a:pPr indent="0" lvl="0" marL="0" rtl="0" algn="l">
+                      <a:pPr marL="0" lvl="0" indent="0" algn="l" rtl="0">
                         <a:spcBef>
                           <a:spcPts val="0"/>
                         </a:spcBef>
@@ -10193,30 +10449,7 @@
                         <a:buNone/>
                       </a:pPr>
                       <a:r>
-                        <a:rPr lang="zh-CN"/>
-                        <a:t>Wiki-Vote</a:t>
-                      </a:r>
-                      <a:endParaRPr/>
-                    </a:p>
-                  </a:txBody>
-                  <a:tcPr marT="91425" marB="91425" marR="91425" marL="91425"/>
-                </a:tc>
-                <a:tc>
-                  <a:txBody>
-                    <a:bodyPr/>
-                    <a:lstStyle/>
-                    <a:p>
-                      <a:pPr indent="0" lvl="0" marL="0" rtl="0" algn="l">
-                        <a:spcBef>
-                          <a:spcPts val="0"/>
-                        </a:spcBef>
-                        <a:spcAft>
-                          <a:spcPts val="0"/>
-                        </a:spcAft>
-                        <a:buNone/>
-                      </a:pPr>
-                      <a:r>
-                        <a:rPr lang="zh-CN" sz="1200">
+                        <a:rPr lang="en-CA" altLang="zh-CN" sz="1400" dirty="0">
                           <a:solidFill>
                             <a:schemeClr val="dk2"/>
                           </a:solidFill>
@@ -10228,13 +10461,44 @@
                           <a:cs typeface="Roboto"/>
                           <a:sym typeface="Roboto"/>
                         </a:rPr>
-                        <a:t>facebook</a:t>
+                        <a:t>web-</a:t>
                       </a:r>
-                      <a:endParaRPr/>
+                      <a:r>
+                        <a:rPr lang="en-CA" altLang="zh-CN" sz="1400" dirty="0" err="1">
+                          <a:solidFill>
+                            <a:schemeClr val="dk2"/>
+                          </a:solidFill>
+                          <a:highlight>
+                            <a:schemeClr val="lt1"/>
+                          </a:highlight>
+                          <a:latin typeface="Roboto"/>
+                          <a:ea typeface="Roboto"/>
+                          <a:cs typeface="Roboto"/>
+                          <a:sym typeface="Roboto"/>
+                        </a:rPr>
+                        <a:t>stanford</a:t>
+                      </a:r>
+                      <a:endParaRPr lang="en-CA" sz="1400" dirty="0">
+                        <a:solidFill>
+                          <a:schemeClr val="dk2"/>
+                        </a:solidFill>
+                        <a:highlight>
+                          <a:schemeClr val="lt1"/>
+                        </a:highlight>
+                        <a:latin typeface="Roboto"/>
+                        <a:ea typeface="Roboto"/>
+                        <a:cs typeface="Roboto"/>
+                        <a:sym typeface="Roboto"/>
+                      </a:endParaRPr>
                     </a:p>
                   </a:txBody>
-                  <a:tcPr marT="91425" marB="91425" marR="91425" marL="91425"/>
+                  <a:tcPr marL="91425" marR="91425" marT="91425" marB="91425"/>
                 </a:tc>
+                <a:extLst>
+                  <a:ext uri="{0D108BD9-81ED-4DB2-BD59-A6C34878D82A}">
+                    <a16:rowId xmlns:a16="http://schemas.microsoft.com/office/drawing/2014/main" val="10000"/>
+                  </a:ext>
+                </a:extLst>
               </a:tr>
               <a:tr h="381000">
                 <a:tc>
@@ -10242,7 +10506,7 @@
                     <a:bodyPr/>
                     <a:lstStyle/>
                     <a:p>
-                      <a:pPr indent="0" lvl="0" marL="0" rtl="0" algn="l">
+                      <a:pPr marL="0" lvl="0" indent="0" algn="l" rtl="0">
                         <a:spcBef>
                           <a:spcPts val="0"/>
                         </a:spcBef>
@@ -10258,14 +10522,14 @@
                       <a:endParaRPr/>
                     </a:p>
                   </a:txBody>
-                  <a:tcPr marT="91425" marB="91425" marR="91425" marL="91425"/>
+                  <a:tcPr marL="91425" marR="91425" marT="91425" marB="91425"/>
                 </a:tc>
                 <a:tc>
                   <a:txBody>
                     <a:bodyPr/>
                     <a:lstStyle/>
                     <a:p>
-                      <a:pPr indent="0" lvl="0" marL="0" rtl="0" algn="l">
+                      <a:pPr marL="0" lvl="0" indent="0" algn="l" rtl="0">
                         <a:spcBef>
                           <a:spcPts val="0"/>
                         </a:spcBef>
@@ -10275,24 +10539,20 @@
                         <a:buNone/>
                       </a:pPr>
                       <a:r>
-                        <a:rPr lang="zh-CN"/>
-                        <a:t>1</a:t>
+                        <a:rPr lang="en-US" altLang="zh-CN" dirty="0"/>
+                        <a:t>0.90333033</a:t>
                       </a:r>
-                      <a:r>
-                        <a:rPr lang="zh-CN"/>
-                        <a:t>.051291</a:t>
-                      </a:r>
-                      <a:endParaRPr/>
+                      <a:endParaRPr dirty="0"/>
                     </a:p>
                   </a:txBody>
-                  <a:tcPr marT="91425" marB="91425" marR="91425" marL="91425"/>
+                  <a:tcPr marL="91425" marR="91425" marT="91425" marB="91425"/>
                 </a:tc>
                 <a:tc>
                   <a:txBody>
                     <a:bodyPr/>
                     <a:lstStyle/>
                     <a:p>
-                      <a:pPr indent="0" lvl="0" marL="0" rtl="0" algn="l">
+                      <a:pPr marL="0" lvl="0" indent="0" algn="l" rtl="0">
                         <a:spcBef>
                           <a:spcPts val="0"/>
                         </a:spcBef>
@@ -10302,20 +10562,20 @@
                         <a:buNone/>
                       </a:pPr>
                       <a:r>
-                        <a:rPr lang="zh-CN"/>
-                        <a:t> 0.001132</a:t>
+                        <a:rPr lang="en-US" altLang="zh-CN" dirty="0"/>
+                        <a:t>0.00126664</a:t>
                       </a:r>
-                      <a:endParaRPr/>
+                      <a:endParaRPr dirty="0"/>
                     </a:p>
                   </a:txBody>
-                  <a:tcPr marT="91425" marB="91425" marR="91425" marL="91425"/>
+                  <a:tcPr marL="91425" marR="91425" marT="91425" marB="91425"/>
                 </a:tc>
                 <a:tc>
                   <a:txBody>
                     <a:bodyPr/>
                     <a:lstStyle/>
                     <a:p>
-                      <a:pPr indent="0" lvl="0" marL="0" rtl="0" algn="l">
+                      <a:pPr marL="0" lvl="0" indent="0" algn="l" rtl="0">
                         <a:spcBef>
                           <a:spcPts val="0"/>
                         </a:spcBef>
@@ -10325,14 +10585,19 @@
                         <a:buNone/>
                       </a:pPr>
                       <a:r>
-                        <a:rPr lang="zh-CN"/>
-                        <a:t>…</a:t>
+                        <a:rPr lang="en-CA" dirty="0"/>
+                        <a:t>0.0094191</a:t>
                       </a:r>
-                      <a:endParaRPr/>
+                      <a:endParaRPr dirty="0"/>
                     </a:p>
                   </a:txBody>
-                  <a:tcPr marT="91425" marB="91425" marR="91425" marL="91425"/>
+                  <a:tcPr marL="91425" marR="91425" marT="91425" marB="91425"/>
                 </a:tc>
+                <a:extLst>
+                  <a:ext uri="{0D108BD9-81ED-4DB2-BD59-A6C34878D82A}">
+                    <a16:rowId xmlns:a16="http://schemas.microsoft.com/office/drawing/2014/main" val="10001"/>
+                  </a:ext>
+                </a:extLst>
               </a:tr>
               <a:tr h="381000">
                 <a:tc>
@@ -10340,7 +10605,7 @@
                     <a:bodyPr/>
                     <a:lstStyle/>
                     <a:p>
-                      <a:pPr indent="0" lvl="0" marL="0" rtl="0" algn="l">
+                      <a:pPr marL="0" lvl="0" indent="0" algn="l" rtl="0">
                         <a:spcBef>
                           <a:spcPts val="0"/>
                         </a:spcBef>
@@ -10356,14 +10621,80 @@
                       <a:endParaRPr/>
                     </a:p>
                   </a:txBody>
-                  <a:tcPr marT="91425" marB="91425" marR="91425" marL="91425"/>
+                  <a:tcPr marL="91425" marR="91425" marT="91425" marB="91425"/>
                 </a:tc>
                 <a:tc>
                   <a:txBody>
                     <a:bodyPr/>
                     <a:lstStyle/>
                     <a:p>
-                      <a:pPr indent="0" lvl="0" marL="0" rtl="0" algn="l">
+                      <a:pPr marL="0" marR="0" lvl="0" indent="0" algn="l" defTabSz="914400" rtl="0" eaLnBrk="1" fontAlgn="auto" latinLnBrk="0" hangingPunct="1">
+                        <a:lnSpc>
+                          <a:spcPct val="100000"/>
+                        </a:lnSpc>
+                        <a:spcBef>
+                          <a:spcPts val="0"/>
+                        </a:spcBef>
+                        <a:spcAft>
+                          <a:spcPts val="0"/>
+                        </a:spcAft>
+                        <a:buClr>
+                          <a:srgbClr val="000000"/>
+                        </a:buClr>
+                        <a:buSzTx/>
+                        <a:buFont typeface="Arial"/>
+                        <a:buNone/>
+                        <a:tabLst/>
+                        <a:defRPr/>
+                      </a:pPr>
+                      <a:r>
+                        <a:rPr lang="en-US" altLang="zh-CN" dirty="0"/>
+                        <a:t>0.82097256</a:t>
+                      </a:r>
+                      <a:endParaRPr lang="en-US" dirty="0"/>
+                    </a:p>
+                  </a:txBody>
+                  <a:tcPr marL="91425" marR="91425" marT="91425" marB="91425"/>
+                </a:tc>
+                <a:tc>
+                  <a:txBody>
+                    <a:bodyPr/>
+                    <a:lstStyle/>
+                    <a:p>
+                      <a:pPr marL="0" marR="0" lvl="0" indent="0" algn="l" defTabSz="914400" rtl="0" eaLnBrk="1" fontAlgn="auto" latinLnBrk="0" hangingPunct="1">
+                        <a:lnSpc>
+                          <a:spcPct val="100000"/>
+                        </a:lnSpc>
+                        <a:spcBef>
+                          <a:spcPts val="0"/>
+                        </a:spcBef>
+                        <a:spcAft>
+                          <a:spcPts val="0"/>
+                        </a:spcAft>
+                        <a:buClr>
+                          <a:srgbClr val="000000"/>
+                        </a:buClr>
+                        <a:buSzTx/>
+                        <a:buFont typeface="Arial"/>
+                        <a:buNone/>
+                        <a:tabLst/>
+                        <a:defRPr/>
+                      </a:pPr>
+                      <a:r>
+                        <a:rPr lang="en-US" altLang="zh-CN" dirty="0"/>
+                        <a:t>0.00135531</a:t>
+                      </a:r>
+                      <a:endParaRPr lang="en-US" dirty="0"/>
+                    </a:p>
+                  </a:txBody>
+                  <a:tcPr marL="91425" marR="91425" marT="91425" marB="91425"/>
+                </a:tc>
+                <a:tc>
+                  <a:txBody>
+                    <a:bodyPr/>
+                    <a:lstStyle/>
+                    <a:p>
+                      <a:pPr marL="0" lvl="0" indent="0" algn="l" rtl="0">
                         <a:spcBef>
                           <a:spcPts val="0"/>
                         </a:spcBef>
@@ -10373,60 +10704,19 @@
                         <a:buNone/>
                       </a:pPr>
                       <a:r>
-                        <a:rPr lang="zh-CN"/>
-                        <a:t>1.021904</a:t>
+                        <a:rPr lang="en-US" altLang="zh-CN" dirty="0"/>
+                        <a:t>0.0086923</a:t>
                       </a:r>
-                      <a:endParaRPr/>
+                      <a:endParaRPr dirty="0"/>
                     </a:p>
                   </a:txBody>
-                  <a:tcPr marT="91425" marB="91425" marR="91425" marL="91425"/>
+                  <a:tcPr marL="91425" marR="91425" marT="91425" marB="91425"/>
                 </a:tc>
-                <a:tc>
-                  <a:txBody>
-                    <a:bodyPr/>
-                    <a:lstStyle/>
-                    <a:p>
-                      <a:pPr indent="0" lvl="0" marL="0" rtl="0" algn="l">
-                        <a:spcBef>
-                          <a:spcPts val="0"/>
-                        </a:spcBef>
-                        <a:spcAft>
-                          <a:spcPts val="0"/>
-                        </a:spcAft>
-                        <a:buNone/>
-                      </a:pPr>
-                      <a:r>
-                        <a:rPr lang="zh-CN"/>
-                        <a:t> 0.001150</a:t>
-                      </a:r>
-                      <a:endParaRPr/>
-                    </a:p>
-                  </a:txBody>
-                  <a:tcPr marT="91425" marB="91425" marR="91425" marL="91425"/>
-                </a:tc>
-                <a:tc>
-                  <a:txBody>
-                    <a:bodyPr/>
-                    <a:lstStyle/>
-                    <a:p>
-                      <a:pPr indent="0" lvl="0" marL="0" rtl="0" algn="l">
-                        <a:spcBef>
-                          <a:spcPts val="0"/>
-                        </a:spcBef>
-                        <a:spcAft>
-                          <a:spcPts val="0"/>
-                        </a:spcAft>
-                        <a:buNone/>
-                      </a:pPr>
-                      <a:r>
-                        <a:rPr lang="zh-CN"/>
-                        <a:t>…</a:t>
-                      </a:r>
-                      <a:endParaRPr/>
-                    </a:p>
-                  </a:txBody>
-                  <a:tcPr marT="91425" marB="91425" marR="91425" marL="91425"/>
-                </a:tc>
+                <a:extLst>
+                  <a:ext uri="{0D108BD9-81ED-4DB2-BD59-A6C34878D82A}">
+                    <a16:rowId xmlns:a16="http://schemas.microsoft.com/office/drawing/2014/main" val="10002"/>
+                  </a:ext>
+                </a:extLst>
               </a:tr>
               <a:tr h="381000">
                 <a:tc>
@@ -10434,7 +10724,7 @@
                     <a:bodyPr/>
                     <a:lstStyle/>
                     <a:p>
-                      <a:pPr indent="0" lvl="0" marL="0" rtl="0" algn="l">
+                      <a:pPr marL="0" lvl="0" indent="0" algn="l" rtl="0">
                         <a:spcBef>
                           <a:spcPts val="0"/>
                         </a:spcBef>
@@ -10450,14 +10740,14 @@
                       <a:endParaRPr/>
                     </a:p>
                   </a:txBody>
-                  <a:tcPr marT="91425" marB="91425" marR="91425" marL="91425"/>
+                  <a:tcPr marL="91425" marR="91425" marT="91425" marB="91425"/>
                 </a:tc>
                 <a:tc>
                   <a:txBody>
                     <a:bodyPr/>
                     <a:lstStyle/>
                     <a:p>
-                      <a:pPr indent="0" lvl="0" marL="0" rtl="0" algn="l">
+                      <a:pPr marL="0" lvl="0" indent="0" algn="l" rtl="0">
                         <a:spcBef>
                           <a:spcPts val="0"/>
                         </a:spcBef>
@@ -10467,24 +10757,20 @@
                         <a:buNone/>
                       </a:pPr>
                       <a:r>
-                        <a:rPr lang="zh-CN"/>
-                        <a:t>5</a:t>
+                        <a:rPr lang="en-US" altLang="zh-CN" dirty="0"/>
+                        <a:t>0.91280997</a:t>
                       </a:r>
-                      <a:r>
-                        <a:rPr lang="zh-CN"/>
-                        <a:t>.269143</a:t>
-                      </a:r>
-                      <a:endParaRPr/>
+                      <a:endParaRPr dirty="0"/>
                     </a:p>
                   </a:txBody>
-                  <a:tcPr marT="91425" marB="91425" marR="91425" marL="91425"/>
+                  <a:tcPr marL="91425" marR="91425" marT="91425" marB="91425"/>
                 </a:tc>
                 <a:tc>
                   <a:txBody>
                     <a:bodyPr/>
                     <a:lstStyle/>
                     <a:p>
-                      <a:pPr indent="0" lvl="0" marL="0" rtl="0" algn="l">
+                      <a:pPr marL="0" lvl="0" indent="0" algn="l" rtl="0">
                         <a:spcBef>
                           <a:spcPts val="0"/>
                         </a:spcBef>
@@ -10494,24 +10780,20 @@
                         <a:buNone/>
                       </a:pPr>
                       <a:r>
-                        <a:rPr lang="zh-CN"/>
-                        <a:t> </a:t>
+                        <a:rPr lang="en-US" altLang="zh-CN" dirty="0"/>
+                        <a:t>0.00124240</a:t>
                       </a:r>
-                      <a:r>
-                        <a:rPr lang="zh-CN"/>
-                        <a:t>0.001372</a:t>
-                      </a:r>
-                      <a:endParaRPr/>
+                      <a:endParaRPr dirty="0"/>
                     </a:p>
                   </a:txBody>
-                  <a:tcPr marT="91425" marB="91425" marR="91425" marL="91425"/>
+                  <a:tcPr marL="91425" marR="91425" marT="91425" marB="91425"/>
                 </a:tc>
                 <a:tc>
                   <a:txBody>
                     <a:bodyPr/>
                     <a:lstStyle/>
                     <a:p>
-                      <a:pPr indent="0" lvl="0" marL="0" rtl="0" algn="l">
+                      <a:pPr marL="0" lvl="0" indent="0" algn="l" rtl="0">
                         <a:spcBef>
                           <a:spcPts val="0"/>
                         </a:spcBef>
@@ -10521,14 +10803,19 @@
                         <a:buNone/>
                       </a:pPr>
                       <a:r>
-                        <a:rPr lang="zh-CN"/>
-                        <a:t>…</a:t>
+                        <a:rPr lang="en-CA" dirty="0"/>
+                        <a:t>0.0105609</a:t>
                       </a:r>
-                      <a:endParaRPr/>
+                      <a:endParaRPr dirty="0"/>
                     </a:p>
                   </a:txBody>
-                  <a:tcPr marT="91425" marB="91425" marR="91425" marL="91425"/>
+                  <a:tcPr marL="91425" marR="91425" marT="91425" marB="91425"/>
                 </a:tc>
+                <a:extLst>
+                  <a:ext uri="{0D108BD9-81ED-4DB2-BD59-A6C34878D82A}">
+                    <a16:rowId xmlns:a16="http://schemas.microsoft.com/office/drawing/2014/main" val="10003"/>
+                  </a:ext>
+                </a:extLst>
               </a:tr>
               <a:tr h="381000">
                 <a:tc>
@@ -10536,7 +10823,7 @@
                     <a:bodyPr/>
                     <a:lstStyle/>
                     <a:p>
-                      <a:pPr indent="0" lvl="0" marL="0" rtl="0" algn="l">
+                      <a:pPr marL="0" lvl="0" indent="0" algn="l" rtl="0">
                         <a:spcBef>
                           <a:spcPts val="0"/>
                         </a:spcBef>
@@ -10552,14 +10839,14 @@
                       <a:endParaRPr/>
                     </a:p>
                   </a:txBody>
-                  <a:tcPr marT="91425" marB="91425" marR="91425" marL="91425"/>
+                  <a:tcPr marL="91425" marR="91425" marT="91425" marB="91425"/>
                 </a:tc>
                 <a:tc>
                   <a:txBody>
                     <a:bodyPr/>
                     <a:lstStyle/>
                     <a:p>
-                      <a:pPr indent="0" lvl="0" marL="0" rtl="0" algn="l">
+                      <a:pPr marL="0" lvl="0" indent="0" algn="l" rtl="0">
                         <a:spcBef>
                           <a:spcPts val="0"/>
                         </a:spcBef>
@@ -10569,20 +10856,20 @@
                         <a:buNone/>
                       </a:pPr>
                       <a:r>
-                        <a:rPr lang="zh-CN"/>
+                        <a:rPr lang="zh-CN" dirty="0"/>
                         <a:t>5.220662</a:t>
                       </a:r>
-                      <a:endParaRPr/>
+                      <a:endParaRPr dirty="0"/>
                     </a:p>
                   </a:txBody>
-                  <a:tcPr marT="91425" marB="91425" marR="91425" marL="91425"/>
+                  <a:tcPr marL="91425" marR="91425" marT="91425" marB="91425"/>
                 </a:tc>
                 <a:tc>
                   <a:txBody>
                     <a:bodyPr/>
                     <a:lstStyle/>
                     <a:p>
-                      <a:pPr indent="0" lvl="0" marL="0" rtl="0" algn="l">
+                      <a:pPr marL="0" lvl="0" indent="0" algn="l" rtl="0">
                         <a:spcBef>
                           <a:spcPts val="0"/>
                         </a:spcBef>
@@ -10592,20 +10879,20 @@
                         <a:buNone/>
                       </a:pPr>
                       <a:r>
-                        <a:rPr lang="zh-CN"/>
-                        <a:t> 0.001486</a:t>
+                        <a:rPr lang="en-US" altLang="zh-CN" dirty="0"/>
+                        <a:t>0.00137284</a:t>
                       </a:r>
-                      <a:endParaRPr/>
+                      <a:endParaRPr dirty="0"/>
                     </a:p>
                   </a:txBody>
-                  <a:tcPr marT="91425" marB="91425" marR="91425" marL="91425"/>
+                  <a:tcPr marL="91425" marR="91425" marT="91425" marB="91425"/>
                 </a:tc>
                 <a:tc>
                   <a:txBody>
                     <a:bodyPr/>
                     <a:lstStyle/>
                     <a:p>
-                      <a:pPr indent="0" lvl="0" marL="0" rtl="0" algn="l">
+                      <a:pPr marL="0" lvl="0" indent="0" algn="l" rtl="0">
                         <a:spcBef>
                           <a:spcPts val="0"/>
                         </a:spcBef>
@@ -10615,14 +10902,19 @@
                         <a:buNone/>
                       </a:pPr>
                       <a:r>
-                        <a:rPr lang="zh-CN"/>
-                        <a:t>…</a:t>
+                        <a:rPr lang="en-CA" dirty="0"/>
+                        <a:t>0.0687417</a:t>
                       </a:r>
-                      <a:endParaRPr/>
+                      <a:endParaRPr dirty="0"/>
                     </a:p>
                   </a:txBody>
-                  <a:tcPr marT="91425" marB="91425" marR="91425" marL="91425"/>
+                  <a:tcPr marL="91425" marR="91425" marT="91425" marB="91425"/>
                 </a:tc>
+                <a:extLst>
+                  <a:ext uri="{0D108BD9-81ED-4DB2-BD59-A6C34878D82A}">
+                    <a16:rowId xmlns:a16="http://schemas.microsoft.com/office/drawing/2014/main" val="10004"/>
+                  </a:ext>
+                </a:extLst>
               </a:tr>
             </a:tbl>
           </a:graphicData>
@@ -10637,7 +10929,7 @@
         <p:spPr>
           <a:xfrm>
             <a:off x="710550" y="4100000"/>
-            <a:ext cx="5671200" cy="615600"/>
+            <a:ext cx="5671200" cy="615523"/>
           </a:xfrm>
           <a:prstGeom prst="rect">
             <a:avLst/>
@@ -10648,12 +10940,12 @@
           </a:ln>
         </p:spPr>
         <p:txBody>
-          <a:bodyPr anchorCtr="0" anchor="t" bIns="91425" lIns="91425" spcFirstLastPara="1" rIns="91425" wrap="square" tIns="91425">
+          <a:bodyPr spcFirstLastPara="1" wrap="square" lIns="91425" tIns="91425" rIns="91425" bIns="91425" anchor="t" anchorCtr="0">
             <a:spAutoFit/>
           </a:bodyPr>
           <a:lstStyle/>
           <a:p>
-            <a:pPr indent="0" lvl="0" marL="0" rtl="0" algn="l">
+            <a:pPr marL="0" lvl="0" indent="0" algn="l" rtl="0">
               <a:spcBef>
                 <a:spcPts val="0"/>
               </a:spcBef>
@@ -10663,19 +10955,28 @@
               <a:buNone/>
             </a:pPr>
             <a:r>
-              <a:rPr lang="zh-CN">
+              <a:rPr lang="zh-CN" dirty="0">
                 <a:latin typeface="Roboto"/>
                 <a:ea typeface="Roboto"/>
                 <a:cs typeface="Roboto"/>
                 <a:sym typeface="Roboto"/>
               </a:rPr>
-              <a:t>Since there are more than 3M nodes in </a:t>
+              <a:t>Since there are </a:t>
             </a:r>
             <a:r>
-              <a:rPr lang="zh-CN"/>
-              <a:t>com-orkut, I chosen 10000 nodes randomly to run the testing.</a:t>
+              <a:rPr lang="en-US" altLang="zh-CN" dirty="0">
+                <a:latin typeface="Roboto"/>
+                <a:ea typeface="Roboto"/>
+                <a:cs typeface="Roboto"/>
+                <a:sym typeface="Roboto"/>
+              </a:rPr>
+              <a:t>millions of nodes in dataset OK</a:t>
             </a:r>
-            <a:endParaRPr>
+            <a:r>
+              <a:rPr lang="zh-CN" dirty="0"/>
+              <a:t> chosen 1000 nodes randomly to run the testing.</a:t>
+            </a:r>
+            <a:endParaRPr dirty="0">
               <a:latin typeface="Roboto"/>
               <a:ea typeface="Roboto"/>
               <a:cs typeface="Roboto"/>
@@ -10693,11 +10994,251 @@
 </file>
 
 <file path=ppt/slides/slide14.xml><?xml version="1.0" encoding="utf-8"?>
-<p:sld xmlns:a="http://schemas.openxmlformats.org/drawingml/2006/main" xmlns:r="http://schemas.openxmlformats.org/officeDocument/2006/relationships" xmlns:mc="http://schemas.openxmlformats.org/markup-compatibility/2006" xmlns:mv="urn:schemas-microsoft-com:mac:vml" xmlns:p="http://schemas.openxmlformats.org/presentationml/2006/main" xmlns:c="http://schemas.openxmlformats.org/drawingml/2006/chart" xmlns:dgm="http://schemas.openxmlformats.org/drawingml/2006/diagram" xmlns:o="urn:schemas-microsoft-com:office:office" xmlns:v="urn:schemas-microsoft-com:vml" xmlns:pvml="urn:schemas-microsoft-com:office:powerpoint" xmlns:com="http://schemas.openxmlformats.org/drawingml/2006/compatibility" xmlns:p14="http://schemas.microsoft.com/office/powerpoint/2010/main" xmlns:p15="http://schemas.microsoft.com/office/powerpoint/2012/main" xmlns:ahyp="http://schemas.microsoft.com/office/drawing/2018/hyperlinkcolor">
+<p:sld xmlns:a="http://schemas.openxmlformats.org/drawingml/2006/main" xmlns:r="http://schemas.openxmlformats.org/officeDocument/2006/relationships" xmlns:p="http://schemas.openxmlformats.org/presentationml/2006/main">
   <p:cSld>
     <p:spTree>
       <p:nvGrpSpPr>
-        <p:cNvPr id="178" name="Shape 178"/>
+        <p:cNvPr id="1" name=""/>
+        <p:cNvGrpSpPr/>
+        <p:nvPr/>
+      </p:nvGrpSpPr>
+      <p:grpSpPr>
+        <a:xfrm>
+          <a:off x="0" y="0"/>
+          <a:ext cx="0" cy="0"/>
+          <a:chOff x="0" y="0"/>
+          <a:chExt cx="0" cy="0"/>
+        </a:xfrm>
+      </p:grpSpPr>
+      <p:pic>
+        <p:nvPicPr>
+          <p:cNvPr id="5" name="Picture 4" descr="Chart, box and whisker chart&#10;&#10;Description automatically generated">
+            <a:extLst>
+              <a:ext uri="{FF2B5EF4-FFF2-40B4-BE49-F238E27FC236}">
+                <a16:creationId xmlns:a16="http://schemas.microsoft.com/office/drawing/2014/main" id="{01A45685-095A-4044-9919-0C07FA650487}"/>
+              </a:ext>
+            </a:extLst>
+          </p:cNvPr>
+          <p:cNvPicPr>
+            <a:picLocks noChangeAspect="1"/>
+          </p:cNvPicPr>
+          <p:nvPr/>
+        </p:nvPicPr>
+        <p:blipFill>
+          <a:blip r:embed="rId2"/>
+          <a:stretch>
+            <a:fillRect/>
+          </a:stretch>
+        </p:blipFill>
+        <p:spPr>
+          <a:xfrm>
+            <a:off x="843803" y="143959"/>
+            <a:ext cx="2946154" cy="2209617"/>
+          </a:xfrm>
+          <a:prstGeom prst="rect">
+            <a:avLst/>
+          </a:prstGeom>
+        </p:spPr>
+      </p:pic>
+      <p:pic>
+        <p:nvPicPr>
+          <p:cNvPr id="7" name="Picture 6" descr="Chart, box and whisker chart&#10;&#10;Description automatically generated">
+            <a:extLst>
+              <a:ext uri="{FF2B5EF4-FFF2-40B4-BE49-F238E27FC236}">
+                <a16:creationId xmlns:a16="http://schemas.microsoft.com/office/drawing/2014/main" id="{97871A5E-44B6-4895-91F7-4C193A459B08}"/>
+              </a:ext>
+            </a:extLst>
+          </p:cNvPr>
+          <p:cNvPicPr>
+            <a:picLocks noChangeAspect="1"/>
+          </p:cNvPicPr>
+          <p:nvPr/>
+        </p:nvPicPr>
+        <p:blipFill>
+          <a:blip r:embed="rId3"/>
+          <a:stretch>
+            <a:fillRect/>
+          </a:stretch>
+        </p:blipFill>
+        <p:spPr>
+          <a:xfrm>
+            <a:off x="4971573" y="2514942"/>
+            <a:ext cx="2946154" cy="2209617"/>
+          </a:xfrm>
+          <a:prstGeom prst="rect">
+            <a:avLst/>
+          </a:prstGeom>
+        </p:spPr>
+      </p:pic>
+      <p:pic>
+        <p:nvPicPr>
+          <p:cNvPr id="9" name="Picture 8" descr="Chart, box and whisker chart&#10;&#10;Description automatically generated">
+            <a:extLst>
+              <a:ext uri="{FF2B5EF4-FFF2-40B4-BE49-F238E27FC236}">
+                <a16:creationId xmlns:a16="http://schemas.microsoft.com/office/drawing/2014/main" id="{B4AFC70C-75FE-4BE8-B4E8-B31406C8287C}"/>
+              </a:ext>
+            </a:extLst>
+          </p:cNvPr>
+          <p:cNvPicPr>
+            <a:picLocks noChangeAspect="1"/>
+          </p:cNvPicPr>
+          <p:nvPr/>
+        </p:nvPicPr>
+        <p:blipFill>
+          <a:blip r:embed="rId4"/>
+          <a:stretch>
+            <a:fillRect/>
+          </a:stretch>
+        </p:blipFill>
+        <p:spPr>
+          <a:xfrm>
+            <a:off x="843803" y="2514942"/>
+            <a:ext cx="2946154" cy="2209617"/>
+          </a:xfrm>
+          <a:prstGeom prst="rect">
+            <a:avLst/>
+          </a:prstGeom>
+        </p:spPr>
+      </p:pic>
+      <p:pic>
+        <p:nvPicPr>
+          <p:cNvPr id="11" name="Picture 10" descr="Chart, box and whisker chart&#10;&#10;Description automatically generated">
+            <a:extLst>
+              <a:ext uri="{FF2B5EF4-FFF2-40B4-BE49-F238E27FC236}">
+                <a16:creationId xmlns:a16="http://schemas.microsoft.com/office/drawing/2014/main" id="{02BA519A-4465-41B5-B929-4B4CA2709B0B}"/>
+              </a:ext>
+            </a:extLst>
+          </p:cNvPr>
+          <p:cNvPicPr>
+            <a:picLocks noChangeAspect="1"/>
+          </p:cNvPicPr>
+          <p:nvPr/>
+        </p:nvPicPr>
+        <p:blipFill>
+          <a:blip r:embed="rId5"/>
+          <a:stretch>
+            <a:fillRect/>
+          </a:stretch>
+        </p:blipFill>
+        <p:spPr>
+          <a:xfrm>
+            <a:off x="4971573" y="143960"/>
+            <a:ext cx="2946154" cy="2209617"/>
+          </a:xfrm>
+          <a:prstGeom prst="rect">
+            <a:avLst/>
+          </a:prstGeom>
+        </p:spPr>
+      </p:pic>
+    </p:spTree>
+    <p:extLst>
+      <p:ext uri="{BB962C8B-B14F-4D97-AF65-F5344CB8AC3E}">
+        <p14:creationId xmlns:p14="http://schemas.microsoft.com/office/powerpoint/2010/main" val="1281129183"/>
+      </p:ext>
+    </p:extLst>
+  </p:cSld>
+  <p:clrMapOvr>
+    <a:masterClrMapping/>
+  </p:clrMapOvr>
+</p:sld>
+</file>
+
+<file path=ppt/slides/slide15.xml><?xml version="1.0" encoding="utf-8"?>
+<p:sld xmlns:a="http://schemas.openxmlformats.org/drawingml/2006/main" xmlns:r="http://schemas.openxmlformats.org/officeDocument/2006/relationships" xmlns:p="http://schemas.openxmlformats.org/presentationml/2006/main">
+  <p:cSld>
+    <p:spTree>
+      <p:nvGrpSpPr>
+        <p:cNvPr id="1" name=""/>
+        <p:cNvGrpSpPr/>
+        <p:nvPr/>
+      </p:nvGrpSpPr>
+      <p:grpSpPr>
+        <a:xfrm>
+          <a:off x="0" y="0"/>
+          <a:ext cx="0" cy="0"/>
+          <a:chOff x="0" y="0"/>
+          <a:chExt cx="0" cy="0"/>
+        </a:xfrm>
+      </p:grpSpPr>
+      <p:pic>
+        <p:nvPicPr>
+          <p:cNvPr id="5" name="Picture 4" descr="Chart, bar chart&#10;&#10;Description automatically generated">
+            <a:extLst>
+              <a:ext uri="{FF2B5EF4-FFF2-40B4-BE49-F238E27FC236}">
+                <a16:creationId xmlns:a16="http://schemas.microsoft.com/office/drawing/2014/main" id="{10922C2B-D71E-4558-AB53-11DCD87B3680}"/>
+              </a:ext>
+            </a:extLst>
+          </p:cNvPr>
+          <p:cNvPicPr>
+            <a:picLocks noChangeAspect="1"/>
+          </p:cNvPicPr>
+          <p:nvPr/>
+        </p:nvPicPr>
+        <p:blipFill>
+          <a:blip r:embed="rId2"/>
+          <a:stretch>
+            <a:fillRect/>
+          </a:stretch>
+        </p:blipFill>
+        <p:spPr>
+          <a:xfrm>
+            <a:off x="354104" y="470646"/>
+            <a:ext cx="3567953" cy="2675965"/>
+          </a:xfrm>
+          <a:prstGeom prst="rect">
+            <a:avLst/>
+          </a:prstGeom>
+        </p:spPr>
+      </p:pic>
+      <p:pic>
+        <p:nvPicPr>
+          <p:cNvPr id="7" name="Picture 6" descr="Chart, line chart&#10;&#10;Description automatically generated">
+            <a:extLst>
+              <a:ext uri="{FF2B5EF4-FFF2-40B4-BE49-F238E27FC236}">
+                <a16:creationId xmlns:a16="http://schemas.microsoft.com/office/drawing/2014/main" id="{F267A06F-02BA-424F-8B79-B879E2D506B8}"/>
+              </a:ext>
+            </a:extLst>
+          </p:cNvPr>
+          <p:cNvPicPr>
+            <a:picLocks noChangeAspect="1"/>
+          </p:cNvPicPr>
+          <p:nvPr/>
+        </p:nvPicPr>
+        <p:blipFill>
+          <a:blip r:embed="rId3"/>
+          <a:stretch>
+            <a:fillRect/>
+          </a:stretch>
+        </p:blipFill>
+        <p:spPr>
+          <a:xfrm>
+            <a:off x="4994462" y="272302"/>
+            <a:ext cx="3832412" cy="2874309"/>
+          </a:xfrm>
+          <a:prstGeom prst="rect">
+            <a:avLst/>
+          </a:prstGeom>
+        </p:spPr>
+      </p:pic>
+    </p:spTree>
+    <p:extLst>
+      <p:ext uri="{BB962C8B-B14F-4D97-AF65-F5344CB8AC3E}">
+        <p14:creationId xmlns:p14="http://schemas.microsoft.com/office/powerpoint/2010/main" val="3201186893"/>
+      </p:ext>
+    </p:extLst>
+  </p:cSld>
+  <p:clrMapOvr>
+    <a:masterClrMapping/>
+  </p:clrMapOvr>
+</p:sld>
+</file>
+
+<file path=ppt/slides/slide16.xml><?xml version="1.0" encoding="utf-8"?>
+<p:sld xmlns:a="http://schemas.openxmlformats.org/drawingml/2006/main" xmlns:r="http://schemas.openxmlformats.org/officeDocument/2006/relationships" xmlns:p="http://schemas.openxmlformats.org/presentationml/2006/main">
+  <p:cSld>
+    <p:spTree>
+      <p:nvGrpSpPr>
+        <p:cNvPr id="1" name="Shape 178"/>
         <p:cNvGrpSpPr/>
         <p:nvPr/>
       </p:nvGrpSpPr>
@@ -10712,7 +11253,9 @@
       <p:sp>
         <p:nvSpPr>
           <p:cNvPr id="179" name="Google Shape;179;p26"/>
-          <p:cNvSpPr txBox="1"/>
+          <p:cNvSpPr txBox="1">
+            <a:spLocks noGrp="1"/>
+          </p:cNvSpPr>
           <p:nvPr>
             <p:ph type="title"/>
           </p:nvPr>
@@ -10727,12 +11270,12 @@
           </a:prstGeom>
         </p:spPr>
         <p:txBody>
-          <a:bodyPr anchorCtr="0" anchor="t" bIns="91425" lIns="91425" spcFirstLastPara="1" rIns="91425" wrap="square" tIns="91425">
+          <a:bodyPr spcFirstLastPara="1" wrap="square" lIns="91425" tIns="91425" rIns="91425" bIns="91425" anchor="t" anchorCtr="0">
             <a:normAutofit fontScale="90000"/>
           </a:bodyPr>
           <a:lstStyle/>
           <a:p>
-            <a:pPr indent="0" lvl="0" marL="0" rtl="0" algn="l">
+            <a:pPr marL="0" lvl="0" indent="0" algn="l" rtl="0">
               <a:spcBef>
                 <a:spcPts val="0"/>
               </a:spcBef>
@@ -10752,9 +11295,11 @@
       <p:sp>
         <p:nvSpPr>
           <p:cNvPr id="180" name="Google Shape;180;p26"/>
-          <p:cNvSpPr txBox="1"/>
+          <p:cNvSpPr txBox="1">
+            <a:spLocks noGrp="1"/>
+          </p:cNvSpPr>
           <p:nvPr>
-            <p:ph idx="1" type="body"/>
+            <p:ph type="body" idx="1"/>
           </p:nvPr>
         </p:nvSpPr>
         <p:spPr>
@@ -10767,12 +11312,12 @@
           </a:prstGeom>
         </p:spPr>
         <p:txBody>
-          <a:bodyPr anchorCtr="0" anchor="t" bIns="91425" lIns="91425" spcFirstLastPara="1" rIns="91425" wrap="square" tIns="91425">
+          <a:bodyPr spcFirstLastPara="1" wrap="square" lIns="91425" tIns="91425" rIns="91425" bIns="91425" anchor="t" anchorCtr="0">
             <a:normAutofit/>
           </a:bodyPr>
           <a:lstStyle/>
           <a:p>
-            <a:pPr indent="-317500" lvl="0" marL="457200" rtl="0" algn="l">
+            <a:pPr marL="457200" lvl="0" indent="-317500" algn="l" rtl="0">
               <a:spcBef>
                 <a:spcPts val="0"/>
               </a:spcBef>
@@ -10784,11 +11329,11 @@
               <a:buAutoNum type="arabicPeriod"/>
             </a:pPr>
             <a:r>
-              <a:rPr b="1" lang="zh-CN"/>
+              <a:rPr lang="zh-CN" b="1"/>
               <a:t>What is </a:t>
             </a:r>
             <a:r>
-              <a:rPr b="1" lang="zh-CN">
+              <a:rPr lang="zh-CN" b="1">
                 <a:solidFill>
                   <a:srgbClr val="292929"/>
                 </a:solidFill>
@@ -10808,7 +11353,7 @@
             </a:endParaRPr>
           </a:p>
           <a:p>
-            <a:pPr indent="-317500" lvl="0" marL="457200" rtl="0" algn="l">
+            <a:pPr marL="457200" lvl="0" indent="-317500" algn="l" rtl="0">
               <a:spcBef>
                 <a:spcPts val="0"/>
               </a:spcBef>
@@ -10823,7 +11368,7 @@
               <a:buAutoNum type="arabicPeriod"/>
             </a:pPr>
             <a:r>
-              <a:rPr b="1" lang="zh-CN" sz="1400">
+              <a:rPr lang="zh-CN" sz="1400" b="1">
                 <a:solidFill>
                   <a:srgbClr val="292929"/>
                 </a:solidFill>
@@ -10838,21 +11383,21 @@
               <a:t>The </a:t>
             </a:r>
             <a:r>
-              <a:rPr b="1" lang="zh-CN"/>
+              <a:rPr lang="zh-CN" b="1"/>
               <a:t>Δ-stepping algorithm will degenerates into what algorithm if ∆&lt;= </a:t>
             </a:r>
             <a:r>
-              <a:rPr b="1" i="1" lang="zh-CN"/>
+              <a:rPr lang="zh-CN" b="1" i="1"/>
               <a:t>min</a:t>
             </a:r>
             <a:r>
-              <a:rPr b="1" lang="zh-CN"/>
+              <a:rPr lang="zh-CN" b="1"/>
               <a:t> w(e)?</a:t>
             </a:r>
             <a:endParaRPr b="1"/>
           </a:p>
           <a:p>
-            <a:pPr indent="-317500" lvl="0" marL="457200" rtl="0" algn="l">
+            <a:pPr marL="457200" lvl="0" indent="-317500" algn="l" rtl="0">
               <a:spcBef>
                 <a:spcPts val="0"/>
               </a:spcBef>
@@ -10867,10 +11412,10 @@
               <a:buAutoNum type="arabicPeriod"/>
             </a:pPr>
             <a:r>
-              <a:rPr b="1" lang="zh-CN"/>
+              <a:rPr lang="zh-CN" b="1"/>
               <a:t>What is main difference between Δ-stepping algorithm and 𝜌-stepping algorithm?</a:t>
             </a:r>
-            <a:endParaRPr b="1" sz="1400">
+            <a:endParaRPr sz="1400" b="1">
               <a:solidFill>
                 <a:srgbClr val="292929"/>
               </a:solidFill>
@@ -10894,11 +11439,11 @@
 </file>
 
 <file path=ppt/slides/slide2.xml><?xml version="1.0" encoding="utf-8"?>
-<p:sld xmlns:a="http://schemas.openxmlformats.org/drawingml/2006/main" xmlns:r="http://schemas.openxmlformats.org/officeDocument/2006/relationships" xmlns:mc="http://schemas.openxmlformats.org/markup-compatibility/2006" xmlns:mv="urn:schemas-microsoft-com:mac:vml" xmlns:p="http://schemas.openxmlformats.org/presentationml/2006/main" xmlns:c="http://schemas.openxmlformats.org/drawingml/2006/chart" xmlns:dgm="http://schemas.openxmlformats.org/drawingml/2006/diagram" xmlns:o="urn:schemas-microsoft-com:office:office" xmlns:v="urn:schemas-microsoft-com:vml" xmlns:pvml="urn:schemas-microsoft-com:office:powerpoint" xmlns:com="http://schemas.openxmlformats.org/drawingml/2006/compatibility" xmlns:p14="http://schemas.microsoft.com/office/powerpoint/2010/main" xmlns:p15="http://schemas.microsoft.com/office/powerpoint/2012/main" xmlns:ahyp="http://schemas.microsoft.com/office/drawing/2018/hyperlinkcolor">
+<p:sld xmlns:a="http://schemas.openxmlformats.org/drawingml/2006/main" xmlns:r="http://schemas.openxmlformats.org/officeDocument/2006/relationships" xmlns:p="http://schemas.openxmlformats.org/presentationml/2006/main">
   <p:cSld>
     <p:spTree>
       <p:nvGrpSpPr>
-        <p:cNvPr id="90" name="Shape 90"/>
+        <p:cNvPr id="1" name="Shape 90"/>
         <p:cNvGrpSpPr/>
         <p:nvPr/>
       </p:nvGrpSpPr>
@@ -10913,7 +11458,9 @@
       <p:sp>
         <p:nvSpPr>
           <p:cNvPr id="91" name="Google Shape;91;p14"/>
-          <p:cNvSpPr txBox="1"/>
+          <p:cNvSpPr txBox="1">
+            <a:spLocks noGrp="1"/>
+          </p:cNvSpPr>
           <p:nvPr>
             <p:ph type="title"/>
           </p:nvPr>
@@ -10928,12 +11475,12 @@
           </a:prstGeom>
         </p:spPr>
         <p:txBody>
-          <a:bodyPr anchorCtr="0" anchor="t" bIns="91425" lIns="91425" spcFirstLastPara="1" rIns="91425" wrap="square" tIns="91425">
+          <a:bodyPr spcFirstLastPara="1" wrap="square" lIns="91425" tIns="91425" rIns="91425" bIns="91425" anchor="t" anchorCtr="0">
             <a:normAutofit fontScale="90000"/>
           </a:bodyPr>
           <a:lstStyle/>
           <a:p>
-            <a:pPr indent="0" lvl="0" marL="0" rtl="0" algn="l">
+            <a:pPr marL="0" lvl="0" indent="0" algn="l" rtl="0">
               <a:spcBef>
                 <a:spcPts val="0"/>
               </a:spcBef>
@@ -10953,9 +11500,11 @@
       <p:sp>
         <p:nvSpPr>
           <p:cNvPr id="92" name="Google Shape;92;p14"/>
-          <p:cNvSpPr txBox="1"/>
+          <p:cNvSpPr txBox="1">
+            <a:spLocks noGrp="1"/>
+          </p:cNvSpPr>
           <p:nvPr>
-            <p:ph idx="1" type="body"/>
+            <p:ph type="body" idx="1"/>
           </p:nvPr>
         </p:nvSpPr>
         <p:spPr>
@@ -10968,12 +11517,12 @@
           </a:prstGeom>
         </p:spPr>
         <p:txBody>
-          <a:bodyPr anchorCtr="0" anchor="t" bIns="91425" lIns="91425" spcFirstLastPara="1" rIns="91425" wrap="square" tIns="91425">
+          <a:bodyPr spcFirstLastPara="1" wrap="square" lIns="91425" tIns="91425" rIns="91425" bIns="91425" anchor="t" anchorCtr="0">
             <a:normAutofit/>
           </a:bodyPr>
           <a:lstStyle/>
           <a:p>
-            <a:pPr indent="0" lvl="0" marL="0" rtl="0" algn="l">
+            <a:pPr marL="0" lvl="0" indent="0" algn="l" rtl="0">
               <a:spcBef>
                 <a:spcPts val="0"/>
               </a:spcBef>
@@ -10983,13 +11532,13 @@
               <a:buNone/>
             </a:pPr>
             <a:r>
-              <a:rPr b="1" lang="zh-CN"/>
+              <a:rPr lang="zh-CN" b="1"/>
               <a:t>What is SSSP?</a:t>
             </a:r>
             <a:endParaRPr b="1"/>
           </a:p>
           <a:p>
-            <a:pPr indent="0" lvl="0" marL="0" rtl="0" algn="l">
+            <a:pPr marL="0" lvl="0" indent="0" algn="l" rtl="0">
               <a:spcBef>
                 <a:spcPts val="1200"/>
               </a:spcBef>
@@ -11005,7 +11554,7 @@
             <a:endParaRPr/>
           </a:p>
           <a:p>
-            <a:pPr indent="0" lvl="0" marL="0" rtl="0" algn="l">
+            <a:pPr marL="0" lvl="0" indent="0" algn="l" rtl="0">
               <a:spcBef>
                 <a:spcPts val="1200"/>
               </a:spcBef>
@@ -11015,13 +11564,13 @@
               <a:buNone/>
             </a:pPr>
             <a:r>
-              <a:rPr b="1" lang="zh-CN"/>
+              <a:rPr lang="zh-CN" b="1"/>
               <a:t>Why SSSP is important?</a:t>
             </a:r>
             <a:endParaRPr b="1"/>
           </a:p>
           <a:p>
-            <a:pPr indent="0" lvl="0" marL="0" rtl="0" algn="l">
+            <a:pPr marL="0" lvl="0" indent="0" algn="l" rtl="0">
               <a:spcBef>
                 <a:spcPts val="1200"/>
               </a:spcBef>
@@ -11070,7 +11619,7 @@
             </a:endParaRPr>
           </a:p>
           <a:p>
-            <a:pPr indent="0" lvl="0" marL="0" rtl="0" algn="l">
+            <a:pPr marL="0" lvl="0" indent="0" algn="l" rtl="0">
               <a:spcBef>
                 <a:spcPts val="1200"/>
               </a:spcBef>
@@ -11080,17 +11629,13 @@
               <a:buNone/>
             </a:pPr>
             <a:r>
-              <a:rPr b="1" lang="zh-CN"/>
-              <a:t>Why we need to </a:t>
-            </a:r>
-            <a:r>
-              <a:rPr b="1" lang="zh-CN"/>
-              <a:t>parallelize SSSP algorithm</a:t>
+              <a:rPr lang="zh-CN" b="1"/>
+              <a:t>Why we need to parallelize SSSP algorithm</a:t>
             </a:r>
             <a:endParaRPr b="1"/>
           </a:p>
           <a:p>
-            <a:pPr indent="0" lvl="0" marL="0" marR="0" rtl="0" algn="l">
+            <a:pPr marL="0" marR="0" lvl="0" indent="0" algn="l" rtl="0">
               <a:lnSpc>
                 <a:spcPct val="115000"/>
               </a:lnSpc>
@@ -11119,11 +11664,11 @@
 </file>
 
 <file path=ppt/slides/slide3.xml><?xml version="1.0" encoding="utf-8"?>
-<p:sld xmlns:a="http://schemas.openxmlformats.org/drawingml/2006/main" xmlns:r="http://schemas.openxmlformats.org/officeDocument/2006/relationships" xmlns:mc="http://schemas.openxmlformats.org/markup-compatibility/2006" xmlns:mv="urn:schemas-microsoft-com:mac:vml" xmlns:p="http://schemas.openxmlformats.org/presentationml/2006/main" xmlns:c="http://schemas.openxmlformats.org/drawingml/2006/chart" xmlns:dgm="http://schemas.openxmlformats.org/drawingml/2006/diagram" xmlns:o="urn:schemas-microsoft-com:office:office" xmlns:v="urn:schemas-microsoft-com:vml" xmlns:pvml="urn:schemas-microsoft-com:office:powerpoint" xmlns:com="http://schemas.openxmlformats.org/drawingml/2006/compatibility" xmlns:p14="http://schemas.microsoft.com/office/powerpoint/2010/main" xmlns:p15="http://schemas.microsoft.com/office/powerpoint/2012/main" xmlns:ahyp="http://schemas.microsoft.com/office/drawing/2018/hyperlinkcolor">
+<p:sld xmlns:a="http://schemas.openxmlformats.org/drawingml/2006/main" xmlns:r="http://schemas.openxmlformats.org/officeDocument/2006/relationships" xmlns:p="http://schemas.openxmlformats.org/presentationml/2006/main">
   <p:cSld>
     <p:spTree>
       <p:nvGrpSpPr>
-        <p:cNvPr id="96" name="Shape 96"/>
+        <p:cNvPr id="1" name="Shape 96"/>
         <p:cNvGrpSpPr/>
         <p:nvPr/>
       </p:nvGrpSpPr>
@@ -11138,7 +11683,9 @@
       <p:sp>
         <p:nvSpPr>
           <p:cNvPr id="97" name="Google Shape;97;p15"/>
-          <p:cNvSpPr txBox="1"/>
+          <p:cNvSpPr txBox="1">
+            <a:spLocks noGrp="1"/>
+          </p:cNvSpPr>
           <p:nvPr>
             <p:ph type="title"/>
           </p:nvPr>
@@ -11153,12 +11700,12 @@
           </a:prstGeom>
         </p:spPr>
         <p:txBody>
-          <a:bodyPr anchorCtr="0" anchor="t" bIns="91425" lIns="91425" spcFirstLastPara="1" rIns="91425" wrap="square" tIns="91425">
+          <a:bodyPr spcFirstLastPara="1" wrap="square" lIns="91425" tIns="91425" rIns="91425" bIns="91425" anchor="t" anchorCtr="0">
             <a:normAutofit fontScale="90000"/>
           </a:bodyPr>
           <a:lstStyle/>
           <a:p>
-            <a:pPr indent="0" lvl="0" marL="0" rtl="0" algn="l">
+            <a:pPr marL="0" lvl="0" indent="0" algn="l" rtl="0">
               <a:spcBef>
                 <a:spcPts val="0"/>
               </a:spcBef>
@@ -11178,9 +11725,11 @@
       <p:sp>
         <p:nvSpPr>
           <p:cNvPr id="98" name="Google Shape;98;p15"/>
-          <p:cNvSpPr txBox="1"/>
+          <p:cNvSpPr txBox="1">
+            <a:spLocks noGrp="1"/>
+          </p:cNvSpPr>
           <p:nvPr>
-            <p:ph idx="1" type="body"/>
+            <p:ph type="body" idx="1"/>
           </p:nvPr>
         </p:nvSpPr>
         <p:spPr>
@@ -11193,12 +11742,12 @@
           </a:prstGeom>
         </p:spPr>
         <p:txBody>
-          <a:bodyPr anchorCtr="0" anchor="t" bIns="91425" lIns="91425" spcFirstLastPara="1" rIns="91425" wrap="square" tIns="91425">
-            <a:normAutofit lnSpcReduction="20000"/>
+          <a:bodyPr spcFirstLastPara="1" wrap="square" lIns="91425" tIns="91425" rIns="91425" bIns="91425" anchor="t" anchorCtr="0">
+            <a:normAutofit/>
           </a:bodyPr>
           <a:lstStyle/>
           <a:p>
-            <a:pPr indent="0" lvl="0" marL="0" rtl="0" algn="l">
+            <a:pPr marL="0" lvl="0" indent="0" algn="l" rtl="0">
               <a:spcBef>
                 <a:spcPts val="0"/>
               </a:spcBef>
@@ -11208,13 +11757,13 @@
               <a:buNone/>
             </a:pPr>
             <a:r>
-              <a:rPr b="1" lang="zh-CN"/>
+              <a:rPr lang="zh-CN" b="1"/>
               <a:t>Seqential Algorithms </a:t>
             </a:r>
             <a:endParaRPr b="1"/>
           </a:p>
           <a:p>
-            <a:pPr indent="0" lvl="0" marL="0" rtl="0" algn="l">
+            <a:pPr marL="0" lvl="0" indent="0" algn="l" rtl="0">
               <a:spcBef>
                 <a:spcPts val="1200"/>
               </a:spcBef>
@@ -11230,7 +11779,7 @@
             <a:endParaRPr sz="1200"/>
           </a:p>
           <a:p>
-            <a:pPr indent="0" lvl="0" marL="0" rtl="0" algn="l">
+            <a:pPr marL="0" lvl="0" indent="0" algn="l" rtl="0">
               <a:spcBef>
                 <a:spcPts val="1200"/>
               </a:spcBef>
@@ -11240,13 +11789,13 @@
               <a:buNone/>
             </a:pPr>
             <a:r>
-              <a:rPr b="1" lang="zh-CN"/>
+              <a:rPr lang="zh-CN" b="1"/>
               <a:t>Dijkstra </a:t>
             </a:r>
             <a:endParaRPr b="1"/>
           </a:p>
           <a:p>
-            <a:pPr indent="0" lvl="0" marL="0" rtl="0" algn="l">
+            <a:pPr marL="0" lvl="0" indent="0" algn="l" rtl="0">
               <a:spcBef>
                 <a:spcPts val="1200"/>
               </a:spcBef>
@@ -11269,7 +11818,7 @@
             <a:endParaRPr/>
           </a:p>
           <a:p>
-            <a:pPr indent="0" lvl="0" marL="0" rtl="0" algn="l">
+            <a:pPr marL="0" lvl="0" indent="0" algn="l" rtl="0">
               <a:spcBef>
                 <a:spcPts val="1200"/>
               </a:spcBef>
@@ -11279,13 +11828,13 @@
               <a:buNone/>
             </a:pPr>
             <a:r>
-              <a:rPr b="1" lang="zh-CN"/>
+              <a:rPr lang="zh-CN" b="1"/>
               <a:t>Bellman-Ford</a:t>
             </a:r>
             <a:endParaRPr b="1"/>
           </a:p>
           <a:p>
-            <a:pPr indent="0" lvl="0" marL="0" rtl="0" algn="l">
+            <a:pPr marL="0" lvl="0" indent="0" algn="l" rtl="0">
               <a:spcBef>
                 <a:spcPts val="1200"/>
               </a:spcBef>
@@ -11308,7 +11857,7 @@
             <a:endParaRPr/>
           </a:p>
           <a:p>
-            <a:pPr indent="0" lvl="0" marL="0" rtl="0" algn="l">
+            <a:pPr marL="0" lvl="0" indent="0" algn="l" rtl="0">
               <a:spcBef>
                 <a:spcPts val="1200"/>
               </a:spcBef>
@@ -11324,7 +11873,7 @@
             <a:endParaRPr/>
           </a:p>
           <a:p>
-            <a:pPr indent="0" lvl="0" marL="0" rtl="0" algn="l">
+            <a:pPr marL="0" lvl="0" indent="0" algn="l" rtl="0">
               <a:spcBef>
                 <a:spcPts val="1200"/>
               </a:spcBef>
@@ -11333,9 +11882,6 @@
               </a:spcAft>
               <a:buNone/>
             </a:pPr>
-            <a:r>
-              <a:t/>
-            </a:r>
             <a:endParaRPr/>
           </a:p>
         </p:txBody>
@@ -11360,12 +11906,12 @@
           </a:ln>
         </p:spPr>
         <p:txBody>
-          <a:bodyPr anchorCtr="0" anchor="t" bIns="91425" lIns="91425" spcFirstLastPara="1" rIns="91425" wrap="square" tIns="91425">
+          <a:bodyPr spcFirstLastPara="1" wrap="square" lIns="91425" tIns="91425" rIns="91425" bIns="91425" anchor="t" anchorCtr="0">
             <a:spAutoFit/>
           </a:bodyPr>
           <a:lstStyle/>
           <a:p>
-            <a:pPr indent="0" lvl="0" marL="0" rtl="0" algn="l">
+            <a:pPr marL="0" lvl="0" indent="0" algn="l" rtl="0">
               <a:lnSpc>
                 <a:spcPct val="182608"/>
               </a:lnSpc>
@@ -11378,7 +11924,7 @@
               <a:buNone/>
             </a:pPr>
             <a:r>
-              <a:rPr b="1" lang="zh-CN" sz="1200">
+              <a:rPr lang="zh-CN" sz="1200" b="1">
                 <a:solidFill>
                   <a:srgbClr val="292929"/>
                 </a:solidFill>
@@ -11388,7 +11934,7 @@
               </a:rPr>
               <a:t>Edge Relaxation</a:t>
             </a:r>
-            <a:endParaRPr b="1" sz="1200">
+            <a:endParaRPr sz="1200" b="1">
               <a:solidFill>
                 <a:srgbClr val="292929"/>
               </a:solidFill>
@@ -11398,7 +11944,7 @@
             </a:endParaRPr>
           </a:p>
           <a:p>
-            <a:pPr indent="0" lvl="0" marL="0" rtl="0" algn="l">
+            <a:pPr marL="0" lvl="0" indent="0" algn="l" rtl="0">
               <a:spcBef>
                 <a:spcPts val="0"/>
               </a:spcBef>
@@ -11423,7 +11969,7 @@
               <a:t>For the edge from the vertex </a:t>
             </a:r>
             <a:r>
-              <a:rPr i="1" lang="zh-CN" sz="1200">
+              <a:rPr lang="zh-CN" sz="1200" i="1">
                 <a:solidFill>
                   <a:srgbClr val="292929"/>
                 </a:solidFill>
@@ -11453,7 +11999,7 @@
               <a:t> to the vertex </a:t>
             </a:r>
             <a:r>
-              <a:rPr i="1" lang="zh-CN" sz="1200">
+              <a:rPr lang="zh-CN" sz="1200" i="1">
                 <a:solidFill>
                   <a:srgbClr val="292929"/>
                 </a:solidFill>
@@ -11481,7 +12027,7 @@
             </a:endParaRPr>
           </a:p>
           <a:p>
-            <a:pPr indent="0" lvl="0" marL="0" rtl="0" algn="l">
+            <a:pPr marL="0" lvl="0" indent="0" algn="l" rtl="0">
               <a:spcBef>
                 <a:spcPts val="0"/>
               </a:spcBef>
@@ -11506,7 +12052,7 @@
               <a:t>if </a:t>
             </a:r>
             <a:r>
-              <a:rPr i="1" lang="zh-CN" sz="1200">
+              <a:rPr lang="zh-CN" sz="1200" i="1">
                 <a:solidFill>
                   <a:srgbClr val="292929"/>
                 </a:solidFill>
@@ -11536,7 +12082,7 @@
               <a:t>[</a:t>
             </a:r>
             <a:r>
-              <a:rPr i="1" lang="zh-CN" sz="1200">
+              <a:rPr lang="zh-CN" sz="1200" i="1">
                 <a:solidFill>
                   <a:srgbClr val="292929"/>
                 </a:solidFill>
@@ -11566,7 +12112,7 @@
               <a:t>]+</a:t>
             </a:r>
             <a:r>
-              <a:rPr i="1" lang="zh-CN" sz="1200">
+              <a:rPr lang="zh-CN" sz="1200" i="1">
                 <a:solidFill>
                   <a:srgbClr val="292929"/>
                 </a:solidFill>
@@ -11596,7 +12142,7 @@
               <a:t>(</a:t>
             </a:r>
             <a:r>
-              <a:rPr i="1" lang="zh-CN" sz="1200">
+              <a:rPr lang="zh-CN" sz="1200" i="1">
                 <a:solidFill>
                   <a:srgbClr val="292929"/>
                 </a:solidFill>
@@ -11626,7 +12172,7 @@
               <a:t>,</a:t>
             </a:r>
             <a:r>
-              <a:rPr i="1" lang="zh-CN" sz="1200">
+              <a:rPr lang="zh-CN" sz="1200" i="1">
                 <a:solidFill>
                   <a:srgbClr val="292929"/>
                 </a:solidFill>
@@ -11656,7 +12202,7 @@
               <a:t>)&lt;</a:t>
             </a:r>
             <a:r>
-              <a:rPr i="1" lang="zh-CN" sz="1200">
+              <a:rPr lang="zh-CN" sz="1200" i="1">
                 <a:solidFill>
                   <a:srgbClr val="292929"/>
                 </a:solidFill>
@@ -11686,7 +12232,7 @@
               <a:t>[</a:t>
             </a:r>
             <a:r>
-              <a:rPr i="1" lang="zh-CN" sz="1200">
+              <a:rPr lang="zh-CN" sz="1200" i="1">
                 <a:solidFill>
                   <a:srgbClr val="292929"/>
                 </a:solidFill>
@@ -11729,7 +12275,7 @@
             </a:endParaRPr>
           </a:p>
           <a:p>
-            <a:pPr indent="457200" lvl="0" marL="0" rtl="0" algn="l">
+            <a:pPr marL="0" lvl="0" indent="457200" algn="l" rtl="0">
               <a:spcBef>
                 <a:spcPts val="0"/>
               </a:spcBef>
@@ -11739,7 +12285,7 @@
               <a:buNone/>
             </a:pPr>
             <a:r>
-              <a:rPr i="1" lang="zh-CN" sz="1200">
+              <a:rPr lang="zh-CN" sz="1200" i="1">
                 <a:solidFill>
                   <a:srgbClr val="292929"/>
                 </a:solidFill>
@@ -11769,7 +12315,7 @@
               <a:t>[</a:t>
             </a:r>
             <a:r>
-              <a:rPr i="1" lang="zh-CN" sz="1200">
+              <a:rPr lang="zh-CN" sz="1200" i="1">
                 <a:solidFill>
                   <a:srgbClr val="292929"/>
                 </a:solidFill>
@@ -11799,7 +12345,7 @@
               <a:t>]+w(</a:t>
             </a:r>
             <a:r>
-              <a:rPr i="1" lang="zh-CN" sz="1200">
+              <a:rPr lang="zh-CN" sz="1200" i="1">
                 <a:solidFill>
                   <a:srgbClr val="292929"/>
                 </a:solidFill>
@@ -11829,7 +12375,7 @@
               <a:t>,</a:t>
             </a:r>
             <a:r>
-              <a:rPr i="1" lang="zh-CN" sz="1200">
+              <a:rPr lang="zh-CN" sz="1200" i="1">
                 <a:solidFill>
                   <a:srgbClr val="292929"/>
                 </a:solidFill>
@@ -11859,7 +12405,7 @@
               <a:t>)=</a:t>
             </a:r>
             <a:r>
-              <a:rPr i="1" lang="zh-CN" sz="1200">
+              <a:rPr lang="zh-CN" sz="1200" i="1">
                 <a:solidFill>
                   <a:srgbClr val="292929"/>
                 </a:solidFill>
@@ -11889,7 +12435,7 @@
               <a:t>[</a:t>
             </a:r>
             <a:r>
-              <a:rPr i="1" lang="zh-CN" sz="1200">
+              <a:rPr lang="zh-CN" sz="1200" i="1">
                 <a:solidFill>
                   <a:srgbClr val="292929"/>
                 </a:solidFill>
@@ -11916,22 +12462,7 @@
                 <a:cs typeface="Courier New"/>
                 <a:sym typeface="Courier New"/>
               </a:rPr>
-              <a:t>] </a:t>
-            </a:r>
-            <a:r>
-              <a:rPr lang="zh-CN" sz="1200">
-                <a:solidFill>
-                  <a:srgbClr val="292929"/>
-                </a:solidFill>
-                <a:highlight>
-                  <a:srgbClr val="F2F2F2"/>
-                </a:highlight>
-                <a:latin typeface="Courier New"/>
-                <a:ea typeface="Courier New"/>
-                <a:cs typeface="Courier New"/>
-                <a:sym typeface="Courier New"/>
-              </a:rPr>
-              <a:t> </a:t>
+              <a:t>]  </a:t>
             </a:r>
             <a:endParaRPr sz="1200">
               <a:latin typeface="Roboto"/>
@@ -11941,7 +12472,7 @@
             </a:endParaRPr>
           </a:p>
           <a:p>
-            <a:pPr indent="0" lvl="0" marL="0" rtl="0" algn="l">
+            <a:pPr marL="0" lvl="0" indent="0" algn="l" rtl="0">
               <a:spcBef>
                 <a:spcPts val="0"/>
               </a:spcBef>
@@ -11950,9 +12481,6 @@
               </a:spcAft>
               <a:buNone/>
             </a:pPr>
-            <a:r>
-              <a:t/>
-            </a:r>
             <a:endParaRPr sz="1200">
               <a:latin typeface="Roboto"/>
               <a:ea typeface="Roboto"/>
@@ -11971,11 +12499,11 @@
 </file>
 
 <file path=ppt/slides/slide4.xml><?xml version="1.0" encoding="utf-8"?>
-<p:sld xmlns:a="http://schemas.openxmlformats.org/drawingml/2006/main" xmlns:r="http://schemas.openxmlformats.org/officeDocument/2006/relationships" xmlns:mc="http://schemas.openxmlformats.org/markup-compatibility/2006" xmlns:mv="urn:schemas-microsoft-com:mac:vml" xmlns:p="http://schemas.openxmlformats.org/presentationml/2006/main" xmlns:c="http://schemas.openxmlformats.org/drawingml/2006/chart" xmlns:dgm="http://schemas.openxmlformats.org/drawingml/2006/diagram" xmlns:o="urn:schemas-microsoft-com:office:office" xmlns:v="urn:schemas-microsoft-com:vml" xmlns:pvml="urn:schemas-microsoft-com:office:powerpoint" xmlns:com="http://schemas.openxmlformats.org/drawingml/2006/compatibility" xmlns:p14="http://schemas.microsoft.com/office/powerpoint/2010/main" xmlns:p15="http://schemas.microsoft.com/office/powerpoint/2012/main" xmlns:ahyp="http://schemas.microsoft.com/office/drawing/2018/hyperlinkcolor">
+<p:sld xmlns:a="http://schemas.openxmlformats.org/drawingml/2006/main" xmlns:r="http://schemas.openxmlformats.org/officeDocument/2006/relationships" xmlns:p="http://schemas.openxmlformats.org/presentationml/2006/main">
   <p:cSld>
     <p:spTree>
       <p:nvGrpSpPr>
-        <p:cNvPr id="103" name="Shape 103"/>
+        <p:cNvPr id="1" name="Shape 103"/>
         <p:cNvGrpSpPr/>
         <p:nvPr/>
       </p:nvGrpSpPr>
@@ -11990,7 +12518,9 @@
       <p:sp>
         <p:nvSpPr>
           <p:cNvPr id="104" name="Google Shape;104;p16"/>
-          <p:cNvSpPr txBox="1"/>
+          <p:cNvSpPr txBox="1">
+            <a:spLocks noGrp="1"/>
+          </p:cNvSpPr>
           <p:nvPr>
             <p:ph type="title"/>
           </p:nvPr>
@@ -12005,12 +12535,12 @@
           </a:prstGeom>
         </p:spPr>
         <p:txBody>
-          <a:bodyPr anchorCtr="0" anchor="t" bIns="91425" lIns="91425" spcFirstLastPara="1" rIns="91425" wrap="square" tIns="91425">
+          <a:bodyPr spcFirstLastPara="1" wrap="square" lIns="91425" tIns="91425" rIns="91425" bIns="91425" anchor="t" anchorCtr="0">
             <a:normAutofit fontScale="90000"/>
           </a:bodyPr>
           <a:lstStyle/>
           <a:p>
-            <a:pPr indent="0" lvl="0" marL="0" rtl="0" algn="l">
+            <a:pPr marL="0" lvl="0" indent="0" algn="l" rtl="0">
               <a:spcBef>
                 <a:spcPts val="0"/>
               </a:spcBef>
@@ -12030,9 +12560,11 @@
       <p:sp>
         <p:nvSpPr>
           <p:cNvPr id="105" name="Google Shape;105;p16"/>
-          <p:cNvSpPr txBox="1"/>
+          <p:cNvSpPr txBox="1">
+            <a:spLocks noGrp="1"/>
+          </p:cNvSpPr>
           <p:nvPr>
-            <p:ph idx="1" type="body"/>
+            <p:ph type="body" idx="1"/>
           </p:nvPr>
         </p:nvSpPr>
         <p:spPr>
@@ -12045,12 +12577,12 @@
           </a:prstGeom>
         </p:spPr>
         <p:txBody>
-          <a:bodyPr anchorCtr="0" anchor="t" bIns="91425" lIns="91425" spcFirstLastPara="1" rIns="91425" wrap="square" tIns="91425">
+          <a:bodyPr spcFirstLastPara="1" wrap="square" lIns="91425" tIns="91425" rIns="91425" bIns="91425" anchor="t" anchorCtr="0">
             <a:normAutofit/>
           </a:bodyPr>
           <a:lstStyle/>
           <a:p>
-            <a:pPr indent="0" lvl="0" marL="0" rtl="0" algn="l">
+            <a:pPr marL="0" lvl="0" indent="0" algn="l" rtl="0">
               <a:spcBef>
                 <a:spcPts val="0"/>
               </a:spcBef>
@@ -12066,7 +12598,7 @@
             <a:endParaRPr/>
           </a:p>
           <a:p>
-            <a:pPr indent="0" lvl="0" marL="0" rtl="0" algn="l">
+            <a:pPr marL="0" lvl="0" indent="0" algn="l" rtl="0">
               <a:spcBef>
                 <a:spcPts val="1200"/>
               </a:spcBef>
@@ -12082,7 +12614,7 @@
             <a:endParaRPr/>
           </a:p>
           <a:p>
-            <a:pPr indent="0" lvl="0" marL="0" rtl="0" algn="l">
+            <a:pPr marL="0" lvl="0" indent="0" algn="l" rtl="0">
               <a:lnSpc>
                 <a:spcPct val="100000"/>
               </a:lnSpc>
@@ -12094,9 +12626,6 @@
               </a:spcAft>
               <a:buNone/>
             </a:pPr>
-            <a:r>
-              <a:t/>
-            </a:r>
             <a:endParaRPr sz="1400">
               <a:solidFill>
                 <a:srgbClr val="000000"/>
@@ -12104,7 +12633,7 @@
             </a:endParaRPr>
           </a:p>
           <a:p>
-            <a:pPr indent="0" lvl="0" marL="0" rtl="0" algn="l">
+            <a:pPr marL="0" lvl="0" indent="0" algn="l" rtl="0">
               <a:spcBef>
                 <a:spcPts val="0"/>
               </a:spcBef>
@@ -12113,13 +12642,10 @@
               </a:spcAft>
               <a:buNone/>
             </a:pPr>
-            <a:r>
-              <a:t/>
-            </a:r>
             <a:endParaRPr/>
           </a:p>
           <a:p>
-            <a:pPr indent="0" lvl="0" marL="0" rtl="0" algn="l">
+            <a:pPr marL="0" lvl="0" indent="0" algn="l" rtl="0">
               <a:spcBef>
                 <a:spcPts val="1200"/>
               </a:spcBef>
@@ -12128,13 +12654,10 @@
               </a:spcAft>
               <a:buNone/>
             </a:pPr>
-            <a:r>
-              <a:t/>
-            </a:r>
             <a:endParaRPr/>
           </a:p>
           <a:p>
-            <a:pPr indent="0" lvl="0" marL="0" rtl="0" algn="l">
+            <a:pPr marL="0" lvl="0" indent="0" algn="l" rtl="0">
               <a:spcBef>
                 <a:spcPts val="1200"/>
               </a:spcBef>
@@ -12143,9 +12666,6 @@
               </a:spcAft>
               <a:buNone/>
             </a:pPr>
-            <a:r>
-              <a:t/>
-            </a:r>
             <a:endParaRPr/>
           </a:p>
         </p:txBody>
@@ -12167,23 +12687,23 @@
           <a:solidFill>
             <a:srgbClr val="B6D7A8"/>
           </a:solidFill>
-          <a:ln cap="flat" cmpd="sng" w="9525">
+          <a:ln w="9525" cap="flat" cmpd="sng">
             <a:solidFill>
               <a:schemeClr val="dk2"/>
             </a:solidFill>
             <a:prstDash val="solid"/>
             <a:round/>
-            <a:headEnd len="sm" w="sm" type="none"/>
-            <a:tailEnd len="sm" w="sm" type="none"/>
+            <a:headEnd type="none" w="sm" len="sm"/>
+            <a:tailEnd type="none" w="sm" len="sm"/>
           </a:ln>
         </p:spPr>
         <p:txBody>
-          <a:bodyPr anchorCtr="0" anchor="ctr" bIns="91425" lIns="91425" spcFirstLastPara="1" rIns="91425" wrap="square" tIns="91425">
+          <a:bodyPr spcFirstLastPara="1" wrap="square" lIns="91425" tIns="91425" rIns="91425" bIns="91425" anchor="ctr" anchorCtr="0">
             <a:noAutofit/>
           </a:bodyPr>
           <a:lstStyle/>
           <a:p>
-            <a:pPr indent="0" lvl="0" marL="0" rtl="0" algn="l">
+            <a:pPr marL="0" lvl="0" indent="0" algn="l" rtl="0">
               <a:spcBef>
                 <a:spcPts val="0"/>
               </a:spcBef>
@@ -12192,9 +12712,6 @@
               </a:spcAft>
               <a:buNone/>
             </a:pPr>
-            <a:r>
-              <a:t/>
-            </a:r>
             <a:endParaRPr/>
           </a:p>
         </p:txBody>
@@ -12216,23 +12733,23 @@
           <a:solidFill>
             <a:srgbClr val="4A86E8"/>
           </a:solidFill>
-          <a:ln cap="flat" cmpd="sng" w="9525">
+          <a:ln w="9525" cap="flat" cmpd="sng">
             <a:solidFill>
               <a:schemeClr val="dk2"/>
             </a:solidFill>
             <a:prstDash val="solid"/>
             <a:round/>
-            <a:headEnd len="sm" w="sm" type="none"/>
-            <a:tailEnd len="sm" w="sm" type="none"/>
+            <a:headEnd type="none" w="sm" len="sm"/>
+            <a:tailEnd type="none" w="sm" len="sm"/>
           </a:ln>
         </p:spPr>
         <p:txBody>
-          <a:bodyPr anchorCtr="0" anchor="ctr" bIns="91425" lIns="91425" spcFirstLastPara="1" rIns="91425" wrap="square" tIns="91425">
+          <a:bodyPr spcFirstLastPara="1" wrap="square" lIns="91425" tIns="91425" rIns="91425" bIns="91425" anchor="ctr" anchorCtr="0">
             <a:noAutofit/>
           </a:bodyPr>
           <a:lstStyle/>
           <a:p>
-            <a:pPr indent="0" lvl="0" marL="0" rtl="0" algn="l">
+            <a:pPr marL="0" lvl="0" indent="0" algn="l" rtl="0">
               <a:spcBef>
                 <a:spcPts val="0"/>
               </a:spcBef>
@@ -12241,9 +12758,6 @@
               </a:spcAft>
               <a:buNone/>
             </a:pPr>
-            <a:r>
-              <a:t/>
-            </a:r>
             <a:endParaRPr/>
           </a:p>
         </p:txBody>
@@ -12265,23 +12779,23 @@
           <a:solidFill>
             <a:srgbClr val="CCCCCC"/>
           </a:solidFill>
-          <a:ln cap="flat" cmpd="sng" w="9525">
+          <a:ln w="9525" cap="flat" cmpd="sng">
             <a:solidFill>
               <a:schemeClr val="dk2"/>
             </a:solidFill>
             <a:prstDash val="solid"/>
             <a:round/>
-            <a:headEnd len="sm" w="sm" type="none"/>
-            <a:tailEnd len="sm" w="sm" type="none"/>
+            <a:headEnd type="none" w="sm" len="sm"/>
+            <a:tailEnd type="none" w="sm" len="sm"/>
           </a:ln>
         </p:spPr>
         <p:txBody>
-          <a:bodyPr anchorCtr="0" anchor="ctr" bIns="91425" lIns="91425" spcFirstLastPara="1" rIns="91425" wrap="square" tIns="91425">
+          <a:bodyPr spcFirstLastPara="1" wrap="square" lIns="91425" tIns="91425" rIns="91425" bIns="91425" anchor="ctr" anchorCtr="0">
             <a:noAutofit/>
           </a:bodyPr>
           <a:lstStyle/>
           <a:p>
-            <a:pPr indent="0" lvl="0" marL="0" rtl="0" algn="ctr">
+            <a:pPr marL="0" lvl="0" indent="0" algn="ctr" rtl="0">
               <a:spcBef>
                 <a:spcPts val="0"/>
               </a:spcBef>
@@ -12318,12 +12832,12 @@
           </a:ln>
         </p:spPr>
         <p:txBody>
-          <a:bodyPr anchorCtr="0" anchor="t" bIns="91425" lIns="91425" spcFirstLastPara="1" rIns="91425" wrap="square" tIns="91425">
+          <a:bodyPr spcFirstLastPara="1" wrap="square" lIns="91425" tIns="91425" rIns="91425" bIns="91425" anchor="t" anchorCtr="0">
             <a:spAutoFit/>
           </a:bodyPr>
           <a:lstStyle/>
           <a:p>
-            <a:pPr indent="0" lvl="0" marL="0" rtl="0" algn="l">
+            <a:pPr marL="0" lvl="0" indent="0" algn="l" rtl="0">
               <a:spcBef>
                 <a:spcPts val="0"/>
               </a:spcBef>
@@ -12368,14 +12882,14 @@
             <a:avLst/>
           </a:prstGeom>
           <a:noFill/>
-          <a:ln cap="flat" cmpd="sng" w="9525">
+          <a:ln w="9525" cap="flat" cmpd="sng">
             <a:solidFill>
               <a:schemeClr val="dk2"/>
             </a:solidFill>
             <a:prstDash val="solid"/>
             <a:round/>
-            <a:headEnd len="med" w="med" type="none"/>
-            <a:tailEnd len="med" w="med" type="triangle"/>
+            <a:headEnd type="none" w="med" len="med"/>
+            <a:tailEnd type="triangle" w="med" len="med"/>
           </a:ln>
         </p:spPr>
       </p:cxnSp>
@@ -12396,23 +12910,23 @@
           <a:solidFill>
             <a:schemeClr val="lt2"/>
           </a:solidFill>
-          <a:ln cap="flat" cmpd="sng" w="9525">
+          <a:ln w="9525" cap="flat" cmpd="sng">
             <a:solidFill>
               <a:schemeClr val="dk2"/>
             </a:solidFill>
             <a:prstDash val="solid"/>
             <a:round/>
-            <a:headEnd len="sm" w="sm" type="none"/>
-            <a:tailEnd len="sm" w="sm" type="none"/>
+            <a:headEnd type="none" w="sm" len="sm"/>
+            <a:tailEnd type="none" w="sm" len="sm"/>
           </a:ln>
         </p:spPr>
         <p:txBody>
-          <a:bodyPr anchorCtr="0" anchor="ctr" bIns="91425" lIns="91425" spcFirstLastPara="1" rIns="91425" wrap="square" tIns="91425">
+          <a:bodyPr spcFirstLastPara="1" wrap="square" lIns="91425" tIns="91425" rIns="91425" bIns="91425" anchor="ctr" anchorCtr="0">
             <a:noAutofit/>
           </a:bodyPr>
           <a:lstStyle/>
           <a:p>
-            <a:pPr indent="0" lvl="0" marL="0" rtl="0" algn="l">
+            <a:pPr marL="0" lvl="0" indent="0" algn="l" rtl="0">
               <a:spcBef>
                 <a:spcPts val="0"/>
               </a:spcBef>
@@ -12421,9 +12935,6 @@
               </a:spcAft>
               <a:buNone/>
             </a:pPr>
-            <a:r>
-              <a:t/>
-            </a:r>
             <a:endParaRPr/>
           </a:p>
         </p:txBody>
@@ -12448,12 +12959,12 @@
           </a:ln>
         </p:spPr>
         <p:txBody>
-          <a:bodyPr anchorCtr="0" anchor="t" bIns="91425" lIns="91425" spcFirstLastPara="1" rIns="91425" wrap="square" tIns="91425">
+          <a:bodyPr spcFirstLastPara="1" wrap="square" lIns="91425" tIns="91425" rIns="91425" bIns="91425" anchor="t" anchorCtr="0">
             <a:spAutoFit/>
           </a:bodyPr>
           <a:lstStyle/>
           <a:p>
-            <a:pPr indent="0" lvl="0" marL="0" rtl="0" algn="l">
+            <a:pPr marL="0" lvl="0" indent="0" algn="l" rtl="0">
               <a:spcBef>
                 <a:spcPts val="0"/>
               </a:spcBef>
@@ -12498,14 +13009,14 @@
             <a:avLst/>
           </a:prstGeom>
           <a:noFill/>
-          <a:ln cap="flat" cmpd="sng" w="9525">
+          <a:ln w="9525" cap="flat" cmpd="sng">
             <a:solidFill>
               <a:schemeClr val="dk2"/>
             </a:solidFill>
             <a:prstDash val="solid"/>
             <a:round/>
-            <a:headEnd len="med" w="med" type="none"/>
-            <a:tailEnd len="med" w="med" type="none"/>
+            <a:headEnd type="none" w="med" len="med"/>
+            <a:tailEnd type="none" w="med" len="med"/>
           </a:ln>
         </p:spPr>
       </p:cxnSp>
@@ -12529,12 +13040,12 @@
           </a:ln>
         </p:spPr>
         <p:txBody>
-          <a:bodyPr anchorCtr="0" anchor="t" bIns="91425" lIns="91425" spcFirstLastPara="1" rIns="91425" wrap="square" tIns="91425">
+          <a:bodyPr spcFirstLastPara="1" wrap="square" lIns="91425" tIns="91425" rIns="91425" bIns="91425" anchor="t" anchorCtr="0">
             <a:spAutoFit/>
           </a:bodyPr>
           <a:lstStyle/>
           <a:p>
-            <a:pPr indent="0" lvl="0" marL="0" rtl="0" algn="l">
+            <a:pPr marL="0" lvl="0" indent="0" algn="l" rtl="0">
               <a:lnSpc>
                 <a:spcPct val="115000"/>
               </a:lnSpc>
@@ -12569,7 +13080,7 @@
             </a:endParaRPr>
           </a:p>
           <a:p>
-            <a:pPr indent="0" lvl="0" marL="0" rtl="0" algn="l">
+            <a:pPr marL="0" lvl="0" indent="0" algn="l" rtl="0">
               <a:lnSpc>
                 <a:spcPct val="115000"/>
               </a:lnSpc>
@@ -12621,19 +13132,19 @@
           </a:xfrm>
           <a:prstGeom prst="bentConnector4">
             <a:avLst>
-              <a:gd fmla="val -87417" name="adj1"/>
-              <a:gd fmla="val 89430" name="adj2"/>
+              <a:gd name="adj1" fmla="val -87417"/>
+              <a:gd name="adj2" fmla="val 89430"/>
             </a:avLst>
           </a:prstGeom>
           <a:noFill/>
-          <a:ln cap="flat" cmpd="sng" w="9525">
+          <a:ln w="9525" cap="flat" cmpd="sng">
             <a:solidFill>
               <a:schemeClr val="dk2"/>
             </a:solidFill>
             <a:prstDash val="solid"/>
             <a:round/>
-            <a:headEnd len="med" w="med" type="none"/>
-            <a:tailEnd len="med" w="med" type="none"/>
+            <a:headEnd type="none" w="med" len="med"/>
+            <a:tailEnd type="none" w="med" len="med"/>
           </a:ln>
         </p:spPr>
       </p:cxnSp>
@@ -12657,12 +13168,12 @@
           </a:ln>
         </p:spPr>
         <p:txBody>
-          <a:bodyPr anchorCtr="0" anchor="t" bIns="91425" lIns="91425" spcFirstLastPara="1" rIns="91425" wrap="square" tIns="91425">
+          <a:bodyPr spcFirstLastPara="1" wrap="square" lIns="91425" tIns="91425" rIns="91425" bIns="91425" anchor="t" anchorCtr="0">
             <a:spAutoFit/>
           </a:bodyPr>
           <a:lstStyle/>
           <a:p>
-            <a:pPr indent="0" lvl="0" marL="0" rtl="0" algn="l">
+            <a:pPr marL="0" lvl="0" indent="0" algn="l" rtl="0">
               <a:spcBef>
                 <a:spcPts val="0"/>
               </a:spcBef>
@@ -12688,7 +13199,7 @@
             </a:endParaRPr>
           </a:p>
           <a:p>
-            <a:pPr indent="0" lvl="0" marL="0" rtl="0" algn="l">
+            <a:pPr marL="0" lvl="0" indent="0" algn="l" rtl="0">
               <a:spcBef>
                 <a:spcPts val="0"/>
               </a:spcBef>
@@ -12724,11 +13235,11 @@
 </file>
 
 <file path=ppt/slides/slide5.xml><?xml version="1.0" encoding="utf-8"?>
-<p:sld xmlns:a="http://schemas.openxmlformats.org/drawingml/2006/main" xmlns:r="http://schemas.openxmlformats.org/officeDocument/2006/relationships" xmlns:mc="http://schemas.openxmlformats.org/markup-compatibility/2006" xmlns:mv="urn:schemas-microsoft-com:mac:vml" xmlns:p="http://schemas.openxmlformats.org/presentationml/2006/main" xmlns:c="http://schemas.openxmlformats.org/drawingml/2006/chart" xmlns:dgm="http://schemas.openxmlformats.org/drawingml/2006/diagram" xmlns:o="urn:schemas-microsoft-com:office:office" xmlns:v="urn:schemas-microsoft-com:vml" xmlns:pvml="urn:schemas-microsoft-com:office:powerpoint" xmlns:com="http://schemas.openxmlformats.org/drawingml/2006/compatibility" xmlns:p14="http://schemas.microsoft.com/office/powerpoint/2010/main" xmlns:p15="http://schemas.microsoft.com/office/powerpoint/2012/main" xmlns:ahyp="http://schemas.microsoft.com/office/drawing/2018/hyperlinkcolor">
+<p:sld xmlns:a="http://schemas.openxmlformats.org/drawingml/2006/main" xmlns:r="http://schemas.openxmlformats.org/officeDocument/2006/relationships" xmlns:p="http://schemas.openxmlformats.org/presentationml/2006/main">
   <p:cSld>
     <p:spTree>
       <p:nvGrpSpPr>
-        <p:cNvPr id="120" name="Shape 120"/>
+        <p:cNvPr id="1" name="Shape 120"/>
         <p:cNvGrpSpPr/>
         <p:nvPr/>
       </p:nvGrpSpPr>
@@ -12743,7 +13254,9 @@
       <p:sp>
         <p:nvSpPr>
           <p:cNvPr id="121" name="Google Shape;121;p17"/>
-          <p:cNvSpPr txBox="1"/>
+          <p:cNvSpPr txBox="1">
+            <a:spLocks noGrp="1"/>
+          </p:cNvSpPr>
           <p:nvPr>
             <p:ph type="title"/>
           </p:nvPr>
@@ -12758,12 +13271,12 @@
           </a:prstGeom>
         </p:spPr>
         <p:txBody>
-          <a:bodyPr anchorCtr="0" anchor="t" bIns="91425" lIns="91425" spcFirstLastPara="1" rIns="91425" wrap="square" tIns="91425">
+          <a:bodyPr spcFirstLastPara="1" wrap="square" lIns="91425" tIns="91425" rIns="91425" bIns="91425" anchor="t" anchorCtr="0">
             <a:normAutofit fontScale="90000"/>
           </a:bodyPr>
           <a:lstStyle/>
           <a:p>
-            <a:pPr indent="0" lvl="0" marL="0" rtl="0" algn="l">
+            <a:pPr marL="0" lvl="0" indent="0" algn="l" rtl="0">
               <a:spcBef>
                 <a:spcPts val="0"/>
               </a:spcBef>
@@ -12783,9 +13296,11 @@
       <p:sp>
         <p:nvSpPr>
           <p:cNvPr id="122" name="Google Shape;122;p17"/>
-          <p:cNvSpPr txBox="1"/>
+          <p:cNvSpPr txBox="1">
+            <a:spLocks noGrp="1"/>
+          </p:cNvSpPr>
           <p:nvPr>
-            <p:ph idx="1" type="body"/>
+            <p:ph type="body" idx="1"/>
           </p:nvPr>
         </p:nvSpPr>
         <p:spPr>
@@ -12798,12 +13313,12 @@
           </a:prstGeom>
         </p:spPr>
         <p:txBody>
-          <a:bodyPr anchorCtr="0" anchor="t" bIns="91425" lIns="91425" spcFirstLastPara="1" rIns="91425" wrap="square" tIns="91425">
+          <a:bodyPr spcFirstLastPara="1" wrap="square" lIns="91425" tIns="91425" rIns="91425" bIns="91425" anchor="t" anchorCtr="0">
             <a:normAutofit/>
           </a:bodyPr>
           <a:lstStyle/>
           <a:p>
-            <a:pPr indent="0" lvl="0" marL="0" rtl="0" algn="l">
+            <a:pPr marL="0" lvl="0" indent="0" algn="l" rtl="0">
               <a:spcBef>
                 <a:spcPts val="0"/>
               </a:spcBef>
@@ -12812,9 +13327,6 @@
               </a:spcAft>
               <a:buNone/>
             </a:pPr>
-            <a:r>
-              <a:t/>
-            </a:r>
             <a:endParaRPr/>
           </a:p>
         </p:txBody>
@@ -12856,11 +13368,11 @@
 </file>
 
 <file path=ppt/slides/slide6.xml><?xml version="1.0" encoding="utf-8"?>
-<p:sld xmlns:a="http://schemas.openxmlformats.org/drawingml/2006/main" xmlns:r="http://schemas.openxmlformats.org/officeDocument/2006/relationships" xmlns:mc="http://schemas.openxmlformats.org/markup-compatibility/2006" xmlns:mv="urn:schemas-microsoft-com:mac:vml" xmlns:p="http://schemas.openxmlformats.org/presentationml/2006/main" xmlns:c="http://schemas.openxmlformats.org/drawingml/2006/chart" xmlns:dgm="http://schemas.openxmlformats.org/drawingml/2006/diagram" xmlns:o="urn:schemas-microsoft-com:office:office" xmlns:v="urn:schemas-microsoft-com:vml" xmlns:pvml="urn:schemas-microsoft-com:office:powerpoint" xmlns:com="http://schemas.openxmlformats.org/drawingml/2006/compatibility" xmlns:p14="http://schemas.microsoft.com/office/powerpoint/2010/main" xmlns:p15="http://schemas.microsoft.com/office/powerpoint/2012/main" xmlns:ahyp="http://schemas.microsoft.com/office/drawing/2018/hyperlinkcolor">
+<p:sld xmlns:a="http://schemas.openxmlformats.org/drawingml/2006/main" xmlns:r="http://schemas.openxmlformats.org/officeDocument/2006/relationships" xmlns:p="http://schemas.openxmlformats.org/presentationml/2006/main">
   <p:cSld>
     <p:spTree>
       <p:nvGrpSpPr>
-        <p:cNvPr id="127" name="Shape 127"/>
+        <p:cNvPr id="1" name="Shape 127"/>
         <p:cNvGrpSpPr/>
         <p:nvPr/>
       </p:nvGrpSpPr>
@@ -12875,7 +13387,9 @@
       <p:sp>
         <p:nvSpPr>
           <p:cNvPr id="128" name="Google Shape;128;p18"/>
-          <p:cNvSpPr txBox="1"/>
+          <p:cNvSpPr txBox="1">
+            <a:spLocks noGrp="1"/>
+          </p:cNvSpPr>
           <p:nvPr>
             <p:ph type="title"/>
           </p:nvPr>
@@ -12890,12 +13404,12 @@
           </a:prstGeom>
         </p:spPr>
         <p:txBody>
-          <a:bodyPr anchorCtr="0" anchor="t" bIns="91425" lIns="91425" spcFirstLastPara="1" rIns="91425" wrap="square" tIns="91425">
+          <a:bodyPr spcFirstLastPara="1" wrap="square" lIns="91425" tIns="91425" rIns="91425" bIns="91425" anchor="t" anchorCtr="0">
             <a:normAutofit fontScale="90000"/>
           </a:bodyPr>
           <a:lstStyle/>
           <a:p>
-            <a:pPr indent="0" lvl="0" marL="0" rtl="0" algn="l">
+            <a:pPr marL="0" lvl="0" indent="0" algn="l" rtl="0">
               <a:spcBef>
                 <a:spcPts val="0"/>
               </a:spcBef>
@@ -12906,16 +13420,12 @@
             </a:pPr>
             <a:r>
               <a:rPr lang="zh-CN"/>
-              <a:t>Summary of </a:t>
-            </a:r>
-            <a:r>
-              <a:rPr lang="zh-CN"/>
-              <a:t>Δ-stepping</a:t>
+              <a:t>Summary of Δ-stepping</a:t>
             </a:r>
             <a:endParaRPr/>
           </a:p>
           <a:p>
-            <a:pPr indent="0" lvl="0" marL="0" rtl="0" algn="l">
+            <a:pPr marL="0" lvl="0" indent="0" algn="l" rtl="0">
               <a:spcBef>
                 <a:spcPts val="0"/>
               </a:spcBef>
@@ -12935,9 +13445,11 @@
       <p:sp>
         <p:nvSpPr>
           <p:cNvPr id="129" name="Google Shape;129;p18"/>
-          <p:cNvSpPr txBox="1"/>
+          <p:cNvSpPr txBox="1">
+            <a:spLocks noGrp="1"/>
+          </p:cNvSpPr>
           <p:nvPr>
-            <p:ph idx="1" type="body"/>
+            <p:ph type="body" idx="1"/>
           </p:nvPr>
         </p:nvSpPr>
         <p:spPr>
@@ -12950,12 +13462,12 @@
           </a:prstGeom>
         </p:spPr>
         <p:txBody>
-          <a:bodyPr anchorCtr="0" anchor="t" bIns="91425" lIns="91425" spcFirstLastPara="1" rIns="91425" wrap="square" tIns="91425">
+          <a:bodyPr spcFirstLastPara="1" wrap="square" lIns="91425" tIns="91425" rIns="91425" bIns="91425" anchor="t" anchorCtr="0">
             <a:normAutofit/>
           </a:bodyPr>
           <a:lstStyle/>
           <a:p>
-            <a:pPr indent="0" lvl="0" marL="0" rtl="0" algn="l">
+            <a:pPr marL="0" lvl="0" indent="0" algn="l" rtl="0">
               <a:spcBef>
                 <a:spcPts val="0"/>
               </a:spcBef>
@@ -12966,16 +13478,12 @@
             </a:pPr>
             <a:r>
               <a:rPr lang="zh-CN"/>
-              <a:t>Δ-stepping algorithm</a:t>
-            </a:r>
-            <a:r>
-              <a:rPr lang="zh-CN"/>
-              <a:t>: a game changing method</a:t>
+              <a:t>Δ-stepping algorithm: a game changing method</a:t>
             </a:r>
             <a:endParaRPr/>
           </a:p>
           <a:p>
-            <a:pPr indent="0" lvl="0" marL="0" rtl="0" algn="l">
+            <a:pPr marL="0" lvl="0" indent="0" algn="l" rtl="0">
               <a:spcBef>
                 <a:spcPts val="1200"/>
               </a:spcBef>
@@ -12989,7 +13497,7 @@
               <a:t>∆&lt;= </a:t>
             </a:r>
             <a:r>
-              <a:rPr i="1" lang="zh-CN"/>
+              <a:rPr lang="zh-CN" i="1"/>
               <a:t>min</a:t>
             </a:r>
             <a:r>
@@ -12999,7 +13507,7 @@
             <a:endParaRPr/>
           </a:p>
           <a:p>
-            <a:pPr indent="0" lvl="0" marL="0" rtl="0" algn="l">
+            <a:pPr marL="0" lvl="0" indent="0" algn="l" rtl="0">
               <a:spcBef>
                 <a:spcPts val="1200"/>
               </a:spcBef>
@@ -13013,7 +13521,7 @@
               <a:t>∆=&gt; </a:t>
             </a:r>
             <a:r>
-              <a:rPr i="1" lang="zh-CN"/>
+              <a:rPr lang="zh-CN" i="1"/>
               <a:t>max</a:t>
             </a:r>
             <a:r>
@@ -13023,7 +13531,7 @@
             <a:endParaRPr/>
           </a:p>
           <a:p>
-            <a:pPr indent="0" lvl="0" marL="0" rtl="0" algn="l">
+            <a:pPr marL="0" lvl="0" indent="0" algn="l" rtl="0">
               <a:spcBef>
                 <a:spcPts val="1200"/>
               </a:spcBef>
@@ -13049,11 +13557,11 @@
 </file>
 
 <file path=ppt/slides/slide7.xml><?xml version="1.0" encoding="utf-8"?>
-<p:sld xmlns:a="http://schemas.openxmlformats.org/drawingml/2006/main" xmlns:r="http://schemas.openxmlformats.org/officeDocument/2006/relationships" xmlns:mc="http://schemas.openxmlformats.org/markup-compatibility/2006" xmlns:mv="urn:schemas-microsoft-com:mac:vml" xmlns:p="http://schemas.openxmlformats.org/presentationml/2006/main" xmlns:c="http://schemas.openxmlformats.org/drawingml/2006/chart" xmlns:dgm="http://schemas.openxmlformats.org/drawingml/2006/diagram" xmlns:o="urn:schemas-microsoft-com:office:office" xmlns:v="urn:schemas-microsoft-com:vml" xmlns:pvml="urn:schemas-microsoft-com:office:powerpoint" xmlns:com="http://schemas.openxmlformats.org/drawingml/2006/compatibility" xmlns:p14="http://schemas.microsoft.com/office/powerpoint/2010/main" xmlns:p15="http://schemas.microsoft.com/office/powerpoint/2012/main" xmlns:ahyp="http://schemas.microsoft.com/office/drawing/2018/hyperlinkcolor">
+<p:sld xmlns:a="http://schemas.openxmlformats.org/drawingml/2006/main" xmlns:r="http://schemas.openxmlformats.org/officeDocument/2006/relationships" xmlns:p="http://schemas.openxmlformats.org/presentationml/2006/main">
   <p:cSld>
     <p:spTree>
       <p:nvGrpSpPr>
-        <p:cNvPr id="133" name="Shape 133"/>
+        <p:cNvPr id="1" name="Shape 133"/>
         <p:cNvGrpSpPr/>
         <p:nvPr/>
       </p:nvGrpSpPr>
@@ -13068,7 +13576,9 @@
       <p:sp>
         <p:nvSpPr>
           <p:cNvPr id="134" name="Google Shape;134;p19"/>
-          <p:cNvSpPr txBox="1"/>
+          <p:cNvSpPr txBox="1">
+            <a:spLocks noGrp="1"/>
+          </p:cNvSpPr>
           <p:nvPr>
             <p:ph type="title"/>
           </p:nvPr>
@@ -13083,12 +13593,12 @@
           </a:prstGeom>
         </p:spPr>
         <p:txBody>
-          <a:bodyPr anchorCtr="0" anchor="t" bIns="91425" lIns="91425" spcFirstLastPara="1" rIns="91425" wrap="square" tIns="91425">
+          <a:bodyPr spcFirstLastPara="1" wrap="square" lIns="91425" tIns="91425" rIns="91425" bIns="91425" anchor="t" anchorCtr="0">
             <a:normAutofit fontScale="90000"/>
           </a:bodyPr>
           <a:lstStyle/>
           <a:p>
-            <a:pPr indent="0" lvl="0" marL="0" rtl="0" algn="l">
+            <a:pPr marL="0" lvl="0" indent="0" algn="l" rtl="0">
               <a:spcBef>
                 <a:spcPts val="0"/>
               </a:spcBef>
@@ -13108,9 +13618,11 @@
       <p:sp>
         <p:nvSpPr>
           <p:cNvPr id="135" name="Google Shape;135;p19"/>
-          <p:cNvSpPr txBox="1"/>
+          <p:cNvSpPr txBox="1">
+            <a:spLocks noGrp="1"/>
+          </p:cNvSpPr>
           <p:nvPr>
-            <p:ph idx="1" type="body"/>
+            <p:ph type="body" idx="1"/>
           </p:nvPr>
         </p:nvSpPr>
         <p:spPr>
@@ -13123,12 +13635,12 @@
           </a:prstGeom>
         </p:spPr>
         <p:txBody>
-          <a:bodyPr anchorCtr="0" anchor="t" bIns="91425" lIns="91425" spcFirstLastPara="1" rIns="91425" wrap="square" tIns="91425">
+          <a:bodyPr spcFirstLastPara="1" wrap="square" lIns="91425" tIns="91425" rIns="91425" bIns="91425" anchor="t" anchorCtr="0">
             <a:normAutofit/>
           </a:bodyPr>
           <a:lstStyle/>
           <a:p>
-            <a:pPr indent="0" lvl="0" marL="0" rtl="0" algn="l">
+            <a:pPr marL="0" lvl="0" indent="0" algn="l" rtl="0">
               <a:spcBef>
                 <a:spcPts val="0"/>
               </a:spcBef>
@@ -13138,7 +13650,7 @@
               <a:buNone/>
             </a:pPr>
             <a:r>
-              <a:rPr b="1" lang="zh-CN"/>
+              <a:rPr lang="zh-CN" b="1"/>
               <a:t>This framework requires two user-defined functions, ExtDist and FinishCheck. Many SSSP algorithms can be instantiated by plugging in different ExtDist and FinishCheck functions</a:t>
             </a:r>
             <a:endParaRPr b="1"/>
@@ -13182,11 +13694,11 @@
 </file>
 
 <file path=ppt/slides/slide8.xml><?xml version="1.0" encoding="utf-8"?>
-<p:sld xmlns:a="http://schemas.openxmlformats.org/drawingml/2006/main" xmlns:r="http://schemas.openxmlformats.org/officeDocument/2006/relationships" xmlns:mc="http://schemas.openxmlformats.org/markup-compatibility/2006" xmlns:mv="urn:schemas-microsoft-com:mac:vml" xmlns:p="http://schemas.openxmlformats.org/presentationml/2006/main" xmlns:c="http://schemas.openxmlformats.org/drawingml/2006/chart" xmlns:dgm="http://schemas.openxmlformats.org/drawingml/2006/diagram" xmlns:o="urn:schemas-microsoft-com:office:office" xmlns:v="urn:schemas-microsoft-com:vml" xmlns:pvml="urn:schemas-microsoft-com:office:powerpoint" xmlns:com="http://schemas.openxmlformats.org/drawingml/2006/compatibility" xmlns:p14="http://schemas.microsoft.com/office/powerpoint/2010/main" xmlns:p15="http://schemas.microsoft.com/office/powerpoint/2012/main" xmlns:ahyp="http://schemas.microsoft.com/office/drawing/2018/hyperlinkcolor">
+<p:sld xmlns:a="http://schemas.openxmlformats.org/drawingml/2006/main" xmlns:r="http://schemas.openxmlformats.org/officeDocument/2006/relationships" xmlns:p="http://schemas.openxmlformats.org/presentationml/2006/main">
   <p:cSld>
     <p:spTree>
       <p:nvGrpSpPr>
-        <p:cNvPr id="140" name="Shape 140"/>
+        <p:cNvPr id="1" name="Shape 140"/>
         <p:cNvGrpSpPr/>
         <p:nvPr/>
       </p:nvGrpSpPr>
@@ -13201,7 +13713,9 @@
       <p:sp>
         <p:nvSpPr>
           <p:cNvPr id="141" name="Google Shape;141;p20"/>
-          <p:cNvSpPr txBox="1"/>
+          <p:cNvSpPr txBox="1">
+            <a:spLocks noGrp="1"/>
+          </p:cNvSpPr>
           <p:nvPr>
             <p:ph type="title"/>
           </p:nvPr>
@@ -13216,12 +13730,12 @@
           </a:prstGeom>
         </p:spPr>
         <p:txBody>
-          <a:bodyPr anchorCtr="0" anchor="t" bIns="91425" lIns="91425" spcFirstLastPara="1" rIns="91425" wrap="square" tIns="91425">
+          <a:bodyPr spcFirstLastPara="1" wrap="square" lIns="91425" tIns="91425" rIns="91425" bIns="91425" anchor="t" anchorCtr="0">
             <a:normAutofit fontScale="90000"/>
           </a:bodyPr>
           <a:lstStyle/>
           <a:p>
-            <a:pPr indent="0" lvl="0" marL="0" rtl="0" algn="l">
+            <a:pPr marL="0" lvl="0" indent="0" algn="l" rtl="0">
               <a:spcBef>
                 <a:spcPts val="0"/>
               </a:spcBef>
@@ -13275,11 +13789,11 @@
 </file>
 
 <file path=ppt/slides/slide9.xml><?xml version="1.0" encoding="utf-8"?>
-<p:sld xmlns:a="http://schemas.openxmlformats.org/drawingml/2006/main" xmlns:r="http://schemas.openxmlformats.org/officeDocument/2006/relationships" xmlns:mc="http://schemas.openxmlformats.org/markup-compatibility/2006" xmlns:mv="urn:schemas-microsoft-com:mac:vml" xmlns:p="http://schemas.openxmlformats.org/presentationml/2006/main" xmlns:c="http://schemas.openxmlformats.org/drawingml/2006/chart" xmlns:dgm="http://schemas.openxmlformats.org/drawingml/2006/diagram" xmlns:o="urn:schemas-microsoft-com:office:office" xmlns:v="urn:schemas-microsoft-com:vml" xmlns:pvml="urn:schemas-microsoft-com:office:powerpoint" xmlns:com="http://schemas.openxmlformats.org/drawingml/2006/compatibility" xmlns:p14="http://schemas.microsoft.com/office/powerpoint/2010/main" xmlns:p15="http://schemas.microsoft.com/office/powerpoint/2012/main" xmlns:ahyp="http://schemas.microsoft.com/office/drawing/2018/hyperlinkcolor">
+<p:sld xmlns:a="http://schemas.openxmlformats.org/drawingml/2006/main" xmlns:r="http://schemas.openxmlformats.org/officeDocument/2006/relationships" xmlns:p="http://schemas.openxmlformats.org/presentationml/2006/main">
   <p:cSld>
     <p:spTree>
       <p:nvGrpSpPr>
-        <p:cNvPr id="146" name="Shape 146"/>
+        <p:cNvPr id="1" name="Shape 146"/>
         <p:cNvGrpSpPr/>
         <p:nvPr/>
       </p:nvGrpSpPr>
@@ -13294,7 +13808,9 @@
       <p:sp>
         <p:nvSpPr>
           <p:cNvPr id="147" name="Google Shape;147;p21"/>
-          <p:cNvSpPr txBox="1"/>
+          <p:cNvSpPr txBox="1">
+            <a:spLocks noGrp="1"/>
+          </p:cNvSpPr>
           <p:nvPr>
             <p:ph type="title"/>
           </p:nvPr>
@@ -13309,12 +13825,12 @@
           </a:prstGeom>
         </p:spPr>
         <p:txBody>
-          <a:bodyPr anchorCtr="0" anchor="t" bIns="91425" lIns="91425" spcFirstLastPara="1" rIns="91425" wrap="square" tIns="91425">
+          <a:bodyPr spcFirstLastPara="1" wrap="square" lIns="91425" tIns="91425" rIns="91425" bIns="91425" anchor="t" anchorCtr="0">
             <a:normAutofit fontScale="90000"/>
           </a:bodyPr>
           <a:lstStyle/>
           <a:p>
-            <a:pPr indent="0" lvl="0" marL="0" rtl="0" algn="l">
+            <a:pPr marL="0" lvl="0" indent="0" algn="l" rtl="0">
               <a:spcBef>
                 <a:spcPts val="0"/>
               </a:spcBef>
@@ -13334,9 +13850,11 @@
       <p:sp>
         <p:nvSpPr>
           <p:cNvPr id="148" name="Google Shape;148;p21"/>
-          <p:cNvSpPr txBox="1"/>
+          <p:cNvSpPr txBox="1">
+            <a:spLocks noGrp="1"/>
+          </p:cNvSpPr>
           <p:nvPr>
-            <p:ph idx="1" type="body"/>
+            <p:ph type="body" idx="1"/>
           </p:nvPr>
         </p:nvSpPr>
         <p:spPr>
@@ -13349,12 +13867,12 @@
           </a:prstGeom>
         </p:spPr>
         <p:txBody>
-          <a:bodyPr anchorCtr="0" anchor="t" bIns="91425" lIns="91425" spcFirstLastPara="1" rIns="91425" wrap="square" tIns="91425">
+          <a:bodyPr spcFirstLastPara="1" wrap="square" lIns="91425" tIns="91425" rIns="91425" bIns="91425" anchor="t" anchorCtr="0">
             <a:normAutofit/>
           </a:bodyPr>
           <a:lstStyle/>
           <a:p>
-            <a:pPr indent="0" lvl="0" marL="0" rtl="0" algn="l">
+            <a:pPr marL="0" lvl="0" indent="0" algn="l" rtl="0">
               <a:spcBef>
                 <a:spcPts val="0"/>
               </a:spcBef>
@@ -13370,7 +13888,7 @@
             <a:endParaRPr/>
           </a:p>
           <a:p>
-            <a:pPr indent="0" lvl="0" marL="0" rtl="0" algn="l">
+            <a:pPr marL="0" lvl="0" indent="0" algn="l" rtl="0">
               <a:spcBef>
                 <a:spcPts val="1200"/>
               </a:spcBef>
@@ -13386,7 +13904,7 @@
             <a:endParaRPr/>
           </a:p>
           <a:p>
-            <a:pPr indent="0" lvl="0" marL="0" rtl="0" algn="l">
+            <a:pPr marL="0" lvl="0" indent="0" algn="l" rtl="0">
               <a:spcBef>
                 <a:spcPts val="1200"/>
               </a:spcBef>
@@ -13396,7 +13914,7 @@
               <a:buNone/>
             </a:pPr>
             <a:r>
-              <a:rPr i="1" lang="zh-CN"/>
+              <a:rPr lang="zh-CN" i="1"/>
               <a:t>EXTDIST</a:t>
             </a:r>
             <a:r>
@@ -13410,7 +13928,7 @@
             <a:endParaRPr sz="3000"/>
           </a:p>
           <a:p>
-            <a:pPr indent="0" lvl="0" marL="0" rtl="0" algn="l">
+            <a:pPr marL="0" lvl="0" indent="0" algn="l" rtl="0">
               <a:spcBef>
                 <a:spcPts val="1200"/>
               </a:spcBef>
@@ -13434,7 +13952,7 @@
             </a:endParaRPr>
           </a:p>
           <a:p>
-            <a:pPr indent="0" lvl="0" marL="0" rtl="0" algn="l">
+            <a:pPr marL="0" lvl="0" indent="0" algn="l" rtl="0">
               <a:spcBef>
                 <a:spcPts val="1200"/>
               </a:spcBef>
@@ -13443,9 +13961,6 @@
               </a:spcAft>
               <a:buNone/>
             </a:pPr>
-            <a:r>
-              <a:t/>
-            </a:r>
             <a:endParaRPr/>
           </a:p>
         </p:txBody>
@@ -13459,7 +13974,288 @@
 </file>
 
 <file path=ppt/theme/theme1.xml><?xml version="1.0" encoding="utf-8"?>
-<a:theme xmlns:a="http://schemas.openxmlformats.org/drawingml/2006/main" xmlns:r="http://schemas.openxmlformats.org/officeDocument/2006/relationships">
+<a:theme xmlns:a="http://schemas.openxmlformats.org/drawingml/2006/main" name="Geometric">
+  <a:themeElements>
+    <a:clrScheme name="Geometric">
+      <a:dk1>
+        <a:srgbClr val="2A3990"/>
+      </a:dk1>
+      <a:lt1>
+        <a:srgbClr val="FFFFFF"/>
+      </a:lt1>
+      <a:dk2>
+        <a:srgbClr val="434343"/>
+      </a:dk2>
+      <a:lt2>
+        <a:srgbClr val="999999"/>
+      </a:lt2>
+      <a:accent1>
+        <a:srgbClr val="212D74"/>
+      </a:accent1>
+      <a:accent2>
+        <a:srgbClr val="3949AB"/>
+      </a:accent2>
+      <a:accent3>
+        <a:srgbClr val="9C254D"/>
+      </a:accent3>
+      <a:accent4>
+        <a:srgbClr val="D23369"/>
+      </a:accent4>
+      <a:accent5>
+        <a:srgbClr val="F06292"/>
+      </a:accent5>
+      <a:accent6>
+        <a:srgbClr val="7890CD"/>
+      </a:accent6>
+      <a:hlink>
+        <a:srgbClr val="F06292"/>
+      </a:hlink>
+      <a:folHlink>
+        <a:srgbClr val="F06292"/>
+      </a:folHlink>
+    </a:clrScheme>
+    <a:fontScheme name="Office">
+      <a:majorFont>
+        <a:latin typeface="Arial"/>
+        <a:ea typeface=""/>
+        <a:cs typeface=""/>
+        <a:font script="Jpan" typeface="ＭＳ Ｐゴシック"/>
+        <a:font script="Hang" typeface="맑은 고딕"/>
+        <a:font script="Hans" typeface="宋体"/>
+        <a:font script="Hant" typeface="新細明體"/>
+        <a:font script="Arab" typeface="Times New Roman"/>
+        <a:font script="Hebr" typeface="Times New Roman"/>
+        <a:font script="Thai" typeface="Angsana New"/>
+        <a:font script="Ethi" typeface="Nyala"/>
+        <a:font script="Beng" typeface="Vrinda"/>
+        <a:font script="Gujr" typeface="Shruti"/>
+        <a:font script="Khmr" typeface="MoolBoran"/>
+        <a:font script="Knda" typeface="Tunga"/>
+        <a:font script="Guru" typeface="Raavi"/>
+        <a:font script="Cans" typeface="Euphemia"/>
+        <a:font script="Cher" typeface="Plantagenet Cherokee"/>
+        <a:font script="Yiii" typeface="Microsoft Yi Baiti"/>
+        <a:font script="Tibt" typeface="Microsoft Himalaya"/>
+        <a:font script="Thaa" typeface="MV Boli"/>
+        <a:font script="Deva" typeface="Mangal"/>
+        <a:font script="Telu" typeface="Gautami"/>
+        <a:font script="Taml" typeface="Latha"/>
+        <a:font script="Syrc" typeface="Estrangelo Edessa"/>
+        <a:font script="Orya" typeface="Kalinga"/>
+        <a:font script="Mlym" typeface="Kartika"/>
+        <a:font script="Laoo" typeface="DokChampa"/>
+        <a:font script="Sinh" typeface="Iskoola Pota"/>
+        <a:font script="Mong" typeface="Mongolian Baiti"/>
+        <a:font script="Viet" typeface="Times New Roman"/>
+        <a:font script="Uigh" typeface="Microsoft Uighur"/>
+        <a:font script="Geor" typeface="Sylfaen"/>
+      </a:majorFont>
+      <a:minorFont>
+        <a:latin typeface="Arial"/>
+        <a:ea typeface=""/>
+        <a:cs typeface=""/>
+        <a:font script="Jpan" typeface="ＭＳ Ｐゴシック"/>
+        <a:font script="Hang" typeface="맑은 고딕"/>
+        <a:font script="Hans" typeface="宋体"/>
+        <a:font script="Hant" typeface="新細明體"/>
+        <a:font script="Arab" typeface="Arial"/>
+        <a:font script="Hebr" typeface="Arial"/>
+        <a:font script="Thai" typeface="Cordia New"/>
+        <a:font script="Ethi" typeface="Nyala"/>
+        <a:font script="Beng" typeface="Vrinda"/>
+        <a:font script="Gujr" typeface="Shruti"/>
+        <a:font script="Khmr" typeface="DaunPenh"/>
+        <a:font script="Knda" typeface="Tunga"/>
+        <a:font script="Guru" typeface="Raavi"/>
+        <a:font script="Cans" typeface="Euphemia"/>
+        <a:font script="Cher" typeface="Plantagenet Cherokee"/>
+        <a:font script="Yiii" typeface="Microsoft Yi Baiti"/>
+        <a:font script="Tibt" typeface="Microsoft Himalaya"/>
+        <a:font script="Thaa" typeface="MV Boli"/>
+        <a:font script="Deva" typeface="Mangal"/>
+        <a:font script="Telu" typeface="Gautami"/>
+        <a:font script="Taml" typeface="Latha"/>
+        <a:font script="Syrc" typeface="Estrangelo Edessa"/>
+        <a:font script="Orya" typeface="Kalinga"/>
+        <a:font script="Mlym" typeface="Kartika"/>
+        <a:font script="Laoo" typeface="DokChampa"/>
+        <a:font script="Sinh" typeface="Iskoola Pota"/>
+        <a:font script="Mong" typeface="Mongolian Baiti"/>
+        <a:font script="Viet" typeface="Arial"/>
+        <a:font script="Uigh" typeface="Microsoft Uighur"/>
+        <a:font script="Geor" typeface="Sylfaen"/>
+      </a:minorFont>
+    </a:fontScheme>
+    <a:fmtScheme name="Office">
+      <a:fillStyleLst>
+        <a:solidFill>
+          <a:schemeClr val="phClr"/>
+        </a:solidFill>
+        <a:gradFill rotWithShape="1">
+          <a:gsLst>
+            <a:gs pos="0">
+              <a:schemeClr val="phClr">
+                <a:tint val="50000"/>
+                <a:satMod val="300000"/>
+              </a:schemeClr>
+            </a:gs>
+            <a:gs pos="35000">
+              <a:schemeClr val="phClr">
+                <a:tint val="37000"/>
+                <a:satMod val="300000"/>
+              </a:schemeClr>
+            </a:gs>
+            <a:gs pos="100000">
+              <a:schemeClr val="phClr">
+                <a:tint val="15000"/>
+                <a:satMod val="350000"/>
+              </a:schemeClr>
+            </a:gs>
+          </a:gsLst>
+          <a:lin ang="16200000" scaled="1"/>
+        </a:gradFill>
+        <a:gradFill rotWithShape="1">
+          <a:gsLst>
+            <a:gs pos="0">
+              <a:schemeClr val="phClr">
+                <a:tint val="100000"/>
+                <a:shade val="100000"/>
+                <a:satMod val="130000"/>
+              </a:schemeClr>
+            </a:gs>
+            <a:gs pos="100000">
+              <a:schemeClr val="phClr">
+                <a:tint val="50000"/>
+                <a:shade val="100000"/>
+                <a:satMod val="350000"/>
+              </a:schemeClr>
+            </a:gs>
+          </a:gsLst>
+          <a:lin ang="16200000" scaled="0"/>
+        </a:gradFill>
+      </a:fillStyleLst>
+      <a:lnStyleLst>
+        <a:ln w="9525" cap="flat" cmpd="sng" algn="ctr">
+          <a:solidFill>
+            <a:schemeClr val="phClr">
+              <a:shade val="95000"/>
+              <a:satMod val="105000"/>
+            </a:schemeClr>
+          </a:solidFill>
+          <a:prstDash val="solid"/>
+        </a:ln>
+        <a:ln w="25400" cap="flat" cmpd="sng" algn="ctr">
+          <a:solidFill>
+            <a:schemeClr val="phClr"/>
+          </a:solidFill>
+          <a:prstDash val="solid"/>
+        </a:ln>
+        <a:ln w="38100" cap="flat" cmpd="sng" algn="ctr">
+          <a:solidFill>
+            <a:schemeClr val="phClr"/>
+          </a:solidFill>
+          <a:prstDash val="solid"/>
+        </a:ln>
+      </a:lnStyleLst>
+      <a:effectStyleLst>
+        <a:effectStyle>
+          <a:effectLst>
+            <a:outerShdw blurRad="40000" dist="20000" dir="5400000" rotWithShape="0">
+              <a:srgbClr val="000000">
+                <a:alpha val="38000"/>
+              </a:srgbClr>
+            </a:outerShdw>
+          </a:effectLst>
+        </a:effectStyle>
+        <a:effectStyle>
+          <a:effectLst>
+            <a:outerShdw blurRad="40000" dist="23000" dir="5400000" rotWithShape="0">
+              <a:srgbClr val="000000">
+                <a:alpha val="35000"/>
+              </a:srgbClr>
+            </a:outerShdw>
+          </a:effectLst>
+        </a:effectStyle>
+        <a:effectStyle>
+          <a:effectLst>
+            <a:outerShdw blurRad="40000" dist="23000" dir="5400000" rotWithShape="0">
+              <a:srgbClr val="000000">
+                <a:alpha val="35000"/>
+              </a:srgbClr>
+            </a:outerShdw>
+          </a:effectLst>
+          <a:scene3d>
+            <a:camera prst="orthographicFront">
+              <a:rot lat="0" lon="0" rev="0"/>
+            </a:camera>
+            <a:lightRig rig="threePt" dir="t">
+              <a:rot lat="0" lon="0" rev="1200000"/>
+            </a:lightRig>
+          </a:scene3d>
+          <a:sp3d>
+            <a:bevelT w="63500" h="25400"/>
+          </a:sp3d>
+        </a:effectStyle>
+      </a:effectStyleLst>
+      <a:bgFillStyleLst>
+        <a:solidFill>
+          <a:schemeClr val="phClr"/>
+        </a:solidFill>
+        <a:gradFill rotWithShape="1">
+          <a:gsLst>
+            <a:gs pos="0">
+              <a:schemeClr val="phClr">
+                <a:tint val="40000"/>
+                <a:satMod val="350000"/>
+              </a:schemeClr>
+            </a:gs>
+            <a:gs pos="40000">
+              <a:schemeClr val="phClr">
+                <a:tint val="45000"/>
+                <a:shade val="99000"/>
+                <a:satMod val="350000"/>
+              </a:schemeClr>
+            </a:gs>
+            <a:gs pos="100000">
+              <a:schemeClr val="phClr">
+                <a:shade val="20000"/>
+                <a:satMod val="255000"/>
+              </a:schemeClr>
+            </a:gs>
+          </a:gsLst>
+          <a:path path="circle">
+            <a:fillToRect l="50000" t="-80000" r="50000" b="180000"/>
+          </a:path>
+        </a:gradFill>
+        <a:gradFill rotWithShape="1">
+          <a:gsLst>
+            <a:gs pos="0">
+              <a:schemeClr val="phClr">
+                <a:tint val="80000"/>
+                <a:satMod val="300000"/>
+              </a:schemeClr>
+            </a:gs>
+            <a:gs pos="100000">
+              <a:schemeClr val="phClr">
+                <a:shade val="30000"/>
+                <a:satMod val="200000"/>
+              </a:schemeClr>
+            </a:gs>
+          </a:gsLst>
+          <a:path path="circle">
+            <a:fillToRect l="50000" t="50000" r="50000" b="50000"/>
+          </a:path>
+        </a:gradFill>
+      </a:bgFillStyleLst>
+    </a:fmtScheme>
+  </a:themeElements>
+  <a:objectDefaults/>
+  <a:extraClrSchemeLst/>
+</a:theme>
+</file>
+
+<file path=ppt/theme/theme2.xml><?xml version="1.0" encoding="utf-8"?>
+<a:theme xmlns:a="http://schemas.openxmlformats.org/drawingml/2006/main">
   <a:themeElements>
     <a:clrScheme name="Default">
       <a:dk1>
@@ -13734,284 +14530,7 @@
       </a:bgFillStyleLst>
     </a:fmtScheme>
   </a:themeElements>
-</a:theme>
-</file>
-
-<file path=ppt/theme/theme2.xml><?xml version="1.0" encoding="utf-8"?>
-<a:theme xmlns:a="http://schemas.openxmlformats.org/drawingml/2006/main" xmlns:r="http://schemas.openxmlformats.org/officeDocument/2006/relationships" name="Geometric">
-  <a:themeElements>
-    <a:clrScheme name="Geometric">
-      <a:dk1>
-        <a:srgbClr val="2A3990"/>
-      </a:dk1>
-      <a:lt1>
-        <a:srgbClr val="FFFFFF"/>
-      </a:lt1>
-      <a:dk2>
-        <a:srgbClr val="434343"/>
-      </a:dk2>
-      <a:lt2>
-        <a:srgbClr val="999999"/>
-      </a:lt2>
-      <a:accent1>
-        <a:srgbClr val="212D74"/>
-      </a:accent1>
-      <a:accent2>
-        <a:srgbClr val="3949AB"/>
-      </a:accent2>
-      <a:accent3>
-        <a:srgbClr val="9C254D"/>
-      </a:accent3>
-      <a:accent4>
-        <a:srgbClr val="D23369"/>
-      </a:accent4>
-      <a:accent5>
-        <a:srgbClr val="F06292"/>
-      </a:accent5>
-      <a:accent6>
-        <a:srgbClr val="7890CD"/>
-      </a:accent6>
-      <a:hlink>
-        <a:srgbClr val="F06292"/>
-      </a:hlink>
-      <a:folHlink>
-        <a:srgbClr val="F06292"/>
-      </a:folHlink>
-    </a:clrScheme>
-    <a:fontScheme name="Office">
-      <a:majorFont>
-        <a:latin typeface="Arial"/>
-        <a:ea typeface=""/>
-        <a:cs typeface=""/>
-        <a:font script="Jpan" typeface="ＭＳ Ｐゴシック"/>
-        <a:font script="Hang" typeface="맑은 고딕"/>
-        <a:font script="Hans" typeface="宋体"/>
-        <a:font script="Hant" typeface="新細明體"/>
-        <a:font script="Arab" typeface="Times New Roman"/>
-        <a:font script="Hebr" typeface="Times New Roman"/>
-        <a:font script="Thai" typeface="Angsana New"/>
-        <a:font script="Ethi" typeface="Nyala"/>
-        <a:font script="Beng" typeface="Vrinda"/>
-        <a:font script="Gujr" typeface="Shruti"/>
-        <a:font script="Khmr" typeface="MoolBoran"/>
-        <a:font script="Knda" typeface="Tunga"/>
-        <a:font script="Guru" typeface="Raavi"/>
-        <a:font script="Cans" typeface="Euphemia"/>
-        <a:font script="Cher" typeface="Plantagenet Cherokee"/>
-        <a:font script="Yiii" typeface="Microsoft Yi Baiti"/>
-        <a:font script="Tibt" typeface="Microsoft Himalaya"/>
-        <a:font script="Thaa" typeface="MV Boli"/>
-        <a:font script="Deva" typeface="Mangal"/>
-        <a:font script="Telu" typeface="Gautami"/>
-        <a:font script="Taml" typeface="Latha"/>
-        <a:font script="Syrc" typeface="Estrangelo Edessa"/>
-        <a:font script="Orya" typeface="Kalinga"/>
-        <a:font script="Mlym" typeface="Kartika"/>
-        <a:font script="Laoo" typeface="DokChampa"/>
-        <a:font script="Sinh" typeface="Iskoola Pota"/>
-        <a:font script="Mong" typeface="Mongolian Baiti"/>
-        <a:font script="Viet" typeface="Times New Roman"/>
-        <a:font script="Uigh" typeface="Microsoft Uighur"/>
-        <a:font script="Geor" typeface="Sylfaen"/>
-      </a:majorFont>
-      <a:minorFont>
-        <a:latin typeface="Arial"/>
-        <a:ea typeface=""/>
-        <a:cs typeface=""/>
-        <a:font script="Jpan" typeface="ＭＳ Ｐゴシック"/>
-        <a:font script="Hang" typeface="맑은 고딕"/>
-        <a:font script="Hans" typeface="宋体"/>
-        <a:font script="Hant" typeface="新細明體"/>
-        <a:font script="Arab" typeface="Arial"/>
-        <a:font script="Hebr" typeface="Arial"/>
-        <a:font script="Thai" typeface="Cordia New"/>
-        <a:font script="Ethi" typeface="Nyala"/>
-        <a:font script="Beng" typeface="Vrinda"/>
-        <a:font script="Gujr" typeface="Shruti"/>
-        <a:font script="Khmr" typeface="DaunPenh"/>
-        <a:font script="Knda" typeface="Tunga"/>
-        <a:font script="Guru" typeface="Raavi"/>
-        <a:font script="Cans" typeface="Euphemia"/>
-        <a:font script="Cher" typeface="Plantagenet Cherokee"/>
-        <a:font script="Yiii" typeface="Microsoft Yi Baiti"/>
-        <a:font script="Tibt" typeface="Microsoft Himalaya"/>
-        <a:font script="Thaa" typeface="MV Boli"/>
-        <a:font script="Deva" typeface="Mangal"/>
-        <a:font script="Telu" typeface="Gautami"/>
-        <a:font script="Taml" typeface="Latha"/>
-        <a:font script="Syrc" typeface="Estrangelo Edessa"/>
-        <a:font script="Orya" typeface="Kalinga"/>
-        <a:font script="Mlym" typeface="Kartika"/>
-        <a:font script="Laoo" typeface="DokChampa"/>
-        <a:font script="Sinh" typeface="Iskoola Pota"/>
-        <a:font script="Mong" typeface="Mongolian Baiti"/>
-        <a:font script="Viet" typeface="Arial"/>
-        <a:font script="Uigh" typeface="Microsoft Uighur"/>
-        <a:font script="Geor" typeface="Sylfaen"/>
-      </a:minorFont>
-    </a:fontScheme>
-    <a:fmtScheme name="Office">
-      <a:fillStyleLst>
-        <a:solidFill>
-          <a:schemeClr val="phClr"/>
-        </a:solidFill>
-        <a:gradFill rotWithShape="1">
-          <a:gsLst>
-            <a:gs pos="0">
-              <a:schemeClr val="phClr">
-                <a:tint val="50000"/>
-                <a:satMod val="300000"/>
-              </a:schemeClr>
-            </a:gs>
-            <a:gs pos="35000">
-              <a:schemeClr val="phClr">
-                <a:tint val="37000"/>
-                <a:satMod val="300000"/>
-              </a:schemeClr>
-            </a:gs>
-            <a:gs pos="100000">
-              <a:schemeClr val="phClr">
-                <a:tint val="15000"/>
-                <a:satMod val="350000"/>
-              </a:schemeClr>
-            </a:gs>
-          </a:gsLst>
-          <a:lin ang="16200000" scaled="1"/>
-        </a:gradFill>
-        <a:gradFill rotWithShape="1">
-          <a:gsLst>
-            <a:gs pos="0">
-              <a:schemeClr val="phClr">
-                <a:tint val="100000"/>
-                <a:shade val="100000"/>
-                <a:satMod val="130000"/>
-              </a:schemeClr>
-            </a:gs>
-            <a:gs pos="100000">
-              <a:schemeClr val="phClr">
-                <a:tint val="50000"/>
-                <a:shade val="100000"/>
-                <a:satMod val="350000"/>
-              </a:schemeClr>
-            </a:gs>
-          </a:gsLst>
-          <a:lin ang="16200000" scaled="0"/>
-        </a:gradFill>
-      </a:fillStyleLst>
-      <a:lnStyleLst>
-        <a:ln w="9525" cap="flat" cmpd="sng" algn="ctr">
-          <a:solidFill>
-            <a:schemeClr val="phClr">
-              <a:shade val="95000"/>
-              <a:satMod val="105000"/>
-            </a:schemeClr>
-          </a:solidFill>
-          <a:prstDash val="solid"/>
-        </a:ln>
-        <a:ln w="25400" cap="flat" cmpd="sng" algn="ctr">
-          <a:solidFill>
-            <a:schemeClr val="phClr"/>
-          </a:solidFill>
-          <a:prstDash val="solid"/>
-        </a:ln>
-        <a:ln w="38100" cap="flat" cmpd="sng" algn="ctr">
-          <a:solidFill>
-            <a:schemeClr val="phClr"/>
-          </a:solidFill>
-          <a:prstDash val="solid"/>
-        </a:ln>
-      </a:lnStyleLst>
-      <a:effectStyleLst>
-        <a:effectStyle>
-          <a:effectLst>
-            <a:outerShdw blurRad="40000" dist="20000" dir="5400000" rotWithShape="0">
-              <a:srgbClr val="000000">
-                <a:alpha val="38000"/>
-              </a:srgbClr>
-            </a:outerShdw>
-          </a:effectLst>
-        </a:effectStyle>
-        <a:effectStyle>
-          <a:effectLst>
-            <a:outerShdw blurRad="40000" dist="23000" dir="5400000" rotWithShape="0">
-              <a:srgbClr val="000000">
-                <a:alpha val="35000"/>
-              </a:srgbClr>
-            </a:outerShdw>
-          </a:effectLst>
-        </a:effectStyle>
-        <a:effectStyle>
-          <a:effectLst>
-            <a:outerShdw blurRad="40000" dist="23000" dir="5400000" rotWithShape="0">
-              <a:srgbClr val="000000">
-                <a:alpha val="35000"/>
-              </a:srgbClr>
-            </a:outerShdw>
-          </a:effectLst>
-          <a:scene3d>
-            <a:camera prst="orthographicFront">
-              <a:rot lat="0" lon="0" rev="0"/>
-            </a:camera>
-            <a:lightRig rig="threePt" dir="t">
-              <a:rot lat="0" lon="0" rev="1200000"/>
-            </a:lightRig>
-          </a:scene3d>
-          <a:sp3d>
-            <a:bevelT w="63500" h="25400"/>
-          </a:sp3d>
-        </a:effectStyle>
-      </a:effectStyleLst>
-      <a:bgFillStyleLst>
-        <a:solidFill>
-          <a:schemeClr val="phClr"/>
-        </a:solidFill>
-        <a:gradFill rotWithShape="1">
-          <a:gsLst>
-            <a:gs pos="0">
-              <a:schemeClr val="phClr">
-                <a:tint val="40000"/>
-                <a:satMod val="350000"/>
-              </a:schemeClr>
-            </a:gs>
-            <a:gs pos="40000">
-              <a:schemeClr val="phClr">
-                <a:tint val="45000"/>
-                <a:shade val="99000"/>
-                <a:satMod val="350000"/>
-              </a:schemeClr>
-            </a:gs>
-            <a:gs pos="100000">
-              <a:schemeClr val="phClr">
-                <a:shade val="20000"/>
-                <a:satMod val="255000"/>
-              </a:schemeClr>
-            </a:gs>
-          </a:gsLst>
-          <a:path path="circle">
-            <a:fillToRect l="50000" t="-80000" r="50000" b="180000"/>
-          </a:path>
-        </a:gradFill>
-        <a:gradFill rotWithShape="1">
-          <a:gsLst>
-            <a:gs pos="0">
-              <a:schemeClr val="phClr">
-                <a:tint val="80000"/>
-                <a:satMod val="300000"/>
-              </a:schemeClr>
-            </a:gs>
-            <a:gs pos="100000">
-              <a:schemeClr val="phClr">
-                <a:shade val="30000"/>
-                <a:satMod val="200000"/>
-              </a:schemeClr>
-            </a:gs>
-          </a:gsLst>
-          <a:path path="circle">
-            <a:fillToRect l="50000" t="50000" r="50000" b="50000"/>
-          </a:path>
-        </a:gradFill>
-      </a:bgFillStyleLst>
-    </a:fmtScheme>
-  </a:themeElements>
+  <a:objectDefaults/>
+  <a:extraClrSchemeLst/>
 </a:theme>
 </file>
--- a/Slide_Presentation.pptx
+++ b/Slide_Presentation.pptx
@@ -5,35 +5,36 @@
     <p:sldMasterId id="2147483659" r:id="rId1"/>
   </p:sldMasterIdLst>
   <p:notesMasterIdLst>
-    <p:notesMasterId r:id="rId18"/>
+    <p:notesMasterId r:id="rId19"/>
   </p:notesMasterIdLst>
   <p:sldIdLst>
     <p:sldId id="256" r:id="rId2"/>
     <p:sldId id="257" r:id="rId3"/>
     <p:sldId id="258" r:id="rId4"/>
     <p:sldId id="259" r:id="rId5"/>
-    <p:sldId id="260" r:id="rId6"/>
-    <p:sldId id="261" r:id="rId7"/>
+    <p:sldId id="261" r:id="rId6"/>
+    <p:sldId id="264" r:id="rId7"/>
     <p:sldId id="262" r:id="rId8"/>
     <p:sldId id="263" r:id="rId9"/>
-    <p:sldId id="264" r:id="rId10"/>
-    <p:sldId id="265" r:id="rId11"/>
-    <p:sldId id="266" r:id="rId12"/>
+    <p:sldId id="265" r:id="rId10"/>
+    <p:sldId id="266" r:id="rId11"/>
+    <p:sldId id="273" r:id="rId12"/>
     <p:sldId id="267" r:id="rId13"/>
     <p:sldId id="268" r:id="rId14"/>
     <p:sldId id="270" r:id="rId15"/>
     <p:sldId id="271" r:id="rId16"/>
     <p:sldId id="269" r:id="rId17"/>
+    <p:sldId id="272" r:id="rId18"/>
   </p:sldIdLst>
   <p:sldSz cx="9144000" cy="5143500" type="screen16x9"/>
   <p:notesSz cx="6858000" cy="9144000"/>
   <p:embeddedFontLst>
     <p:embeddedFont>
       <p:font typeface="Roboto" panose="02000000000000000000" pitchFamily="2" charset="0"/>
-      <p:regular r:id="rId19"/>
-      <p:bold r:id="rId20"/>
-      <p:italic r:id="rId21"/>
-      <p:boldItalic r:id="rId22"/>
+      <p:regular r:id="rId20"/>
+      <p:bold r:id="rId21"/>
+      <p:italic r:id="rId22"/>
+      <p:boldItalic r:id="rId23"/>
     </p:embeddedFont>
   </p:embeddedFontLst>
   <p:defaultTextStyle>
@@ -287,7 +288,7 @@
 <file path=ppt/revisionInfo.xml><?xml version="1.0" encoding="utf-8"?>
 <p1510:revInfo xmlns:a="http://schemas.openxmlformats.org/drawingml/2006/main" xmlns:r="http://schemas.openxmlformats.org/officeDocument/2006/relationships" xmlns:p1510="http://schemas.microsoft.com/office/powerpoint/2015/10/main">
   <p1510:revLst>
-    <p1510:client id="{45DFB069-287A-48C6-A2EE-BDAC050FCD4E}" v="38" dt="2021-12-07T06:38:38.205"/>
+    <p1510:client id="{45DFB069-287A-48C6-A2EE-BDAC050FCD4E}" v="60" dt="2021-12-08T03:27:02.163"/>
   </p1510:revLst>
 </p1510:revInfo>
 </file>
@@ -296,23 +297,392 @@
 <pc:chgInfo xmlns:a="http://schemas.openxmlformats.org/drawingml/2006/main" xmlns:r="http://schemas.openxmlformats.org/officeDocument/2006/relationships" xmlns:ac="http://schemas.microsoft.com/office/drawing/2013/main/command" xmlns:pc="http://schemas.microsoft.com/office/powerpoint/2013/main/command">
   <pc:docChgLst>
     <pc:chgData name="Tian Xia" userId="93c06f42-b671-488a-88df-870be2730da8" providerId="ADAL" clId="{45DFB069-287A-48C6-A2EE-BDAC050FCD4E}"/>
-    <pc:docChg chg="undo custSel addSld modSld">
-      <pc:chgData name="Tian Xia" userId="93c06f42-b671-488a-88df-870be2730da8" providerId="ADAL" clId="{45DFB069-287A-48C6-A2EE-BDAC050FCD4E}" dt="2021-12-07T06:39:27.117" v="156" actId="20577"/>
+    <pc:docChg chg="undo custSel addSld delSld modSld sldOrd">
+      <pc:chgData name="Tian Xia" userId="93c06f42-b671-488a-88df-870be2730da8" providerId="ADAL" clId="{45DFB069-287A-48C6-A2EE-BDAC050FCD4E}" dt="2021-12-08T04:16:03.418" v="2402" actId="20577"/>
       <pc:docMkLst>
         <pc:docMk/>
       </pc:docMkLst>
-      <pc:sldChg chg="modSp mod">
-        <pc:chgData name="Tian Xia" userId="93c06f42-b671-488a-88df-870be2730da8" providerId="ADAL" clId="{45DFB069-287A-48C6-A2EE-BDAC050FCD4E}" dt="2021-12-06T02:45:38.321" v="5" actId="27636"/>
+      <pc:sldChg chg="modSp mod modNotesTx">
+        <pc:chgData name="Tian Xia" userId="93c06f42-b671-488a-88df-870be2730da8" providerId="ADAL" clId="{45DFB069-287A-48C6-A2EE-BDAC050FCD4E}" dt="2021-12-08T02:01:29.644" v="334" actId="5793"/>
+        <pc:sldMkLst>
+          <pc:docMk/>
+          <pc:sldMk cId="0" sldId="257"/>
+        </pc:sldMkLst>
+        <pc:spChg chg="mod">
+          <ac:chgData name="Tian Xia" userId="93c06f42-b671-488a-88df-870be2730da8" providerId="ADAL" clId="{45DFB069-287A-48C6-A2EE-BDAC050FCD4E}" dt="2021-12-08T02:00:07.687" v="163" actId="20577"/>
+          <ac:spMkLst>
+            <pc:docMk/>
+            <pc:sldMk cId="0" sldId="257"/>
+            <ac:spMk id="92" creationId="{00000000-0000-0000-0000-000000000000}"/>
+          </ac:spMkLst>
+        </pc:spChg>
+      </pc:sldChg>
+      <pc:sldChg chg="addSp delSp modSp mod modNotesTx">
+        <pc:chgData name="Tian Xia" userId="93c06f42-b671-488a-88df-870be2730da8" providerId="ADAL" clId="{45DFB069-287A-48C6-A2EE-BDAC050FCD4E}" dt="2021-12-08T03:43:37.212" v="1957" actId="20577"/>
         <pc:sldMkLst>
           <pc:docMk/>
           <pc:sldMk cId="0" sldId="258"/>
         </pc:sldMkLst>
+        <pc:spChg chg="add mod">
+          <ac:chgData name="Tian Xia" userId="93c06f42-b671-488a-88df-870be2730da8" providerId="ADAL" clId="{45DFB069-287A-48C6-A2EE-BDAC050FCD4E}" dt="2021-12-08T02:10:21.143" v="714" actId="1076"/>
+          <ac:spMkLst>
+            <pc:docMk/>
+            <pc:sldMk cId="0" sldId="258"/>
+            <ac:spMk id="8" creationId="{E56B62CE-0BAC-4EF8-BF28-1D665DE38B58}"/>
+          </ac:spMkLst>
+        </pc:spChg>
+        <pc:spChg chg="add mod">
+          <ac:chgData name="Tian Xia" userId="93c06f42-b671-488a-88df-870be2730da8" providerId="ADAL" clId="{45DFB069-287A-48C6-A2EE-BDAC050FCD4E}" dt="2021-12-08T02:10:36.167" v="722" actId="20577"/>
+          <ac:spMkLst>
+            <pc:docMk/>
+            <pc:sldMk cId="0" sldId="258"/>
+            <ac:spMk id="16" creationId="{58F3EDAD-9985-4A07-B20B-DE8CABB453F2}"/>
+          </ac:spMkLst>
+        </pc:spChg>
+        <pc:spChg chg="add mod">
+          <ac:chgData name="Tian Xia" userId="93c06f42-b671-488a-88df-870be2730da8" providerId="ADAL" clId="{45DFB069-287A-48C6-A2EE-BDAC050FCD4E}" dt="2021-12-08T02:10:30.760" v="717" actId="20577"/>
+          <ac:spMkLst>
+            <pc:docMk/>
+            <pc:sldMk cId="0" sldId="258"/>
+            <ac:spMk id="17" creationId="{B1DF6507-F8E8-4AD7-96EC-F5850C5E31E1}"/>
+          </ac:spMkLst>
+        </pc:spChg>
+        <pc:spChg chg="add mod">
+          <ac:chgData name="Tian Xia" userId="93c06f42-b671-488a-88df-870be2730da8" providerId="ADAL" clId="{45DFB069-287A-48C6-A2EE-BDAC050FCD4E}" dt="2021-12-08T02:10:58.688" v="725" actId="20577"/>
+          <ac:spMkLst>
+            <pc:docMk/>
+            <pc:sldMk cId="0" sldId="258"/>
+            <ac:spMk id="18" creationId="{4BA25D2D-854C-4BBC-B9EA-D02EF8371B25}"/>
+          </ac:spMkLst>
+        </pc:spChg>
+        <pc:spChg chg="add mod">
+          <ac:chgData name="Tian Xia" userId="93c06f42-b671-488a-88df-870be2730da8" providerId="ADAL" clId="{45DFB069-287A-48C6-A2EE-BDAC050FCD4E}" dt="2021-12-08T02:11:12.943" v="731" actId="1076"/>
+          <ac:spMkLst>
+            <pc:docMk/>
+            <pc:sldMk cId="0" sldId="258"/>
+            <ac:spMk id="19" creationId="{CD670275-9797-4033-8556-82D0CB88851F}"/>
+          </ac:spMkLst>
+        </pc:spChg>
+        <pc:spChg chg="add del mod">
+          <ac:chgData name="Tian Xia" userId="93c06f42-b671-488a-88df-870be2730da8" providerId="ADAL" clId="{45DFB069-287A-48C6-A2EE-BDAC050FCD4E}" dt="2021-12-08T02:11:20.348" v="735" actId="20577"/>
+          <ac:spMkLst>
+            <pc:docMk/>
+            <pc:sldMk cId="0" sldId="258"/>
+            <ac:spMk id="20" creationId="{BFF9DAE3-D7F5-45E7-BDFA-5A78D64C2AAD}"/>
+          </ac:spMkLst>
+        </pc:spChg>
         <pc:spChg chg="mod">
-          <ac:chgData name="Tian Xia" userId="93c06f42-b671-488a-88df-870be2730da8" providerId="ADAL" clId="{45DFB069-287A-48C6-A2EE-BDAC050FCD4E}" dt="2021-12-06T02:45:38.321" v="5" actId="27636"/>
+          <ac:chgData name="Tian Xia" userId="93c06f42-b671-488a-88df-870be2730da8" providerId="ADAL" clId="{45DFB069-287A-48C6-A2EE-BDAC050FCD4E}" dt="2021-12-08T03:43:37.212" v="1957" actId="20577"/>
           <ac:spMkLst>
             <pc:docMk/>
             <pc:sldMk cId="0" sldId="258"/>
             <ac:spMk id="98" creationId="{00000000-0000-0000-0000-000000000000}"/>
+          </ac:spMkLst>
+        </pc:spChg>
+        <pc:spChg chg="mod">
+          <ac:chgData name="Tian Xia" userId="93c06f42-b671-488a-88df-870be2730da8" providerId="ADAL" clId="{45DFB069-287A-48C6-A2EE-BDAC050FCD4E}" dt="2021-12-07T20:19:24.264" v="159" actId="1076"/>
+          <ac:spMkLst>
+            <pc:docMk/>
+            <pc:sldMk cId="0" sldId="258"/>
+            <ac:spMk id="99" creationId="{00000000-0000-0000-0000-000000000000}"/>
+          </ac:spMkLst>
+        </pc:spChg>
+        <pc:cxnChg chg="add">
+          <ac:chgData name="Tian Xia" userId="93c06f42-b671-488a-88df-870be2730da8" providerId="ADAL" clId="{45DFB069-287A-48C6-A2EE-BDAC050FCD4E}" dt="2021-12-08T02:08:47.778" v="686" actId="11529"/>
+          <ac:cxnSpMkLst>
+            <pc:docMk/>
+            <pc:sldMk cId="0" sldId="258"/>
+            <ac:cxnSpMk id="3" creationId="{A0C51952-5413-459F-BDA6-9376A33D1A7A}"/>
+          </ac:cxnSpMkLst>
+        </pc:cxnChg>
+        <pc:cxnChg chg="add mod">
+          <ac:chgData name="Tian Xia" userId="93c06f42-b671-488a-88df-870be2730da8" providerId="ADAL" clId="{45DFB069-287A-48C6-A2EE-BDAC050FCD4E}" dt="2021-12-08T02:08:58.258" v="690" actId="14100"/>
+          <ac:cxnSpMkLst>
+            <pc:docMk/>
+            <pc:sldMk cId="0" sldId="258"/>
+            <ac:cxnSpMk id="7" creationId="{7BFC7F39-6175-4DFF-9792-86F3F2DBA34E}"/>
+          </ac:cxnSpMkLst>
+        </pc:cxnChg>
+        <pc:cxnChg chg="add mod">
+          <ac:chgData name="Tian Xia" userId="93c06f42-b671-488a-88df-870be2730da8" providerId="ADAL" clId="{45DFB069-287A-48C6-A2EE-BDAC050FCD4E}" dt="2021-12-08T02:09:06.345" v="693" actId="14100"/>
+          <ac:cxnSpMkLst>
+            <pc:docMk/>
+            <pc:sldMk cId="0" sldId="258"/>
+            <ac:cxnSpMk id="10" creationId="{B5F51C75-783D-4C3F-A986-E20ADF6055DF}"/>
+          </ac:cxnSpMkLst>
+        </pc:cxnChg>
+        <pc:cxnChg chg="add del mod">
+          <ac:chgData name="Tian Xia" userId="93c06f42-b671-488a-88df-870be2730da8" providerId="ADAL" clId="{45DFB069-287A-48C6-A2EE-BDAC050FCD4E}" dt="2021-12-08T02:09:53.563" v="705"/>
+          <ac:cxnSpMkLst>
+            <pc:docMk/>
+            <pc:sldMk cId="0" sldId="258"/>
+            <ac:cxnSpMk id="13" creationId="{943C5F7F-7ADD-4A1E-B66C-B32DAAA0C4CA}"/>
+          </ac:cxnSpMkLst>
+        </pc:cxnChg>
+        <pc:cxnChg chg="add del mod">
+          <ac:chgData name="Tian Xia" userId="93c06f42-b671-488a-88df-870be2730da8" providerId="ADAL" clId="{45DFB069-287A-48C6-A2EE-BDAC050FCD4E}" dt="2021-12-08T02:09:57.585" v="707"/>
+          <ac:cxnSpMkLst>
+            <pc:docMk/>
+            <pc:sldMk cId="0" sldId="258"/>
+            <ac:cxnSpMk id="14" creationId="{7D2F8BE5-0770-432B-887E-17E42C8480A4}"/>
+          </ac:cxnSpMkLst>
+        </pc:cxnChg>
+        <pc:cxnChg chg="add del mod">
+          <ac:chgData name="Tian Xia" userId="93c06f42-b671-488a-88df-870be2730da8" providerId="ADAL" clId="{45DFB069-287A-48C6-A2EE-BDAC050FCD4E}" dt="2021-12-08T02:10:01.489" v="710"/>
+          <ac:cxnSpMkLst>
+            <pc:docMk/>
+            <pc:sldMk cId="0" sldId="258"/>
+            <ac:cxnSpMk id="15" creationId="{471D961B-CAEC-422C-A5A2-BF2699FDA108}"/>
+          </ac:cxnSpMkLst>
+        </pc:cxnChg>
+      </pc:sldChg>
+      <pc:sldChg chg="addSp delSp modSp mod modNotesTx">
+        <pc:chgData name="Tian Xia" userId="93c06f42-b671-488a-88df-870be2730da8" providerId="ADAL" clId="{45DFB069-287A-48C6-A2EE-BDAC050FCD4E}" dt="2021-12-08T03:44:48.642" v="1964" actId="313"/>
+        <pc:sldMkLst>
+          <pc:docMk/>
+          <pc:sldMk cId="0" sldId="259"/>
+        </pc:sldMkLst>
+        <pc:spChg chg="add mod">
+          <ac:chgData name="Tian Xia" userId="93c06f42-b671-488a-88df-870be2730da8" providerId="ADAL" clId="{45DFB069-287A-48C6-A2EE-BDAC050FCD4E}" dt="2021-12-08T03:43:43.462" v="1958" actId="1076"/>
+          <ac:spMkLst>
+            <pc:docMk/>
+            <pc:sldMk cId="0" sldId="259"/>
+            <ac:spMk id="4" creationId="{7DF02510-597B-4D26-85DF-D5B878B14680}"/>
+          </ac:spMkLst>
+        </pc:spChg>
+        <pc:spChg chg="add mod ord">
+          <ac:chgData name="Tian Xia" userId="93c06f42-b671-488a-88df-870be2730da8" providerId="ADAL" clId="{45DFB069-287A-48C6-A2EE-BDAC050FCD4E}" dt="2021-12-08T02:52:51.771" v="1066" actId="1076"/>
+          <ac:spMkLst>
+            <pc:docMk/>
+            <pc:sldMk cId="0" sldId="259"/>
+            <ac:spMk id="16" creationId="{171ED5A5-2B0B-47E5-BFCD-F84B17E961B6}"/>
+          </ac:spMkLst>
+        </pc:spChg>
+        <pc:spChg chg="mod">
+          <ac:chgData name="Tian Xia" userId="93c06f42-b671-488a-88df-870be2730da8" providerId="ADAL" clId="{45DFB069-287A-48C6-A2EE-BDAC050FCD4E}" dt="2021-12-08T03:32:03.096" v="1931" actId="20577"/>
+          <ac:spMkLst>
+            <pc:docMk/>
+            <pc:sldMk cId="0" sldId="259"/>
+            <ac:spMk id="104" creationId="{00000000-0000-0000-0000-000000000000}"/>
+          </ac:spMkLst>
+        </pc:spChg>
+        <pc:spChg chg="mod">
+          <ac:chgData name="Tian Xia" userId="93c06f42-b671-488a-88df-870be2730da8" providerId="ADAL" clId="{45DFB069-287A-48C6-A2EE-BDAC050FCD4E}" dt="2021-12-08T02:50:43.942" v="1041" actId="1076"/>
+          <ac:spMkLst>
+            <pc:docMk/>
+            <pc:sldMk cId="0" sldId="259"/>
+            <ac:spMk id="105" creationId="{00000000-0000-0000-0000-000000000000}"/>
+          </ac:spMkLst>
+        </pc:spChg>
+        <pc:spChg chg="mod">
+          <ac:chgData name="Tian Xia" userId="93c06f42-b671-488a-88df-870be2730da8" providerId="ADAL" clId="{45DFB069-287A-48C6-A2EE-BDAC050FCD4E}" dt="2021-12-08T02:51:06.490" v="1045" actId="1076"/>
+          <ac:spMkLst>
+            <pc:docMk/>
+            <pc:sldMk cId="0" sldId="259"/>
+            <ac:spMk id="106" creationId="{00000000-0000-0000-0000-000000000000}"/>
+          </ac:spMkLst>
+        </pc:spChg>
+        <pc:spChg chg="mod">
+          <ac:chgData name="Tian Xia" userId="93c06f42-b671-488a-88df-870be2730da8" providerId="ADAL" clId="{45DFB069-287A-48C6-A2EE-BDAC050FCD4E}" dt="2021-12-08T02:49:26.587" v="1022" actId="1076"/>
+          <ac:spMkLst>
+            <pc:docMk/>
+            <pc:sldMk cId="0" sldId="259"/>
+            <ac:spMk id="107" creationId="{00000000-0000-0000-0000-000000000000}"/>
+          </ac:spMkLst>
+        </pc:spChg>
+        <pc:spChg chg="mod">
+          <ac:chgData name="Tian Xia" userId="93c06f42-b671-488a-88df-870be2730da8" providerId="ADAL" clId="{45DFB069-287A-48C6-A2EE-BDAC050FCD4E}" dt="2021-12-08T02:49:36.981" v="1024" actId="1076"/>
+          <ac:spMkLst>
+            <pc:docMk/>
+            <pc:sldMk cId="0" sldId="259"/>
+            <ac:spMk id="108" creationId="{00000000-0000-0000-0000-000000000000}"/>
+          </ac:spMkLst>
+        </pc:spChg>
+        <pc:spChg chg="mod">
+          <ac:chgData name="Tian Xia" userId="93c06f42-b671-488a-88df-870be2730da8" providerId="ADAL" clId="{45DFB069-287A-48C6-A2EE-BDAC050FCD4E}" dt="2021-12-08T02:51:46.522" v="1050" actId="20577"/>
+          <ac:spMkLst>
+            <pc:docMk/>
+            <pc:sldMk cId="0" sldId="259"/>
+            <ac:spMk id="109" creationId="{00000000-0000-0000-0000-000000000000}"/>
+          </ac:spMkLst>
+        </pc:spChg>
+        <pc:spChg chg="mod">
+          <ac:chgData name="Tian Xia" userId="93c06f42-b671-488a-88df-870be2730da8" providerId="ADAL" clId="{45DFB069-287A-48C6-A2EE-BDAC050FCD4E}" dt="2021-12-08T02:49:40.849" v="1025" actId="1076"/>
+          <ac:spMkLst>
+            <pc:docMk/>
+            <pc:sldMk cId="0" sldId="259"/>
+            <ac:spMk id="111" creationId="{00000000-0000-0000-0000-000000000000}"/>
+          </ac:spMkLst>
+        </pc:spChg>
+        <pc:spChg chg="mod">
+          <ac:chgData name="Tian Xia" userId="93c06f42-b671-488a-88df-870be2730da8" providerId="ADAL" clId="{45DFB069-287A-48C6-A2EE-BDAC050FCD4E}" dt="2021-12-08T03:44:00.166" v="1963" actId="1076"/>
+          <ac:spMkLst>
+            <pc:docMk/>
+            <pc:sldMk cId="0" sldId="259"/>
+            <ac:spMk id="114" creationId="{00000000-0000-0000-0000-000000000000}"/>
+          </ac:spMkLst>
+        </pc:spChg>
+        <pc:spChg chg="mod">
+          <ac:chgData name="Tian Xia" userId="93c06f42-b671-488a-88df-870be2730da8" providerId="ADAL" clId="{45DFB069-287A-48C6-A2EE-BDAC050FCD4E}" dt="2021-12-08T02:22:58.384" v="835" actId="1076"/>
+          <ac:spMkLst>
+            <pc:docMk/>
+            <pc:sldMk cId="0" sldId="259"/>
+            <ac:spMk id="116" creationId="{00000000-0000-0000-0000-000000000000}"/>
+          </ac:spMkLst>
+        </pc:spChg>
+        <pc:cxnChg chg="add mod">
+          <ac:chgData name="Tian Xia" userId="93c06f42-b671-488a-88df-870be2730da8" providerId="ADAL" clId="{45DFB069-287A-48C6-A2EE-BDAC050FCD4E}" dt="2021-12-08T03:44:00.166" v="1963" actId="1076"/>
+          <ac:cxnSpMkLst>
+            <pc:docMk/>
+            <pc:sldMk cId="0" sldId="259"/>
+            <ac:cxnSpMk id="6" creationId="{3A7A15C8-1BE7-4920-84A3-1E32957207C6}"/>
+          </ac:cxnSpMkLst>
+        </pc:cxnChg>
+        <pc:cxnChg chg="add del">
+          <ac:chgData name="Tian Xia" userId="93c06f42-b671-488a-88df-870be2730da8" providerId="ADAL" clId="{45DFB069-287A-48C6-A2EE-BDAC050FCD4E}" dt="2021-12-08T02:21:36.153" v="819" actId="11529"/>
+          <ac:cxnSpMkLst>
+            <pc:docMk/>
+            <pc:sldMk cId="0" sldId="259"/>
+            <ac:cxnSpMk id="11" creationId="{A4CC39D7-4199-43C8-A392-BDC89A7C9AD9}"/>
+          </ac:cxnSpMkLst>
+        </pc:cxnChg>
+        <pc:cxnChg chg="add del mod">
+          <ac:chgData name="Tian Xia" userId="93c06f42-b671-488a-88df-870be2730da8" providerId="ADAL" clId="{45DFB069-287A-48C6-A2EE-BDAC050FCD4E}" dt="2021-12-08T02:22:15.912" v="830" actId="478"/>
+          <ac:cxnSpMkLst>
+            <pc:docMk/>
+            <pc:sldMk cId="0" sldId="259"/>
+            <ac:cxnSpMk id="13" creationId="{FEDA9EBE-F5B8-4086-A1D3-D80AC04BBD23}"/>
+          </ac:cxnSpMkLst>
+        </pc:cxnChg>
+        <pc:cxnChg chg="add del">
+          <ac:chgData name="Tian Xia" userId="93c06f42-b671-488a-88df-870be2730da8" providerId="ADAL" clId="{45DFB069-287A-48C6-A2EE-BDAC050FCD4E}" dt="2021-12-08T02:22:23.809" v="832" actId="11529"/>
+          <ac:cxnSpMkLst>
+            <pc:docMk/>
+            <pc:sldMk cId="0" sldId="259"/>
+            <ac:cxnSpMk id="21" creationId="{C0D1E6CB-CCE8-413A-971A-D370A3E1CDD5}"/>
+          </ac:cxnSpMkLst>
+        </pc:cxnChg>
+        <pc:cxnChg chg="add mod">
+          <ac:chgData name="Tian Xia" userId="93c06f42-b671-488a-88df-870be2730da8" providerId="ADAL" clId="{45DFB069-287A-48C6-A2EE-BDAC050FCD4E}" dt="2021-12-08T03:43:47.323" v="1960" actId="14100"/>
+          <ac:cxnSpMkLst>
+            <pc:docMk/>
+            <pc:sldMk cId="0" sldId="259"/>
+            <ac:cxnSpMk id="23" creationId="{F907AFF9-A34B-41F2-BD8D-5F12A20F2AD1}"/>
+          </ac:cxnSpMkLst>
+        </pc:cxnChg>
+        <pc:cxnChg chg="mod">
+          <ac:chgData name="Tian Xia" userId="93c06f42-b671-488a-88df-870be2730da8" providerId="ADAL" clId="{45DFB069-287A-48C6-A2EE-BDAC050FCD4E}" dt="2021-12-08T02:49:26.587" v="1022" actId="1076"/>
+          <ac:cxnSpMkLst>
+            <pc:docMk/>
+            <pc:sldMk cId="0" sldId="259"/>
+            <ac:cxnSpMk id="110" creationId="{00000000-0000-0000-0000-000000000000}"/>
+          </ac:cxnSpMkLst>
+        </pc:cxnChg>
+        <pc:cxnChg chg="mod">
+          <ac:chgData name="Tian Xia" userId="93c06f42-b671-488a-88df-870be2730da8" providerId="ADAL" clId="{45DFB069-287A-48C6-A2EE-BDAC050FCD4E}" dt="2021-12-08T02:49:40.849" v="1025" actId="1076"/>
+          <ac:cxnSpMkLst>
+            <pc:docMk/>
+            <pc:sldMk cId="0" sldId="259"/>
+            <ac:cxnSpMk id="113" creationId="{00000000-0000-0000-0000-000000000000}"/>
+          </ac:cxnSpMkLst>
+        </pc:cxnChg>
+        <pc:cxnChg chg="del mod">
+          <ac:chgData name="Tian Xia" userId="93c06f42-b671-488a-88df-870be2730da8" providerId="ADAL" clId="{45DFB069-287A-48C6-A2EE-BDAC050FCD4E}" dt="2021-12-08T02:21:07.537" v="813" actId="478"/>
+          <ac:cxnSpMkLst>
+            <pc:docMk/>
+            <pc:sldMk cId="0" sldId="259"/>
+            <ac:cxnSpMk id="115" creationId="{00000000-0000-0000-0000-000000000000}"/>
+          </ac:cxnSpMkLst>
+        </pc:cxnChg>
+      </pc:sldChg>
+      <pc:sldChg chg="del">
+        <pc:chgData name="Tian Xia" userId="93c06f42-b671-488a-88df-870be2730da8" providerId="ADAL" clId="{45DFB069-287A-48C6-A2EE-BDAC050FCD4E}" dt="2021-12-08T02:06:52.706" v="679" actId="2696"/>
+        <pc:sldMkLst>
+          <pc:docMk/>
+          <pc:sldMk cId="0" sldId="260"/>
+        </pc:sldMkLst>
+      </pc:sldChg>
+      <pc:sldChg chg="modSp mod modNotesTx">
+        <pc:chgData name="Tian Xia" userId="93c06f42-b671-488a-88df-870be2730da8" providerId="ADAL" clId="{45DFB069-287A-48C6-A2EE-BDAC050FCD4E}" dt="2021-12-08T02:58:40.824" v="1649" actId="20577"/>
+        <pc:sldMkLst>
+          <pc:docMk/>
+          <pc:sldMk cId="0" sldId="261"/>
+        </pc:sldMkLst>
+        <pc:spChg chg="mod">
+          <ac:chgData name="Tian Xia" userId="93c06f42-b671-488a-88df-870be2730da8" providerId="ADAL" clId="{45DFB069-287A-48C6-A2EE-BDAC050FCD4E}" dt="2021-12-08T02:54:10.610" v="1121" actId="20577"/>
+          <ac:spMkLst>
+            <pc:docMk/>
+            <pc:sldMk cId="0" sldId="261"/>
+            <ac:spMk id="129" creationId="{00000000-0000-0000-0000-000000000000}"/>
+          </ac:spMkLst>
+        </pc:spChg>
+      </pc:sldChg>
+      <pc:sldChg chg="modSp mod modNotesTx">
+        <pc:chgData name="Tian Xia" userId="93c06f42-b671-488a-88df-870be2730da8" providerId="ADAL" clId="{45DFB069-287A-48C6-A2EE-BDAC050FCD4E}" dt="2021-12-08T04:00:50.586" v="2385" actId="20577"/>
+        <pc:sldMkLst>
+          <pc:docMk/>
+          <pc:sldMk cId="0" sldId="262"/>
+        </pc:sldMkLst>
+        <pc:spChg chg="mod">
+          <ac:chgData name="Tian Xia" userId="93c06f42-b671-488a-88df-870be2730da8" providerId="ADAL" clId="{45DFB069-287A-48C6-A2EE-BDAC050FCD4E}" dt="2021-12-08T03:29:53.896" v="1917" actId="20577"/>
+          <ac:spMkLst>
+            <pc:docMk/>
+            <pc:sldMk cId="0" sldId="262"/>
+            <ac:spMk id="134" creationId="{00000000-0000-0000-0000-000000000000}"/>
+          </ac:spMkLst>
+        </pc:spChg>
+        <pc:spChg chg="mod">
+          <ac:chgData name="Tian Xia" userId="93c06f42-b671-488a-88df-870be2730da8" providerId="ADAL" clId="{45DFB069-287A-48C6-A2EE-BDAC050FCD4E}" dt="2021-12-08T03:42:08.757" v="1953" actId="21"/>
+          <ac:spMkLst>
+            <pc:docMk/>
+            <pc:sldMk cId="0" sldId="262"/>
+            <ac:spMk id="135" creationId="{00000000-0000-0000-0000-000000000000}"/>
+          </ac:spMkLst>
+        </pc:spChg>
+        <pc:picChg chg="mod">
+          <ac:chgData name="Tian Xia" userId="93c06f42-b671-488a-88df-870be2730da8" providerId="ADAL" clId="{45DFB069-287A-48C6-A2EE-BDAC050FCD4E}" dt="2021-12-07T20:20:23.907" v="160" actId="14100"/>
+          <ac:picMkLst>
+            <pc:docMk/>
+            <pc:sldMk cId="0" sldId="262"/>
+            <ac:picMk id="136" creationId="{00000000-0000-0000-0000-000000000000}"/>
+          </ac:picMkLst>
+        </pc:picChg>
+      </pc:sldChg>
+      <pc:sldChg chg="modSp mod ord">
+        <pc:chgData name="Tian Xia" userId="93c06f42-b671-488a-88df-870be2730da8" providerId="ADAL" clId="{45DFB069-287A-48C6-A2EE-BDAC050FCD4E}" dt="2021-12-08T03:32:09.784" v="1936" actId="20577"/>
+        <pc:sldMkLst>
+          <pc:docMk/>
+          <pc:sldMk cId="0" sldId="264"/>
+        </pc:sldMkLst>
+        <pc:spChg chg="mod">
+          <ac:chgData name="Tian Xia" userId="93c06f42-b671-488a-88df-870be2730da8" providerId="ADAL" clId="{45DFB069-287A-48C6-A2EE-BDAC050FCD4E}" dt="2021-12-08T03:32:09.784" v="1936" actId="20577"/>
+          <ac:spMkLst>
+            <pc:docMk/>
+            <pc:sldMk cId="0" sldId="264"/>
+            <ac:spMk id="147" creationId="{00000000-0000-0000-0000-000000000000}"/>
+          </ac:spMkLst>
+        </pc:spChg>
+        <pc:spChg chg="mod">
+          <ac:chgData name="Tian Xia" userId="93c06f42-b671-488a-88df-870be2730da8" providerId="ADAL" clId="{45DFB069-287A-48C6-A2EE-BDAC050FCD4E}" dt="2021-12-08T03:15:44.506" v="1785" actId="20577"/>
+          <ac:spMkLst>
+            <pc:docMk/>
+            <pc:sldMk cId="0" sldId="264"/>
+            <ac:spMk id="148" creationId="{00000000-0000-0000-0000-000000000000}"/>
+          </ac:spMkLst>
+        </pc:spChg>
+      </pc:sldChg>
+      <pc:sldChg chg="modSp mod">
+        <pc:chgData name="Tian Xia" userId="93c06f42-b671-488a-88df-870be2730da8" providerId="ADAL" clId="{45DFB069-287A-48C6-A2EE-BDAC050FCD4E}" dt="2021-12-07T18:36:04.464" v="158" actId="20577"/>
+        <pc:sldMkLst>
+          <pc:docMk/>
+          <pc:sldMk cId="0" sldId="265"/>
+        </pc:sldMkLst>
+        <pc:spChg chg="mod">
+          <ac:chgData name="Tian Xia" userId="93c06f42-b671-488a-88df-870be2730da8" providerId="ADAL" clId="{45DFB069-287A-48C6-A2EE-BDAC050FCD4E}" dt="2021-12-07T18:36:04.464" v="158" actId="20577"/>
+          <ac:spMkLst>
+            <pc:docMk/>
+            <pc:sldMk cId="0" sldId="265"/>
+            <ac:spMk id="154" creationId="{00000000-0000-0000-0000-000000000000}"/>
           </ac:spMkLst>
         </pc:spChg>
       </pc:sldChg>
@@ -332,13 +702,28 @@
         </pc:graphicFrameChg>
       </pc:sldChg>
       <pc:sldChg chg="modSp mod">
-        <pc:chgData name="Tian Xia" userId="93c06f42-b671-488a-88df-870be2730da8" providerId="ADAL" clId="{45DFB069-287A-48C6-A2EE-BDAC050FCD4E}" dt="2021-12-07T06:39:27.117" v="156" actId="20577"/>
+        <pc:chgData name="Tian Xia" userId="93c06f42-b671-488a-88df-870be2730da8" providerId="ADAL" clId="{45DFB069-287A-48C6-A2EE-BDAC050FCD4E}" dt="2021-12-08T03:23:00.880" v="1874" actId="20577"/>
+        <pc:sldMkLst>
+          <pc:docMk/>
+          <pc:sldMk cId="0" sldId="267"/>
+        </pc:sldMkLst>
+        <pc:spChg chg="mod">
+          <ac:chgData name="Tian Xia" userId="93c06f42-b671-488a-88df-870be2730da8" providerId="ADAL" clId="{45DFB069-287A-48C6-A2EE-BDAC050FCD4E}" dt="2021-12-08T03:23:00.880" v="1874" actId="20577"/>
+          <ac:spMkLst>
+            <pc:docMk/>
+            <pc:sldMk cId="0" sldId="267"/>
+            <ac:spMk id="167" creationId="{00000000-0000-0000-0000-000000000000}"/>
+          </ac:spMkLst>
+        </pc:spChg>
+      </pc:sldChg>
+      <pc:sldChg chg="modSp mod">
+        <pc:chgData name="Tian Xia" userId="93c06f42-b671-488a-88df-870be2730da8" providerId="ADAL" clId="{45DFB069-287A-48C6-A2EE-BDAC050FCD4E}" dt="2021-12-08T04:16:03.418" v="2402" actId="20577"/>
         <pc:sldMkLst>
           <pc:docMk/>
           <pc:sldMk cId="0" sldId="268"/>
         </pc:sldMkLst>
         <pc:spChg chg="mod">
-          <ac:chgData name="Tian Xia" userId="93c06f42-b671-488a-88df-870be2730da8" providerId="ADAL" clId="{45DFB069-287A-48C6-A2EE-BDAC050FCD4E}" dt="2021-12-07T06:39:27.117" v="156" actId="20577"/>
+          <ac:chgData name="Tian Xia" userId="93c06f42-b671-488a-88df-870be2730da8" providerId="ADAL" clId="{45DFB069-287A-48C6-A2EE-BDAC050FCD4E}" dt="2021-12-08T03:17:50.665" v="1863" actId="20577"/>
           <ac:spMkLst>
             <pc:docMk/>
             <pc:sldMk cId="0" sldId="268"/>
@@ -346,7 +731,7 @@
           </ac:spMkLst>
         </pc:spChg>
         <pc:graphicFrameChg chg="mod modGraphic">
-          <ac:chgData name="Tian Xia" userId="93c06f42-b671-488a-88df-870be2730da8" providerId="ADAL" clId="{45DFB069-287A-48C6-A2EE-BDAC050FCD4E}" dt="2021-12-07T06:38:39.517" v="110" actId="20577"/>
+          <ac:chgData name="Tian Xia" userId="93c06f42-b671-488a-88df-870be2730da8" providerId="ADAL" clId="{45DFB069-287A-48C6-A2EE-BDAC050FCD4E}" dt="2021-12-08T04:16:03.418" v="2402" actId="20577"/>
           <ac:graphicFrameMkLst>
             <pc:docMk/>
             <pc:sldMk cId="0" sldId="268"/>
@@ -410,7 +795,7 @@
         </pc:picChg>
       </pc:sldChg>
       <pc:sldChg chg="addSp delSp modSp new mod">
-        <pc:chgData name="Tian Xia" userId="93c06f42-b671-488a-88df-870be2730da8" providerId="ADAL" clId="{45DFB069-287A-48C6-A2EE-BDAC050FCD4E}" dt="2021-12-07T06:30:03.772" v="57" actId="1076"/>
+        <pc:chgData name="Tian Xia" userId="93c06f42-b671-488a-88df-870be2730da8" providerId="ADAL" clId="{45DFB069-287A-48C6-A2EE-BDAC050FCD4E}" dt="2021-12-08T03:23:44.776" v="1877" actId="1076"/>
         <pc:sldMkLst>
           <pc:docMk/>
           <pc:sldMk cId="3201186893" sldId="271"/>
@@ -432,7 +817,7 @@
           </ac:spMkLst>
         </pc:spChg>
         <pc:picChg chg="add mod">
-          <ac:chgData name="Tian Xia" userId="93c06f42-b671-488a-88df-870be2730da8" providerId="ADAL" clId="{45DFB069-287A-48C6-A2EE-BDAC050FCD4E}" dt="2021-12-07T06:29:18.377" v="50" actId="14100"/>
+          <ac:chgData name="Tian Xia" userId="93c06f42-b671-488a-88df-870be2730da8" providerId="ADAL" clId="{45DFB069-287A-48C6-A2EE-BDAC050FCD4E}" dt="2021-12-08T03:23:29.771" v="1875" actId="1076"/>
           <ac:picMkLst>
             <pc:docMk/>
             <pc:sldMk cId="3201186893" sldId="271"/>
@@ -440,13 +825,59 @@
           </ac:picMkLst>
         </pc:picChg>
         <pc:picChg chg="add mod">
-          <ac:chgData name="Tian Xia" userId="93c06f42-b671-488a-88df-870be2730da8" providerId="ADAL" clId="{45DFB069-287A-48C6-A2EE-BDAC050FCD4E}" dt="2021-12-07T06:30:03.772" v="57" actId="1076"/>
+          <ac:chgData name="Tian Xia" userId="93c06f42-b671-488a-88df-870be2730da8" providerId="ADAL" clId="{45DFB069-287A-48C6-A2EE-BDAC050FCD4E}" dt="2021-12-08T03:23:44.776" v="1877" actId="1076"/>
           <ac:picMkLst>
             <pc:docMk/>
             <pc:sldMk cId="3201186893" sldId="271"/>
             <ac:picMk id="7" creationId="{F267A06F-02BA-424F-8B79-B879E2D506B8}"/>
           </ac:picMkLst>
         </pc:picChg>
+      </pc:sldChg>
+      <pc:sldChg chg="modSp new mod">
+        <pc:chgData name="Tian Xia" userId="93c06f42-b671-488a-88df-870be2730da8" providerId="ADAL" clId="{45DFB069-287A-48C6-A2EE-BDAC050FCD4E}" dt="2021-12-08T03:53:31.093" v="2020"/>
+        <pc:sldMkLst>
+          <pc:docMk/>
+          <pc:sldMk cId="3143816414" sldId="272"/>
+        </pc:sldMkLst>
+        <pc:spChg chg="mod">
+          <ac:chgData name="Tian Xia" userId="93c06f42-b671-488a-88df-870be2730da8" providerId="ADAL" clId="{45DFB069-287A-48C6-A2EE-BDAC050FCD4E}" dt="2021-12-08T03:48:04.586" v="1981" actId="20577"/>
+          <ac:spMkLst>
+            <pc:docMk/>
+            <pc:sldMk cId="3143816414" sldId="272"/>
+            <ac:spMk id="2" creationId="{334044B5-E1DC-4285-BB36-EA6A0ADE15FE}"/>
+          </ac:spMkLst>
+        </pc:spChg>
+        <pc:spChg chg="mod">
+          <ac:chgData name="Tian Xia" userId="93c06f42-b671-488a-88df-870be2730da8" providerId="ADAL" clId="{45DFB069-287A-48C6-A2EE-BDAC050FCD4E}" dt="2021-12-08T03:53:31.093" v="2020"/>
+          <ac:spMkLst>
+            <pc:docMk/>
+            <pc:sldMk cId="3143816414" sldId="272"/>
+            <ac:spMk id="3" creationId="{509F913B-074B-466C-ABFF-847376908300}"/>
+          </ac:spMkLst>
+        </pc:spChg>
+      </pc:sldChg>
+      <pc:sldChg chg="modSp new mod modNotesTx">
+        <pc:chgData name="Tian Xia" userId="93c06f42-b671-488a-88df-870be2730da8" providerId="ADAL" clId="{45DFB069-287A-48C6-A2EE-BDAC050FCD4E}" dt="2021-12-08T03:59:46.073" v="2276" actId="20577"/>
+        <pc:sldMkLst>
+          <pc:docMk/>
+          <pc:sldMk cId="690872434" sldId="273"/>
+        </pc:sldMkLst>
+        <pc:spChg chg="mod">
+          <ac:chgData name="Tian Xia" userId="93c06f42-b671-488a-88df-870be2730da8" providerId="ADAL" clId="{45DFB069-287A-48C6-A2EE-BDAC050FCD4E}" dt="2021-12-08T03:55:57.681" v="2038" actId="20577"/>
+          <ac:spMkLst>
+            <pc:docMk/>
+            <pc:sldMk cId="690872434" sldId="273"/>
+            <ac:spMk id="2" creationId="{A2F43D55-2F31-4785-9282-C9B35874BDBC}"/>
+          </ac:spMkLst>
+        </pc:spChg>
+        <pc:spChg chg="mod">
+          <ac:chgData name="Tian Xia" userId="93c06f42-b671-488a-88df-870be2730da8" providerId="ADAL" clId="{45DFB069-287A-48C6-A2EE-BDAC050FCD4E}" dt="2021-12-08T03:59:46.073" v="2276" actId="20577"/>
+          <ac:spMkLst>
+            <pc:docMk/>
+            <pc:sldMk cId="690872434" sldId="273"/>
+            <ac:spMk id="3" creationId="{6A684912-9982-4D71-8F10-E68FF7C54D79}"/>
+          </ac:spMkLst>
+        </pc:spChg>
       </pc:sldChg>
     </pc:docChg>
   </pc:docChgLst>
@@ -1003,110 +1434,6 @@
   <p:cSld>
     <p:spTree>
       <p:nvGrpSpPr>
-        <p:cNvPr id="1" name="Shape 149"/>
-        <p:cNvGrpSpPr/>
-        <p:nvPr/>
-      </p:nvGrpSpPr>
-      <p:grpSpPr>
-        <a:xfrm>
-          <a:off x="0" y="0"/>
-          <a:ext cx="0" cy="0"/>
-          <a:chOff x="0" y="0"/>
-          <a:chExt cx="0" cy="0"/>
-        </a:xfrm>
-      </p:grpSpPr>
-      <p:sp>
-        <p:nvSpPr>
-          <p:cNvPr id="150" name="Google Shape;150;g106151a3e67_0_125:notes"/>
-          <p:cNvSpPr>
-            <a:spLocks noGrp="1" noRot="1" noChangeAspect="1"/>
-          </p:cNvSpPr>
-          <p:nvPr>
-            <p:ph type="sldImg" idx="2"/>
-          </p:nvPr>
-        </p:nvSpPr>
-        <p:spPr>
-          <a:xfrm>
-            <a:off x="381300" y="685800"/>
-            <a:ext cx="6096000" cy="3429000"/>
-          </a:xfrm>
-          <a:custGeom>
-            <a:avLst/>
-            <a:gdLst/>
-            <a:ahLst/>
-            <a:cxnLst/>
-            <a:rect l="l" t="t" r="r" b="b"/>
-            <a:pathLst>
-              <a:path w="120000" h="120000" extrusionOk="0">
-                <a:moveTo>
-                  <a:pt x="0" y="0"/>
-                </a:moveTo>
-                <a:lnTo>
-                  <a:pt x="120000" y="0"/>
-                </a:lnTo>
-                <a:lnTo>
-                  <a:pt x="120000" y="120000"/>
-                </a:lnTo>
-                <a:lnTo>
-                  <a:pt x="0" y="120000"/>
-                </a:lnTo>
-                <a:close/>
-              </a:path>
-            </a:pathLst>
-          </a:custGeom>
-        </p:spPr>
-      </p:sp>
-      <p:sp>
-        <p:nvSpPr>
-          <p:cNvPr id="151" name="Google Shape;151;g106151a3e67_0_125:notes"/>
-          <p:cNvSpPr txBox="1">
-            <a:spLocks noGrp="1"/>
-          </p:cNvSpPr>
-          <p:nvPr>
-            <p:ph type="body" idx="1"/>
-          </p:nvPr>
-        </p:nvSpPr>
-        <p:spPr>
-          <a:xfrm>
-            <a:off x="685800" y="4343400"/>
-            <a:ext cx="5486400" cy="4114800"/>
-          </a:xfrm>
-          <a:prstGeom prst="rect">
-            <a:avLst/>
-          </a:prstGeom>
-        </p:spPr>
-        <p:txBody>
-          <a:bodyPr spcFirstLastPara="1" wrap="square" lIns="91425" tIns="91425" rIns="91425" bIns="91425" anchor="t" anchorCtr="0">
-            <a:noAutofit/>
-          </a:bodyPr>
-          <a:lstStyle/>
-          <a:p>
-            <a:pPr marL="0" lvl="0" indent="0" algn="l" rtl="0">
-              <a:spcBef>
-                <a:spcPts val="0"/>
-              </a:spcBef>
-              <a:spcAft>
-                <a:spcPts val="0"/>
-              </a:spcAft>
-              <a:buNone/>
-            </a:pPr>
-            <a:endParaRPr/>
-          </a:p>
-        </p:txBody>
-      </p:sp>
-    </p:spTree>
-  </p:cSld>
-  <p:clrMapOvr>
-    <a:masterClrMapping/>
-  </p:clrMapOvr>
-</p:notes>
-</file>
-
-<file path=ppt/notesSlides/notesSlide11.xml><?xml version="1.0" encoding="utf-8"?>
-<p:notes xmlns:a="http://schemas.openxmlformats.org/drawingml/2006/main" xmlns:r="http://schemas.openxmlformats.org/officeDocument/2006/relationships" xmlns:p="http://schemas.openxmlformats.org/presentationml/2006/main" showMasterSp="0" showMasterPhAnim="0">
-  <p:cSld>
-    <p:spTree>
-      <p:nvGrpSpPr>
         <p:cNvPr id="1" name="Shape 155"/>
         <p:cNvGrpSpPr/>
         <p:nvPr/>
@@ -1206,6 +1533,75 @@
 </p:notes>
 </file>
 
+<file path=ppt/notesSlides/notesSlide11.xml><?xml version="1.0" encoding="utf-8"?>
+<p:notes xmlns:a="http://schemas.openxmlformats.org/drawingml/2006/main" xmlns:r="http://schemas.openxmlformats.org/officeDocument/2006/relationships" xmlns:p="http://schemas.openxmlformats.org/presentationml/2006/main">
+  <p:cSld>
+    <p:spTree>
+      <p:nvGrpSpPr>
+        <p:cNvPr id="1" name=""/>
+        <p:cNvGrpSpPr/>
+        <p:nvPr/>
+      </p:nvGrpSpPr>
+      <p:grpSpPr>
+        <a:xfrm>
+          <a:off x="0" y="0"/>
+          <a:ext cx="0" cy="0"/>
+          <a:chOff x="0" y="0"/>
+          <a:chExt cx="0" cy="0"/>
+        </a:xfrm>
+      </p:grpSpPr>
+      <p:sp>
+        <p:nvSpPr>
+          <p:cNvPr id="2" name="Slide Image Placeholder 1"/>
+          <p:cNvSpPr>
+            <a:spLocks noGrp="1" noRot="1" noChangeAspect="1"/>
+          </p:cNvSpPr>
+          <p:nvPr>
+            <p:ph type="sldImg"/>
+          </p:nvPr>
+        </p:nvSpPr>
+        <p:spPr>
+          <a:xfrm>
+            <a:off x="381000" y="685800"/>
+            <a:ext cx="6096000" cy="3429000"/>
+          </a:xfrm>
+        </p:spPr>
+      </p:sp>
+      <p:sp>
+        <p:nvSpPr>
+          <p:cNvPr id="3" name="Notes Placeholder 2"/>
+          <p:cNvSpPr>
+            <a:spLocks noGrp="1"/>
+          </p:cNvSpPr>
+          <p:nvPr>
+            <p:ph type="body" idx="1"/>
+          </p:nvPr>
+        </p:nvSpPr>
+        <p:spPr/>
+        <p:txBody>
+          <a:bodyPr/>
+          <a:lstStyle/>
+          <a:p>
+            <a:pPr marL="158750" indent="0">
+              <a:buNone/>
+            </a:pPr>
+            <a:endParaRPr lang="en-CA" dirty="0"/>
+          </a:p>
+        </p:txBody>
+      </p:sp>
+    </p:spTree>
+    <p:extLst>
+      <p:ext uri="{BB962C8B-B14F-4D97-AF65-F5344CB8AC3E}">
+        <p14:creationId xmlns:p14="http://schemas.microsoft.com/office/powerpoint/2010/main" val="2354128295"/>
+      </p:ext>
+    </p:extLst>
+  </p:cSld>
+  <p:clrMapOvr>
+    <a:masterClrMapping/>
+  </p:clrMapOvr>
+</p:notes>
+</file>
+
 <file path=ppt/notesSlides/notesSlide12.xml><?xml version="1.0" encoding="utf-8"?>
 <p:notes xmlns:a="http://schemas.openxmlformats.org/drawingml/2006/main" xmlns:r="http://schemas.openxmlformats.org/officeDocument/2006/relationships" xmlns:p="http://schemas.openxmlformats.org/presentationml/2006/main" showMasterSp="0" showMasterPhAnim="0">
   <p:cSld>
@@ -1235,7 +1631,7 @@
         </p:nvSpPr>
         <p:spPr>
           <a:xfrm>
-            <a:off x="381300" y="685800"/>
+            <a:off x="381000" y="685800"/>
             <a:ext cx="6096000" cy="3429000"/>
           </a:xfrm>
           <a:custGeom>
@@ -1298,7 +1694,7 @@
               </a:spcAft>
               <a:buNone/>
             </a:pPr>
-            <a:endParaRPr/>
+            <a:endParaRPr dirty="0"/>
           </a:p>
         </p:txBody>
       </p:sp>
@@ -1402,7 +1798,7 @@
               </a:spcAft>
               <a:buNone/>
             </a:pPr>
-            <a:endParaRPr/>
+            <a:endParaRPr dirty="0"/>
           </a:p>
         </p:txBody>
       </p:sp>
@@ -1415,6 +1811,67 @@
 </file>
 
 <file path=ppt/notesSlides/notesSlide14.xml><?xml version="1.0" encoding="utf-8"?>
+<p:notes xmlns:a="http://schemas.openxmlformats.org/drawingml/2006/main" xmlns:r="http://schemas.openxmlformats.org/officeDocument/2006/relationships" xmlns:p="http://schemas.openxmlformats.org/presentationml/2006/main">
+  <p:cSld>
+    <p:spTree>
+      <p:nvGrpSpPr>
+        <p:cNvPr id="1" name=""/>
+        <p:cNvGrpSpPr/>
+        <p:nvPr/>
+      </p:nvGrpSpPr>
+      <p:grpSpPr>
+        <a:xfrm>
+          <a:off x="0" y="0"/>
+          <a:ext cx="0" cy="0"/>
+          <a:chOff x="0" y="0"/>
+          <a:chExt cx="0" cy="0"/>
+        </a:xfrm>
+      </p:grpSpPr>
+      <p:sp>
+        <p:nvSpPr>
+          <p:cNvPr id="2" name="Slide Image Placeholder 1"/>
+          <p:cNvSpPr>
+            <a:spLocks noGrp="1" noRot="1" noChangeAspect="1"/>
+          </p:cNvSpPr>
+          <p:nvPr>
+            <p:ph type="sldImg"/>
+          </p:nvPr>
+        </p:nvSpPr>
+        <p:spPr/>
+      </p:sp>
+      <p:sp>
+        <p:nvSpPr>
+          <p:cNvPr id="3" name="Notes Placeholder 2"/>
+          <p:cNvSpPr>
+            <a:spLocks noGrp="1"/>
+          </p:cNvSpPr>
+          <p:nvPr>
+            <p:ph type="body" idx="1"/>
+          </p:nvPr>
+        </p:nvSpPr>
+        <p:spPr/>
+        <p:txBody>
+          <a:bodyPr/>
+          <a:lstStyle/>
+          <a:p>
+            <a:endParaRPr lang="en-CA" dirty="0"/>
+          </a:p>
+        </p:txBody>
+      </p:sp>
+    </p:spTree>
+    <p:extLst>
+      <p:ext uri="{BB962C8B-B14F-4D97-AF65-F5344CB8AC3E}">
+        <p14:creationId xmlns:p14="http://schemas.microsoft.com/office/powerpoint/2010/main" val="1164542124"/>
+      </p:ext>
+    </p:extLst>
+  </p:cSld>
+  <p:clrMapOvr>
+    <a:masterClrMapping/>
+  </p:clrMapOvr>
+</p:notes>
+</file>
+
+<file path=ppt/notesSlides/notesSlide15.xml><?xml version="1.0" encoding="utf-8"?>
 <p:notes xmlns:a="http://schemas.openxmlformats.org/drawingml/2006/main" xmlns:r="http://schemas.openxmlformats.org/officeDocument/2006/relationships" xmlns:p="http://schemas.openxmlformats.org/presentationml/2006/main" showMasterSp="0" showMasterPhAnim="0">
   <p:cSld>
     <p:spTree>
@@ -1547,7 +2004,7 @@
         </p:nvSpPr>
         <p:spPr>
           <a:xfrm>
-            <a:off x="381300" y="685800"/>
+            <a:off x="381000" y="685800"/>
             <a:ext cx="6096000" cy="3429000"/>
           </a:xfrm>
           <a:custGeom>
@@ -1610,7 +2067,83 @@
               </a:spcAft>
               <a:buNone/>
             </a:pPr>
-            <a:endParaRPr/>
+            <a:r>
+              <a:rPr lang="en-US" dirty="0"/>
+              <a:t>(1) </a:t>
+            </a:r>
+          </a:p>
+          <a:p>
+            <a:pPr marL="0" lvl="0" indent="0" algn="l" rtl="0">
+              <a:spcBef>
+                <a:spcPts val="0"/>
+              </a:spcBef>
+              <a:spcAft>
+                <a:spcPts val="0"/>
+              </a:spcAft>
+              <a:buNone/>
+            </a:pPr>
+            <a:r>
+              <a:rPr lang="en-US" dirty="0"/>
+              <a:t>(2) The </a:t>
+            </a:r>
+            <a:r>
+              <a:rPr lang="en-US" dirty="0" err="1"/>
+              <a:t>sssp</a:t>
+            </a:r>
+            <a:r>
+              <a:rPr lang="en-US" dirty="0"/>
+              <a:t> algorithm can be used in plenty of real-world apps</a:t>
+            </a:r>
+          </a:p>
+          <a:p>
+            <a:pPr marL="0" marR="0" lvl="0" indent="0" algn="l" defTabSz="914400" rtl="0" eaLnBrk="1" fontAlgn="auto" latinLnBrk="0" hangingPunct="1">
+              <a:lnSpc>
+                <a:spcPct val="100000"/>
+              </a:lnSpc>
+              <a:spcBef>
+                <a:spcPts val="0"/>
+              </a:spcBef>
+              <a:spcAft>
+                <a:spcPts val="0"/>
+              </a:spcAft>
+              <a:buClr>
+                <a:srgbClr val="000000"/>
+              </a:buClr>
+              <a:buSzPts val="1100"/>
+              <a:buFont typeface="Arial"/>
+              <a:buNone/>
+              <a:tabLst/>
+              <a:defRPr/>
+            </a:pPr>
+            <a:r>
+              <a:rPr lang="en-US" dirty="0"/>
+              <a:t>(3) </a:t>
+            </a:r>
+            <a:r>
+              <a:rPr lang="en-US" altLang="zh-CN" dirty="0"/>
+              <a:t>Most applications of SSSP require real-time processing, so we want to our </a:t>
+            </a:r>
+            <a:r>
+              <a:rPr lang="en-US" altLang="zh-CN" dirty="0" err="1"/>
+              <a:t>sssp</a:t>
+            </a:r>
+            <a:r>
+              <a:rPr lang="en-US" altLang="zh-CN" dirty="0"/>
+              <a:t> algorithm be more efficiently.</a:t>
+            </a:r>
+            <a:endParaRPr lang="en-US" dirty="0"/>
+          </a:p>
+          <a:p>
+            <a:pPr marL="0" lvl="0" indent="0" algn="l" rtl="0">
+              <a:spcBef>
+                <a:spcPts val="0"/>
+              </a:spcBef>
+              <a:spcAft>
+                <a:spcPts val="0"/>
+              </a:spcAft>
+              <a:buNone/>
+            </a:pPr>
+            <a:endParaRPr dirty="0"/>
           </a:p>
         </p:txBody>
       </p:sp>
@@ -1705,6 +2238,184 @@
           </a:bodyPr>
           <a:lstStyle/>
           <a:p>
+            <a:pPr marL="0" marR="0" lvl="0" indent="0" algn="l" defTabSz="914400" rtl="0" eaLnBrk="1" fontAlgn="auto" latinLnBrk="0" hangingPunct="1">
+              <a:lnSpc>
+                <a:spcPct val="100000"/>
+              </a:lnSpc>
+              <a:spcBef>
+                <a:spcPts val="0"/>
+              </a:spcBef>
+              <a:spcAft>
+                <a:spcPts val="0"/>
+              </a:spcAft>
+              <a:buClr>
+                <a:srgbClr val="000000"/>
+              </a:buClr>
+              <a:buSzPts val="1100"/>
+              <a:buFont typeface="Arial"/>
+              <a:buNone/>
+              <a:tabLst/>
+              <a:defRPr/>
+            </a:pPr>
+            <a:r>
+              <a:rPr lang="en-US" dirty="0"/>
+              <a:t>As we have learned from the undergrad courses, there are 2 well-known </a:t>
+            </a:r>
+            <a:r>
+              <a:rPr lang="en-CA" altLang="zh-CN" b="1" dirty="0" err="1"/>
+              <a:t>Seqential</a:t>
+            </a:r>
+            <a:r>
+              <a:rPr lang="en-CA" altLang="zh-CN" b="1" dirty="0"/>
+              <a:t> Algorithms can be used to solve </a:t>
+            </a:r>
+            <a:r>
+              <a:rPr lang="en-CA" altLang="zh-CN" b="1" dirty="0" err="1"/>
+              <a:t>sssp</a:t>
+            </a:r>
+            <a:r>
+              <a:rPr lang="en-CA" altLang="zh-CN" b="1" dirty="0"/>
+              <a:t> problems</a:t>
+            </a:r>
+          </a:p>
+          <a:p>
+            <a:pPr marL="0" marR="0" lvl="0" indent="0" algn="l" defTabSz="914400" rtl="0" eaLnBrk="1" fontAlgn="auto" latinLnBrk="0" hangingPunct="1">
+              <a:lnSpc>
+                <a:spcPct val="100000"/>
+              </a:lnSpc>
+              <a:spcBef>
+                <a:spcPts val="0"/>
+              </a:spcBef>
+              <a:spcAft>
+                <a:spcPts val="0"/>
+              </a:spcAft>
+              <a:buClr>
+                <a:srgbClr val="000000"/>
+              </a:buClr>
+              <a:buSzPts val="1100"/>
+              <a:buFont typeface="Arial"/>
+              <a:buNone/>
+              <a:tabLst/>
+              <a:defRPr/>
+            </a:pPr>
+            <a:endParaRPr lang="en-CA" b="1" dirty="0"/>
+          </a:p>
+          <a:p>
+            <a:pPr marL="0" marR="0" lvl="0" indent="0" algn="l" defTabSz="914400" rtl="0" eaLnBrk="1" fontAlgn="auto" latinLnBrk="0" hangingPunct="1">
+              <a:lnSpc>
+                <a:spcPct val="100000"/>
+              </a:lnSpc>
+              <a:spcBef>
+                <a:spcPts val="0"/>
+              </a:spcBef>
+              <a:spcAft>
+                <a:spcPts val="0"/>
+              </a:spcAft>
+              <a:buClr>
+                <a:srgbClr val="000000"/>
+              </a:buClr>
+              <a:buSzPts val="1100"/>
+              <a:buFont typeface="Arial"/>
+              <a:buNone/>
+              <a:tabLst/>
+              <a:defRPr/>
+            </a:pPr>
+            <a:r>
+              <a:rPr lang="en-CA" b="1" dirty="0"/>
+              <a:t>The first on is </a:t>
+            </a:r>
+            <a:r>
+              <a:rPr lang="en-CA" b="1" dirty="0" err="1"/>
+              <a:t>djk</a:t>
+            </a:r>
+            <a:r>
+              <a:rPr lang="en-CA" b="1" dirty="0"/>
+              <a:t>, then second one is Bellman-Ford. These 2 algo are all solving </a:t>
+            </a:r>
+            <a:r>
+              <a:rPr lang="en-CA" b="1" dirty="0" err="1"/>
+              <a:t>sssp</a:t>
+            </a:r>
+            <a:r>
+              <a:rPr lang="en-CA" b="1" dirty="0"/>
+              <a:t> by doing </a:t>
+            </a:r>
+            <a:r>
+              <a:rPr lang="zh-CN" sz="1100" dirty="0"/>
+              <a:t>edge relaxation in specific order</a:t>
+            </a:r>
+            <a:r>
+              <a:rPr lang="en-US" altLang="zh-CN" sz="1100" dirty="0"/>
+              <a:t>. </a:t>
+            </a:r>
+          </a:p>
+          <a:p>
+            <a:pPr marL="0" marR="0" lvl="0" indent="0" algn="l" defTabSz="914400" rtl="0" eaLnBrk="1" fontAlgn="auto" latinLnBrk="0" hangingPunct="1">
+              <a:lnSpc>
+                <a:spcPct val="100000"/>
+              </a:lnSpc>
+              <a:spcBef>
+                <a:spcPts val="0"/>
+              </a:spcBef>
+              <a:spcAft>
+                <a:spcPts val="0"/>
+              </a:spcAft>
+              <a:buClr>
+                <a:srgbClr val="000000"/>
+              </a:buClr>
+              <a:buSzPts val="1100"/>
+              <a:buFont typeface="Arial"/>
+              <a:buNone/>
+              <a:tabLst/>
+              <a:defRPr/>
+            </a:pPr>
+            <a:endParaRPr lang="en-US" altLang="zh-CN" sz="1100" dirty="0"/>
+          </a:p>
+          <a:p>
+            <a:pPr marL="0" marR="0" lvl="0" indent="0" algn="l" defTabSz="914400" rtl="0" eaLnBrk="1" fontAlgn="auto" latinLnBrk="0" hangingPunct="1">
+              <a:lnSpc>
+                <a:spcPct val="100000"/>
+              </a:lnSpc>
+              <a:spcBef>
+                <a:spcPts val="0"/>
+              </a:spcBef>
+              <a:spcAft>
+                <a:spcPts val="0"/>
+              </a:spcAft>
+              <a:buClr>
+                <a:srgbClr val="000000"/>
+              </a:buClr>
+              <a:buSzPts val="1100"/>
+              <a:buFont typeface="Arial"/>
+              <a:buNone/>
+              <a:tabLst/>
+              <a:defRPr/>
+            </a:pPr>
+            <a:endParaRPr lang="en-US" altLang="zh-CN" sz="1100" dirty="0"/>
+          </a:p>
+          <a:p>
+            <a:pPr marL="0" marR="0" lvl="0" indent="0" algn="l" defTabSz="914400" rtl="0" eaLnBrk="1" fontAlgn="auto" latinLnBrk="0" hangingPunct="1">
+              <a:lnSpc>
+                <a:spcPct val="100000"/>
+              </a:lnSpc>
+              <a:spcBef>
+                <a:spcPts val="0"/>
+              </a:spcBef>
+              <a:spcAft>
+                <a:spcPts val="0"/>
+              </a:spcAft>
+              <a:buClr>
+                <a:srgbClr val="000000"/>
+              </a:buClr>
+              <a:buSzPts val="1100"/>
+              <a:buFont typeface="Arial"/>
+              <a:buNone/>
+              <a:tabLst/>
+              <a:defRPr/>
+            </a:pPr>
+            <a:endParaRPr lang="en-CA" b="1" dirty="0"/>
+          </a:p>
+          <a:p>
             <a:pPr marL="0" lvl="0" indent="0" algn="l" rtl="0">
               <a:spcBef>
                 <a:spcPts val="0"/>
@@ -1714,7 +2425,11 @@
               </a:spcAft>
               <a:buNone/>
             </a:pPr>
-            <a:endParaRPr/>
+            <a:r>
+              <a:rPr lang="en-US" dirty="0"/>
+              <a:t> </a:t>
+            </a:r>
+            <a:endParaRPr dirty="0"/>
           </a:p>
         </p:txBody>
       </p:sp>
@@ -1755,7 +2470,7 @@
         </p:nvSpPr>
         <p:spPr>
           <a:xfrm>
-            <a:off x="381300" y="685800"/>
+            <a:off x="381000" y="685800"/>
             <a:ext cx="6096000" cy="3429000"/>
           </a:xfrm>
           <a:custGeom>
@@ -1809,6 +2524,254 @@
           </a:bodyPr>
           <a:lstStyle/>
           <a:p>
+            <a:pPr marL="0" marR="0" lvl="0" indent="0" algn="l" defTabSz="914400" rtl="0" eaLnBrk="1" fontAlgn="auto" latinLnBrk="0" hangingPunct="1">
+              <a:lnSpc>
+                <a:spcPct val="100000"/>
+              </a:lnSpc>
+              <a:spcBef>
+                <a:spcPts val="0"/>
+              </a:spcBef>
+              <a:spcAft>
+                <a:spcPts val="0"/>
+              </a:spcAft>
+              <a:buClr>
+                <a:srgbClr val="000000"/>
+              </a:buClr>
+              <a:buSzPts val="1100"/>
+              <a:buFont typeface="Arial"/>
+              <a:buNone/>
+              <a:tabLst/>
+              <a:defRPr/>
+            </a:pPr>
+            <a:r>
+              <a:rPr lang="en-US" dirty="0"/>
+              <a:t>Dijkstra only visits one vertex at a time and thus is work-efficient, but it is inherently sequential. Bellman-Ford visits all vertices in a step so it requires redundant work but can be easily parallelized.</a:t>
+            </a:r>
+          </a:p>
+          <a:p>
+            <a:pPr marL="0" marR="0" lvl="0" indent="0" algn="l" defTabSz="914400" rtl="0" eaLnBrk="1" fontAlgn="auto" latinLnBrk="0" hangingPunct="1">
+              <a:lnSpc>
+                <a:spcPct val="100000"/>
+              </a:lnSpc>
+              <a:spcBef>
+                <a:spcPts val="0"/>
+              </a:spcBef>
+              <a:spcAft>
+                <a:spcPts val="0"/>
+              </a:spcAft>
+              <a:buClr>
+                <a:srgbClr val="000000"/>
+              </a:buClr>
+              <a:buSzPts val="1100"/>
+              <a:buFont typeface="Arial"/>
+              <a:buNone/>
+              <a:tabLst/>
+              <a:defRPr/>
+            </a:pPr>
+            <a:endParaRPr lang="en-US" altLang="zh-CN" sz="1100" dirty="0"/>
+          </a:p>
+          <a:p>
+            <a:pPr marL="0" marR="0" lvl="0" indent="0" algn="l" defTabSz="914400" rtl="0" eaLnBrk="1" fontAlgn="auto" latinLnBrk="0" hangingPunct="1">
+              <a:lnSpc>
+                <a:spcPct val="100000"/>
+              </a:lnSpc>
+              <a:spcBef>
+                <a:spcPts val="0"/>
+              </a:spcBef>
+              <a:spcAft>
+                <a:spcPts val="0"/>
+              </a:spcAft>
+              <a:buClr>
+                <a:srgbClr val="000000"/>
+              </a:buClr>
+              <a:buSzPts val="1100"/>
+              <a:buFont typeface="Arial"/>
+              <a:buNone/>
+              <a:tabLst/>
+              <a:defRPr/>
+            </a:pPr>
+            <a:r>
+              <a:rPr lang="en-US" altLang="zh-CN" sz="1100" dirty="0"/>
+              <a:t>So, in order to get </a:t>
+            </a:r>
+            <a:r>
+              <a:rPr lang="en-US" dirty="0"/>
+              <a:t>work-efficient</a:t>
+            </a:r>
+            <a:r>
+              <a:rPr lang="en-US" sz="1100" dirty="0"/>
+              <a:t> and </a:t>
+            </a:r>
+            <a:r>
+              <a:rPr lang="en-US" dirty="0"/>
+              <a:t>easily parallelized. </a:t>
+            </a:r>
+            <a:r>
+              <a:rPr lang="zh-CN" dirty="0"/>
+              <a:t>Δ-stepping algorithm</a:t>
+            </a:r>
+            <a:r>
+              <a:rPr lang="en-US" altLang="zh-CN" dirty="0"/>
+              <a:t> combined Dijkstra + Bellman-Ford together. </a:t>
+            </a:r>
+          </a:p>
+          <a:p>
+            <a:pPr marL="0" marR="0" lvl="0" indent="0" algn="l" defTabSz="914400" rtl="0" eaLnBrk="1" fontAlgn="auto" latinLnBrk="0" hangingPunct="1">
+              <a:lnSpc>
+                <a:spcPct val="100000"/>
+              </a:lnSpc>
+              <a:spcBef>
+                <a:spcPts val="0"/>
+              </a:spcBef>
+              <a:spcAft>
+                <a:spcPts val="0"/>
+              </a:spcAft>
+              <a:buClr>
+                <a:srgbClr val="000000"/>
+              </a:buClr>
+              <a:buSzPts val="1100"/>
+              <a:buFont typeface="Arial"/>
+              <a:buNone/>
+              <a:tabLst/>
+              <a:defRPr/>
+            </a:pPr>
+            <a:endParaRPr lang="en-US" dirty="0"/>
+          </a:p>
+          <a:p>
+            <a:pPr marL="0" marR="0" lvl="0" indent="0" algn="l" defTabSz="914400" rtl="0" eaLnBrk="1" fontAlgn="auto" latinLnBrk="0" hangingPunct="1">
+              <a:lnSpc>
+                <a:spcPct val="100000"/>
+              </a:lnSpc>
+              <a:spcBef>
+                <a:spcPts val="0"/>
+              </a:spcBef>
+              <a:spcAft>
+                <a:spcPts val="0"/>
+              </a:spcAft>
+              <a:buClr>
+                <a:srgbClr val="000000"/>
+              </a:buClr>
+              <a:buSzPts val="1100"/>
+              <a:buFont typeface="Arial"/>
+              <a:buNone/>
+              <a:tabLst/>
+              <a:defRPr/>
+            </a:pPr>
+            <a:r>
+              <a:rPr lang="en-US" dirty="0"/>
+              <a:t>The </a:t>
+            </a:r>
+            <a:r>
+              <a:rPr lang="zh-CN" dirty="0"/>
+              <a:t>Δ-stepping algorithm</a:t>
+            </a:r>
+            <a:r>
+              <a:rPr lang="en-US" altLang="zh-CN" dirty="0"/>
+              <a:t>  will try to relax vertex </a:t>
+            </a:r>
+            <a:r>
+              <a:rPr lang="en-US" dirty="0"/>
+              <a:t>whose shortest-path distances to the source are between </a:t>
+            </a:r>
+            <a:r>
+              <a:rPr lang="en-US" dirty="0" err="1"/>
+              <a:t>iΔ</a:t>
+            </a:r>
+            <a:r>
+              <a:rPr lang="en-US" dirty="0"/>
+              <a:t>  i+1Δ, . Within each step, the algorithm resorts to running Bellman-Ford as </a:t>
+            </a:r>
+            <a:r>
+              <a:rPr lang="en-US" dirty="0" err="1"/>
+              <a:t>substeps</a:t>
+            </a:r>
+            <a:r>
+              <a:rPr lang="en-US" dirty="0"/>
+              <a:t> to determine the distances to such vertices. </a:t>
+            </a:r>
+          </a:p>
+          <a:p>
+            <a:pPr marL="0" marR="0" lvl="0" indent="0" algn="l" defTabSz="914400" rtl="0" eaLnBrk="1" fontAlgn="auto" latinLnBrk="0" hangingPunct="1">
+              <a:lnSpc>
+                <a:spcPct val="100000"/>
+              </a:lnSpc>
+              <a:spcBef>
+                <a:spcPts val="0"/>
+              </a:spcBef>
+              <a:spcAft>
+                <a:spcPts val="0"/>
+              </a:spcAft>
+              <a:buClr>
+                <a:srgbClr val="000000"/>
+              </a:buClr>
+              <a:buSzPts val="1100"/>
+              <a:buFont typeface="Arial"/>
+              <a:buNone/>
+              <a:tabLst/>
+              <a:defRPr/>
+            </a:pPr>
+            <a:r>
+              <a:rPr lang="en-US" dirty="0"/>
+              <a:t>These bf </a:t>
+            </a:r>
+            <a:r>
+              <a:rPr lang="en-US" dirty="0" err="1"/>
+              <a:t>substeps</a:t>
+            </a:r>
+            <a:r>
+              <a:rPr lang="en-US" dirty="0"/>
+              <a:t> can be papalized..</a:t>
+            </a:r>
+          </a:p>
+          <a:p>
+            <a:pPr marL="0" marR="0" lvl="0" indent="0" algn="l" defTabSz="914400" rtl="0" eaLnBrk="1" fontAlgn="auto" latinLnBrk="0" hangingPunct="1">
+              <a:lnSpc>
+                <a:spcPct val="100000"/>
+              </a:lnSpc>
+              <a:spcBef>
+                <a:spcPts val="0"/>
+              </a:spcBef>
+              <a:spcAft>
+                <a:spcPts val="0"/>
+              </a:spcAft>
+              <a:buClr>
+                <a:srgbClr val="000000"/>
+              </a:buClr>
+              <a:buSzPts val="1100"/>
+              <a:buFont typeface="Arial"/>
+              <a:buNone/>
+              <a:tabLst/>
+              <a:defRPr/>
+            </a:pPr>
+            <a:endParaRPr lang="en-US" dirty="0"/>
+          </a:p>
+          <a:p>
+            <a:pPr marL="0" marR="0" lvl="0" indent="0" algn="l" defTabSz="914400" rtl="0" eaLnBrk="1" fontAlgn="auto" latinLnBrk="0" hangingPunct="1">
+              <a:lnSpc>
+                <a:spcPct val="100000"/>
+              </a:lnSpc>
+              <a:spcBef>
+                <a:spcPts val="0"/>
+              </a:spcBef>
+              <a:spcAft>
+                <a:spcPts val="0"/>
+              </a:spcAft>
+              <a:buClr>
+                <a:srgbClr val="000000"/>
+              </a:buClr>
+              <a:buSzPts val="1100"/>
+              <a:buFont typeface="Arial"/>
+              <a:buNone/>
+              <a:tabLst/>
+              <a:defRPr/>
+            </a:pPr>
+            <a:r>
+              <a:rPr lang="en-US" dirty="0"/>
+              <a:t>Hence, it require less work than Bellman-Ford, and have better parallelism than Dijkstra</a:t>
+            </a:r>
+            <a:endParaRPr lang="en-US" altLang="zh-CN" sz="1100" dirty="0"/>
+          </a:p>
+          <a:p>
             <a:pPr marL="0" lvl="0" indent="0" algn="l" rtl="0">
               <a:spcBef>
                 <a:spcPts val="0"/>
@@ -1818,7 +2781,7 @@
               </a:spcAft>
               <a:buNone/>
             </a:pPr>
-            <a:endParaRPr/>
+            <a:endParaRPr dirty="0"/>
           </a:p>
         </p:txBody>
       </p:sp>
@@ -1831,110 +2794,6 @@
 </file>
 
 <file path=ppt/notesSlides/notesSlide5.xml><?xml version="1.0" encoding="utf-8"?>
-<p:notes xmlns:a="http://schemas.openxmlformats.org/drawingml/2006/main" xmlns:r="http://schemas.openxmlformats.org/officeDocument/2006/relationships" xmlns:p="http://schemas.openxmlformats.org/presentationml/2006/main" showMasterSp="0" showMasterPhAnim="0">
-  <p:cSld>
-    <p:spTree>
-      <p:nvGrpSpPr>
-        <p:cNvPr id="1" name="Shape 117"/>
-        <p:cNvGrpSpPr/>
-        <p:nvPr/>
-      </p:nvGrpSpPr>
-      <p:grpSpPr>
-        <a:xfrm>
-          <a:off x="0" y="0"/>
-          <a:ext cx="0" cy="0"/>
-          <a:chOff x="0" y="0"/>
-          <a:chExt cx="0" cy="0"/>
-        </a:xfrm>
-      </p:grpSpPr>
-      <p:sp>
-        <p:nvSpPr>
-          <p:cNvPr id="118" name="Google Shape;118;g10615f8b372_0_1:notes"/>
-          <p:cNvSpPr>
-            <a:spLocks noGrp="1" noRot="1" noChangeAspect="1"/>
-          </p:cNvSpPr>
-          <p:nvPr>
-            <p:ph type="sldImg" idx="2"/>
-          </p:nvPr>
-        </p:nvSpPr>
-        <p:spPr>
-          <a:xfrm>
-            <a:off x="381300" y="685800"/>
-            <a:ext cx="6096000" cy="3429000"/>
-          </a:xfrm>
-          <a:custGeom>
-            <a:avLst/>
-            <a:gdLst/>
-            <a:ahLst/>
-            <a:cxnLst/>
-            <a:rect l="l" t="t" r="r" b="b"/>
-            <a:pathLst>
-              <a:path w="120000" h="120000" extrusionOk="0">
-                <a:moveTo>
-                  <a:pt x="0" y="0"/>
-                </a:moveTo>
-                <a:lnTo>
-                  <a:pt x="120000" y="0"/>
-                </a:lnTo>
-                <a:lnTo>
-                  <a:pt x="120000" y="120000"/>
-                </a:lnTo>
-                <a:lnTo>
-                  <a:pt x="0" y="120000"/>
-                </a:lnTo>
-                <a:close/>
-              </a:path>
-            </a:pathLst>
-          </a:custGeom>
-        </p:spPr>
-      </p:sp>
-      <p:sp>
-        <p:nvSpPr>
-          <p:cNvPr id="119" name="Google Shape;119;g10615f8b372_0_1:notes"/>
-          <p:cNvSpPr txBox="1">
-            <a:spLocks noGrp="1"/>
-          </p:cNvSpPr>
-          <p:nvPr>
-            <p:ph type="body" idx="1"/>
-          </p:nvPr>
-        </p:nvSpPr>
-        <p:spPr>
-          <a:xfrm>
-            <a:off x="685800" y="4343400"/>
-            <a:ext cx="5486400" cy="4114800"/>
-          </a:xfrm>
-          <a:prstGeom prst="rect">
-            <a:avLst/>
-          </a:prstGeom>
-        </p:spPr>
-        <p:txBody>
-          <a:bodyPr spcFirstLastPara="1" wrap="square" lIns="91425" tIns="91425" rIns="91425" bIns="91425" anchor="t" anchorCtr="0">
-            <a:noAutofit/>
-          </a:bodyPr>
-          <a:lstStyle/>
-          <a:p>
-            <a:pPr marL="0" lvl="0" indent="0" algn="l" rtl="0">
-              <a:spcBef>
-                <a:spcPts val="0"/>
-              </a:spcBef>
-              <a:spcAft>
-                <a:spcPts val="0"/>
-              </a:spcAft>
-              <a:buNone/>
-            </a:pPr>
-            <a:endParaRPr/>
-          </a:p>
-        </p:txBody>
-      </p:sp>
-    </p:spTree>
-  </p:cSld>
-  <p:clrMapOvr>
-    <a:masterClrMapping/>
-  </p:clrMapOvr>
-</p:notes>
-</file>
-
-<file path=ppt/notesSlides/notesSlide6.xml><?xml version="1.0" encoding="utf-8"?>
 <p:notes xmlns:a="http://schemas.openxmlformats.org/drawingml/2006/main" xmlns:r="http://schemas.openxmlformats.org/officeDocument/2006/relationships" xmlns:p="http://schemas.openxmlformats.org/presentationml/2006/main" showMasterSp="0" showMasterPhAnim="0">
   <p:cSld>
     <p:spTree>
@@ -1963,7 +2822,7 @@
         </p:nvSpPr>
         <p:spPr>
           <a:xfrm>
-            <a:off x="381300" y="685800"/>
+            <a:off x="381000" y="685800"/>
             <a:ext cx="6096000" cy="3429000"/>
           </a:xfrm>
           <a:custGeom>
@@ -2026,7 +2885,154 @@
               </a:spcAft>
               <a:buNone/>
             </a:pPr>
-            <a:endParaRPr/>
+            <a:r>
+              <a:rPr lang="en-US" dirty="0"/>
+              <a:t>So shown before,  the key parameter of delta-stepping is delta.  If delta is too small, which smaller than the minimal weight, the algorithm will </a:t>
+            </a:r>
+            <a:r>
+              <a:rPr lang="en-US" dirty="0" err="1"/>
+              <a:t>dege</a:t>
+            </a:r>
+            <a:r>
+              <a:rPr lang="en-US" dirty="0"/>
+              <a:t> to </a:t>
+            </a:r>
+            <a:r>
+              <a:rPr lang="en-US" dirty="0" err="1"/>
+              <a:t>djk</a:t>
+            </a:r>
+            <a:r>
+              <a:rPr lang="en-US" dirty="0"/>
+              <a:t>(since it will only small amount of vertex in each steps )</a:t>
+            </a:r>
+          </a:p>
+          <a:p>
+            <a:pPr marL="0" lvl="0" indent="0" algn="l" rtl="0">
+              <a:spcBef>
+                <a:spcPts val="0"/>
+              </a:spcBef>
+              <a:spcAft>
+                <a:spcPts val="0"/>
+              </a:spcAft>
+              <a:buNone/>
+            </a:pPr>
+            <a:r>
+              <a:rPr lang="en-US" dirty="0"/>
+              <a:t>However, if delta is too large.. It will </a:t>
+            </a:r>
+            <a:r>
+              <a:rPr lang="en-US" dirty="0" err="1"/>
+              <a:t>dege</a:t>
+            </a:r>
+            <a:r>
+              <a:rPr lang="en-US" dirty="0"/>
+              <a:t> into bf, since it will process all vertex in each sub step </a:t>
+            </a:r>
+            <a:endParaRPr dirty="0"/>
+          </a:p>
+        </p:txBody>
+      </p:sp>
+    </p:spTree>
+  </p:cSld>
+  <p:clrMapOvr>
+    <a:masterClrMapping/>
+  </p:clrMapOvr>
+</p:notes>
+</file>
+
+<file path=ppt/notesSlides/notesSlide6.xml><?xml version="1.0" encoding="utf-8"?>
+<p:notes xmlns:a="http://schemas.openxmlformats.org/drawingml/2006/main" xmlns:r="http://schemas.openxmlformats.org/officeDocument/2006/relationships" xmlns:p="http://schemas.openxmlformats.org/presentationml/2006/main" showMasterSp="0" showMasterPhAnim="0">
+  <p:cSld>
+    <p:spTree>
+      <p:nvGrpSpPr>
+        <p:cNvPr id="1" name="Shape 143"/>
+        <p:cNvGrpSpPr/>
+        <p:nvPr/>
+      </p:nvGrpSpPr>
+      <p:grpSpPr>
+        <a:xfrm>
+          <a:off x="0" y="0"/>
+          <a:ext cx="0" cy="0"/>
+          <a:chOff x="0" y="0"/>
+          <a:chExt cx="0" cy="0"/>
+        </a:xfrm>
+      </p:grpSpPr>
+      <p:sp>
+        <p:nvSpPr>
+          <p:cNvPr id="144" name="Google Shape;144;g10606a811f0_0_4:notes"/>
+          <p:cNvSpPr>
+            <a:spLocks noGrp="1" noRot="1" noChangeAspect="1"/>
+          </p:cNvSpPr>
+          <p:nvPr>
+            <p:ph type="sldImg" idx="2"/>
+          </p:nvPr>
+        </p:nvSpPr>
+        <p:spPr>
+          <a:xfrm>
+            <a:off x="381000" y="685800"/>
+            <a:ext cx="6096000" cy="3429000"/>
+          </a:xfrm>
+          <a:custGeom>
+            <a:avLst/>
+            <a:gdLst/>
+            <a:ahLst/>
+            <a:cxnLst/>
+            <a:rect l="l" t="t" r="r" b="b"/>
+            <a:pathLst>
+              <a:path w="120000" h="120000" extrusionOk="0">
+                <a:moveTo>
+                  <a:pt x="0" y="0"/>
+                </a:moveTo>
+                <a:lnTo>
+                  <a:pt x="120000" y="0"/>
+                </a:lnTo>
+                <a:lnTo>
+                  <a:pt x="120000" y="120000"/>
+                </a:lnTo>
+                <a:lnTo>
+                  <a:pt x="0" y="120000"/>
+                </a:lnTo>
+                <a:close/>
+              </a:path>
+            </a:pathLst>
+          </a:custGeom>
+        </p:spPr>
+      </p:sp>
+      <p:sp>
+        <p:nvSpPr>
+          <p:cNvPr id="145" name="Google Shape;145;g10606a811f0_0_4:notes"/>
+          <p:cNvSpPr txBox="1">
+            <a:spLocks noGrp="1"/>
+          </p:cNvSpPr>
+          <p:nvPr>
+            <p:ph type="body" idx="1"/>
+          </p:nvPr>
+        </p:nvSpPr>
+        <p:spPr>
+          <a:xfrm>
+            <a:off x="685800" y="4343400"/>
+            <a:ext cx="5486400" cy="4114800"/>
+          </a:xfrm>
+          <a:prstGeom prst="rect">
+            <a:avLst/>
+          </a:prstGeom>
+        </p:spPr>
+        <p:txBody>
+          <a:bodyPr spcFirstLastPara="1" wrap="square" lIns="91425" tIns="91425" rIns="91425" bIns="91425" anchor="t" anchorCtr="0">
+            <a:noAutofit/>
+          </a:bodyPr>
+          <a:lstStyle/>
+          <a:p>
+            <a:pPr marL="0" lvl="0" indent="0" algn="l" rtl="0">
+              <a:spcBef>
+                <a:spcPts val="0"/>
+              </a:spcBef>
+              <a:spcAft>
+                <a:spcPts val="0"/>
+              </a:spcAft>
+              <a:buNone/>
+            </a:pPr>
+            <a:endParaRPr dirty="0"/>
           </a:p>
         </p:txBody>
       </p:sp>
@@ -2067,7 +3073,7 @@
         </p:nvSpPr>
         <p:spPr>
           <a:xfrm>
-            <a:off x="381300" y="685800"/>
+            <a:off x="381000" y="685800"/>
             <a:ext cx="6096000" cy="3429000"/>
           </a:xfrm>
           <a:custGeom>
@@ -2130,7 +3136,39 @@
               </a:spcAft>
               <a:buNone/>
             </a:pPr>
-            <a:endParaRPr/>
+            <a:endParaRPr lang="en-US" dirty="0"/>
+          </a:p>
+          <a:p>
+            <a:pPr marL="0" lvl="0" indent="0" algn="l" rtl="0">
+              <a:spcBef>
+                <a:spcPts val="0"/>
+              </a:spcBef>
+              <a:spcAft>
+                <a:spcPts val="0"/>
+              </a:spcAft>
+              <a:buNone/>
+            </a:pPr>
+            <a:r>
+              <a:rPr lang="en-US" dirty="0"/>
+              <a:t>In each step, we process vertices with distances within a threshold 𝜃, which is computed by </a:t>
+            </a:r>
+            <a:r>
+              <a:rPr lang="en-US" dirty="0" err="1"/>
+              <a:t>ExtDist</a:t>
+            </a:r>
+            <a:r>
+              <a:rPr lang="en-US" dirty="0"/>
+              <a:t> and used as the parameter of Extract. The extracted vertices will relax their neighbors using </a:t>
+            </a:r>
+            <a:r>
+              <a:rPr lang="en-US" dirty="0" err="1"/>
+              <a:t>WriteMin</a:t>
+            </a:r>
+            <a:r>
+              <a:rPr lang="en-US" dirty="0"/>
+              <a:t> (Line 6). If successful, we call Update on the corresponding neighbor. </a:t>
+            </a:r>
+            <a:endParaRPr lang="en-CA" dirty="0"/>
           </a:p>
         </p:txBody>
       </p:sp>
@@ -2234,7 +3272,7 @@
               </a:spcAft>
               <a:buNone/>
             </a:pPr>
-            <a:endParaRPr/>
+            <a:endParaRPr dirty="0"/>
           </a:p>
         </p:txBody>
       </p:sp>
@@ -2251,7 +3289,7 @@
   <p:cSld>
     <p:spTree>
       <p:nvGrpSpPr>
-        <p:cNvPr id="1" name="Shape 143"/>
+        <p:cNvPr id="1" name="Shape 149"/>
         <p:cNvGrpSpPr/>
         <p:nvPr/>
       </p:nvGrpSpPr>
@@ -2265,7 +3303,7 @@
       </p:grpSpPr>
       <p:sp>
         <p:nvSpPr>
-          <p:cNvPr id="144" name="Google Shape;144;g10606a811f0_0_4:notes"/>
+          <p:cNvPr id="150" name="Google Shape;150;g106151a3e67_0_125:notes"/>
           <p:cNvSpPr>
             <a:spLocks noGrp="1" noRot="1" noChangeAspect="1"/>
           </p:cNvSpPr>
@@ -2275,7 +3313,7 @@
         </p:nvSpPr>
         <p:spPr>
           <a:xfrm>
-            <a:off x="381300" y="685800"/>
+            <a:off x="381000" y="685800"/>
             <a:ext cx="6096000" cy="3429000"/>
           </a:xfrm>
           <a:custGeom>
@@ -2306,7 +3344,7 @@
       </p:sp>
       <p:sp>
         <p:nvSpPr>
-          <p:cNvPr id="145" name="Google Shape;145;g10606a811f0_0_4:notes"/>
+          <p:cNvPr id="151" name="Google Shape;151;g106151a3e67_0_125:notes"/>
           <p:cNvSpPr txBox="1">
             <a:spLocks noGrp="1"/>
           </p:cNvSpPr>
@@ -9093,165 +10131,6 @@
   <p:cSld>
     <p:spTree>
       <p:nvGrpSpPr>
-        <p:cNvPr id="1" name="Shape 152"/>
-        <p:cNvGrpSpPr/>
-        <p:nvPr/>
-      </p:nvGrpSpPr>
-      <p:grpSpPr>
-        <a:xfrm>
-          <a:off x="0" y="0"/>
-          <a:ext cx="0" cy="0"/>
-          <a:chOff x="0" y="0"/>
-          <a:chExt cx="0" cy="0"/>
-        </a:xfrm>
-      </p:grpSpPr>
-      <p:sp>
-        <p:nvSpPr>
-          <p:cNvPr id="153" name="Google Shape;153;p22"/>
-          <p:cNvSpPr txBox="1">
-            <a:spLocks noGrp="1"/>
-          </p:cNvSpPr>
-          <p:nvPr>
-            <p:ph type="title"/>
-          </p:nvPr>
-        </p:nvSpPr>
-        <p:spPr>
-          <a:xfrm>
-            <a:off x="311700" y="410000"/>
-            <a:ext cx="8520600" cy="607800"/>
-          </a:xfrm>
-          <a:prstGeom prst="rect">
-            <a:avLst/>
-          </a:prstGeom>
-        </p:spPr>
-        <p:txBody>
-          <a:bodyPr spcFirstLastPara="1" wrap="square" lIns="91425" tIns="91425" rIns="91425" bIns="91425" anchor="t" anchorCtr="0">
-            <a:normAutofit fontScale="90000"/>
-          </a:bodyPr>
-          <a:lstStyle/>
-          <a:p>
-            <a:pPr marL="0" lvl="0" indent="0" algn="l" rtl="0">
-              <a:spcBef>
-                <a:spcPts val="0"/>
-              </a:spcBef>
-              <a:spcAft>
-                <a:spcPts val="0"/>
-              </a:spcAft>
-              <a:buNone/>
-            </a:pPr>
-            <a:r>
-              <a:rPr lang="zh-CN"/>
-              <a:t>Research Question</a:t>
-            </a:r>
-            <a:endParaRPr/>
-          </a:p>
-        </p:txBody>
-      </p:sp>
-      <p:sp>
-        <p:nvSpPr>
-          <p:cNvPr id="154" name="Google Shape;154;p22"/>
-          <p:cNvSpPr txBox="1">
-            <a:spLocks noGrp="1"/>
-          </p:cNvSpPr>
-          <p:nvPr>
-            <p:ph type="body" idx="1"/>
-          </p:nvPr>
-        </p:nvSpPr>
-        <p:spPr>
-          <a:xfrm>
-            <a:off x="311700" y="1229875"/>
-            <a:ext cx="8520600" cy="3339000"/>
-          </a:xfrm>
-          <a:prstGeom prst="rect">
-            <a:avLst/>
-          </a:prstGeom>
-        </p:spPr>
-        <p:txBody>
-          <a:bodyPr spcFirstLastPara="1" wrap="square" lIns="91425" tIns="91425" rIns="91425" bIns="91425" anchor="t" anchorCtr="0">
-            <a:normAutofit/>
-          </a:bodyPr>
-          <a:lstStyle/>
-          <a:p>
-            <a:pPr marL="0" lvl="0" indent="0" algn="l" rtl="0">
-              <a:spcBef>
-                <a:spcPts val="0"/>
-              </a:spcBef>
-              <a:spcAft>
-                <a:spcPts val="0"/>
-              </a:spcAft>
-              <a:buNone/>
-            </a:pPr>
-            <a:r>
-              <a:rPr lang="zh-CN"/>
-              <a:t>RQ1: Can p-stepping work on general graphs?</a:t>
-            </a:r>
-            <a:endParaRPr/>
-          </a:p>
-          <a:p>
-            <a:pPr marL="457200" lvl="0" indent="-342900" algn="l" rtl="0">
-              <a:spcBef>
-                <a:spcPts val="1200"/>
-              </a:spcBef>
-              <a:spcAft>
-                <a:spcPts val="0"/>
-              </a:spcAft>
-              <a:buSzPts val="1800"/>
-              <a:buChar char="-"/>
-            </a:pPr>
-            <a:r>
-              <a:rPr lang="zh-CN"/>
-              <a:t>Tested on several graph datasets</a:t>
-            </a:r>
-            <a:endParaRPr/>
-          </a:p>
-          <a:p>
-            <a:pPr marL="0" lvl="0" indent="0" algn="l" rtl="0">
-              <a:spcBef>
-                <a:spcPts val="1200"/>
-              </a:spcBef>
-              <a:spcAft>
-                <a:spcPts val="0"/>
-              </a:spcAft>
-              <a:buNone/>
-            </a:pPr>
-            <a:r>
-              <a:rPr lang="zh-CN"/>
-              <a:t>RQ2: Is p-stepping outperform than other algorithm?</a:t>
-            </a:r>
-            <a:endParaRPr/>
-          </a:p>
-          <a:p>
-            <a:pPr marL="457200" lvl="0" indent="-342900" algn="l" rtl="0">
-              <a:spcBef>
-                <a:spcPts val="1200"/>
-              </a:spcBef>
-              <a:spcAft>
-                <a:spcPts val="0"/>
-              </a:spcAft>
-              <a:buSzPts val="1800"/>
-              <a:buChar char="-"/>
-            </a:pPr>
-            <a:r>
-              <a:rPr lang="zh-CN"/>
-              <a:t>Comparing with other algorithm()</a:t>
-            </a:r>
-            <a:endParaRPr/>
-          </a:p>
-        </p:txBody>
-      </p:sp>
-    </p:spTree>
-  </p:cSld>
-  <p:clrMapOvr>
-    <a:masterClrMapping/>
-  </p:clrMapOvr>
-</p:sld>
-</file>
-
-<file path=ppt/slides/slide11.xml><?xml version="1.0" encoding="utf-8"?>
-<p:sld xmlns:a="http://schemas.openxmlformats.org/drawingml/2006/main" xmlns:r="http://schemas.openxmlformats.org/officeDocument/2006/relationships" xmlns:p="http://schemas.openxmlformats.org/presentationml/2006/main">
-  <p:cSld>
-    <p:spTree>
-      <p:nvGrpSpPr>
         <p:cNvPr id="1" name="Shape 158"/>
         <p:cNvGrpSpPr/>
         <p:nvPr/>
@@ -9690,7 +10569,7 @@
                         <a:buNone/>
                       </a:pPr>
                       <a:r>
-                        <a:rPr lang="zh-CN" sz="1200">
+                        <a:rPr lang="zh-CN" sz="1200" dirty="0">
                           <a:solidFill>
                             <a:schemeClr val="dk2"/>
                           </a:solidFill>
@@ -9704,7 +10583,7 @@
                         </a:rPr>
                         <a:t>334,863</a:t>
                       </a:r>
-                      <a:endParaRPr sz="1200">
+                      <a:endParaRPr sz="1200" dirty="0">
                         <a:solidFill>
                           <a:schemeClr val="dk2"/>
                         </a:solidFill>
@@ -9832,7 +10711,7 @@
                         <a:buNone/>
                       </a:pPr>
                       <a:r>
-                        <a:rPr lang="zh-CN" sz="1200">
+                        <a:rPr lang="zh-CN" sz="1200" dirty="0">
                           <a:solidFill>
                             <a:schemeClr val="dk2"/>
                           </a:solidFill>
@@ -9846,7 +10725,7 @@
                         </a:rPr>
                         <a:t>281,903</a:t>
                       </a:r>
-                      <a:endParaRPr sz="1200">
+                      <a:endParaRPr sz="1200" dirty="0">
                         <a:solidFill>
                           <a:schemeClr val="dk2"/>
                         </a:solidFill>
@@ -10049,6 +10928,108 @@
 </p:sld>
 </file>
 
+<file path=ppt/slides/slide11.xml><?xml version="1.0" encoding="utf-8"?>
+<p:sld xmlns:a="http://schemas.openxmlformats.org/drawingml/2006/main" xmlns:r="http://schemas.openxmlformats.org/officeDocument/2006/relationships" xmlns:p="http://schemas.openxmlformats.org/presentationml/2006/main">
+  <p:cSld>
+    <p:spTree>
+      <p:nvGrpSpPr>
+        <p:cNvPr id="1" name=""/>
+        <p:cNvGrpSpPr/>
+        <p:nvPr/>
+      </p:nvGrpSpPr>
+      <p:grpSpPr>
+        <a:xfrm>
+          <a:off x="0" y="0"/>
+          <a:ext cx="0" cy="0"/>
+          <a:chOff x="0" y="0"/>
+          <a:chExt cx="0" cy="0"/>
+        </a:xfrm>
+      </p:grpSpPr>
+      <p:sp>
+        <p:nvSpPr>
+          <p:cNvPr id="2" name="Title 1">
+            <a:extLst>
+              <a:ext uri="{FF2B5EF4-FFF2-40B4-BE49-F238E27FC236}">
+                <a16:creationId xmlns:a16="http://schemas.microsoft.com/office/drawing/2014/main" id="{A2F43D55-2F31-4785-9282-C9B35874BDBC}"/>
+              </a:ext>
+            </a:extLst>
+          </p:cNvPr>
+          <p:cNvSpPr>
+            <a:spLocks noGrp="1"/>
+          </p:cNvSpPr>
+          <p:nvPr>
+            <p:ph type="title"/>
+          </p:nvPr>
+        </p:nvSpPr>
+        <p:spPr/>
+        <p:txBody>
+          <a:bodyPr>
+            <a:normAutofit fontScale="90000"/>
+          </a:bodyPr>
+          <a:lstStyle/>
+          <a:p>
+            <a:r>
+              <a:rPr lang="en-US" dirty="0"/>
+              <a:t>Methods</a:t>
+            </a:r>
+            <a:endParaRPr lang="en-CA" dirty="0"/>
+          </a:p>
+        </p:txBody>
+      </p:sp>
+      <p:sp>
+        <p:nvSpPr>
+          <p:cNvPr id="3" name="Text Placeholder 2">
+            <a:extLst>
+              <a:ext uri="{FF2B5EF4-FFF2-40B4-BE49-F238E27FC236}">
+                <a16:creationId xmlns:a16="http://schemas.microsoft.com/office/drawing/2014/main" id="{6A684912-9982-4D71-8F10-E68FF7C54D79}"/>
+              </a:ext>
+            </a:extLst>
+          </p:cNvPr>
+          <p:cNvSpPr>
+            <a:spLocks noGrp="1"/>
+          </p:cNvSpPr>
+          <p:nvPr>
+            <p:ph type="body" idx="1"/>
+          </p:nvPr>
+        </p:nvSpPr>
+        <p:spPr/>
+        <p:txBody>
+          <a:bodyPr/>
+          <a:lstStyle/>
+          <a:p>
+            <a:r>
+              <a:rPr lang="en-US" dirty="0"/>
+              <a:t>Reimplementing the rho-stepping algorithm</a:t>
+            </a:r>
+          </a:p>
+          <a:p>
+            <a:r>
+              <a:rPr lang="en-US" dirty="0"/>
+              <a:t>Testing on the dataset with different sizes.</a:t>
+            </a:r>
+          </a:p>
+          <a:p>
+            <a:r>
+              <a:rPr lang="en-US" dirty="0"/>
+              <a:t>Using sequential version Dijkstra as baseline</a:t>
+            </a:r>
+            <a:endParaRPr lang="en-CA" dirty="0"/>
+          </a:p>
+        </p:txBody>
+      </p:sp>
+    </p:spTree>
+    <p:extLst>
+      <p:ext uri="{BB962C8B-B14F-4D97-AF65-F5344CB8AC3E}">
+        <p14:creationId xmlns:p14="http://schemas.microsoft.com/office/powerpoint/2010/main" val="690872434"/>
+      </p:ext>
+    </p:extLst>
+  </p:cSld>
+  <p:clrMapOvr>
+    <a:masterClrMapping/>
+  </p:clrMapOvr>
+</p:sld>
+</file>
+
 <file path=ppt/slides/slide12.xml><?xml version="1.0" encoding="utf-8"?>
 <p:sld xmlns:a="http://schemas.openxmlformats.org/drawingml/2006/main" xmlns:r="http://schemas.openxmlformats.org/officeDocument/2006/relationships" xmlns:p="http://schemas.openxmlformats.org/presentationml/2006/main">
   <p:cSld>
@@ -10144,10 +11125,10 @@
               <a:buAutoNum type="arabicPeriod"/>
             </a:pPr>
             <a:r>
-              <a:rPr lang="zh-CN"/>
+              <a:rPr lang="zh-CN" dirty="0"/>
               <a:t>Process</a:t>
             </a:r>
-            <a:endParaRPr/>
+            <a:endParaRPr dirty="0"/>
           </a:p>
           <a:p>
             <a:pPr marL="457200" lvl="0" indent="-342900" algn="l" rtl="0">
@@ -10161,10 +11142,10 @@
               <a:buChar char="●"/>
             </a:pPr>
             <a:r>
-              <a:rPr lang="zh-CN"/>
+              <a:rPr lang="zh-CN" dirty="0"/>
               <a:t>Testing on stepping algorithms, and Bellman-Ford</a:t>
             </a:r>
-            <a:endParaRPr/>
+            <a:endParaRPr dirty="0"/>
           </a:p>
           <a:p>
             <a:pPr marL="457200" lvl="0" indent="-342900" algn="l" rtl="0">
@@ -10178,10 +11159,18 @@
               <a:buChar char="●"/>
             </a:pPr>
             <a:r>
-              <a:rPr lang="zh-CN"/>
-              <a:t>Use each Vertex as source node to find sssp</a:t>
-            </a:r>
-            <a:endParaRPr/>
+              <a:rPr lang="zh-CN" dirty="0"/>
+              <a:t>Use each </a:t>
+            </a:r>
+            <a:r>
+              <a:rPr lang="en-US" altLang="zh-CN" dirty="0"/>
+              <a:t>v</a:t>
+            </a:r>
+            <a:r>
+              <a:rPr lang="zh-CN" dirty="0"/>
+              <a:t>ertex as source node to find sssp</a:t>
+            </a:r>
+            <a:endParaRPr dirty="0"/>
           </a:p>
           <a:p>
             <a:pPr marL="457200" lvl="0" indent="-342900" algn="l" rtl="0">
@@ -10195,10 +11184,18 @@
               <a:buChar char="●"/>
             </a:pPr>
             <a:r>
-              <a:rPr lang="zh-CN"/>
-              <a:t>Run 10 round for each source node, and get avg running time</a:t>
-            </a:r>
-            <a:endParaRPr/>
+              <a:rPr lang="zh-CN" dirty="0"/>
+              <a:t>Run 10 round for each source node, and get </a:t>
+            </a:r>
+            <a:r>
+              <a:rPr lang="en-US" altLang="zh-CN" dirty="0"/>
+              <a:t>average</a:t>
+            </a:r>
+            <a:r>
+              <a:rPr lang="zh-CN" dirty="0"/>
+              <a:t> running time</a:t>
+            </a:r>
+            <a:endParaRPr dirty="0"/>
           </a:p>
           <a:p>
             <a:pPr marL="457200" lvl="0" indent="-342900" algn="l" rtl="0">
@@ -10212,10 +11209,10 @@
               <a:buChar char="●"/>
             </a:pPr>
             <a:r>
-              <a:rPr lang="zh-CN"/>
+              <a:rPr lang="zh-CN" dirty="0"/>
               <a:t>Verified with running time of dijkstra</a:t>
             </a:r>
-            <a:endParaRPr/>
+            <a:endParaRPr dirty="0"/>
           </a:p>
           <a:p>
             <a:pPr marL="457200" lvl="0" indent="0" algn="l" rtl="0">
@@ -10227,10 +11224,10 @@
               </a:spcAft>
               <a:buNone/>
             </a:pPr>
-            <a:endParaRPr/>
+            <a:endParaRPr dirty="0"/>
           </a:p>
           <a:p>
-            <a:pPr marL="457200" lvl="0" indent="-342900" algn="l" rtl="0">
+            <a:pPr marL="114300" lvl="0" indent="0" algn="l" rtl="0">
               <a:spcBef>
                 <a:spcPts val="1200"/>
               </a:spcBef>
@@ -10238,13 +11235,13 @@
                 <a:spcPts val="0"/>
               </a:spcAft>
               <a:buSzPts val="1800"/>
-              <a:buAutoNum type="arabicPeriod"/>
+              <a:buNone/>
             </a:pPr>
             <a:r>
-              <a:rPr lang="zh-CN"/>
+              <a:rPr lang="zh-CN" dirty="0"/>
               <a:t>Metrics: Running time of algorithms</a:t>
             </a:r>
-            <a:endParaRPr/>
+            <a:endParaRPr dirty="0"/>
           </a:p>
         </p:txBody>
       </p:sp>
@@ -10322,14 +11319,14 @@
           <p:nvPr>
             <p:extLst>
               <p:ext uri="{D42A27DB-BD31-4B8C-83A1-F6EECF244321}">
-                <p14:modId xmlns:p14="http://schemas.microsoft.com/office/powerpoint/2010/main" val="401901724"/>
+                <p14:modId xmlns:p14="http://schemas.microsoft.com/office/powerpoint/2010/main" val="122504635"/>
               </p:ext>
             </p:extLst>
           </p:nvPr>
         </p:nvGraphicFramePr>
         <p:xfrm>
           <a:off x="952500" y="1724600"/>
-          <a:ext cx="7239000" cy="1981050"/>
+          <a:ext cx="7239000" cy="2194410"/>
         </p:xfrm>
         <a:graphic>
           <a:graphicData uri="http://schemas.openxmlformats.org/drawingml/2006/table">
@@ -10339,31 +11336,38 @@
                 <a:tableStyleId>{E74C9EED-7A96-41DB-B529-8890FE543061}</a:tableStyleId>
               </a:tblPr>
               <a:tblGrid>
-                <a:gridCol w="1809750">
+                <a:gridCol w="1447800">
                   <a:extLst>
                     <a:ext uri="{9D8B030D-6E8A-4147-A177-3AD203B41FA5}">
                       <a16:colId xmlns:a16="http://schemas.microsoft.com/office/drawing/2014/main" val="20000"/>
                     </a:ext>
                   </a:extLst>
                 </a:gridCol>
-                <a:gridCol w="1809750">
+                <a:gridCol w="1447800">
                   <a:extLst>
                     <a:ext uri="{9D8B030D-6E8A-4147-A177-3AD203B41FA5}">
                       <a16:colId xmlns:a16="http://schemas.microsoft.com/office/drawing/2014/main" val="20001"/>
                     </a:ext>
                   </a:extLst>
                 </a:gridCol>
-                <a:gridCol w="1809750">
+                <a:gridCol w="1447800">
                   <a:extLst>
                     <a:ext uri="{9D8B030D-6E8A-4147-A177-3AD203B41FA5}">
                       <a16:colId xmlns:a16="http://schemas.microsoft.com/office/drawing/2014/main" val="20002"/>
                     </a:ext>
                   </a:extLst>
                 </a:gridCol>
-                <a:gridCol w="1809750">
+                <a:gridCol w="1447800">
                   <a:extLst>
                     <a:ext uri="{9D8B030D-6E8A-4147-A177-3AD203B41FA5}">
                       <a16:colId xmlns:a16="http://schemas.microsoft.com/office/drawing/2014/main" val="20003"/>
+                    </a:ext>
+                  </a:extLst>
+                </a:gridCol>
+                <a:gridCol w="1447800">
+                  <a:extLst>
+                    <a:ext uri="{9D8B030D-6E8A-4147-A177-3AD203B41FA5}">
+                      <a16:colId xmlns:a16="http://schemas.microsoft.com/office/drawing/2014/main" val="3479294098"/>
                     </a:ext>
                   </a:extLst>
                 </a:gridCol>
@@ -10393,7 +11397,7 @@
                     <a:bodyPr/>
                     <a:lstStyle/>
                     <a:p>
-                      <a:pPr marL="0" lvl="0" indent="0" algn="l" rtl="0">
+                      <a:pPr marL="0" lvl="0" indent="0" algn="ctr" rtl="0">
                         <a:spcBef>
                           <a:spcPts val="0"/>
                         </a:spcBef>
@@ -10404,7 +11408,11 @@
                       </a:pPr>
                       <a:r>
                         <a:rPr lang="zh-CN" dirty="0"/>
-                        <a:t>com-orkut*</a:t>
+                        <a:t>com-orkut</a:t>
+                      </a:r>
+                      <a:r>
+                        <a:rPr lang="en-US" altLang="zh-CN" dirty="0"/>
+                        <a:t>(OK)</a:t>
                       </a:r>
                       <a:endParaRPr dirty="0"/>
                     </a:p>
@@ -10416,7 +11424,7 @@
                     <a:bodyPr/>
                     <a:lstStyle/>
                     <a:p>
-                      <a:pPr marL="0" lvl="0" indent="0" algn="l" rtl="0">
+                      <a:pPr marL="0" lvl="0" indent="0" algn="ctr" rtl="0">
                         <a:spcBef>
                           <a:spcPts val="0"/>
                         </a:spcBef>
@@ -10439,7 +11447,7 @@
                     <a:bodyPr/>
                     <a:lstStyle/>
                     <a:p>
-                      <a:pPr marL="0" lvl="0" indent="0" algn="l" rtl="0">
+                      <a:pPr marL="0" lvl="0" indent="0" algn="ctr" rtl="0">
                         <a:spcBef>
                           <a:spcPts val="0"/>
                         </a:spcBef>
@@ -10477,6 +11485,51 @@
                           <a:sym typeface="Roboto"/>
                         </a:rPr>
                         <a:t>stanford</a:t>
+                      </a:r>
+                      <a:endParaRPr lang="en-CA" sz="1400" dirty="0">
+                        <a:solidFill>
+                          <a:schemeClr val="dk2"/>
+                        </a:solidFill>
+                        <a:highlight>
+                          <a:schemeClr val="lt1"/>
+                        </a:highlight>
+                        <a:latin typeface="Roboto"/>
+                        <a:ea typeface="Roboto"/>
+                        <a:cs typeface="Roboto"/>
+                        <a:sym typeface="Roboto"/>
+                      </a:endParaRPr>
+                    </a:p>
+                  </a:txBody>
+                  <a:tcPr marL="91425" marR="91425" marT="91425" marB="91425"/>
+                </a:tc>
+                <a:tc>
+                  <a:txBody>
+                    <a:bodyPr/>
+                    <a:lstStyle/>
+                    <a:p>
+                      <a:pPr marL="0" lvl="0" indent="0" algn="ctr" rtl="0">
+                        <a:spcBef>
+                          <a:spcPts val="0"/>
+                        </a:spcBef>
+                        <a:spcAft>
+                          <a:spcPts val="0"/>
+                        </a:spcAft>
+                        <a:buNone/>
+                      </a:pPr>
+                      <a:r>
+                        <a:rPr lang="en-US" sz="1400" dirty="0">
+                          <a:solidFill>
+                            <a:schemeClr val="dk2"/>
+                          </a:solidFill>
+                          <a:highlight>
+                            <a:schemeClr val="lt1"/>
+                          </a:highlight>
+                          <a:latin typeface="Roboto"/>
+                          <a:ea typeface="Roboto"/>
+                          <a:cs typeface="Roboto"/>
+                          <a:sym typeface="Roboto"/>
+                        </a:rPr>
+                        <a:t>amazon</a:t>
                       </a:r>
                       <a:endParaRPr lang="en-CA" sz="1400" dirty="0">
                         <a:solidFill>
@@ -10593,6 +11646,37 @@
                   </a:txBody>
                   <a:tcPr marL="91425" marR="91425" marT="91425" marB="91425"/>
                 </a:tc>
+                <a:tc>
+                  <a:txBody>
+                    <a:bodyPr/>
+                    <a:lstStyle/>
+                    <a:p>
+                      <a:pPr marL="0" lvl="0" indent="0" algn="l" rtl="0">
+                        <a:spcBef>
+                          <a:spcPts val="0"/>
+                        </a:spcBef>
+                        <a:spcAft>
+                          <a:spcPts val="0"/>
+                        </a:spcAft>
+                        <a:buNone/>
+                      </a:pPr>
+                      <a:r>
+                        <a:rPr lang="en-CA" dirty="0">
+                          <a:highlight>
+                            <a:srgbClr val="FF0000"/>
+                          </a:highlight>
+                        </a:rPr>
+                        <a:t>0.012360241</a:t>
+                      </a:r>
+                      <a:endParaRPr dirty="0">
+                        <a:highlight>
+                          <a:srgbClr val="FF0000"/>
+                        </a:highlight>
+                      </a:endParaRPr>
+                    </a:p>
+                  </a:txBody>
+                  <a:tcPr marL="91425" marR="91425" marT="91425" marB="91425"/>
+                </a:tc>
                 <a:extLst>
                   <a:ext uri="{0D108BD9-81ED-4DB2-BD59-A6C34878D82A}">
                     <a16:rowId xmlns:a16="http://schemas.microsoft.com/office/drawing/2014/main" val="10001"/>
@@ -10648,10 +11732,18 @@
                         <a:defRPr/>
                       </a:pPr>
                       <a:r>
-                        <a:rPr lang="en-US" altLang="zh-CN" dirty="0"/>
+                        <a:rPr lang="en-US" altLang="zh-CN" dirty="0">
+                          <a:highlight>
+                            <a:srgbClr val="00FF00"/>
+                          </a:highlight>
+                        </a:rPr>
                         <a:t>0.82097256</a:t>
                       </a:r>
-                      <a:endParaRPr lang="en-US" dirty="0"/>
+                      <a:endParaRPr lang="en-US" dirty="0">
+                        <a:highlight>
+                          <a:srgbClr val="00FF00"/>
+                        </a:highlight>
+                      </a:endParaRPr>
                     </a:p>
                   </a:txBody>
                   <a:tcPr marL="91425" marR="91425" marT="91425" marB="91425"/>
@@ -10681,10 +11773,18 @@
                         <a:defRPr/>
                       </a:pPr>
                       <a:r>
-                        <a:rPr lang="en-US" altLang="zh-CN" dirty="0"/>
+                        <a:rPr lang="en-US" altLang="zh-CN" dirty="0">
+                          <a:highlight>
+                            <a:srgbClr val="FF0000"/>
+                          </a:highlight>
+                        </a:rPr>
                         <a:t>0.00135531</a:t>
                       </a:r>
-                      <a:endParaRPr lang="en-US" dirty="0"/>
+                      <a:endParaRPr lang="en-US" dirty="0">
+                        <a:highlight>
+                          <a:srgbClr val="FF0000"/>
+                        </a:highlight>
+                      </a:endParaRPr>
                     </a:p>
                   </a:txBody>
                   <a:tcPr marL="91425" marR="91425" marT="91425" marB="91425"/>
@@ -10704,10 +11804,49 @@
                         <a:buNone/>
                       </a:pPr>
                       <a:r>
-                        <a:rPr lang="en-US" altLang="zh-CN" dirty="0"/>
+                        <a:rPr lang="en-US" altLang="zh-CN" dirty="0">
+                          <a:highlight>
+                            <a:srgbClr val="00FF00"/>
+                          </a:highlight>
+                        </a:rPr>
                         <a:t>0.0086923</a:t>
                       </a:r>
-                      <a:endParaRPr dirty="0"/>
+                      <a:endParaRPr dirty="0">
+                        <a:highlight>
+                          <a:srgbClr val="00FF00"/>
+                        </a:highlight>
+                      </a:endParaRPr>
+                    </a:p>
+                  </a:txBody>
+                  <a:tcPr marL="91425" marR="91425" marT="91425" marB="91425"/>
+                </a:tc>
+                <a:tc>
+                  <a:txBody>
+                    <a:bodyPr/>
+                    <a:lstStyle/>
+                    <a:p>
+                      <a:pPr marL="0" lvl="0" indent="0" algn="l" rtl="0">
+                        <a:spcBef>
+                          <a:spcPts val="0"/>
+                        </a:spcBef>
+                        <a:spcAft>
+                          <a:spcPts val="0"/>
+                        </a:spcAft>
+                        <a:buNone/>
+                      </a:pPr>
+                      <a:r>
+                        <a:rPr lang="en-CA" dirty="0">
+                          <a:highlight>
+                            <a:srgbClr val="00FF00"/>
+                          </a:highlight>
+                        </a:rPr>
+                        <a:t>0.011378397</a:t>
+                      </a:r>
+                      <a:endParaRPr dirty="0">
+                        <a:highlight>
+                          <a:srgbClr val="00FF00"/>
+                        </a:highlight>
+                      </a:endParaRPr>
                     </a:p>
                   </a:txBody>
                   <a:tcPr marL="91425" marR="91425" marT="91425" marB="91425"/>
@@ -10734,31 +11873,8 @@
                         <a:buNone/>
                       </a:pPr>
                       <a:r>
-                        <a:rPr lang="zh-CN"/>
+                        <a:rPr lang="zh-CN" dirty="0"/>
                         <a:t>Bellman-Ford</a:t>
-                      </a:r>
-                      <a:endParaRPr/>
-                    </a:p>
-                  </a:txBody>
-                  <a:tcPr marL="91425" marR="91425" marT="91425" marB="91425"/>
-                </a:tc>
-                <a:tc>
-                  <a:txBody>
-                    <a:bodyPr/>
-                    <a:lstStyle/>
-                    <a:p>
-                      <a:pPr marL="0" lvl="0" indent="0" algn="l" rtl="0">
-                        <a:spcBef>
-                          <a:spcPts val="0"/>
-                        </a:spcBef>
-                        <a:spcAft>
-                          <a:spcPts val="0"/>
-                        </a:spcAft>
-                        <a:buNone/>
-                      </a:pPr>
-                      <a:r>
-                        <a:rPr lang="en-US" altLang="zh-CN" dirty="0"/>
-                        <a:t>0.91280997</a:t>
                       </a:r>
                       <a:endParaRPr dirty="0"/>
                     </a:p>
@@ -10780,10 +11896,80 @@
                         <a:buNone/>
                       </a:pPr>
                       <a:r>
-                        <a:rPr lang="en-US" altLang="zh-CN" dirty="0"/>
+                        <a:rPr lang="en-US" altLang="zh-CN" dirty="0">
+                          <a:highlight>
+                            <a:srgbClr val="FF0000"/>
+                          </a:highlight>
+                        </a:rPr>
+                        <a:t>0.91280997</a:t>
+                      </a:r>
+                      <a:endParaRPr dirty="0">
+                        <a:highlight>
+                          <a:srgbClr val="FF0000"/>
+                        </a:highlight>
+                      </a:endParaRPr>
+                    </a:p>
+                  </a:txBody>
+                  <a:tcPr marL="91425" marR="91425" marT="91425" marB="91425"/>
+                </a:tc>
+                <a:tc>
+                  <a:txBody>
+                    <a:bodyPr/>
+                    <a:lstStyle/>
+                    <a:p>
+                      <a:pPr marL="0" lvl="0" indent="0" algn="l" rtl="0">
+                        <a:spcBef>
+                          <a:spcPts val="0"/>
+                        </a:spcBef>
+                        <a:spcAft>
+                          <a:spcPts val="0"/>
+                        </a:spcAft>
+                        <a:buNone/>
+                      </a:pPr>
+                      <a:r>
+                        <a:rPr lang="en-US" altLang="zh-CN" dirty="0">
+                          <a:highlight>
+                            <a:srgbClr val="00FF00"/>
+                          </a:highlight>
+                        </a:rPr>
                         <a:t>0.00124240</a:t>
                       </a:r>
-                      <a:endParaRPr dirty="0"/>
+                      <a:endParaRPr dirty="0">
+                        <a:highlight>
+                          <a:srgbClr val="00FF00"/>
+                        </a:highlight>
+                      </a:endParaRPr>
+                    </a:p>
+                  </a:txBody>
+                  <a:tcPr marL="91425" marR="91425" marT="91425" marB="91425"/>
+                </a:tc>
+                <a:tc>
+                  <a:txBody>
+                    <a:bodyPr/>
+                    <a:lstStyle/>
+                    <a:p>
+                      <a:pPr marL="0" lvl="0" indent="0" algn="l" rtl="0">
+                        <a:spcBef>
+                          <a:spcPts val="0"/>
+                        </a:spcBef>
+                        <a:spcAft>
+                          <a:spcPts val="0"/>
+                        </a:spcAft>
+                        <a:buNone/>
+                      </a:pPr>
+                      <a:r>
+                        <a:rPr lang="en-CA" dirty="0">
+                          <a:highlight>
+                            <a:srgbClr val="FF0000"/>
+                          </a:highlight>
+                        </a:rPr>
+                        <a:t>0.0105609</a:t>
+                      </a:r>
+                      <a:endParaRPr dirty="0">
+                        <a:highlight>
+                          <a:srgbClr val="FF0000"/>
+                        </a:highlight>
+                      </a:endParaRPr>
                     </a:p>
                   </a:txBody>
                   <a:tcPr marL="91425" marR="91425" marT="91425" marB="91425"/>
@@ -10804,7 +11990,7 @@
                       </a:pPr>
                       <a:r>
                         <a:rPr lang="en-CA" dirty="0"/>
-                        <a:t>0.0105609</a:t>
+                        <a:t>0.012110078</a:t>
                       </a:r>
                       <a:endParaRPr dirty="0"/>
                     </a:p>
@@ -10833,10 +12019,26 @@
                         <a:buNone/>
                       </a:pPr>
                       <a:r>
-                        <a:rPr lang="zh-CN"/>
+                        <a:rPr lang="zh-CN" b="1" dirty="0"/>
                         <a:t>Dijkstra</a:t>
                       </a:r>
-                      <a:endParaRPr/>
+                      <a:endParaRPr lang="en-CA" altLang="zh-CN" b="1" dirty="0"/>
+                    </a:p>
+                    <a:p>
+                      <a:pPr marL="0" lvl="0" indent="0" algn="l" rtl="0">
+                        <a:spcBef>
+                          <a:spcPts val="0"/>
+                        </a:spcBef>
+                        <a:spcAft>
+                          <a:spcPts val="0"/>
+                        </a:spcAft>
+                        <a:buNone/>
+                      </a:pPr>
+                      <a:r>
+                        <a:rPr lang="en-CA" altLang="zh-CN" b="1" dirty="0"/>
+                        <a:t>(baseline)</a:t>
+                      </a:r>
+                      <a:endParaRPr b="1" dirty="0"/>
                     </a:p>
                   </a:txBody>
                   <a:tcPr marL="91425" marR="91425" marT="91425" marB="91425"/>
@@ -10856,10 +12058,10 @@
                         <a:buNone/>
                       </a:pPr>
                       <a:r>
-                        <a:rPr lang="zh-CN" dirty="0"/>
+                        <a:rPr lang="zh-CN" b="1" dirty="0"/>
                         <a:t>5.220662</a:t>
                       </a:r>
-                      <a:endParaRPr dirty="0"/>
+                      <a:endParaRPr b="1" dirty="0"/>
                     </a:p>
                   </a:txBody>
                   <a:tcPr marL="91425" marR="91425" marT="91425" marB="91425"/>
@@ -10879,10 +12081,10 @@
                         <a:buNone/>
                       </a:pPr>
                       <a:r>
-                        <a:rPr lang="en-US" altLang="zh-CN" dirty="0"/>
+                        <a:rPr lang="en-US" altLang="zh-CN" b="1" dirty="0"/>
                         <a:t>0.00137284</a:t>
                       </a:r>
-                      <a:endParaRPr dirty="0"/>
+                      <a:endParaRPr b="1" dirty="0"/>
                     </a:p>
                   </a:txBody>
                   <a:tcPr marL="91425" marR="91425" marT="91425" marB="91425"/>
@@ -10902,10 +12104,33 @@
                         <a:buNone/>
                       </a:pPr>
                       <a:r>
-                        <a:rPr lang="en-CA" dirty="0"/>
+                        <a:rPr lang="en-CA" b="1" dirty="0"/>
                         <a:t>0.0687417</a:t>
                       </a:r>
-                      <a:endParaRPr dirty="0"/>
+                      <a:endParaRPr b="1" dirty="0"/>
+                    </a:p>
+                  </a:txBody>
+                  <a:tcPr marL="91425" marR="91425" marT="91425" marB="91425"/>
+                </a:tc>
+                <a:tc>
+                  <a:txBody>
+                    <a:bodyPr/>
+                    <a:lstStyle/>
+                    <a:p>
+                      <a:pPr marL="0" lvl="0" indent="0" algn="l" rtl="0">
+                        <a:spcBef>
+                          <a:spcPts val="0"/>
+                        </a:spcBef>
+                        <a:spcAft>
+                          <a:spcPts val="0"/>
+                        </a:spcAft>
+                        <a:buNone/>
+                      </a:pPr>
+                      <a:r>
+                        <a:rPr lang="en-CA" b="1" dirty="0"/>
+                        <a:t>0.054652069</a:t>
+                      </a:r>
+                      <a:endParaRPr b="1" dirty="0"/>
                     </a:p>
                   </a:txBody>
                   <a:tcPr marL="91425" marR="91425" marT="91425" marB="91425"/>
@@ -10929,7 +12154,7 @@
         <p:spPr>
           <a:xfrm>
             <a:off x="710550" y="4100000"/>
-            <a:ext cx="5671200" cy="615523"/>
+            <a:ext cx="5671200" cy="830966"/>
           </a:xfrm>
           <a:prstGeom prst="rect">
             <a:avLst/>
@@ -10974,14 +12199,45 @@
             </a:r>
             <a:r>
               <a:rPr lang="zh-CN" dirty="0"/>
-              <a:t> chosen 1000 nodes randomly to run the testing.</a:t>
-            </a:r>
-            <a:endParaRPr dirty="0">
-              <a:latin typeface="Roboto"/>
-              <a:ea typeface="Roboto"/>
-              <a:cs typeface="Roboto"/>
-              <a:sym typeface="Roboto"/>
-            </a:endParaRPr>
+              <a:t> </a:t>
+            </a:r>
+            <a:endParaRPr lang="en-US" altLang="zh-CN" dirty="0"/>
+          </a:p>
+          <a:p>
+            <a:pPr marL="0" lvl="0" indent="0" algn="l" rtl="0">
+              <a:spcBef>
+                <a:spcPts val="0"/>
+              </a:spcBef>
+              <a:spcAft>
+                <a:spcPts val="0"/>
+              </a:spcAft>
+              <a:buNone/>
+            </a:pPr>
+            <a:r>
+              <a:rPr lang="zh-CN" dirty="0"/>
+              <a:t>100 nodes randomly to run the testing.</a:t>
+            </a:r>
+            <a:endParaRPr lang="en-US" altLang="zh-CN" dirty="0"/>
+          </a:p>
+          <a:p>
+            <a:pPr marL="0" lvl="0" indent="0" algn="l" rtl="0">
+              <a:spcBef>
+                <a:spcPts val="0"/>
+              </a:spcBef>
+              <a:spcAft>
+                <a:spcPts val="0"/>
+              </a:spcAft>
+              <a:buNone/>
+            </a:pPr>
+            <a:r>
+              <a:rPr lang="en-US" dirty="0">
+                <a:latin typeface="Roboto"/>
+                <a:ea typeface="Roboto"/>
+                <a:cs typeface="Roboto"/>
+                <a:sym typeface="Roboto"/>
+              </a:rPr>
+              <a:t>1000 nodes are picked for other 3 datasets.</a:t>
+            </a:r>
           </a:p>
         </p:txBody>
       </p:sp>
@@ -11025,7 +12281,7 @@
           <p:nvPr/>
         </p:nvPicPr>
         <p:blipFill>
-          <a:blip r:embed="rId2"/>
+          <a:blip r:embed="rId3"/>
           <a:stretch>
             <a:fillRect/>
           </a:stretch>
@@ -11055,7 +12311,7 @@
           <p:nvPr/>
         </p:nvPicPr>
         <p:blipFill>
-          <a:blip r:embed="rId3"/>
+          <a:blip r:embed="rId4"/>
           <a:stretch>
             <a:fillRect/>
           </a:stretch>
@@ -11085,7 +12341,7 @@
           <p:nvPr/>
         </p:nvPicPr>
         <p:blipFill>
-          <a:blip r:embed="rId4"/>
+          <a:blip r:embed="rId5"/>
           <a:stretch>
             <a:fillRect/>
           </a:stretch>
@@ -11115,7 +12371,7 @@
           <p:nvPr/>
         </p:nvPicPr>
         <p:blipFill>
-          <a:blip r:embed="rId5"/>
+          <a:blip r:embed="rId6"/>
           <a:stretch>
             <a:fillRect/>
           </a:stretch>
@@ -11182,7 +12438,7 @@
         </p:blipFill>
         <p:spPr>
           <a:xfrm>
-            <a:off x="354104" y="470646"/>
+            <a:off x="581586" y="1151477"/>
             <a:ext cx="3567953" cy="2675965"/>
           </a:xfrm>
           <a:prstGeom prst="rect">
@@ -11212,7 +12468,7 @@
         </p:blipFill>
         <p:spPr>
           <a:xfrm>
-            <a:off x="4994462" y="272302"/>
+            <a:off x="4994463" y="953133"/>
             <a:ext cx="3832412" cy="2874309"/>
           </a:xfrm>
           <a:prstGeom prst="rect">
@@ -11329,11 +12585,11 @@
               <a:buAutoNum type="arabicPeriod"/>
             </a:pPr>
             <a:r>
-              <a:rPr lang="zh-CN" b="1"/>
+              <a:rPr lang="zh-CN" b="1" dirty="0"/>
               <a:t>What is </a:t>
             </a:r>
             <a:r>
-              <a:rPr lang="zh-CN" b="1">
+              <a:rPr lang="zh-CN" b="1" dirty="0">
                 <a:solidFill>
                   <a:srgbClr val="292929"/>
                 </a:solidFill>
@@ -11343,7 +12599,7 @@
               </a:rPr>
               <a:t>Edge Relaxation in SSSP algorithms?</a:t>
             </a:r>
-            <a:endParaRPr b="1">
+            <a:endParaRPr b="1" dirty="0">
               <a:solidFill>
                 <a:srgbClr val="292929"/>
               </a:solidFill>
@@ -11368,7 +12624,7 @@
               <a:buAutoNum type="arabicPeriod"/>
             </a:pPr>
             <a:r>
-              <a:rPr lang="zh-CN" sz="1400" b="1">
+              <a:rPr lang="zh-CN" sz="1400" b="1" dirty="0">
                 <a:solidFill>
                   <a:srgbClr val="292929"/>
                 </a:solidFill>
@@ -11383,18 +12639,18 @@
               <a:t>The </a:t>
             </a:r>
             <a:r>
-              <a:rPr lang="zh-CN" b="1"/>
+              <a:rPr lang="zh-CN" b="1" dirty="0"/>
               <a:t>Δ-stepping algorithm will degenerates into what algorithm if ∆&lt;= </a:t>
             </a:r>
             <a:r>
-              <a:rPr lang="zh-CN" b="1" i="1"/>
+              <a:rPr lang="zh-CN" b="1" i="1" dirty="0"/>
               <a:t>min</a:t>
             </a:r>
             <a:r>
-              <a:rPr lang="zh-CN" b="1"/>
+              <a:rPr lang="zh-CN" b="1" dirty="0"/>
               <a:t> w(e)?</a:t>
             </a:r>
-            <a:endParaRPr b="1"/>
+            <a:endParaRPr b="1" dirty="0"/>
           </a:p>
           <a:p>
             <a:pPr marL="457200" lvl="0" indent="-317500" algn="l" rtl="0">
@@ -11412,10 +12668,10 @@
               <a:buAutoNum type="arabicPeriod"/>
             </a:pPr>
             <a:r>
-              <a:rPr lang="zh-CN" b="1"/>
+              <a:rPr lang="zh-CN" b="1" dirty="0"/>
               <a:t>What is main difference between Δ-stepping algorithm and 𝜌-stepping algorithm?</a:t>
             </a:r>
-            <a:endParaRPr sz="1400" b="1">
+            <a:endParaRPr sz="1400" b="1" dirty="0">
               <a:solidFill>
                 <a:srgbClr val="292929"/>
               </a:solidFill>
@@ -11431,6 +12687,255 @@
         </p:txBody>
       </p:sp>
     </p:spTree>
+  </p:cSld>
+  <p:clrMapOvr>
+    <a:masterClrMapping/>
+  </p:clrMapOvr>
+</p:sld>
+</file>
+
+<file path=ppt/slides/slide17.xml><?xml version="1.0" encoding="utf-8"?>
+<p:sld xmlns:a="http://schemas.openxmlformats.org/drawingml/2006/main" xmlns:r="http://schemas.openxmlformats.org/officeDocument/2006/relationships" xmlns:p="http://schemas.openxmlformats.org/presentationml/2006/main">
+  <p:cSld>
+    <p:spTree>
+      <p:nvGrpSpPr>
+        <p:cNvPr id="1" name=""/>
+        <p:cNvGrpSpPr/>
+        <p:nvPr/>
+      </p:nvGrpSpPr>
+      <p:grpSpPr>
+        <a:xfrm>
+          <a:off x="0" y="0"/>
+          <a:ext cx="0" cy="0"/>
+          <a:chOff x="0" y="0"/>
+          <a:chExt cx="0" cy="0"/>
+        </a:xfrm>
+      </p:grpSpPr>
+      <p:sp>
+        <p:nvSpPr>
+          <p:cNvPr id="2" name="Title 1">
+            <a:extLst>
+              <a:ext uri="{FF2B5EF4-FFF2-40B4-BE49-F238E27FC236}">
+                <a16:creationId xmlns:a16="http://schemas.microsoft.com/office/drawing/2014/main" id="{334044B5-E1DC-4285-BB36-EA6A0ADE15FE}"/>
+              </a:ext>
+            </a:extLst>
+          </p:cNvPr>
+          <p:cNvSpPr>
+            <a:spLocks noGrp="1"/>
+          </p:cNvSpPr>
+          <p:nvPr>
+            <p:ph type="title"/>
+          </p:nvPr>
+        </p:nvSpPr>
+        <p:spPr/>
+        <p:txBody>
+          <a:bodyPr>
+            <a:normAutofit fontScale="90000"/>
+          </a:bodyPr>
+          <a:lstStyle/>
+          <a:p>
+            <a:r>
+              <a:rPr lang="en-US" dirty="0"/>
+              <a:t>Reference</a:t>
+            </a:r>
+            <a:endParaRPr lang="en-CA" dirty="0"/>
+          </a:p>
+        </p:txBody>
+      </p:sp>
+      <p:sp>
+        <p:nvSpPr>
+          <p:cNvPr id="3" name="Text Placeholder 2">
+            <a:extLst>
+              <a:ext uri="{FF2B5EF4-FFF2-40B4-BE49-F238E27FC236}">
+                <a16:creationId xmlns:a16="http://schemas.microsoft.com/office/drawing/2014/main" id="{509F913B-074B-466C-ABFF-847376908300}"/>
+              </a:ext>
+            </a:extLst>
+          </p:cNvPr>
+          <p:cNvSpPr>
+            <a:spLocks noGrp="1"/>
+          </p:cNvSpPr>
+          <p:nvPr>
+            <p:ph type="body" idx="1"/>
+          </p:nvPr>
+        </p:nvSpPr>
+        <p:spPr/>
+        <p:txBody>
+          <a:bodyPr/>
+          <a:lstStyle/>
+          <a:p>
+            <a:pPr marL="114300" indent="0">
+              <a:buNone/>
+            </a:pPr>
+            <a:r>
+              <a:rPr lang="en-US" dirty="0"/>
+              <a:t>[1] </a:t>
+            </a:r>
+            <a:r>
+              <a:rPr lang="en-US" b="0" i="0" dirty="0" err="1">
+                <a:effectLst/>
+                <a:latin typeface="Arial" panose="020B0604020202020204" pitchFamily="34" charset="0"/>
+              </a:rPr>
+              <a:t>Edsger</a:t>
+            </a:r>
+            <a:r>
+              <a:rPr lang="en-US" b="0" i="0" dirty="0">
+                <a:effectLst/>
+                <a:latin typeface="Arial" panose="020B0604020202020204" pitchFamily="34" charset="0"/>
+              </a:rPr>
+              <a:t> W Dijkstra et al. A note on two problems in </a:t>
+            </a:r>
+            <a:r>
+              <a:rPr lang="en-US" b="0" i="0" dirty="0" err="1">
+                <a:effectLst/>
+                <a:latin typeface="Arial" panose="020B0604020202020204" pitchFamily="34" charset="0"/>
+              </a:rPr>
+              <a:t>connexion</a:t>
+            </a:r>
+            <a:r>
+              <a:rPr lang="en-US" b="0" i="0" dirty="0">
+                <a:effectLst/>
+                <a:latin typeface="Arial" panose="020B0604020202020204" pitchFamily="34" charset="0"/>
+              </a:rPr>
+              <a:t> with </a:t>
+            </a:r>
+            <a:r>
+              <a:rPr lang="en-US" b="0" i="0" dirty="0" err="1">
+                <a:effectLst/>
+                <a:latin typeface="Arial" panose="020B0604020202020204" pitchFamily="34" charset="0"/>
+              </a:rPr>
+              <a:t>graphs.Numerischemathematik</a:t>
+            </a:r>
+            <a:r>
+              <a:rPr lang="en-US" b="0" i="0" dirty="0">
+                <a:effectLst/>
+                <a:latin typeface="Arial" panose="020B0604020202020204" pitchFamily="34" charset="0"/>
+              </a:rPr>
+              <a:t>, 1(1):269–271, 195</a:t>
+            </a:r>
+            <a:endParaRPr lang="en-US" dirty="0"/>
+          </a:p>
+          <a:p>
+            <a:pPr marL="114300" indent="0">
+              <a:buNone/>
+            </a:pPr>
+            <a:r>
+              <a:rPr lang="en-US" dirty="0"/>
+              <a:t>[2] </a:t>
+            </a:r>
+            <a:r>
+              <a:rPr lang="en-US" b="0" i="0" dirty="0">
+                <a:effectLst/>
+                <a:latin typeface="Arial" panose="020B0604020202020204" pitchFamily="34" charset="0"/>
+              </a:rPr>
+              <a:t>Richard Bellman. On a routing </a:t>
+            </a:r>
+            <a:r>
+              <a:rPr lang="en-US" b="0" i="0" dirty="0" err="1">
+                <a:effectLst/>
+                <a:latin typeface="Arial" panose="020B0604020202020204" pitchFamily="34" charset="0"/>
+              </a:rPr>
+              <a:t>problem.Quarterly</a:t>
+            </a:r>
+            <a:r>
+              <a:rPr lang="en-US" b="0" i="0" dirty="0">
+                <a:effectLst/>
+                <a:latin typeface="Arial" panose="020B0604020202020204" pitchFamily="34" charset="0"/>
+              </a:rPr>
+              <a:t> of applied mathematics, 16(1):87–90, 1958.</a:t>
+            </a:r>
+            <a:endParaRPr lang="en-US" dirty="0"/>
+          </a:p>
+          <a:p>
+            <a:pPr marL="114300" indent="0">
+              <a:buNone/>
+            </a:pPr>
+            <a:r>
+              <a:rPr lang="en-US" dirty="0"/>
+              <a:t>[3]</a:t>
+            </a:r>
+            <a:r>
+              <a:rPr lang="en-CA" b="0" i="0" dirty="0">
+                <a:effectLst/>
+                <a:latin typeface="Arial" panose="020B0604020202020204" pitchFamily="34" charset="0"/>
+              </a:rPr>
+              <a:t> Ulrich Meyer and Peter Sanders.</a:t>
+            </a:r>
+            <a:r>
+              <a:rPr lang="el-GR" b="0" i="0" dirty="0">
+                <a:effectLst/>
+                <a:latin typeface="Arial" panose="020B0604020202020204" pitchFamily="34" charset="0"/>
+              </a:rPr>
+              <a:t>δ-</a:t>
+            </a:r>
+            <a:r>
+              <a:rPr lang="en-CA" b="0" i="0" dirty="0">
+                <a:effectLst/>
+                <a:latin typeface="Arial" panose="020B0604020202020204" pitchFamily="34" charset="0"/>
+              </a:rPr>
+              <a:t>stepping: a parallelizable shortest path </a:t>
+            </a:r>
+            <a:r>
+              <a:rPr lang="en-CA" b="0" i="0" dirty="0" err="1">
+                <a:effectLst/>
+                <a:latin typeface="Arial" panose="020B0604020202020204" pitchFamily="34" charset="0"/>
+              </a:rPr>
+              <a:t>algorithm.Journal</a:t>
+            </a:r>
+            <a:r>
+              <a:rPr lang="en-CA" b="0" i="0" dirty="0">
+                <a:effectLst/>
+                <a:latin typeface="Arial" panose="020B0604020202020204" pitchFamily="34" charset="0"/>
+              </a:rPr>
+              <a:t> of Algorithms, 49(1):114–152, 2003</a:t>
+            </a:r>
+            <a:endParaRPr lang="en-US" dirty="0"/>
+          </a:p>
+          <a:p>
+            <a:pPr marL="114300" indent="0">
+              <a:buNone/>
+            </a:pPr>
+            <a:r>
+              <a:rPr lang="en-US" dirty="0"/>
+              <a:t>[4] </a:t>
+            </a:r>
+            <a:r>
+              <a:rPr lang="en-CA" b="0" i="0" dirty="0" err="1">
+                <a:effectLst/>
+                <a:latin typeface="Arial" panose="020B0604020202020204" pitchFamily="34" charset="0"/>
+              </a:rPr>
+              <a:t>Xiaojun</a:t>
+            </a:r>
+            <a:r>
+              <a:rPr lang="en-CA" b="0" i="0" dirty="0">
+                <a:effectLst/>
+                <a:latin typeface="Arial" panose="020B0604020202020204" pitchFamily="34" charset="0"/>
+              </a:rPr>
+              <a:t> Dong, Yan Gu, Yihan Sun, and </a:t>
+            </a:r>
+            <a:r>
+              <a:rPr lang="en-CA" b="0" i="0" dirty="0" err="1">
+                <a:effectLst/>
+                <a:latin typeface="Arial" panose="020B0604020202020204" pitchFamily="34" charset="0"/>
+              </a:rPr>
+              <a:t>Yunming</a:t>
+            </a:r>
+            <a:r>
+              <a:rPr lang="en-CA" b="0" i="0" dirty="0">
+                <a:effectLst/>
+                <a:latin typeface="Arial" panose="020B0604020202020204" pitchFamily="34" charset="0"/>
+              </a:rPr>
+              <a:t> Zhang. Efficient stepping algorithms and implementations for parallel shortest paths. In Proceedings of the 33rd ACM Symposium on Parallelism in Algorithms and Architectures, SPAA ’21, page 184–197,New York, NY, USA, 2021</a:t>
+            </a:r>
+            <a:endParaRPr lang="en-CA" dirty="0"/>
+          </a:p>
+        </p:txBody>
+      </p:sp>
+    </p:spTree>
+    <p:extLst>
+      <p:ext uri="{BB962C8B-B14F-4D97-AF65-F5344CB8AC3E}">
+        <p14:creationId xmlns:p14="http://schemas.microsoft.com/office/powerpoint/2010/main" val="3143816414"/>
+      </p:ext>
+    </p:extLst>
   </p:cSld>
   <p:clrMapOvr>
     <a:masterClrMapping/>
@@ -11532,10 +13037,10 @@
               <a:buNone/>
             </a:pPr>
             <a:r>
-              <a:rPr lang="zh-CN" b="1"/>
+              <a:rPr lang="zh-CN" b="1" dirty="0"/>
               <a:t>What is SSSP?</a:t>
             </a:r>
-            <a:endParaRPr b="1"/>
+            <a:endParaRPr b="1" dirty="0"/>
           </a:p>
           <a:p>
             <a:pPr marL="0" lvl="0" indent="0" algn="l" rtl="0">
@@ -11548,10 +13053,10 @@
               <a:buNone/>
             </a:pPr>
             <a:r>
-              <a:rPr lang="zh-CN"/>
+              <a:rPr lang="zh-CN" dirty="0"/>
               <a:t>SSSP is short for Single Source Shortest Path</a:t>
             </a:r>
-            <a:endParaRPr/>
+            <a:endParaRPr dirty="0"/>
           </a:p>
           <a:p>
             <a:pPr marL="0" lvl="0" indent="0" algn="l" rtl="0">
@@ -11564,10 +13069,10 @@
               <a:buNone/>
             </a:pPr>
             <a:r>
-              <a:rPr lang="zh-CN" b="1"/>
+              <a:rPr lang="zh-CN" b="1" dirty="0"/>
               <a:t>Why SSSP is important?</a:t>
             </a:r>
-            <a:endParaRPr b="1"/>
+            <a:endParaRPr b="1" dirty="0"/>
           </a:p>
           <a:p>
             <a:pPr marL="0" lvl="0" indent="0" algn="l" rtl="0">
@@ -11580,7 +13085,7 @@
               <a:buNone/>
             </a:pPr>
             <a:r>
-              <a:rPr lang="zh-CN">
+              <a:rPr lang="en-CA" altLang="zh-CN" dirty="0">
                 <a:solidFill>
                   <a:srgbClr val="202122"/>
                 </a:solidFill>
@@ -11588,10 +13093,21 @@
                   <a:srgbClr val="FFFFFF"/>
                 </a:highlight>
               </a:rPr>
-              <a:t>find directions between physical locations, extract information from </a:t>
-            </a:r>
-            <a:r>
-              <a:rPr lang="zh-CN">
+              <a:t>F</a:t>
+            </a:r>
+            <a:r>
+              <a:rPr lang="zh-CN" dirty="0">
+                <a:solidFill>
+                  <a:srgbClr val="202122"/>
+                </a:solidFill>
+                <a:highlight>
+                  <a:srgbClr val="FFFFFF"/>
+                </a:highlight>
+              </a:rPr>
+              <a:t>ind directions between physical locations, extract information from </a:t>
+            </a:r>
+            <a:r>
+              <a:rPr lang="zh-CN" dirty="0">
                 <a:solidFill>
                   <a:srgbClr val="273239"/>
                 </a:solidFill>
@@ -11602,10 +13118,10 @@
               <a:t>Social Networking Application data, Robotic </a:t>
             </a:r>
             <a:r>
-              <a:rPr lang="zh-CN"/>
+              <a:rPr lang="zh-CN" dirty="0"/>
               <a:t>path…</a:t>
             </a:r>
-            <a:endParaRPr>
+            <a:endParaRPr dirty="0">
               <a:solidFill>
                 <a:srgbClr val="202122"/>
               </a:solidFill>
@@ -11629,10 +13145,10 @@
               <a:buNone/>
             </a:pPr>
             <a:r>
-              <a:rPr lang="zh-CN" b="1"/>
+              <a:rPr lang="zh-CN" b="1" dirty="0"/>
               <a:t>Why we need to parallelize SSSP algorithm</a:t>
             </a:r>
-            <a:endParaRPr b="1"/>
+            <a:endParaRPr b="1" dirty="0"/>
           </a:p>
           <a:p>
             <a:pPr marL="0" marR="0" lvl="0" indent="0" algn="l" rtl="0">
@@ -11648,10 +13164,10 @@
               <a:buNone/>
             </a:pPr>
             <a:r>
-              <a:rPr lang="zh-CN"/>
+              <a:rPr lang="zh-CN" dirty="0"/>
               <a:t>Most applications of SSSP require real-time processing</a:t>
             </a:r>
-            <a:endParaRPr/>
+            <a:endParaRPr dirty="0"/>
           </a:p>
         </p:txBody>
       </p:sp>
@@ -11757,10 +13273,10 @@
               <a:buNone/>
             </a:pPr>
             <a:r>
-              <a:rPr lang="zh-CN" b="1"/>
+              <a:rPr lang="zh-CN" b="1" dirty="0"/>
               <a:t>Seqential Algorithms </a:t>
             </a:r>
-            <a:endParaRPr b="1"/>
+            <a:endParaRPr b="1" dirty="0"/>
           </a:p>
           <a:p>
             <a:pPr marL="0" lvl="0" indent="0" algn="l" rtl="0">
@@ -11773,10 +13289,10 @@
               <a:buNone/>
             </a:pPr>
             <a:r>
-              <a:rPr lang="zh-CN" sz="1200"/>
+              <a:rPr lang="zh-CN" sz="1200" dirty="0"/>
               <a:t>Doing edge relaxation in specific order</a:t>
             </a:r>
-            <a:endParaRPr sz="1200"/>
+            <a:endParaRPr sz="1200" dirty="0"/>
           </a:p>
           <a:p>
             <a:pPr marL="0" lvl="0" indent="0" algn="l" rtl="0">
@@ -11789,10 +13305,14 @@
               <a:buNone/>
             </a:pPr>
             <a:r>
-              <a:rPr lang="zh-CN" b="1"/>
-              <a:t>Dijkstra </a:t>
-            </a:r>
-            <a:endParaRPr b="1"/>
+              <a:rPr lang="zh-CN" b="1" dirty="0"/>
+              <a:t>Dijkstra</a:t>
+            </a:r>
+            <a:r>
+              <a:rPr lang="en-US" altLang="zh-CN" b="1" dirty="0"/>
+              <a:t>[1]</a:t>
+            </a:r>
+            <a:endParaRPr b="1" dirty="0"/>
           </a:p>
           <a:p>
             <a:pPr marL="0" lvl="0" indent="0" algn="l" rtl="0">
@@ -11805,7 +13325,7 @@
               <a:buNone/>
             </a:pPr>
             <a:r>
-              <a:rPr lang="zh-CN" sz="1150">
+              <a:rPr lang="zh-CN" sz="1150" dirty="0">
                 <a:solidFill>
                   <a:srgbClr val="282829"/>
                 </a:solidFill>
@@ -11815,7 +13335,7 @@
               </a:rPr>
               <a:t>Start from source node, then doing Edge Relaxation on unvisited nearest node to visited part </a:t>
             </a:r>
-            <a:endParaRPr/>
+            <a:endParaRPr dirty="0"/>
           </a:p>
           <a:p>
             <a:pPr marL="0" lvl="0" indent="0" algn="l" rtl="0">
@@ -11828,10 +13348,14 @@
               <a:buNone/>
             </a:pPr>
             <a:r>
-              <a:rPr lang="zh-CN" b="1"/>
+              <a:rPr lang="zh-CN" b="1" dirty="0"/>
               <a:t>Bellman-Ford</a:t>
             </a:r>
-            <a:endParaRPr b="1"/>
+            <a:r>
+              <a:rPr lang="en-US" altLang="zh-CN" b="1" dirty="0"/>
+              <a:t>[2]</a:t>
+            </a:r>
+            <a:endParaRPr b="1" dirty="0"/>
           </a:p>
           <a:p>
             <a:pPr marL="0" lvl="0" indent="0" algn="l" rtl="0">
@@ -11844,7 +13368,7 @@
               <a:buNone/>
             </a:pPr>
             <a:r>
-              <a:rPr lang="zh-CN" sz="1150">
+              <a:rPr lang="zh-CN" sz="1150" dirty="0">
                 <a:solidFill>
                   <a:srgbClr val="282829"/>
                 </a:solidFill>
@@ -11854,7 +13378,7 @@
               </a:rPr>
               <a:t>Bellman-Ford relaxes all the edges out of all the vertices |V|-1 times</a:t>
             </a:r>
-            <a:endParaRPr/>
+            <a:endParaRPr dirty="0"/>
           </a:p>
           <a:p>
             <a:pPr marL="0" lvl="0" indent="0" algn="l" rtl="0">
@@ -11867,10 +13391,22 @@
               <a:buNone/>
             </a:pPr>
             <a:r>
-              <a:rPr lang="zh-CN"/>
-              <a:t>But, we want to paralle them!</a:t>
-            </a:r>
-            <a:endParaRPr/>
+              <a:rPr lang="en-CA" altLang="zh-CN" dirty="0"/>
+              <a:t>But</a:t>
+            </a:r>
+            <a:r>
+              <a:rPr lang="zh-CN" dirty="0"/>
+              <a:t> we want to </a:t>
+            </a:r>
+            <a:r>
+              <a:rPr lang="en-CA" altLang="zh-CN" dirty="0"/>
+              <a:t>parallelize </a:t>
+            </a:r>
+            <a:r>
+              <a:rPr lang="zh-CN" dirty="0"/>
+              <a:t>them!</a:t>
+            </a:r>
+            <a:endParaRPr dirty="0"/>
           </a:p>
           <a:p>
             <a:pPr marL="0" lvl="0" indent="0" algn="l" rtl="0">
@@ -11882,7 +13418,7 @@
               </a:spcAft>
               <a:buNone/>
             </a:pPr>
-            <a:endParaRPr/>
+            <a:endParaRPr dirty="0"/>
           </a:p>
         </p:txBody>
       </p:sp>
@@ -11894,7 +13430,7 @@
         </p:nvSpPr>
         <p:spPr>
           <a:xfrm>
-            <a:off x="5417325" y="1428350"/>
+            <a:off x="5391199" y="1193219"/>
             <a:ext cx="3300600" cy="1445400"/>
           </a:xfrm>
           <a:prstGeom prst="rect">
@@ -11924,7 +13460,7 @@
               <a:buNone/>
             </a:pPr>
             <a:r>
-              <a:rPr lang="zh-CN" sz="1200" b="1">
+              <a:rPr lang="zh-CN" sz="1200" b="1" dirty="0">
                 <a:solidFill>
                   <a:srgbClr val="292929"/>
                 </a:solidFill>
@@ -11934,7 +13470,7 @@
               </a:rPr>
               <a:t>Edge Relaxation</a:t>
             </a:r>
-            <a:endParaRPr sz="1200" b="1">
+            <a:endParaRPr sz="1200" b="1" dirty="0">
               <a:solidFill>
                 <a:srgbClr val="292929"/>
               </a:solidFill>
@@ -11954,7 +13490,7 @@
               <a:buNone/>
             </a:pPr>
             <a:r>
-              <a:rPr lang="zh-CN" sz="1200">
+              <a:rPr lang="zh-CN" sz="1200" dirty="0">
                 <a:solidFill>
                   <a:srgbClr val="292929"/>
                 </a:solidFill>
@@ -11969,7 +13505,7 @@
               <a:t>For the edge from the vertex </a:t>
             </a:r>
             <a:r>
-              <a:rPr lang="zh-CN" sz="1200" i="1">
+              <a:rPr lang="zh-CN" sz="1200" i="1" dirty="0">
                 <a:solidFill>
                   <a:srgbClr val="292929"/>
                 </a:solidFill>
@@ -11984,7 +13520,7 @@
               <a:t>u</a:t>
             </a:r>
             <a:r>
-              <a:rPr lang="zh-CN" sz="1200">
+              <a:rPr lang="zh-CN" sz="1200" dirty="0">
                 <a:solidFill>
                   <a:srgbClr val="292929"/>
                 </a:solidFill>
@@ -11999,7 +13535,7 @@
               <a:t> to the vertex </a:t>
             </a:r>
             <a:r>
-              <a:rPr lang="zh-CN" sz="1200" i="1">
+              <a:rPr lang="zh-CN" sz="1200" i="1" dirty="0">
                 <a:solidFill>
                   <a:srgbClr val="292929"/>
                 </a:solidFill>
@@ -12013,7 +13549,7 @@
               </a:rPr>
               <a:t>v</a:t>
             </a:r>
-            <a:endParaRPr sz="1200">
+            <a:endParaRPr sz="1200" dirty="0">
               <a:solidFill>
                 <a:srgbClr val="292929"/>
               </a:solidFill>
@@ -12037,7 +13573,7 @@
               <a:buNone/>
             </a:pPr>
             <a:r>
-              <a:rPr lang="zh-CN" sz="1200">
+              <a:rPr lang="zh-CN" sz="1200" dirty="0">
                 <a:solidFill>
                   <a:srgbClr val="292929"/>
                 </a:solidFill>
@@ -12052,7 +13588,7 @@
               <a:t>if </a:t>
             </a:r>
             <a:r>
-              <a:rPr lang="zh-CN" sz="1200" i="1">
+              <a:rPr lang="zh-CN" sz="1200" i="1" dirty="0">
                 <a:solidFill>
                   <a:srgbClr val="292929"/>
                 </a:solidFill>
@@ -12067,7 +13603,7 @@
               <a:t>d</a:t>
             </a:r>
             <a:r>
-              <a:rPr lang="zh-CN" sz="1200">
+              <a:rPr lang="zh-CN" sz="1200" dirty="0">
                 <a:solidFill>
                   <a:srgbClr val="292929"/>
                 </a:solidFill>
@@ -12082,7 +13618,7 @@
               <a:t>[</a:t>
             </a:r>
             <a:r>
-              <a:rPr lang="zh-CN" sz="1200" i="1">
+              <a:rPr lang="zh-CN" sz="1200" i="1" dirty="0">
                 <a:solidFill>
                   <a:srgbClr val="292929"/>
                 </a:solidFill>
@@ -12097,7 +13633,7 @@
               <a:t>u</a:t>
             </a:r>
             <a:r>
-              <a:rPr lang="zh-CN" sz="1200">
+              <a:rPr lang="zh-CN" sz="1200" dirty="0">
                 <a:solidFill>
                   <a:srgbClr val="292929"/>
                 </a:solidFill>
@@ -12112,7 +13648,7 @@
               <a:t>]+</a:t>
             </a:r>
             <a:r>
-              <a:rPr lang="zh-CN" sz="1200" i="1">
+              <a:rPr lang="zh-CN" sz="1200" i="1" dirty="0">
                 <a:solidFill>
                   <a:srgbClr val="292929"/>
                 </a:solidFill>
@@ -12127,7 +13663,7 @@
               <a:t>w</a:t>
             </a:r>
             <a:r>
-              <a:rPr lang="zh-CN" sz="1200">
+              <a:rPr lang="zh-CN" sz="1200" dirty="0">
                 <a:solidFill>
                   <a:srgbClr val="292929"/>
                 </a:solidFill>
@@ -12142,7 +13678,7 @@
               <a:t>(</a:t>
             </a:r>
             <a:r>
-              <a:rPr lang="zh-CN" sz="1200" i="1">
+              <a:rPr lang="zh-CN" sz="1200" i="1" dirty="0">
                 <a:solidFill>
                   <a:srgbClr val="292929"/>
                 </a:solidFill>
@@ -12157,7 +13693,7 @@
               <a:t>u</a:t>
             </a:r>
             <a:r>
-              <a:rPr lang="zh-CN" sz="1200">
+              <a:rPr lang="zh-CN" sz="1200" dirty="0">
                 <a:solidFill>
                   <a:srgbClr val="292929"/>
                 </a:solidFill>
@@ -12172,7 +13708,7 @@
               <a:t>,</a:t>
             </a:r>
             <a:r>
-              <a:rPr lang="zh-CN" sz="1200" i="1">
+              <a:rPr lang="zh-CN" sz="1200" i="1" dirty="0">
                 <a:solidFill>
                   <a:srgbClr val="292929"/>
                 </a:solidFill>
@@ -12187,7 +13723,7 @@
               <a:t>v</a:t>
             </a:r>
             <a:r>
-              <a:rPr lang="zh-CN" sz="1200">
+              <a:rPr lang="zh-CN" sz="1200" dirty="0">
                 <a:solidFill>
                   <a:srgbClr val="292929"/>
                 </a:solidFill>
@@ -12202,7 +13738,7 @@
               <a:t>)&lt;</a:t>
             </a:r>
             <a:r>
-              <a:rPr lang="zh-CN" sz="1200" i="1">
+              <a:rPr lang="zh-CN" sz="1200" i="1" dirty="0">
                 <a:solidFill>
                   <a:srgbClr val="292929"/>
                 </a:solidFill>
@@ -12217,7 +13753,7 @@
               <a:t>d</a:t>
             </a:r>
             <a:r>
-              <a:rPr lang="zh-CN" sz="1200">
+              <a:rPr lang="zh-CN" sz="1200" dirty="0">
                 <a:solidFill>
                   <a:srgbClr val="292929"/>
                 </a:solidFill>
@@ -12232,7 +13768,7 @@
               <a:t>[</a:t>
             </a:r>
             <a:r>
-              <a:rPr lang="zh-CN" sz="1200" i="1">
+              <a:rPr lang="zh-CN" sz="1200" i="1" dirty="0">
                 <a:solidFill>
                   <a:srgbClr val="292929"/>
                 </a:solidFill>
@@ -12247,7 +13783,7 @@
               <a:t>v</a:t>
             </a:r>
             <a:r>
-              <a:rPr lang="zh-CN" sz="1200">
+              <a:rPr lang="zh-CN" sz="1200" dirty="0">
                 <a:solidFill>
                   <a:srgbClr val="292929"/>
                 </a:solidFill>
@@ -12261,7 +13797,7 @@
               </a:rPr>
               <a:t>]</a:t>
             </a:r>
-            <a:endParaRPr sz="1200">
+            <a:endParaRPr sz="1200" dirty="0">
               <a:solidFill>
                 <a:srgbClr val="292929"/>
               </a:solidFill>
@@ -12285,7 +13821,7 @@
               <a:buNone/>
             </a:pPr>
             <a:r>
-              <a:rPr lang="zh-CN" sz="1200" i="1">
+              <a:rPr lang="zh-CN" sz="1200" i="1" dirty="0">
                 <a:solidFill>
                   <a:srgbClr val="292929"/>
                 </a:solidFill>
@@ -12300,7 +13836,7 @@
               <a:t>d</a:t>
             </a:r>
             <a:r>
-              <a:rPr lang="zh-CN" sz="1200">
+              <a:rPr lang="zh-CN" sz="1200" dirty="0">
                 <a:solidFill>
                   <a:srgbClr val="292929"/>
                 </a:solidFill>
@@ -12315,7 +13851,7 @@
               <a:t>[</a:t>
             </a:r>
             <a:r>
-              <a:rPr lang="zh-CN" sz="1200" i="1">
+              <a:rPr lang="zh-CN" sz="1200" i="1" dirty="0">
                 <a:solidFill>
                   <a:srgbClr val="292929"/>
                 </a:solidFill>
@@ -12330,7 +13866,7 @@
               <a:t>u</a:t>
             </a:r>
             <a:r>
-              <a:rPr lang="zh-CN" sz="1200">
+              <a:rPr lang="zh-CN" sz="1200" dirty="0">
                 <a:solidFill>
                   <a:srgbClr val="292929"/>
                 </a:solidFill>
@@ -12345,7 +13881,7 @@
               <a:t>]+w(</a:t>
             </a:r>
             <a:r>
-              <a:rPr lang="zh-CN" sz="1200" i="1">
+              <a:rPr lang="zh-CN" sz="1200" i="1" dirty="0">
                 <a:solidFill>
                   <a:srgbClr val="292929"/>
                 </a:solidFill>
@@ -12360,7 +13896,7 @@
               <a:t>u</a:t>
             </a:r>
             <a:r>
-              <a:rPr lang="zh-CN" sz="1200">
+              <a:rPr lang="zh-CN" sz="1200" dirty="0">
                 <a:solidFill>
                   <a:srgbClr val="292929"/>
                 </a:solidFill>
@@ -12375,7 +13911,7 @@
               <a:t>,</a:t>
             </a:r>
             <a:r>
-              <a:rPr lang="zh-CN" sz="1200" i="1">
+              <a:rPr lang="zh-CN" sz="1200" i="1" dirty="0">
                 <a:solidFill>
                   <a:srgbClr val="292929"/>
                 </a:solidFill>
@@ -12390,7 +13926,7 @@
               <a:t>v</a:t>
             </a:r>
             <a:r>
-              <a:rPr lang="zh-CN" sz="1200">
+              <a:rPr lang="zh-CN" sz="1200" dirty="0">
                 <a:solidFill>
                   <a:srgbClr val="292929"/>
                 </a:solidFill>
@@ -12405,7 +13941,7 @@
               <a:t>)=</a:t>
             </a:r>
             <a:r>
-              <a:rPr lang="zh-CN" sz="1200" i="1">
+              <a:rPr lang="zh-CN" sz="1200" i="1" dirty="0">
                 <a:solidFill>
                   <a:srgbClr val="292929"/>
                 </a:solidFill>
@@ -12420,7 +13956,7 @@
               <a:t>d</a:t>
             </a:r>
             <a:r>
-              <a:rPr lang="zh-CN" sz="1200">
+              <a:rPr lang="zh-CN" sz="1200" dirty="0">
                 <a:solidFill>
                   <a:srgbClr val="292929"/>
                 </a:solidFill>
@@ -12435,7 +13971,7 @@
               <a:t>[</a:t>
             </a:r>
             <a:r>
-              <a:rPr lang="zh-CN" sz="1200" i="1">
+              <a:rPr lang="zh-CN" sz="1200" i="1" dirty="0">
                 <a:solidFill>
                   <a:srgbClr val="292929"/>
                 </a:solidFill>
@@ -12450,7 +13986,7 @@
               <a:t>v</a:t>
             </a:r>
             <a:r>
-              <a:rPr lang="zh-CN" sz="1200">
+              <a:rPr lang="zh-CN" sz="1200" dirty="0">
                 <a:solidFill>
                   <a:srgbClr val="292929"/>
                 </a:solidFill>
@@ -12464,7 +14000,7 @@
               </a:rPr>
               <a:t>]  </a:t>
             </a:r>
-            <a:endParaRPr sz="1200">
+            <a:endParaRPr sz="1200" dirty="0">
               <a:latin typeface="Roboto"/>
               <a:ea typeface="Roboto"/>
               <a:cs typeface="Roboto"/>
@@ -12481,12 +14017,340 @@
               </a:spcAft>
               <a:buNone/>
             </a:pPr>
-            <a:endParaRPr sz="1200">
+            <a:endParaRPr sz="1200" dirty="0">
               <a:latin typeface="Roboto"/>
               <a:ea typeface="Roboto"/>
               <a:cs typeface="Roboto"/>
               <a:sym typeface="Roboto"/>
             </a:endParaRPr>
+          </a:p>
+        </p:txBody>
+      </p:sp>
+      <p:cxnSp>
+        <p:nvCxnSpPr>
+          <p:cNvPr id="3" name="Straight Connector 2">
+            <a:extLst>
+              <a:ext uri="{FF2B5EF4-FFF2-40B4-BE49-F238E27FC236}">
+                <a16:creationId xmlns:a16="http://schemas.microsoft.com/office/drawing/2014/main" id="{A0C51952-5413-459F-BDA6-9376A33D1A7A}"/>
+              </a:ext>
+            </a:extLst>
+          </p:cNvPr>
+          <p:cNvCxnSpPr/>
+          <p:nvPr/>
+        </p:nvCxnSpPr>
+        <p:spPr>
+          <a:xfrm flipV="1">
+            <a:off x="5640457" y="2922104"/>
+            <a:ext cx="1237421" cy="641074"/>
+          </a:xfrm>
+          <a:prstGeom prst="line">
+            <a:avLst/>
+          </a:prstGeom>
+        </p:spPr>
+        <p:style>
+          <a:lnRef idx="1">
+            <a:schemeClr val="accent1"/>
+          </a:lnRef>
+          <a:fillRef idx="0">
+            <a:schemeClr val="accent1"/>
+          </a:fillRef>
+          <a:effectRef idx="0">
+            <a:schemeClr val="accent1"/>
+          </a:effectRef>
+          <a:fontRef idx="minor">
+            <a:schemeClr val="tx1"/>
+          </a:fontRef>
+        </p:style>
+      </p:cxnSp>
+      <p:cxnSp>
+        <p:nvCxnSpPr>
+          <p:cNvPr id="7" name="Straight Connector 6">
+            <a:extLst>
+              <a:ext uri="{FF2B5EF4-FFF2-40B4-BE49-F238E27FC236}">
+                <a16:creationId xmlns:a16="http://schemas.microsoft.com/office/drawing/2014/main" id="{7BFC7F39-6175-4DFF-9792-86F3F2DBA34E}"/>
+              </a:ext>
+            </a:extLst>
+          </p:cNvPr>
+          <p:cNvCxnSpPr>
+            <a:cxnSpLocks/>
+          </p:cNvCxnSpPr>
+          <p:nvPr/>
+        </p:nvCxnSpPr>
+        <p:spPr>
+          <a:xfrm>
+            <a:off x="6871252" y="2922104"/>
+            <a:ext cx="677518" cy="487018"/>
+          </a:xfrm>
+          <a:prstGeom prst="line">
+            <a:avLst/>
+          </a:prstGeom>
+        </p:spPr>
+        <p:style>
+          <a:lnRef idx="1">
+            <a:schemeClr val="accent1"/>
+          </a:lnRef>
+          <a:fillRef idx="0">
+            <a:schemeClr val="accent1"/>
+          </a:fillRef>
+          <a:effectRef idx="0">
+            <a:schemeClr val="accent1"/>
+          </a:effectRef>
+          <a:fontRef idx="minor">
+            <a:schemeClr val="tx1"/>
+          </a:fontRef>
+        </p:style>
+      </p:cxnSp>
+      <p:cxnSp>
+        <p:nvCxnSpPr>
+          <p:cNvPr id="10" name="Straight Connector 9">
+            <a:extLst>
+              <a:ext uri="{FF2B5EF4-FFF2-40B4-BE49-F238E27FC236}">
+                <a16:creationId xmlns:a16="http://schemas.microsoft.com/office/drawing/2014/main" id="{B5F51C75-783D-4C3F-A986-E20ADF6055DF}"/>
+              </a:ext>
+            </a:extLst>
+          </p:cNvPr>
+          <p:cNvCxnSpPr>
+            <a:cxnSpLocks/>
+          </p:cNvCxnSpPr>
+          <p:nvPr/>
+        </p:nvCxnSpPr>
+        <p:spPr>
+          <a:xfrm flipV="1">
+            <a:off x="5640457" y="3409122"/>
+            <a:ext cx="1908313" cy="162338"/>
+          </a:xfrm>
+          <a:prstGeom prst="line">
+            <a:avLst/>
+          </a:prstGeom>
+        </p:spPr>
+        <p:style>
+          <a:lnRef idx="1">
+            <a:schemeClr val="accent1"/>
+          </a:lnRef>
+          <a:fillRef idx="0">
+            <a:schemeClr val="accent1"/>
+          </a:fillRef>
+          <a:effectRef idx="0">
+            <a:schemeClr val="accent1"/>
+          </a:effectRef>
+          <a:fontRef idx="minor">
+            <a:schemeClr val="tx1"/>
+          </a:fontRef>
+        </p:style>
+      </p:cxnSp>
+      <p:sp>
+        <p:nvSpPr>
+          <p:cNvPr id="8" name="TextBox 7">
+            <a:extLst>
+              <a:ext uri="{FF2B5EF4-FFF2-40B4-BE49-F238E27FC236}">
+                <a16:creationId xmlns:a16="http://schemas.microsoft.com/office/drawing/2014/main" id="{E56B62CE-0BAC-4EF8-BF28-1D665DE38B58}"/>
+              </a:ext>
+            </a:extLst>
+          </p:cNvPr>
+          <p:cNvSpPr txBox="1"/>
+          <p:nvPr/>
+        </p:nvSpPr>
+        <p:spPr>
+          <a:xfrm>
+            <a:off x="6715467" y="2662178"/>
+            <a:ext cx="228600" cy="307777"/>
+          </a:xfrm>
+          <a:prstGeom prst="rect">
+            <a:avLst/>
+          </a:prstGeom>
+          <a:noFill/>
+        </p:spPr>
+        <p:txBody>
+          <a:bodyPr wrap="square" rtlCol="0">
+            <a:spAutoFit/>
+          </a:bodyPr>
+          <a:lstStyle/>
+          <a:p>
+            <a:r>
+              <a:rPr lang="en-US" dirty="0"/>
+              <a:t>u</a:t>
+            </a:r>
+            <a:endParaRPr lang="en-CA" dirty="0"/>
+          </a:p>
+        </p:txBody>
+      </p:sp>
+      <p:sp>
+        <p:nvSpPr>
+          <p:cNvPr id="16" name="TextBox 15">
+            <a:extLst>
+              <a:ext uri="{FF2B5EF4-FFF2-40B4-BE49-F238E27FC236}">
+                <a16:creationId xmlns:a16="http://schemas.microsoft.com/office/drawing/2014/main" id="{58F3EDAD-9985-4A07-B20B-DE8CABB453F2}"/>
+              </a:ext>
+            </a:extLst>
+          </p:cNvPr>
+          <p:cNvSpPr txBox="1"/>
+          <p:nvPr/>
+        </p:nvSpPr>
+        <p:spPr>
+          <a:xfrm>
+            <a:off x="5382844" y="3421909"/>
+            <a:ext cx="228600" cy="307777"/>
+          </a:xfrm>
+          <a:prstGeom prst="rect">
+            <a:avLst/>
+          </a:prstGeom>
+          <a:noFill/>
+        </p:spPr>
+        <p:txBody>
+          <a:bodyPr wrap="square" rtlCol="0">
+            <a:spAutoFit/>
+          </a:bodyPr>
+          <a:lstStyle/>
+          <a:p>
+            <a:r>
+              <a:rPr lang="en-US" dirty="0"/>
+              <a:t>s</a:t>
+            </a:r>
+            <a:endParaRPr lang="en-CA" dirty="0"/>
+          </a:p>
+        </p:txBody>
+      </p:sp>
+      <p:sp>
+        <p:nvSpPr>
+          <p:cNvPr id="17" name="TextBox 16">
+            <a:extLst>
+              <a:ext uri="{FF2B5EF4-FFF2-40B4-BE49-F238E27FC236}">
+                <a16:creationId xmlns:a16="http://schemas.microsoft.com/office/drawing/2014/main" id="{B1DF6507-F8E8-4AD7-96EC-F5850C5E31E1}"/>
+              </a:ext>
+            </a:extLst>
+          </p:cNvPr>
+          <p:cNvSpPr txBox="1"/>
+          <p:nvPr/>
+        </p:nvSpPr>
+        <p:spPr>
+          <a:xfrm>
+            <a:off x="7548770" y="3221997"/>
+            <a:ext cx="228600" cy="307777"/>
+          </a:xfrm>
+          <a:prstGeom prst="rect">
+            <a:avLst/>
+          </a:prstGeom>
+          <a:noFill/>
+        </p:spPr>
+        <p:txBody>
+          <a:bodyPr wrap="square" rtlCol="0">
+            <a:spAutoFit/>
+          </a:bodyPr>
+          <a:lstStyle/>
+          <a:p>
+            <a:r>
+              <a:rPr lang="en-US" dirty="0"/>
+              <a:t>v</a:t>
+            </a:r>
+            <a:endParaRPr lang="en-CA" dirty="0"/>
+          </a:p>
+        </p:txBody>
+      </p:sp>
+      <p:sp>
+        <p:nvSpPr>
+          <p:cNvPr id="18" name="TextBox 17">
+            <a:extLst>
+              <a:ext uri="{FF2B5EF4-FFF2-40B4-BE49-F238E27FC236}">
+                <a16:creationId xmlns:a16="http://schemas.microsoft.com/office/drawing/2014/main" id="{4BA25D2D-854C-4BBC-B9EA-D02EF8371B25}"/>
+              </a:ext>
+            </a:extLst>
+          </p:cNvPr>
+          <p:cNvSpPr txBox="1"/>
+          <p:nvPr/>
+        </p:nvSpPr>
+        <p:spPr>
+          <a:xfrm>
+            <a:off x="6500293" y="3454227"/>
+            <a:ext cx="228600" cy="307777"/>
+          </a:xfrm>
+          <a:prstGeom prst="rect">
+            <a:avLst/>
+          </a:prstGeom>
+          <a:noFill/>
+        </p:spPr>
+        <p:txBody>
+          <a:bodyPr wrap="square" rtlCol="0">
+            <a:spAutoFit/>
+          </a:bodyPr>
+          <a:lstStyle/>
+          <a:p>
+            <a:r>
+              <a:rPr lang="en-US" dirty="0"/>
+              <a:t>5</a:t>
+            </a:r>
+            <a:endParaRPr lang="en-CA" dirty="0"/>
+          </a:p>
+        </p:txBody>
+      </p:sp>
+      <p:sp>
+        <p:nvSpPr>
+          <p:cNvPr id="19" name="TextBox 18">
+            <a:extLst>
+              <a:ext uri="{FF2B5EF4-FFF2-40B4-BE49-F238E27FC236}">
+                <a16:creationId xmlns:a16="http://schemas.microsoft.com/office/drawing/2014/main" id="{CD670275-9797-4033-8556-82D0CB88851F}"/>
+              </a:ext>
+            </a:extLst>
+          </p:cNvPr>
+          <p:cNvSpPr txBox="1"/>
+          <p:nvPr/>
+        </p:nvSpPr>
+        <p:spPr>
+          <a:xfrm>
+            <a:off x="6030567" y="2992958"/>
+            <a:ext cx="228600" cy="307777"/>
+          </a:xfrm>
+          <a:prstGeom prst="rect">
+            <a:avLst/>
+          </a:prstGeom>
+          <a:noFill/>
+        </p:spPr>
+        <p:txBody>
+          <a:bodyPr wrap="square" rtlCol="0">
+            <a:spAutoFit/>
+          </a:bodyPr>
+          <a:lstStyle/>
+          <a:p>
+            <a:r>
+              <a:rPr lang="en-US" dirty="0"/>
+              <a:t>1</a:t>
+            </a:r>
+            <a:endParaRPr lang="en-CA" dirty="0"/>
+          </a:p>
+        </p:txBody>
+      </p:sp>
+      <p:sp>
+        <p:nvSpPr>
+          <p:cNvPr id="20" name="TextBox 19">
+            <a:extLst>
+              <a:ext uri="{FF2B5EF4-FFF2-40B4-BE49-F238E27FC236}">
+                <a16:creationId xmlns:a16="http://schemas.microsoft.com/office/drawing/2014/main" id="{BFF9DAE3-D7F5-45E7-BDFA-5A78D64C2AAD}"/>
+              </a:ext>
+            </a:extLst>
+          </p:cNvPr>
+          <p:cNvSpPr txBox="1"/>
+          <p:nvPr/>
+        </p:nvSpPr>
+        <p:spPr>
+          <a:xfrm>
+            <a:off x="7143642" y="2891468"/>
+            <a:ext cx="228600" cy="307777"/>
+          </a:xfrm>
+          <a:prstGeom prst="rect">
+            <a:avLst/>
+          </a:prstGeom>
+          <a:noFill/>
+        </p:spPr>
+        <p:txBody>
+          <a:bodyPr wrap="square" rtlCol="0">
+            <a:spAutoFit/>
+          </a:bodyPr>
+          <a:lstStyle/>
+          <a:p>
+            <a:r>
+              <a:rPr lang="en-US" dirty="0"/>
+              <a:t>3</a:t>
+            </a:r>
+            <a:endParaRPr lang="en-CA" dirty="0"/>
           </a:p>
         </p:txBody>
       </p:sp>
@@ -12517,6 +14381,58 @@
       </p:grpSpPr>
       <p:sp>
         <p:nvSpPr>
+          <p:cNvPr id="16" name="Google Shape;106;p16">
+            <a:extLst>
+              <a:ext uri="{FF2B5EF4-FFF2-40B4-BE49-F238E27FC236}">
+                <a16:creationId xmlns:a16="http://schemas.microsoft.com/office/drawing/2014/main" id="{171ED5A5-2B0B-47E5-BFCD-F84B17E961B6}"/>
+              </a:ext>
+            </a:extLst>
+          </p:cNvPr>
+          <p:cNvSpPr/>
+          <p:nvPr/>
+        </p:nvSpPr>
+        <p:spPr>
+          <a:xfrm>
+            <a:off x="1939583" y="2438399"/>
+            <a:ext cx="1681169" cy="1709752"/>
+          </a:xfrm>
+          <a:prstGeom prst="ellipse">
+            <a:avLst/>
+          </a:prstGeom>
+          <a:solidFill>
+            <a:srgbClr val="B6D7A8"/>
+          </a:solidFill>
+          <a:ln w="9525" cap="flat" cmpd="sng">
+            <a:solidFill>
+              <a:schemeClr val="dk2"/>
+            </a:solidFill>
+            <a:prstDash val="solid"/>
+            <a:round/>
+            <a:headEnd type="none" w="sm" len="sm"/>
+            <a:tailEnd type="none" w="sm" len="sm"/>
+          </a:ln>
+        </p:spPr>
+        <p:txBody>
+          <a:bodyPr spcFirstLastPara="1" wrap="square" lIns="91425" tIns="91425" rIns="91425" bIns="91425" anchor="ctr" anchorCtr="0">
+            <a:noAutofit/>
+          </a:bodyPr>
+          <a:lstStyle/>
+          <a:p>
+            <a:pPr marL="0" lvl="0" indent="0" algn="l" rtl="0">
+              <a:spcBef>
+                <a:spcPts val="0"/>
+              </a:spcBef>
+              <a:spcAft>
+                <a:spcPts val="0"/>
+              </a:spcAft>
+              <a:buNone/>
+            </a:pPr>
+            <a:endParaRPr/>
+          </a:p>
+        </p:txBody>
+      </p:sp>
+      <p:sp>
+        <p:nvSpPr>
           <p:cNvPr id="104" name="Google Shape;104;p16"/>
           <p:cNvSpPr txBox="1">
             <a:spLocks noGrp="1"/>
@@ -12550,10 +14466,14 @@
               <a:buNone/>
             </a:pPr>
             <a:r>
-              <a:rPr lang="zh-CN"/>
+              <a:rPr lang="zh-CN" dirty="0"/>
               <a:t>Δ-stepping algorithm</a:t>
             </a:r>
-            <a:endParaRPr/>
+            <a:r>
+              <a:rPr lang="en-US" altLang="zh-CN" dirty="0"/>
+              <a:t>[3]</a:t>
+            </a:r>
+            <a:endParaRPr dirty="0"/>
           </a:p>
         </p:txBody>
       </p:sp>
@@ -12569,7 +14489,7 @@
         </p:nvSpPr>
         <p:spPr>
           <a:xfrm>
-            <a:off x="0" y="1267300"/>
+            <a:off x="7988" y="1278500"/>
             <a:ext cx="8520600" cy="3339000"/>
           </a:xfrm>
           <a:prstGeom prst="rect">
@@ -12592,10 +14512,10 @@
               <a:buNone/>
             </a:pPr>
             <a:r>
-              <a:rPr lang="zh-CN"/>
+              <a:rPr lang="en-US" altLang="zh-CN" dirty="0"/>
               <a:t>Δ-stepping algorithm: a game changing method</a:t>
             </a:r>
-            <a:endParaRPr/>
+            <a:endParaRPr lang="en-US" dirty="0"/>
           </a:p>
           <a:p>
             <a:pPr marL="0" lvl="0" indent="0" algn="l" rtl="0">
@@ -12608,10 +14528,10 @@
               <a:buNone/>
             </a:pPr>
             <a:r>
-              <a:rPr lang="zh-CN"/>
-              <a:t>Djikstra + Bellman-Ford: </a:t>
-            </a:r>
-            <a:endParaRPr/>
+              <a:rPr lang="en-US" altLang="zh-CN" dirty="0"/>
+              <a:t>Dijkstra + Bellman-Ford: </a:t>
+            </a:r>
+            <a:endParaRPr lang="en-US" dirty="0"/>
           </a:p>
           <a:p>
             <a:pPr marL="0" lvl="0" indent="0" algn="l" rtl="0">
@@ -12626,7 +14546,7 @@
               </a:spcAft>
               <a:buNone/>
             </a:pPr>
-            <a:endParaRPr sz="1400">
+            <a:endParaRPr lang="en-US" sz="1400" dirty="0">
               <a:solidFill>
                 <a:srgbClr val="000000"/>
               </a:solidFill>
@@ -12642,7 +14562,7 @@
               </a:spcAft>
               <a:buNone/>
             </a:pPr>
-            <a:endParaRPr/>
+            <a:endParaRPr lang="en-US" dirty="0"/>
           </a:p>
           <a:p>
             <a:pPr marL="0" lvl="0" indent="0" algn="l" rtl="0">
@@ -12654,7 +14574,7 @@
               </a:spcAft>
               <a:buNone/>
             </a:pPr>
-            <a:endParaRPr/>
+            <a:endParaRPr lang="en-US" dirty="0"/>
           </a:p>
           <a:p>
             <a:pPr marL="0" lvl="0" indent="0" algn="l" rtl="0">
@@ -12666,7 +14586,7 @@
               </a:spcAft>
               <a:buNone/>
             </a:pPr>
-            <a:endParaRPr/>
+            <a:endParaRPr lang="en-US" dirty="0"/>
           </a:p>
         </p:txBody>
       </p:sp>
@@ -12678,8 +14598,8 @@
         </p:nvSpPr>
         <p:spPr>
           <a:xfrm>
-            <a:off x="1656675" y="2174725"/>
-            <a:ext cx="2237100" cy="2237100"/>
+            <a:off x="2113555" y="2610186"/>
+            <a:ext cx="1328953" cy="1328953"/>
           </a:xfrm>
           <a:prstGeom prst="ellipse">
             <a:avLst/>
@@ -12724,8 +14644,8 @@
         </p:nvSpPr>
         <p:spPr>
           <a:xfrm>
-            <a:off x="1805775" y="2323825"/>
-            <a:ext cx="1938900" cy="1938900"/>
+            <a:off x="2282701" y="2750670"/>
+            <a:ext cx="999876" cy="1047986"/>
           </a:xfrm>
           <a:prstGeom prst="ellipse">
             <a:avLst/>
@@ -12770,8 +14690,8 @@
         </p:nvSpPr>
         <p:spPr>
           <a:xfrm>
-            <a:off x="1941075" y="2459125"/>
-            <a:ext cx="1668300" cy="1668300"/>
+            <a:off x="2427545" y="2919568"/>
+            <a:ext cx="710189" cy="710189"/>
           </a:xfrm>
           <a:prstGeom prst="ellipse">
             <a:avLst/>
@@ -12805,10 +14725,10 @@
               <a:buNone/>
             </a:pPr>
             <a:r>
-              <a:rPr lang="zh-CN"/>
-              <a:t>Processed nodes</a:t>
-            </a:r>
-            <a:endParaRPr/>
+              <a:rPr lang="en-US" dirty="0" err="1"/>
+              <a:t>src</a:t>
+            </a:r>
+            <a:endParaRPr dirty="0"/>
           </a:p>
         </p:txBody>
       </p:sp>
@@ -12820,7 +14740,7 @@
         </p:nvSpPr>
         <p:spPr>
           <a:xfrm>
-            <a:off x="4603250" y="3104300"/>
+            <a:off x="4572000" y="2985475"/>
             <a:ext cx="3201300" cy="615600"/>
           </a:xfrm>
           <a:prstGeom prst="rect">
@@ -12847,15 +14767,19 @@
               <a:buNone/>
             </a:pPr>
             <a:r>
-              <a:rPr lang="zh-CN">
+              <a:rPr lang="zh-CN" dirty="0">
                 <a:latin typeface="Roboto"/>
                 <a:ea typeface="Roboto"/>
                 <a:cs typeface="Roboto"/>
                 <a:sym typeface="Roboto"/>
               </a:rPr>
-              <a:t>Frontier: Neighbours of processed nodes</a:t>
-            </a:r>
-            <a:endParaRPr>
+              <a:t>Frontier: </a:t>
+            </a:r>
+            <a:r>
+              <a:rPr lang="en-US" dirty="0"/>
+              <a:t>the neighbor set of all visited vertices</a:t>
+            </a:r>
+            <a:endParaRPr dirty="0">
               <a:latin typeface="Roboto"/>
               <a:ea typeface="Roboto"/>
               <a:cs typeface="Roboto"/>
@@ -12868,15 +14792,16 @@
         <p:nvCxnSpPr>
           <p:cNvPr id="110" name="Google Shape;110;p16"/>
           <p:cNvCxnSpPr>
+            <a:cxnSpLocks/>
             <a:stCxn id="109" idx="1"/>
             <a:endCxn id="107" idx="6"/>
           </p:cNvCxnSpPr>
           <p:nvPr/>
         </p:nvCxnSpPr>
         <p:spPr>
-          <a:xfrm rot="10800000">
-            <a:off x="3744650" y="3293300"/>
-            <a:ext cx="858600" cy="118800"/>
+          <a:xfrm flipH="1" flipV="1">
+            <a:off x="3282577" y="3274663"/>
+            <a:ext cx="1289423" cy="18612"/>
           </a:xfrm>
           <a:prstGeom prst="straightConnector1">
             <a:avLst/>
@@ -12901,7 +14826,7 @@
         </p:nvSpPr>
         <p:spPr>
           <a:xfrm>
-            <a:off x="3245900" y="2479050"/>
+            <a:off x="2912125" y="2803278"/>
             <a:ext cx="185400" cy="185400"/>
           </a:xfrm>
           <a:prstGeom prst="ellipse">
@@ -12974,7 +14899,7 @@
               <a:buNone/>
             </a:pPr>
             <a:r>
-              <a:rPr lang="zh-CN">
+              <a:rPr lang="zh-CN" dirty="0">
                 <a:latin typeface="Roboto"/>
                 <a:ea typeface="Roboto"/>
                 <a:cs typeface="Roboto"/>
@@ -12982,7 +14907,7 @@
               </a:rPr>
               <a:t>Djikstra: Pick up nearest node in the frontier (Pick only 1 edge)</a:t>
             </a:r>
-            <a:endParaRPr>
+            <a:endParaRPr dirty="0">
               <a:latin typeface="Roboto"/>
               <a:ea typeface="Roboto"/>
               <a:cs typeface="Roboto"/>
@@ -13001,9 +14926,9 @@
           <p:nvPr/>
         </p:nvCxnSpPr>
         <p:spPr>
-          <a:xfrm rot="-5400000">
-            <a:off x="3509300" y="1921950"/>
-            <a:ext cx="386400" cy="727800"/>
+          <a:xfrm rot="5400000" flipH="1" flipV="1">
+            <a:off x="3180286" y="1917265"/>
+            <a:ext cx="710553" cy="1061475"/>
           </a:xfrm>
           <a:prstGeom prst="bentConnector2">
             <a:avLst/>
@@ -13028,7 +14953,7 @@
         </p:nvSpPr>
         <p:spPr>
           <a:xfrm>
-            <a:off x="4193625" y="3738475"/>
+            <a:off x="3861100" y="3833774"/>
             <a:ext cx="3324300" cy="801900"/>
           </a:xfrm>
           <a:prstGeom prst="rect">
@@ -13058,7 +14983,7 @@
               <a:buNone/>
             </a:pPr>
             <a:r>
-              <a:rPr lang="zh-CN">
+              <a:rPr lang="zh-CN" dirty="0">
                 <a:solidFill>
                   <a:schemeClr val="dk2"/>
                 </a:solidFill>
@@ -13069,7 +14994,7 @@
               </a:rPr>
               <a:t>Δ-stepping: All nodes in range</a:t>
             </a:r>
-            <a:endParaRPr>
+            <a:endParaRPr dirty="0">
               <a:solidFill>
                 <a:schemeClr val="dk2"/>
               </a:solidFill>
@@ -13093,7 +15018,7 @@
               <a:buNone/>
             </a:pPr>
             <a:r>
-              <a:rPr lang="zh-CN">
+              <a:rPr lang="zh-CN" dirty="0">
                 <a:solidFill>
                   <a:schemeClr val="dk2"/>
                 </a:solidFill>
@@ -13104,7 +15029,7 @@
               </a:rPr>
               <a:t>(iΔ, (1+i)Δ) </a:t>
             </a:r>
-            <a:endParaRPr>
+            <a:endParaRPr dirty="0">
               <a:solidFill>
                 <a:schemeClr val="dk2"/>
               </a:solidFill>
@@ -13116,38 +15041,6 @@
           </a:p>
         </p:txBody>
       </p:sp>
-      <p:cxnSp>
-        <p:nvCxnSpPr>
-          <p:cNvPr id="115" name="Google Shape;115;p16"/>
-          <p:cNvCxnSpPr>
-            <a:stCxn id="106" idx="4"/>
-            <a:endCxn id="114" idx="1"/>
-          </p:cNvCxnSpPr>
-          <p:nvPr/>
-        </p:nvCxnSpPr>
-        <p:spPr>
-          <a:xfrm rot="-5400000">
-            <a:off x="3348225" y="3566425"/>
-            <a:ext cx="272400" cy="1418400"/>
-          </a:xfrm>
-          <a:prstGeom prst="bentConnector4">
-            <a:avLst>
-              <a:gd name="adj1" fmla="val -87417"/>
-              <a:gd name="adj2" fmla="val 89430"/>
-            </a:avLst>
-          </a:prstGeom>
-          <a:noFill/>
-          <a:ln w="9525" cap="flat" cmpd="sng">
-            <a:solidFill>
-              <a:schemeClr val="dk2"/>
-            </a:solidFill>
-            <a:prstDash val="solid"/>
-            <a:round/>
-            <a:headEnd type="none" w="med" len="med"/>
-            <a:tailEnd type="none" w="med" len="med"/>
-          </a:ln>
-        </p:spPr>
-      </p:cxnSp>
       <p:sp>
         <p:nvSpPr>
           <p:cNvPr id="116" name="Google Shape;116;p16"/>
@@ -13156,7 +15049,7 @@
         </p:nvSpPr>
         <p:spPr>
           <a:xfrm>
-            <a:off x="6186425" y="4262725"/>
+            <a:off x="6172650" y="727395"/>
             <a:ext cx="2846400" cy="615600"/>
           </a:xfrm>
           <a:prstGeom prst="rect">
@@ -13183,7 +15076,7 @@
               <a:buNone/>
             </a:pPr>
             <a:r>
-              <a:rPr lang="zh-CN">
+              <a:rPr lang="zh-CN" dirty="0">
                 <a:latin typeface="Roboto"/>
                 <a:ea typeface="Roboto"/>
                 <a:cs typeface="Roboto"/>
@@ -13191,7 +15084,7 @@
               </a:rPr>
               <a:t>Bellman-ford:</a:t>
             </a:r>
-            <a:endParaRPr>
+            <a:endParaRPr dirty="0">
               <a:latin typeface="Roboto"/>
               <a:ea typeface="Roboto"/>
               <a:cs typeface="Roboto"/>
@@ -13209,7 +15102,7 @@
               <a:buNone/>
             </a:pPr>
             <a:r>
-              <a:rPr lang="zh-CN">
+              <a:rPr lang="zh-CN" dirty="0">
                 <a:latin typeface="Roboto"/>
                 <a:ea typeface="Roboto"/>
                 <a:cs typeface="Roboto"/>
@@ -13217,7 +15110,7 @@
               </a:rPr>
               <a:t>Pick all edges and run V-1 times</a:t>
             </a:r>
-            <a:endParaRPr>
+            <a:endParaRPr dirty="0">
               <a:latin typeface="Roboto"/>
               <a:ea typeface="Roboto"/>
               <a:cs typeface="Roboto"/>
@@ -13226,6 +15119,215 @@
           </a:p>
         </p:txBody>
       </p:sp>
+      <p:sp>
+        <p:nvSpPr>
+          <p:cNvPr id="4" name="TextBox 3">
+            <a:extLst>
+              <a:ext uri="{FF2B5EF4-FFF2-40B4-BE49-F238E27FC236}">
+                <a16:creationId xmlns:a16="http://schemas.microsoft.com/office/drawing/2014/main" id="{7DF02510-597B-4D26-85DF-D5B878B14680}"/>
+              </a:ext>
+            </a:extLst>
+          </p:cNvPr>
+          <p:cNvSpPr txBox="1"/>
+          <p:nvPr/>
+        </p:nvSpPr>
+        <p:spPr>
+          <a:xfrm>
+            <a:off x="-78760" y="3808363"/>
+            <a:ext cx="1356360" cy="307777"/>
+          </a:xfrm>
+          <a:prstGeom prst="rect">
+            <a:avLst/>
+          </a:prstGeom>
+          <a:noFill/>
+        </p:spPr>
+        <p:txBody>
+          <a:bodyPr wrap="square" rtlCol="0">
+            <a:spAutoFit/>
+          </a:bodyPr>
+          <a:lstStyle/>
+          <a:p>
+            <a:r>
+              <a:rPr lang="en-CA" altLang="zh-CN" dirty="0">
+                <a:solidFill>
+                  <a:schemeClr val="dk2"/>
+                </a:solidFill>
+                <a:latin typeface="Roboto"/>
+                <a:ea typeface="Roboto"/>
+                <a:cs typeface="Roboto"/>
+                <a:sym typeface="Roboto"/>
+              </a:rPr>
+              <a:t>((i+1)</a:t>
+            </a:r>
+            <a:r>
+              <a:rPr lang="el-GR" altLang="zh-CN" dirty="0">
+                <a:solidFill>
+                  <a:schemeClr val="dk2"/>
+                </a:solidFill>
+                <a:latin typeface="Roboto"/>
+                <a:ea typeface="Roboto"/>
+                <a:cs typeface="Roboto"/>
+                <a:sym typeface="Roboto"/>
+              </a:rPr>
+              <a:t>Δ, (</a:t>
+            </a:r>
+            <a:r>
+              <a:rPr lang="en-US" altLang="zh-CN" dirty="0">
+                <a:solidFill>
+                  <a:schemeClr val="dk2"/>
+                </a:solidFill>
+                <a:latin typeface="Roboto"/>
+                <a:ea typeface="Roboto"/>
+                <a:cs typeface="Roboto"/>
+                <a:sym typeface="Roboto"/>
+              </a:rPr>
+              <a:t>2</a:t>
+            </a:r>
+            <a:r>
+              <a:rPr lang="el-GR" altLang="zh-CN" dirty="0">
+                <a:solidFill>
+                  <a:schemeClr val="dk2"/>
+                </a:solidFill>
+                <a:latin typeface="Roboto"/>
+                <a:ea typeface="Roboto"/>
+                <a:cs typeface="Roboto"/>
+                <a:sym typeface="Roboto"/>
+              </a:rPr>
+              <a:t>+</a:t>
+            </a:r>
+            <a:r>
+              <a:rPr lang="en-CA" altLang="zh-CN" dirty="0" err="1">
+                <a:solidFill>
+                  <a:schemeClr val="dk2"/>
+                </a:solidFill>
+                <a:latin typeface="Roboto"/>
+                <a:ea typeface="Roboto"/>
+                <a:cs typeface="Roboto"/>
+                <a:sym typeface="Roboto"/>
+              </a:rPr>
+              <a:t>i</a:t>
+            </a:r>
+            <a:r>
+              <a:rPr lang="en-CA" altLang="zh-CN" dirty="0">
+                <a:solidFill>
+                  <a:schemeClr val="dk2"/>
+                </a:solidFill>
+                <a:latin typeface="Roboto"/>
+                <a:ea typeface="Roboto"/>
+                <a:cs typeface="Roboto"/>
+                <a:sym typeface="Roboto"/>
+              </a:rPr>
+              <a:t>)</a:t>
+            </a:r>
+            <a:r>
+              <a:rPr lang="el-GR" altLang="zh-CN" dirty="0">
+                <a:solidFill>
+                  <a:schemeClr val="dk2"/>
+                </a:solidFill>
+                <a:latin typeface="Roboto"/>
+                <a:ea typeface="Roboto"/>
+                <a:cs typeface="Roboto"/>
+                <a:sym typeface="Roboto"/>
+              </a:rPr>
+              <a:t>Δ) </a:t>
+            </a:r>
+            <a:endParaRPr lang="el-GR" dirty="0">
+              <a:solidFill>
+                <a:schemeClr val="dk2"/>
+              </a:solidFill>
+              <a:latin typeface="Roboto"/>
+              <a:ea typeface="Roboto"/>
+              <a:cs typeface="Roboto"/>
+              <a:sym typeface="Roboto"/>
+            </a:endParaRPr>
+          </a:p>
+        </p:txBody>
+      </p:sp>
+      <p:cxnSp>
+        <p:nvCxnSpPr>
+          <p:cNvPr id="6" name="Straight Arrow Connector 5">
+            <a:extLst>
+              <a:ext uri="{FF2B5EF4-FFF2-40B4-BE49-F238E27FC236}">
+                <a16:creationId xmlns:a16="http://schemas.microsoft.com/office/drawing/2014/main" id="{3A7A15C8-1BE7-4920-84A3-1E32957207C6}"/>
+              </a:ext>
+            </a:extLst>
+          </p:cNvPr>
+          <p:cNvCxnSpPr>
+            <a:cxnSpLocks/>
+            <a:stCxn id="106" idx="5"/>
+            <a:endCxn id="114" idx="1"/>
+          </p:cNvCxnSpPr>
+          <p:nvPr/>
+        </p:nvCxnSpPr>
+        <p:spPr>
+          <a:xfrm>
+            <a:off x="3247887" y="3744518"/>
+            <a:ext cx="613213" cy="490206"/>
+          </a:xfrm>
+          <a:prstGeom prst="straightConnector1">
+            <a:avLst/>
+          </a:prstGeom>
+          <a:ln>
+            <a:tailEnd type="triangle"/>
+          </a:ln>
+        </p:spPr>
+        <p:style>
+          <a:lnRef idx="1">
+            <a:schemeClr val="accent1"/>
+          </a:lnRef>
+          <a:fillRef idx="0">
+            <a:schemeClr val="accent1"/>
+          </a:fillRef>
+          <a:effectRef idx="0">
+            <a:schemeClr val="accent1"/>
+          </a:effectRef>
+          <a:fontRef idx="minor">
+            <a:schemeClr val="tx1"/>
+          </a:fontRef>
+        </p:style>
+      </p:cxnSp>
+      <p:cxnSp>
+        <p:nvCxnSpPr>
+          <p:cNvPr id="23" name="Straight Arrow Connector 22">
+            <a:extLst>
+              <a:ext uri="{FF2B5EF4-FFF2-40B4-BE49-F238E27FC236}">
+                <a16:creationId xmlns:a16="http://schemas.microsoft.com/office/drawing/2014/main" id="{F907AFF9-A34B-41F2-BD8D-5F12A20F2AD1}"/>
+              </a:ext>
+            </a:extLst>
+          </p:cNvPr>
+          <p:cNvCxnSpPr>
+            <a:cxnSpLocks/>
+            <a:stCxn id="16" idx="3"/>
+          </p:cNvCxnSpPr>
+          <p:nvPr/>
+        </p:nvCxnSpPr>
+        <p:spPr>
+          <a:xfrm flipH="1">
+            <a:off x="1265166" y="3897764"/>
+            <a:ext cx="920618" cy="92603"/>
+          </a:xfrm>
+          <a:prstGeom prst="straightConnector1">
+            <a:avLst/>
+          </a:prstGeom>
+          <a:ln>
+            <a:tailEnd type="triangle"/>
+          </a:ln>
+        </p:spPr>
+        <p:style>
+          <a:lnRef idx="1">
+            <a:schemeClr val="accent1"/>
+          </a:lnRef>
+          <a:fillRef idx="0">
+            <a:schemeClr val="accent1"/>
+          </a:fillRef>
+          <a:effectRef idx="0">
+            <a:schemeClr val="accent1"/>
+          </a:effectRef>
+          <a:fontRef idx="minor">
+            <a:schemeClr val="tx1"/>
+          </a:fontRef>
+        </p:style>
+      </p:cxnSp>
     </p:spTree>
   </p:cSld>
   <p:clrMapOvr>
@@ -13235,139 +15337,6 @@
 </file>
 
 <file path=ppt/slides/slide5.xml><?xml version="1.0" encoding="utf-8"?>
-<p:sld xmlns:a="http://schemas.openxmlformats.org/drawingml/2006/main" xmlns:r="http://schemas.openxmlformats.org/officeDocument/2006/relationships" xmlns:p="http://schemas.openxmlformats.org/presentationml/2006/main">
-  <p:cSld>
-    <p:spTree>
-      <p:nvGrpSpPr>
-        <p:cNvPr id="1" name="Shape 120"/>
-        <p:cNvGrpSpPr/>
-        <p:nvPr/>
-      </p:nvGrpSpPr>
-      <p:grpSpPr>
-        <a:xfrm>
-          <a:off x="0" y="0"/>
-          <a:ext cx="0" cy="0"/>
-          <a:chOff x="0" y="0"/>
-          <a:chExt cx="0" cy="0"/>
-        </a:xfrm>
-      </p:grpSpPr>
-      <p:sp>
-        <p:nvSpPr>
-          <p:cNvPr id="121" name="Google Shape;121;p17"/>
-          <p:cNvSpPr txBox="1">
-            <a:spLocks noGrp="1"/>
-          </p:cNvSpPr>
-          <p:nvPr>
-            <p:ph type="title"/>
-          </p:nvPr>
-        </p:nvSpPr>
-        <p:spPr>
-          <a:xfrm>
-            <a:off x="311700" y="410000"/>
-            <a:ext cx="8520600" cy="607800"/>
-          </a:xfrm>
-          <a:prstGeom prst="rect">
-            <a:avLst/>
-          </a:prstGeom>
-        </p:spPr>
-        <p:txBody>
-          <a:bodyPr spcFirstLastPara="1" wrap="square" lIns="91425" tIns="91425" rIns="91425" bIns="91425" anchor="t" anchorCtr="0">
-            <a:normAutofit fontScale="90000"/>
-          </a:bodyPr>
-          <a:lstStyle/>
-          <a:p>
-            <a:pPr marL="0" lvl="0" indent="0" algn="l" rtl="0">
-              <a:spcBef>
-                <a:spcPts val="0"/>
-              </a:spcBef>
-              <a:spcAft>
-                <a:spcPts val="0"/>
-              </a:spcAft>
-              <a:buNone/>
-            </a:pPr>
-            <a:r>
-              <a:rPr lang="zh-CN"/>
-              <a:t>Pseuduocode of Δ-stepping</a:t>
-            </a:r>
-            <a:endParaRPr/>
-          </a:p>
-        </p:txBody>
-      </p:sp>
-      <p:sp>
-        <p:nvSpPr>
-          <p:cNvPr id="122" name="Google Shape;122;p17"/>
-          <p:cNvSpPr txBox="1">
-            <a:spLocks noGrp="1"/>
-          </p:cNvSpPr>
-          <p:nvPr>
-            <p:ph type="body" idx="1"/>
-          </p:nvPr>
-        </p:nvSpPr>
-        <p:spPr>
-          <a:xfrm>
-            <a:off x="311700" y="1229875"/>
-            <a:ext cx="4260300" cy="3339000"/>
-          </a:xfrm>
-          <a:prstGeom prst="rect">
-            <a:avLst/>
-          </a:prstGeom>
-        </p:spPr>
-        <p:txBody>
-          <a:bodyPr spcFirstLastPara="1" wrap="square" lIns="91425" tIns="91425" rIns="91425" bIns="91425" anchor="t" anchorCtr="0">
-            <a:normAutofit/>
-          </a:bodyPr>
-          <a:lstStyle/>
-          <a:p>
-            <a:pPr marL="0" lvl="0" indent="0" algn="l" rtl="0">
-              <a:spcBef>
-                <a:spcPts val="0"/>
-              </a:spcBef>
-              <a:spcAft>
-                <a:spcPts val="1200"/>
-              </a:spcAft>
-              <a:buNone/>
-            </a:pPr>
-            <a:endParaRPr/>
-          </a:p>
-        </p:txBody>
-      </p:sp>
-      <p:pic>
-        <p:nvPicPr>
-          <p:cNvPr id="123" name="Google Shape;123;p17"/>
-          <p:cNvPicPr preferRelativeResize="0"/>
-          <p:nvPr/>
-        </p:nvPicPr>
-        <p:blipFill>
-          <a:blip r:embed="rId3">
-            <a:alphaModFix/>
-          </a:blip>
-          <a:stretch>
-            <a:fillRect/>
-          </a:stretch>
-        </p:blipFill>
-        <p:spPr>
-          <a:xfrm>
-            <a:off x="4995498" y="475375"/>
-            <a:ext cx="2993974" cy="4192750"/>
-          </a:xfrm>
-          <a:prstGeom prst="rect">
-            <a:avLst/>
-          </a:prstGeom>
-          <a:noFill/>
-          <a:ln>
-            <a:noFill/>
-          </a:ln>
-        </p:spPr>
-      </p:pic>
-    </p:spTree>
-  </p:cSld>
-  <p:clrMapOvr>
-    <a:masterClrMapping/>
-  </p:clrMapOvr>
-</p:sld>
-</file>
-
-<file path=ppt/slides/slide6.xml><?xml version="1.0" encoding="utf-8"?>
 <p:sld xmlns:a="http://schemas.openxmlformats.org/drawingml/2006/main" xmlns:r="http://schemas.openxmlformats.org/officeDocument/2006/relationships" xmlns:p="http://schemas.openxmlformats.org/presentationml/2006/main">
   <p:cSld>
     <p:spTree>
@@ -13477,10 +15446,10 @@
               <a:buNone/>
             </a:pPr>
             <a:r>
-              <a:rPr lang="zh-CN"/>
+              <a:rPr lang="zh-CN" dirty="0"/>
               <a:t>Δ-stepping algorithm: a game changing method</a:t>
             </a:r>
-            <a:endParaRPr/>
+            <a:endParaRPr dirty="0"/>
           </a:p>
           <a:p>
             <a:pPr marL="0" lvl="0" indent="0" algn="l" rtl="0">
@@ -13493,18 +15462,18 @@
               <a:buNone/>
             </a:pPr>
             <a:r>
-              <a:rPr lang="zh-CN"/>
+              <a:rPr lang="zh-CN" dirty="0"/>
               <a:t>∆&lt;= </a:t>
             </a:r>
             <a:r>
-              <a:rPr lang="zh-CN" i="1"/>
+              <a:rPr lang="zh-CN" i="1" dirty="0"/>
               <a:t>min</a:t>
             </a:r>
             <a:r>
-              <a:rPr lang="zh-CN"/>
-              <a:t> w(e)	: Degenerates into Dijkstra </a:t>
-            </a:r>
-            <a:endParaRPr/>
+              <a:rPr lang="zh-CN" dirty="0"/>
+              <a:t> w(e): Degenerates into Dijkstra </a:t>
+            </a:r>
+            <a:endParaRPr dirty="0"/>
           </a:p>
           <a:p>
             <a:pPr marL="0" lvl="0" indent="0" algn="l" rtl="0">
@@ -13517,18 +15486,18 @@
               <a:buNone/>
             </a:pPr>
             <a:r>
-              <a:rPr lang="zh-CN"/>
+              <a:rPr lang="zh-CN" dirty="0"/>
               <a:t>∆=&gt; </a:t>
             </a:r>
             <a:r>
-              <a:rPr lang="zh-CN" i="1"/>
+              <a:rPr lang="zh-CN" i="1" dirty="0"/>
               <a:t>max</a:t>
             </a:r>
             <a:r>
-              <a:rPr lang="zh-CN"/>
+              <a:rPr lang="zh-CN" dirty="0"/>
               <a:t> w(e): Degenerates into Bellman-Ford</a:t>
             </a:r>
-            <a:endParaRPr/>
+            <a:endParaRPr dirty="0"/>
           </a:p>
           <a:p>
             <a:pPr marL="0" lvl="0" indent="0" algn="l" rtl="0">
@@ -13541,10 +15510,269 @@
               <a:buNone/>
             </a:pPr>
             <a:r>
-              <a:rPr lang="zh-CN"/>
+              <a:rPr lang="zh-CN" dirty="0"/>
               <a:t>∆-stepping wants to find easily computable fixed ∆ that yields a good compromise between these two extremes</a:t>
             </a:r>
-            <a:endParaRPr/>
+            <a:endParaRPr dirty="0"/>
+          </a:p>
+        </p:txBody>
+      </p:sp>
+    </p:spTree>
+  </p:cSld>
+  <p:clrMapOvr>
+    <a:masterClrMapping/>
+  </p:clrMapOvr>
+</p:sld>
+</file>
+
+<file path=ppt/slides/slide6.xml><?xml version="1.0" encoding="utf-8"?>
+<p:sld xmlns:a="http://schemas.openxmlformats.org/drawingml/2006/main" xmlns:r="http://schemas.openxmlformats.org/officeDocument/2006/relationships" xmlns:p="http://schemas.openxmlformats.org/presentationml/2006/main">
+  <p:cSld>
+    <p:spTree>
+      <p:nvGrpSpPr>
+        <p:cNvPr id="1" name="Shape 146"/>
+        <p:cNvGrpSpPr/>
+        <p:nvPr/>
+      </p:nvGrpSpPr>
+      <p:grpSpPr>
+        <a:xfrm>
+          <a:off x="0" y="0"/>
+          <a:ext cx="0" cy="0"/>
+          <a:chOff x="0" y="0"/>
+          <a:chExt cx="0" cy="0"/>
+        </a:xfrm>
+      </p:grpSpPr>
+      <p:sp>
+        <p:nvSpPr>
+          <p:cNvPr id="147" name="Google Shape;147;p21"/>
+          <p:cNvSpPr txBox="1">
+            <a:spLocks noGrp="1"/>
+          </p:cNvSpPr>
+          <p:nvPr>
+            <p:ph type="title"/>
+          </p:nvPr>
+        </p:nvSpPr>
+        <p:spPr>
+          <a:xfrm>
+            <a:off x="311700" y="410000"/>
+            <a:ext cx="8520600" cy="607800"/>
+          </a:xfrm>
+          <a:prstGeom prst="rect">
+            <a:avLst/>
+          </a:prstGeom>
+        </p:spPr>
+        <p:txBody>
+          <a:bodyPr spcFirstLastPara="1" wrap="square" lIns="91425" tIns="91425" rIns="91425" bIns="91425" anchor="t" anchorCtr="0">
+            <a:normAutofit fontScale="90000"/>
+          </a:bodyPr>
+          <a:lstStyle/>
+          <a:p>
+            <a:pPr marL="0" lvl="0" indent="0" algn="l" rtl="0">
+              <a:spcBef>
+                <a:spcPts val="0"/>
+              </a:spcBef>
+              <a:spcAft>
+                <a:spcPts val="0"/>
+              </a:spcAft>
+              <a:buNone/>
+            </a:pPr>
+            <a:r>
+              <a:rPr lang="zh-CN" dirty="0"/>
+              <a:t>⍴-stepping Algorithm</a:t>
+            </a:r>
+            <a:r>
+              <a:rPr lang="en-US" altLang="zh-CN" dirty="0"/>
+              <a:t>[4]</a:t>
+            </a:r>
+            <a:endParaRPr dirty="0"/>
+          </a:p>
+        </p:txBody>
+      </p:sp>
+      <p:sp>
+        <p:nvSpPr>
+          <p:cNvPr id="148" name="Google Shape;148;p21"/>
+          <p:cNvSpPr txBox="1">
+            <a:spLocks noGrp="1"/>
+          </p:cNvSpPr>
+          <p:nvPr>
+            <p:ph type="body" idx="1"/>
+          </p:nvPr>
+        </p:nvSpPr>
+        <p:spPr>
+          <a:xfrm>
+            <a:off x="311700" y="1237000"/>
+            <a:ext cx="8520600" cy="3339000"/>
+          </a:xfrm>
+          <a:prstGeom prst="rect">
+            <a:avLst/>
+          </a:prstGeom>
+        </p:spPr>
+        <p:txBody>
+          <a:bodyPr spcFirstLastPara="1" wrap="square" lIns="91425" tIns="91425" rIns="91425" bIns="91425" anchor="t" anchorCtr="0">
+            <a:normAutofit fontScale="92500" lnSpcReduction="10000"/>
+          </a:bodyPr>
+          <a:lstStyle/>
+          <a:p>
+            <a:pPr marL="0" lvl="0" indent="0" algn="l" rtl="0">
+              <a:spcBef>
+                <a:spcPts val="0"/>
+              </a:spcBef>
+              <a:spcAft>
+                <a:spcPts val="0"/>
+              </a:spcAft>
+              <a:buNone/>
+            </a:pPr>
+            <a:r>
+              <a:rPr lang="zh-CN" dirty="0"/>
+              <a:t>A new stepping Algorithm:</a:t>
+            </a:r>
+            <a:endParaRPr dirty="0"/>
+          </a:p>
+          <a:p>
+            <a:pPr marL="0" lvl="0" indent="0" algn="l" rtl="0">
+              <a:spcBef>
+                <a:spcPts val="1200"/>
+              </a:spcBef>
+              <a:spcAft>
+                <a:spcPts val="0"/>
+              </a:spcAft>
+              <a:buNone/>
+            </a:pPr>
+            <a:r>
+              <a:rPr lang="zh-CN" dirty="0"/>
+              <a:t>𝜌-Stepping extracts the 𝜌 nearest vertices in the frontier, and relaxes their neighbors</a:t>
+            </a:r>
+            <a:endParaRPr dirty="0"/>
+          </a:p>
+          <a:p>
+            <a:pPr marL="0" lvl="0" indent="0" algn="l" rtl="0">
+              <a:spcBef>
+                <a:spcPts val="1200"/>
+              </a:spcBef>
+              <a:spcAft>
+                <a:spcPts val="0"/>
+              </a:spcAft>
+              <a:buNone/>
+            </a:pPr>
+            <a:r>
+              <a:rPr lang="zh-CN" i="1" dirty="0"/>
+              <a:t>EXTDIST</a:t>
+            </a:r>
+            <a:r>
+              <a:rPr lang="zh-CN" dirty="0"/>
+              <a:t> of </a:t>
+            </a:r>
+            <a:r>
+              <a:rPr lang="zh-CN" sz="3000" dirty="0"/>
+              <a:t>⍴-stepping</a:t>
+            </a:r>
+            <a:endParaRPr sz="3000" dirty="0"/>
+          </a:p>
+          <a:p>
+            <a:pPr marL="0" lvl="0" indent="0" algn="l" rtl="0">
+              <a:spcBef>
+                <a:spcPts val="1200"/>
+              </a:spcBef>
+              <a:spcAft>
+                <a:spcPts val="0"/>
+              </a:spcAft>
+              <a:buNone/>
+            </a:pPr>
+            <a:r>
+              <a:rPr lang="en-US" altLang="zh-CN" sz="3000" dirty="0">
+                <a:solidFill>
+                  <a:schemeClr val="dk1"/>
+                </a:solidFill>
+              </a:rPr>
+              <a:t>-&gt;</a:t>
+            </a:r>
+            <a:r>
+              <a:rPr lang="zh-CN" sz="3000" dirty="0">
+                <a:solidFill>
+                  <a:schemeClr val="dk1"/>
+                </a:solidFill>
+              </a:rPr>
+              <a:t> 𝜌-th smallest 𝛿 [𝑣] in Q</a:t>
+            </a:r>
+            <a:r>
+              <a:rPr lang="en-US" altLang="zh-CN" sz="3000" dirty="0">
+                <a:solidFill>
+                  <a:schemeClr val="dk1"/>
+                </a:solidFill>
+              </a:rPr>
+              <a:t>                    </a:t>
+            </a:r>
+          </a:p>
+          <a:p>
+            <a:pPr marL="0" lvl="0" indent="0" algn="l" rtl="0">
+              <a:spcBef>
+                <a:spcPts val="1200"/>
+              </a:spcBef>
+              <a:spcAft>
+                <a:spcPts val="0"/>
+              </a:spcAft>
+              <a:buNone/>
+            </a:pPr>
+            <a:r>
+              <a:rPr lang="en-US" sz="3000" dirty="0">
+                <a:solidFill>
+                  <a:schemeClr val="dk1"/>
+                </a:solidFill>
+              </a:rPr>
+              <a:t>-&gt; It will increase it search range</a:t>
+            </a:r>
+          </a:p>
+          <a:p>
+            <a:pPr marL="0" lvl="0" indent="0" algn="l" rtl="0">
+              <a:spcBef>
+                <a:spcPts val="1200"/>
+              </a:spcBef>
+              <a:spcAft>
+                <a:spcPts val="0"/>
+              </a:spcAft>
+              <a:buNone/>
+            </a:pPr>
+            <a:r>
+              <a:rPr lang="en-US" altLang="zh-CN" sz="3000" dirty="0">
+                <a:solidFill>
+                  <a:schemeClr val="dk1"/>
+                </a:solidFill>
+              </a:rPr>
+              <a:t>	</a:t>
+            </a:r>
+            <a:r>
+              <a:rPr lang="zh-CN" sz="3000" dirty="0">
+                <a:solidFill>
+                  <a:schemeClr val="dk1"/>
+                </a:solidFill>
+              </a:rPr>
+              <a:t>𝜌-th smallest 𝛿 [𝑣]</a:t>
+            </a:r>
+            <a:r>
+              <a:rPr lang="en-US" altLang="zh-CN" sz="3000" dirty="0">
+                <a:solidFill>
+                  <a:schemeClr val="dk1"/>
+                </a:solidFill>
+              </a:rPr>
+              <a:t> for each step.</a:t>
+            </a:r>
+            <a:endParaRPr sz="3000" dirty="0">
+              <a:solidFill>
+                <a:schemeClr val="dk1"/>
+              </a:solidFill>
+            </a:endParaRPr>
+          </a:p>
+          <a:p>
+            <a:pPr marL="0" lvl="0" indent="0" algn="l" rtl="0">
+              <a:spcBef>
+                <a:spcPts val="1200"/>
+              </a:spcBef>
+              <a:spcAft>
+                <a:spcPts val="1200"/>
+              </a:spcAft>
+              <a:buNone/>
+            </a:pPr>
+            <a:endParaRPr dirty="0"/>
           </a:p>
         </p:txBody>
       </p:sp>
@@ -13585,8 +15813,8 @@
         </p:nvSpPr>
         <p:spPr>
           <a:xfrm>
-            <a:off x="311700" y="410000"/>
-            <a:ext cx="8520600" cy="607800"/>
+            <a:off x="311699" y="410000"/>
+            <a:ext cx="8520601" cy="607800"/>
           </a:xfrm>
           <a:prstGeom prst="rect">
             <a:avLst/>
@@ -13608,10 +15836,14 @@
               <a:buNone/>
             </a:pPr>
             <a:r>
-              <a:rPr lang="zh-CN"/>
+              <a:rPr lang="en-US" altLang="zh-CN" dirty="0"/>
+              <a:t>Implementation: </a:t>
+            </a:r>
+            <a:r>
+              <a:rPr lang="zh-CN" dirty="0"/>
               <a:t>Stepping Algortihm Framework</a:t>
             </a:r>
-            <a:endParaRPr/>
+            <a:endParaRPr dirty="0"/>
           </a:p>
         </p:txBody>
       </p:sp>
@@ -13650,10 +15882,54 @@
               <a:buNone/>
             </a:pPr>
             <a:r>
-              <a:rPr lang="zh-CN" b="1"/>
-              <a:t>This framework requires two user-defined functions, ExtDist and FinishCheck. Many SSSP algorithms can be instantiated by plugging in different ExtDist and FinishCheck functions</a:t>
-            </a:r>
-            <a:endParaRPr b="1"/>
+              <a:rPr lang="zh-CN" b="1" dirty="0"/>
+              <a:t>This framework requires two user-defined functions, ExtDist and FinishCheck. </a:t>
+            </a:r>
+            <a:endParaRPr lang="en-US" altLang="zh-CN" b="1" dirty="0"/>
+          </a:p>
+          <a:p>
+            <a:pPr marL="0" lvl="0" indent="0" algn="l" rtl="0">
+              <a:spcBef>
+                <a:spcPts val="0"/>
+              </a:spcBef>
+              <a:spcAft>
+                <a:spcPts val="1200"/>
+              </a:spcAft>
+              <a:buNone/>
+            </a:pPr>
+            <a:endParaRPr lang="en-US" altLang="zh-CN" b="1" dirty="0"/>
+          </a:p>
+          <a:p>
+            <a:pPr marL="0" lvl="0" indent="0" algn="l" rtl="0">
+              <a:spcBef>
+                <a:spcPts val="0"/>
+              </a:spcBef>
+              <a:spcAft>
+                <a:spcPts val="1200"/>
+              </a:spcAft>
+              <a:buNone/>
+            </a:pPr>
+            <a:r>
+              <a:rPr lang="en-US" altLang="zh-CN" b="1" dirty="0"/>
+              <a:t>Many SSSP algorithms can be instantiated by plugging in different </a:t>
+            </a:r>
+            <a:r>
+              <a:rPr lang="en-US" altLang="zh-CN" b="1" dirty="0" err="1"/>
+              <a:t>ExtDist</a:t>
+            </a:r>
+            <a:r>
+              <a:rPr lang="en-US" altLang="zh-CN" b="1" dirty="0"/>
+              <a:t> and </a:t>
+            </a:r>
+            <a:r>
+              <a:rPr lang="en-US" altLang="zh-CN" b="1" dirty="0" err="1"/>
+              <a:t>FinishCheck</a:t>
+            </a:r>
+            <a:r>
+              <a:rPr lang="en-US" altLang="zh-CN" b="1" dirty="0"/>
+              <a:t> functions</a:t>
+            </a:r>
+            <a:endParaRPr lang="en-US" b="1" dirty="0"/>
           </a:p>
         </p:txBody>
       </p:sp>
@@ -13673,8 +15949,8 @@
         </p:blipFill>
         <p:spPr>
           <a:xfrm>
-            <a:off x="311699" y="1229875"/>
-            <a:ext cx="4373449" cy="2619825"/>
+            <a:off x="311699" y="1229876"/>
+            <a:ext cx="4260301" cy="2502836"/>
           </a:xfrm>
           <a:prstGeom prst="rect">
             <a:avLst/>
@@ -13793,7 +16069,7 @@
   <p:cSld>
     <p:spTree>
       <p:nvGrpSpPr>
-        <p:cNvPr id="1" name="Shape 146"/>
+        <p:cNvPr id="1" name="Shape 152"/>
         <p:cNvGrpSpPr/>
         <p:nvPr/>
       </p:nvGrpSpPr>
@@ -13807,7 +16083,7 @@
       </p:grpSpPr>
       <p:sp>
         <p:nvSpPr>
-          <p:cNvPr id="147" name="Google Shape;147;p21"/>
+          <p:cNvPr id="153" name="Google Shape;153;p22"/>
           <p:cNvSpPr txBox="1">
             <a:spLocks noGrp="1"/>
           </p:cNvSpPr>
@@ -13841,7 +16117,7 @@
             </a:pPr>
             <a:r>
               <a:rPr lang="zh-CN"/>
-              <a:t>⍴-stepping Algorithm</a:t>
+              <a:t>Research Question</a:t>
             </a:r>
             <a:endParaRPr/>
           </a:p>
@@ -13849,7 +16125,7 @@
       </p:sp>
       <p:sp>
         <p:nvSpPr>
-          <p:cNvPr id="148" name="Google Shape;148;p21"/>
+          <p:cNvPr id="154" name="Google Shape;154;p22"/>
           <p:cNvSpPr txBox="1">
             <a:spLocks noGrp="1"/>
           </p:cNvSpPr>
@@ -13859,7 +16135,7 @@
         </p:nvSpPr>
         <p:spPr>
           <a:xfrm>
-            <a:off x="311700" y="1237000"/>
+            <a:off x="311700" y="1229875"/>
             <a:ext cx="8520600" cy="3339000"/>
           </a:xfrm>
           <a:prstGeom prst="rect">
@@ -13882,10 +16158,27 @@
               <a:buNone/>
             </a:pPr>
             <a:r>
-              <a:rPr lang="zh-CN"/>
-              <a:t>A new stepping Algorithm:</a:t>
-            </a:r>
-            <a:endParaRPr/>
+              <a:rPr lang="zh-CN" dirty="0"/>
+              <a:t>RQ1: Can p-stepping work on general graphs?</a:t>
+            </a:r>
+            <a:endParaRPr dirty="0"/>
+          </a:p>
+          <a:p>
+            <a:pPr marL="457200" lvl="0" indent="-342900" algn="l" rtl="0">
+              <a:spcBef>
+                <a:spcPts val="1200"/>
+              </a:spcBef>
+              <a:spcAft>
+                <a:spcPts val="0"/>
+              </a:spcAft>
+              <a:buSzPts val="1800"/>
+              <a:buChar char="-"/>
+            </a:pPr>
+            <a:r>
+              <a:rPr lang="zh-CN" dirty="0"/>
+              <a:t>Tested on several graph datasets</a:t>
+            </a:r>
+            <a:endParaRPr dirty="0"/>
           </a:p>
           <a:p>
             <a:pPr marL="0" lvl="0" indent="0" algn="l" rtl="0">
@@ -13898,70 +16191,27 @@
               <a:buNone/>
             </a:pPr>
             <a:r>
-              <a:rPr lang="zh-CN"/>
-              <a:t>𝜌-Stepping extracts the 𝜌 nearest vertices in the frontier, and relaxes their neighbors</a:t>
-            </a:r>
-            <a:endParaRPr/>
+              <a:rPr lang="zh-CN" dirty="0"/>
+              <a:t>RQ2: Is p-stepping outperform than other algorithm?</a:t>
+            </a:r>
+            <a:endParaRPr dirty="0"/>
           </a:p>
           <a:p>
-            <a:pPr marL="0" lvl="0" indent="0" algn="l" rtl="0">
+            <a:pPr marL="457200" lvl="0" indent="-342900" algn="l" rtl="0">
               <a:spcBef>
                 <a:spcPts val="1200"/>
               </a:spcBef>
               <a:spcAft>
                 <a:spcPts val="0"/>
               </a:spcAft>
-              <a:buNone/>
+              <a:buSzPts val="1800"/>
+              <a:buChar char="-"/>
             </a:pPr>
             <a:r>
-              <a:rPr lang="zh-CN" i="1"/>
-              <a:t>EXTDIST</a:t>
-            </a:r>
-            <a:r>
-              <a:rPr lang="zh-CN"/>
-              <a:t> of </a:t>
-            </a:r>
-            <a:r>
-              <a:rPr lang="zh-CN" sz="3000"/>
-              <a:t>⍴-stepping</a:t>
-            </a:r>
-            <a:endParaRPr sz="3000"/>
-          </a:p>
-          <a:p>
-            <a:pPr marL="0" lvl="0" indent="0" algn="l" rtl="0">
-              <a:spcBef>
-                <a:spcPts val="1200"/>
-              </a:spcBef>
-              <a:spcAft>
-                <a:spcPts val="0"/>
-              </a:spcAft>
-              <a:buNone/>
-            </a:pPr>
-            <a:r>
-              <a:rPr lang="zh-CN" sz="3000">
-                <a:solidFill>
-                  <a:schemeClr val="dk1"/>
-                </a:solidFill>
-              </a:rPr>
-              <a:t>← 𝜌-th smallest 𝛿 [𝑣] in Q</a:t>
-            </a:r>
-            <a:endParaRPr sz="3000">
-              <a:solidFill>
-                <a:schemeClr val="dk1"/>
-              </a:solidFill>
-            </a:endParaRPr>
-          </a:p>
-          <a:p>
-            <a:pPr marL="0" lvl="0" indent="0" algn="l" rtl="0">
-              <a:spcBef>
-                <a:spcPts val="1200"/>
-              </a:spcBef>
-              <a:spcAft>
-                <a:spcPts val="1200"/>
-              </a:spcAft>
-              <a:buNone/>
-            </a:pPr>
-            <a:endParaRPr/>
+              <a:rPr lang="zh-CN" dirty="0"/>
+              <a:t>Comparing with other algorithm</a:t>
+            </a:r>
+            <a:endParaRPr dirty="0"/>
           </a:p>
         </p:txBody>
       </p:sp>

--- a/Slide_Presentation.pptx
+++ b/Slide_Presentation.pptx
@@ -13,9 +13,9 @@
     <p:sldId id="258" r:id="rId4"/>
     <p:sldId id="259" r:id="rId5"/>
     <p:sldId id="261" r:id="rId6"/>
-    <p:sldId id="264" r:id="rId7"/>
-    <p:sldId id="262" r:id="rId8"/>
-    <p:sldId id="263" r:id="rId9"/>
+    <p:sldId id="262" r:id="rId7"/>
+    <p:sldId id="263" r:id="rId8"/>
+    <p:sldId id="264" r:id="rId9"/>
     <p:sldId id="265" r:id="rId10"/>
     <p:sldId id="266" r:id="rId11"/>
     <p:sldId id="273" r:id="rId12"/>
@@ -288,7 +288,7 @@
 <file path=ppt/revisionInfo.xml><?xml version="1.0" encoding="utf-8"?>
 <p1510:revInfo xmlns:a="http://schemas.openxmlformats.org/drawingml/2006/main" xmlns:r="http://schemas.openxmlformats.org/officeDocument/2006/relationships" xmlns:p1510="http://schemas.microsoft.com/office/powerpoint/2015/10/main">
   <p1510:revLst>
-    <p1510:client id="{45DFB069-287A-48C6-A2EE-BDAC050FCD4E}" v="60" dt="2021-12-08T03:27:02.163"/>
+    <p1510:client id="{45DFB069-287A-48C6-A2EE-BDAC050FCD4E}" v="61" dt="2021-12-08T15:16:07.445"/>
   </p1510:revLst>
 </p1510:revInfo>
 </file>
@@ -298,7 +298,7 @@
   <pc:docChgLst>
     <pc:chgData name="Tian Xia" userId="93c06f42-b671-488a-88df-870be2730da8" providerId="ADAL" clId="{45DFB069-287A-48C6-A2EE-BDAC050FCD4E}"/>
     <pc:docChg chg="undo custSel addSld delSld modSld sldOrd">
-      <pc:chgData name="Tian Xia" userId="93c06f42-b671-488a-88df-870be2730da8" providerId="ADAL" clId="{45DFB069-287A-48C6-A2EE-BDAC050FCD4E}" dt="2021-12-08T04:16:03.418" v="2402" actId="20577"/>
+      <pc:chgData name="Tian Xia" userId="93c06f42-b671-488a-88df-870be2730da8" providerId="ADAL" clId="{45DFB069-287A-48C6-A2EE-BDAC050FCD4E}" dt="2021-12-08T15:16:14.594" v="2421" actId="20577"/>
       <pc:docMkLst>
         <pc:docMk/>
       </pc:docMkLst>
@@ -618,7 +618,7 @@
         </pc:spChg>
       </pc:sldChg>
       <pc:sldChg chg="modSp mod modNotesTx">
-        <pc:chgData name="Tian Xia" userId="93c06f42-b671-488a-88df-870be2730da8" providerId="ADAL" clId="{45DFB069-287A-48C6-A2EE-BDAC050FCD4E}" dt="2021-12-08T04:00:50.586" v="2385" actId="20577"/>
+        <pc:chgData name="Tian Xia" userId="93c06f42-b671-488a-88df-870be2730da8" providerId="ADAL" clId="{45DFB069-287A-48C6-A2EE-BDAC050FCD4E}" dt="2021-12-08T15:16:14.594" v="2421" actId="20577"/>
         <pc:sldMkLst>
           <pc:docMk/>
           <pc:sldMk cId="0" sldId="262"/>
@@ -648,14 +648,14 @@
           </ac:picMkLst>
         </pc:picChg>
       </pc:sldChg>
-      <pc:sldChg chg="modSp mod ord">
-        <pc:chgData name="Tian Xia" userId="93c06f42-b671-488a-88df-870be2730da8" providerId="ADAL" clId="{45DFB069-287A-48C6-A2EE-BDAC050FCD4E}" dt="2021-12-08T03:32:09.784" v="1936" actId="20577"/>
+      <pc:sldChg chg="modSp mod ord modNotesTx">
+        <pc:chgData name="Tian Xia" userId="93c06f42-b671-488a-88df-870be2730da8" providerId="ADAL" clId="{45DFB069-287A-48C6-A2EE-BDAC050FCD4E}" dt="2021-12-08T15:15:58.756" v="2418"/>
         <pc:sldMkLst>
           <pc:docMk/>
           <pc:sldMk cId="0" sldId="264"/>
         </pc:sldMkLst>
         <pc:spChg chg="mod">
-          <ac:chgData name="Tian Xia" userId="93c06f42-b671-488a-88df-870be2730da8" providerId="ADAL" clId="{45DFB069-287A-48C6-A2EE-BDAC050FCD4E}" dt="2021-12-08T03:32:09.784" v="1936" actId="20577"/>
+          <ac:chgData name="Tian Xia" userId="93c06f42-b671-488a-88df-870be2730da8" providerId="ADAL" clId="{45DFB069-287A-48C6-A2EE-BDAC050FCD4E}" dt="2021-12-08T15:03:54.993" v="2409" actId="20577"/>
           <ac:spMkLst>
             <pc:docMk/>
             <pc:sldMk cId="0" sldId="264"/>
@@ -663,7 +663,7 @@
           </ac:spMkLst>
         </pc:spChg>
         <pc:spChg chg="mod">
-          <ac:chgData name="Tian Xia" userId="93c06f42-b671-488a-88df-870be2730da8" providerId="ADAL" clId="{45DFB069-287A-48C6-A2EE-BDAC050FCD4E}" dt="2021-12-08T03:15:44.506" v="1785" actId="20577"/>
+          <ac:chgData name="Tian Xia" userId="93c06f42-b671-488a-88df-870be2730da8" providerId="ADAL" clId="{45DFB069-287A-48C6-A2EE-BDAC050FCD4E}" dt="2021-12-08T15:05:25.392" v="2414" actId="21"/>
           <ac:spMkLst>
             <pc:docMk/>
             <pc:sldMk cId="0" sldId="264"/>
@@ -739,8 +739,8 @@
           </ac:graphicFrameMkLst>
         </pc:graphicFrameChg>
       </pc:sldChg>
-      <pc:sldChg chg="addSp delSp modSp new mod">
-        <pc:chgData name="Tian Xia" userId="93c06f42-b671-488a-88df-870be2730da8" providerId="ADAL" clId="{45DFB069-287A-48C6-A2EE-BDAC050FCD4E}" dt="2021-12-07T06:28:20.829" v="41" actId="1076"/>
+      <pc:sldChg chg="addSp delSp modSp new mod ord modNotes">
+        <pc:chgData name="Tian Xia" userId="93c06f42-b671-488a-88df-870be2730da8" providerId="ADAL" clId="{45DFB069-287A-48C6-A2EE-BDAC050FCD4E}" dt="2021-12-08T15:06:18.742" v="2416"/>
         <pc:sldMkLst>
           <pc:docMk/>
           <pc:sldMk cId="1281129183" sldId="270"/>
@@ -1521,7 +1521,7 @@
               </a:spcAft>
               <a:buNone/>
             </a:pPr>
-            <a:endParaRPr/>
+            <a:endParaRPr dirty="0"/>
           </a:p>
         </p:txBody>
       </p:sp>
@@ -1837,7 +1837,12 @@
             <p:ph type="sldImg"/>
           </p:nvPr>
         </p:nvSpPr>
-        <p:spPr/>
+        <p:spPr>
+          <a:xfrm>
+            <a:off x="381000" y="685800"/>
+            <a:ext cx="6096000" cy="3429000"/>
+          </a:xfrm>
+        </p:spPr>
       </p:sp>
       <p:sp>
         <p:nvSpPr>
@@ -2945,110 +2950,6 @@
   <p:cSld>
     <p:spTree>
       <p:nvGrpSpPr>
-        <p:cNvPr id="1" name="Shape 143"/>
-        <p:cNvGrpSpPr/>
-        <p:nvPr/>
-      </p:nvGrpSpPr>
-      <p:grpSpPr>
-        <a:xfrm>
-          <a:off x="0" y="0"/>
-          <a:ext cx="0" cy="0"/>
-          <a:chOff x="0" y="0"/>
-          <a:chExt cx="0" cy="0"/>
-        </a:xfrm>
-      </p:grpSpPr>
-      <p:sp>
-        <p:nvSpPr>
-          <p:cNvPr id="144" name="Google Shape;144;g10606a811f0_0_4:notes"/>
-          <p:cNvSpPr>
-            <a:spLocks noGrp="1" noRot="1" noChangeAspect="1"/>
-          </p:cNvSpPr>
-          <p:nvPr>
-            <p:ph type="sldImg" idx="2"/>
-          </p:nvPr>
-        </p:nvSpPr>
-        <p:spPr>
-          <a:xfrm>
-            <a:off x="381000" y="685800"/>
-            <a:ext cx="6096000" cy="3429000"/>
-          </a:xfrm>
-          <a:custGeom>
-            <a:avLst/>
-            <a:gdLst/>
-            <a:ahLst/>
-            <a:cxnLst/>
-            <a:rect l="l" t="t" r="r" b="b"/>
-            <a:pathLst>
-              <a:path w="120000" h="120000" extrusionOk="0">
-                <a:moveTo>
-                  <a:pt x="0" y="0"/>
-                </a:moveTo>
-                <a:lnTo>
-                  <a:pt x="120000" y="0"/>
-                </a:lnTo>
-                <a:lnTo>
-                  <a:pt x="120000" y="120000"/>
-                </a:lnTo>
-                <a:lnTo>
-                  <a:pt x="0" y="120000"/>
-                </a:lnTo>
-                <a:close/>
-              </a:path>
-            </a:pathLst>
-          </a:custGeom>
-        </p:spPr>
-      </p:sp>
-      <p:sp>
-        <p:nvSpPr>
-          <p:cNvPr id="145" name="Google Shape;145;g10606a811f0_0_4:notes"/>
-          <p:cNvSpPr txBox="1">
-            <a:spLocks noGrp="1"/>
-          </p:cNvSpPr>
-          <p:nvPr>
-            <p:ph type="body" idx="1"/>
-          </p:nvPr>
-        </p:nvSpPr>
-        <p:spPr>
-          <a:xfrm>
-            <a:off x="685800" y="4343400"/>
-            <a:ext cx="5486400" cy="4114800"/>
-          </a:xfrm>
-          <a:prstGeom prst="rect">
-            <a:avLst/>
-          </a:prstGeom>
-        </p:spPr>
-        <p:txBody>
-          <a:bodyPr spcFirstLastPara="1" wrap="square" lIns="91425" tIns="91425" rIns="91425" bIns="91425" anchor="t" anchorCtr="0">
-            <a:noAutofit/>
-          </a:bodyPr>
-          <a:lstStyle/>
-          <a:p>
-            <a:pPr marL="0" lvl="0" indent="0" algn="l" rtl="0">
-              <a:spcBef>
-                <a:spcPts val="0"/>
-              </a:spcBef>
-              <a:spcAft>
-                <a:spcPts val="0"/>
-              </a:spcAft>
-              <a:buNone/>
-            </a:pPr>
-            <a:endParaRPr dirty="0"/>
-          </a:p>
-        </p:txBody>
-      </p:sp>
-    </p:spTree>
-  </p:cSld>
-  <p:clrMapOvr>
-    <a:masterClrMapping/>
-  </p:clrMapOvr>
-</p:notes>
-</file>
-
-<file path=ppt/notesSlides/notesSlide7.xml><?xml version="1.0" encoding="utf-8"?>
-<p:notes xmlns:a="http://schemas.openxmlformats.org/drawingml/2006/main" xmlns:r="http://schemas.openxmlformats.org/officeDocument/2006/relationships" xmlns:p="http://schemas.openxmlformats.org/presentationml/2006/main" showMasterSp="0" showMasterPhAnim="0">
-  <p:cSld>
-    <p:spTree>
-      <p:nvGrpSpPr>
         <p:cNvPr id="1" name="Shape 130"/>
         <p:cNvGrpSpPr/>
         <p:nvPr/>
@@ -3139,6 +3040,35 @@
             <a:endParaRPr lang="en-US" dirty="0"/>
           </a:p>
           <a:p>
+            <a:pPr marL="0" marR="0" lvl="0" indent="0" algn="l" defTabSz="914400" rtl="0" eaLnBrk="1" fontAlgn="auto" latinLnBrk="0" hangingPunct="1">
+              <a:lnSpc>
+                <a:spcPct val="100000"/>
+              </a:lnSpc>
+              <a:spcBef>
+                <a:spcPts val="0"/>
+              </a:spcBef>
+              <a:spcAft>
+                <a:spcPts val="0"/>
+              </a:spcAft>
+              <a:buClr>
+                <a:srgbClr val="000000"/>
+              </a:buClr>
+              <a:buSzPts val="1100"/>
+              <a:buFont typeface="Arial"/>
+              <a:buNone/>
+              <a:tabLst/>
+              <a:defRPr/>
+            </a:pPr>
+            <a:r>
+              <a:rPr lang="en-US" b="0" i="0" dirty="0">
+                <a:effectLst/>
+                <a:latin typeface="Arial" panose="020B0604020202020204" pitchFamily="34" charset="0"/>
+              </a:rPr>
+              <a:t>Efficient stepping algorithms and implementations for parallel shortest paths</a:t>
+            </a:r>
+            <a:endParaRPr lang="en-US" dirty="0"/>
+          </a:p>
+          <a:p>
             <a:pPr marL="0" lvl="0" indent="0" algn="l" rtl="0">
               <a:spcBef>
                 <a:spcPts val="0"/>
@@ -3149,8 +3079,12 @@
               <a:buNone/>
             </a:pPr>
             <a:r>
+              <a:rPr lang="en-US"/>
+              <a:t>In </a:t>
+            </a:r>
+            <a:r>
               <a:rPr lang="en-US" dirty="0"/>
-              <a:t>In each step, we process vertices with distances within a threshold 𝜃, which is computed by </a:t>
+              <a:t>each step, we process vertices with distances within a threshold 𝜃, which is computed by </a:t>
             </a:r>
             <a:r>
               <a:rPr lang="en-US" dirty="0" err="1"/>
@@ -3180,7 +3114,7 @@
 </p:notes>
 </file>
 
-<file path=ppt/notesSlides/notesSlide8.xml><?xml version="1.0" encoding="utf-8"?>
+<file path=ppt/notesSlides/notesSlide7.xml><?xml version="1.0" encoding="utf-8"?>
 <p:notes xmlns:a="http://schemas.openxmlformats.org/drawingml/2006/main" xmlns:r="http://schemas.openxmlformats.org/officeDocument/2006/relationships" xmlns:p="http://schemas.openxmlformats.org/presentationml/2006/main" showMasterSp="0" showMasterPhAnim="0">
   <p:cSld>
     <p:spTree>
@@ -3241,6 +3175,110 @@
       <p:sp>
         <p:nvSpPr>
           <p:cNvPr id="139" name="Google Shape;139;g1053a9bf707_0_2:notes"/>
+          <p:cNvSpPr txBox="1">
+            <a:spLocks noGrp="1"/>
+          </p:cNvSpPr>
+          <p:nvPr>
+            <p:ph type="body" idx="1"/>
+          </p:nvPr>
+        </p:nvSpPr>
+        <p:spPr>
+          <a:xfrm>
+            <a:off x="685800" y="4343400"/>
+            <a:ext cx="5486400" cy="4114800"/>
+          </a:xfrm>
+          <a:prstGeom prst="rect">
+            <a:avLst/>
+          </a:prstGeom>
+        </p:spPr>
+        <p:txBody>
+          <a:bodyPr spcFirstLastPara="1" wrap="square" lIns="91425" tIns="91425" rIns="91425" bIns="91425" anchor="t" anchorCtr="0">
+            <a:noAutofit/>
+          </a:bodyPr>
+          <a:lstStyle/>
+          <a:p>
+            <a:pPr marL="0" lvl="0" indent="0" algn="l" rtl="0">
+              <a:spcBef>
+                <a:spcPts val="0"/>
+              </a:spcBef>
+              <a:spcAft>
+                <a:spcPts val="0"/>
+              </a:spcAft>
+              <a:buNone/>
+            </a:pPr>
+            <a:endParaRPr dirty="0"/>
+          </a:p>
+        </p:txBody>
+      </p:sp>
+    </p:spTree>
+  </p:cSld>
+  <p:clrMapOvr>
+    <a:masterClrMapping/>
+  </p:clrMapOvr>
+</p:notes>
+</file>
+
+<file path=ppt/notesSlides/notesSlide8.xml><?xml version="1.0" encoding="utf-8"?>
+<p:notes xmlns:a="http://schemas.openxmlformats.org/drawingml/2006/main" xmlns:r="http://schemas.openxmlformats.org/officeDocument/2006/relationships" xmlns:p="http://schemas.openxmlformats.org/presentationml/2006/main" showMasterSp="0" showMasterPhAnim="0">
+  <p:cSld>
+    <p:spTree>
+      <p:nvGrpSpPr>
+        <p:cNvPr id="1" name="Shape 143"/>
+        <p:cNvGrpSpPr/>
+        <p:nvPr/>
+      </p:nvGrpSpPr>
+      <p:grpSpPr>
+        <a:xfrm>
+          <a:off x="0" y="0"/>
+          <a:ext cx="0" cy="0"/>
+          <a:chOff x="0" y="0"/>
+          <a:chExt cx="0" cy="0"/>
+        </a:xfrm>
+      </p:grpSpPr>
+      <p:sp>
+        <p:nvSpPr>
+          <p:cNvPr id="144" name="Google Shape;144;g10606a811f0_0_4:notes"/>
+          <p:cNvSpPr>
+            <a:spLocks noGrp="1" noRot="1" noChangeAspect="1"/>
+          </p:cNvSpPr>
+          <p:nvPr>
+            <p:ph type="sldImg" idx="2"/>
+          </p:nvPr>
+        </p:nvSpPr>
+        <p:spPr>
+          <a:xfrm>
+            <a:off x="381000" y="685800"/>
+            <a:ext cx="6096000" cy="3429000"/>
+          </a:xfrm>
+          <a:custGeom>
+            <a:avLst/>
+            <a:gdLst/>
+            <a:ahLst/>
+            <a:cxnLst/>
+            <a:rect l="l" t="t" r="r" b="b"/>
+            <a:pathLst>
+              <a:path w="120000" h="120000" extrusionOk="0">
+                <a:moveTo>
+                  <a:pt x="0" y="0"/>
+                </a:moveTo>
+                <a:lnTo>
+                  <a:pt x="120000" y="0"/>
+                </a:lnTo>
+                <a:lnTo>
+                  <a:pt x="120000" y="120000"/>
+                </a:lnTo>
+                <a:lnTo>
+                  <a:pt x="0" y="120000"/>
+                </a:lnTo>
+                <a:close/>
+              </a:path>
+            </a:pathLst>
+          </a:custGeom>
+        </p:spPr>
+      </p:sp>
+      <p:sp>
+        <p:nvSpPr>
+          <p:cNvPr id="145" name="Google Shape;145;g10606a811f0_0_4:notes"/>
           <p:cNvSpPr txBox="1">
             <a:spLocks noGrp="1"/>
           </p:cNvSpPr>
@@ -15530,265 +15568,6 @@
   <p:cSld>
     <p:spTree>
       <p:nvGrpSpPr>
-        <p:cNvPr id="1" name="Shape 146"/>
-        <p:cNvGrpSpPr/>
-        <p:nvPr/>
-      </p:nvGrpSpPr>
-      <p:grpSpPr>
-        <a:xfrm>
-          <a:off x="0" y="0"/>
-          <a:ext cx="0" cy="0"/>
-          <a:chOff x="0" y="0"/>
-          <a:chExt cx="0" cy="0"/>
-        </a:xfrm>
-      </p:grpSpPr>
-      <p:sp>
-        <p:nvSpPr>
-          <p:cNvPr id="147" name="Google Shape;147;p21"/>
-          <p:cNvSpPr txBox="1">
-            <a:spLocks noGrp="1"/>
-          </p:cNvSpPr>
-          <p:nvPr>
-            <p:ph type="title"/>
-          </p:nvPr>
-        </p:nvSpPr>
-        <p:spPr>
-          <a:xfrm>
-            <a:off x="311700" y="410000"/>
-            <a:ext cx="8520600" cy="607800"/>
-          </a:xfrm>
-          <a:prstGeom prst="rect">
-            <a:avLst/>
-          </a:prstGeom>
-        </p:spPr>
-        <p:txBody>
-          <a:bodyPr spcFirstLastPara="1" wrap="square" lIns="91425" tIns="91425" rIns="91425" bIns="91425" anchor="t" anchorCtr="0">
-            <a:normAutofit fontScale="90000"/>
-          </a:bodyPr>
-          <a:lstStyle/>
-          <a:p>
-            <a:pPr marL="0" lvl="0" indent="0" algn="l" rtl="0">
-              <a:spcBef>
-                <a:spcPts val="0"/>
-              </a:spcBef>
-              <a:spcAft>
-                <a:spcPts val="0"/>
-              </a:spcAft>
-              <a:buNone/>
-            </a:pPr>
-            <a:r>
-              <a:rPr lang="zh-CN" dirty="0"/>
-              <a:t>⍴-stepping Algorithm</a:t>
-            </a:r>
-            <a:r>
-              <a:rPr lang="en-US" altLang="zh-CN" dirty="0"/>
-              <a:t>[4]</a:t>
-            </a:r>
-            <a:endParaRPr dirty="0"/>
-          </a:p>
-        </p:txBody>
-      </p:sp>
-      <p:sp>
-        <p:nvSpPr>
-          <p:cNvPr id="148" name="Google Shape;148;p21"/>
-          <p:cNvSpPr txBox="1">
-            <a:spLocks noGrp="1"/>
-          </p:cNvSpPr>
-          <p:nvPr>
-            <p:ph type="body" idx="1"/>
-          </p:nvPr>
-        </p:nvSpPr>
-        <p:spPr>
-          <a:xfrm>
-            <a:off x="311700" y="1237000"/>
-            <a:ext cx="8520600" cy="3339000"/>
-          </a:xfrm>
-          <a:prstGeom prst="rect">
-            <a:avLst/>
-          </a:prstGeom>
-        </p:spPr>
-        <p:txBody>
-          <a:bodyPr spcFirstLastPara="1" wrap="square" lIns="91425" tIns="91425" rIns="91425" bIns="91425" anchor="t" anchorCtr="0">
-            <a:normAutofit fontScale="92500" lnSpcReduction="10000"/>
-          </a:bodyPr>
-          <a:lstStyle/>
-          <a:p>
-            <a:pPr marL="0" lvl="0" indent="0" algn="l" rtl="0">
-              <a:spcBef>
-                <a:spcPts val="0"/>
-              </a:spcBef>
-              <a:spcAft>
-                <a:spcPts val="0"/>
-              </a:spcAft>
-              <a:buNone/>
-            </a:pPr>
-            <a:r>
-              <a:rPr lang="zh-CN" dirty="0"/>
-              <a:t>A new stepping Algorithm:</a:t>
-            </a:r>
-            <a:endParaRPr dirty="0"/>
-          </a:p>
-          <a:p>
-            <a:pPr marL="0" lvl="0" indent="0" algn="l" rtl="0">
-              <a:spcBef>
-                <a:spcPts val="1200"/>
-              </a:spcBef>
-              <a:spcAft>
-                <a:spcPts val="0"/>
-              </a:spcAft>
-              <a:buNone/>
-            </a:pPr>
-            <a:r>
-              <a:rPr lang="zh-CN" dirty="0"/>
-              <a:t>𝜌-Stepping extracts the 𝜌 nearest vertices in the frontier, and relaxes their neighbors</a:t>
-            </a:r>
-            <a:endParaRPr dirty="0"/>
-          </a:p>
-          <a:p>
-            <a:pPr marL="0" lvl="0" indent="0" algn="l" rtl="0">
-              <a:spcBef>
-                <a:spcPts val="1200"/>
-              </a:spcBef>
-              <a:spcAft>
-                <a:spcPts val="0"/>
-              </a:spcAft>
-              <a:buNone/>
-            </a:pPr>
-            <a:r>
-              <a:rPr lang="zh-CN" i="1" dirty="0"/>
-              <a:t>EXTDIST</a:t>
-            </a:r>
-            <a:r>
-              <a:rPr lang="zh-CN" dirty="0"/>
-              <a:t> of </a:t>
-            </a:r>
-            <a:r>
-              <a:rPr lang="zh-CN" sz="3000" dirty="0"/>
-              <a:t>⍴-stepping</a:t>
-            </a:r>
-            <a:endParaRPr sz="3000" dirty="0"/>
-          </a:p>
-          <a:p>
-            <a:pPr marL="0" lvl="0" indent="0" algn="l" rtl="0">
-              <a:spcBef>
-                <a:spcPts val="1200"/>
-              </a:spcBef>
-              <a:spcAft>
-                <a:spcPts val="0"/>
-              </a:spcAft>
-              <a:buNone/>
-            </a:pPr>
-            <a:r>
-              <a:rPr lang="en-US" altLang="zh-CN" sz="3000" dirty="0">
-                <a:solidFill>
-                  <a:schemeClr val="dk1"/>
-                </a:solidFill>
-              </a:rPr>
-              <a:t>-&gt;</a:t>
-            </a:r>
-            <a:r>
-              <a:rPr lang="zh-CN" sz="3000" dirty="0">
-                <a:solidFill>
-                  <a:schemeClr val="dk1"/>
-                </a:solidFill>
-              </a:rPr>
-              <a:t> 𝜌-th smallest 𝛿 [𝑣] in Q</a:t>
-            </a:r>
-            <a:r>
-              <a:rPr lang="en-US" altLang="zh-CN" sz="3000" dirty="0">
-                <a:solidFill>
-                  <a:schemeClr val="dk1"/>
-                </a:solidFill>
-              </a:rPr>
-              <a:t>                    </a:t>
-            </a:r>
-          </a:p>
-          <a:p>
-            <a:pPr marL="0" lvl="0" indent="0" algn="l" rtl="0">
-              <a:spcBef>
-                <a:spcPts val="1200"/>
-              </a:spcBef>
-              <a:spcAft>
-                <a:spcPts val="0"/>
-              </a:spcAft>
-              <a:buNone/>
-            </a:pPr>
-            <a:r>
-              <a:rPr lang="en-US" sz="3000" dirty="0">
-                <a:solidFill>
-                  <a:schemeClr val="dk1"/>
-                </a:solidFill>
-              </a:rPr>
-              <a:t>-&gt; It will increase it search range</a:t>
-            </a:r>
-          </a:p>
-          <a:p>
-            <a:pPr marL="0" lvl="0" indent="0" algn="l" rtl="0">
-              <a:spcBef>
-                <a:spcPts val="1200"/>
-              </a:spcBef>
-              <a:spcAft>
-                <a:spcPts val="0"/>
-              </a:spcAft>
-              <a:buNone/>
-            </a:pPr>
-            <a:r>
-              <a:rPr lang="en-US" altLang="zh-CN" sz="3000" dirty="0">
-                <a:solidFill>
-                  <a:schemeClr val="dk1"/>
-                </a:solidFill>
-              </a:rPr>
-              <a:t>	</a:t>
-            </a:r>
-            <a:r>
-              <a:rPr lang="zh-CN" sz="3000" dirty="0">
-                <a:solidFill>
-                  <a:schemeClr val="dk1"/>
-                </a:solidFill>
-              </a:rPr>
-              <a:t>𝜌-th smallest 𝛿 [𝑣]</a:t>
-            </a:r>
-            <a:r>
-              <a:rPr lang="en-US" altLang="zh-CN" sz="3000" dirty="0">
-                <a:solidFill>
-                  <a:schemeClr val="dk1"/>
-                </a:solidFill>
-              </a:rPr>
-              <a:t> for each step.</a:t>
-            </a:r>
-            <a:endParaRPr sz="3000" dirty="0">
-              <a:solidFill>
-                <a:schemeClr val="dk1"/>
-              </a:solidFill>
-            </a:endParaRPr>
-          </a:p>
-          <a:p>
-            <a:pPr marL="0" lvl="0" indent="0" algn="l" rtl="0">
-              <a:spcBef>
-                <a:spcPts val="1200"/>
-              </a:spcBef>
-              <a:spcAft>
-                <a:spcPts val="1200"/>
-              </a:spcAft>
-              <a:buNone/>
-            </a:pPr>
-            <a:endParaRPr dirty="0"/>
-          </a:p>
-        </p:txBody>
-      </p:sp>
-    </p:spTree>
-  </p:cSld>
-  <p:clrMapOvr>
-    <a:masterClrMapping/>
-  </p:clrMapOvr>
-</p:sld>
-</file>
-
-<file path=ppt/slides/slide7.xml><?xml version="1.0" encoding="utf-8"?>
-<p:sld xmlns:a="http://schemas.openxmlformats.org/drawingml/2006/main" xmlns:r="http://schemas.openxmlformats.org/officeDocument/2006/relationships" xmlns:p="http://schemas.openxmlformats.org/presentationml/2006/main">
-  <p:cSld>
-    <p:spTree>
-      <p:nvGrpSpPr>
         <p:cNvPr id="1" name="Shape 133"/>
         <p:cNvGrpSpPr/>
         <p:nvPr/>
@@ -15969,7 +15748,7 @@
 </p:sld>
 </file>
 
-<file path=ppt/slides/slide8.xml><?xml version="1.0" encoding="utf-8"?>
+<file path=ppt/slides/slide7.xml><?xml version="1.0" encoding="utf-8"?>
 <p:sld xmlns:a="http://schemas.openxmlformats.org/drawingml/2006/main" xmlns:r="http://schemas.openxmlformats.org/officeDocument/2006/relationships" xmlns:p="http://schemas.openxmlformats.org/presentationml/2006/main">
   <p:cSld>
     <p:spTree>
@@ -16056,6 +15835,340 @@
           </a:ln>
         </p:spPr>
       </p:pic>
+    </p:spTree>
+  </p:cSld>
+  <p:clrMapOvr>
+    <a:masterClrMapping/>
+  </p:clrMapOvr>
+</p:sld>
+</file>
+
+<file path=ppt/slides/slide8.xml><?xml version="1.0" encoding="utf-8"?>
+<p:sld xmlns:a="http://schemas.openxmlformats.org/drawingml/2006/main" xmlns:r="http://schemas.openxmlformats.org/officeDocument/2006/relationships" xmlns:p="http://schemas.openxmlformats.org/presentationml/2006/main">
+  <p:cSld>
+    <p:spTree>
+      <p:nvGrpSpPr>
+        <p:cNvPr id="1" name="Shape 146"/>
+        <p:cNvGrpSpPr/>
+        <p:nvPr/>
+      </p:nvGrpSpPr>
+      <p:grpSpPr>
+        <a:xfrm>
+          <a:off x="0" y="0"/>
+          <a:ext cx="0" cy="0"/>
+          <a:chOff x="0" y="0"/>
+          <a:chExt cx="0" cy="0"/>
+        </a:xfrm>
+      </p:grpSpPr>
+      <p:sp>
+        <p:nvSpPr>
+          <p:cNvPr id="147" name="Google Shape;147;p21"/>
+          <p:cNvSpPr txBox="1">
+            <a:spLocks noGrp="1"/>
+          </p:cNvSpPr>
+          <p:nvPr>
+            <p:ph type="title"/>
+          </p:nvPr>
+        </p:nvSpPr>
+        <p:spPr>
+          <a:xfrm>
+            <a:off x="311700" y="410000"/>
+            <a:ext cx="8520600" cy="607800"/>
+          </a:xfrm>
+          <a:prstGeom prst="rect">
+            <a:avLst/>
+          </a:prstGeom>
+        </p:spPr>
+        <p:txBody>
+          <a:bodyPr spcFirstLastPara="1" wrap="square" lIns="91425" tIns="91425" rIns="91425" bIns="91425" anchor="t" anchorCtr="0">
+            <a:normAutofit fontScale="90000"/>
+          </a:bodyPr>
+          <a:lstStyle/>
+          <a:p>
+            <a:pPr marL="0" lvl="0" indent="0" algn="l" rtl="0">
+              <a:spcBef>
+                <a:spcPts val="0"/>
+              </a:spcBef>
+              <a:spcAft>
+                <a:spcPts val="0"/>
+              </a:spcAft>
+              <a:buNone/>
+            </a:pPr>
+            <a:r>
+              <a:rPr lang="zh-CN" dirty="0"/>
+              <a:t>⍴-stepping Algorithm</a:t>
+            </a:r>
+            <a:r>
+              <a:rPr lang="en-US" altLang="zh-CN" dirty="0"/>
+              <a:t>[4]</a:t>
+            </a:r>
+            <a:br>
+              <a:rPr lang="en-US" altLang="zh-CN" dirty="0"/>
+            </a:br>
+            <a:endParaRPr dirty="0"/>
+          </a:p>
+        </p:txBody>
+      </p:sp>
+      <p:sp>
+        <p:nvSpPr>
+          <p:cNvPr id="148" name="Google Shape;148;p21"/>
+          <p:cNvSpPr txBox="1">
+            <a:spLocks noGrp="1"/>
+          </p:cNvSpPr>
+          <p:nvPr>
+            <p:ph type="body" idx="1"/>
+          </p:nvPr>
+        </p:nvSpPr>
+        <p:spPr>
+          <a:xfrm>
+            <a:off x="311700" y="1237000"/>
+            <a:ext cx="8520600" cy="3339000"/>
+          </a:xfrm>
+          <a:prstGeom prst="rect">
+            <a:avLst/>
+          </a:prstGeom>
+        </p:spPr>
+        <p:txBody>
+          <a:bodyPr spcFirstLastPara="1" wrap="square" lIns="91425" tIns="91425" rIns="91425" bIns="91425" anchor="t" anchorCtr="0">
+            <a:normAutofit/>
+          </a:bodyPr>
+          <a:lstStyle/>
+          <a:p>
+            <a:pPr marL="0" lvl="0" indent="0" algn="l" rtl="0">
+              <a:spcBef>
+                <a:spcPts val="0"/>
+              </a:spcBef>
+              <a:spcAft>
+                <a:spcPts val="0"/>
+              </a:spcAft>
+              <a:buNone/>
+            </a:pPr>
+            <a:r>
+              <a:rPr lang="zh-CN" dirty="0"/>
+              <a:t>A new stepping Algorithm:</a:t>
+            </a:r>
+            <a:endParaRPr dirty="0"/>
+          </a:p>
+          <a:p>
+            <a:pPr marL="0" lvl="0" indent="0" algn="l" rtl="0">
+              <a:spcBef>
+                <a:spcPts val="1200"/>
+              </a:spcBef>
+              <a:spcAft>
+                <a:spcPts val="0"/>
+              </a:spcAft>
+              <a:buNone/>
+            </a:pPr>
+            <a:r>
+              <a:rPr lang="zh-CN" dirty="0"/>
+              <a:t>𝜌-Stepping extracts the 𝜌 nearest vertices in the frontier, and relaxes their neighbors</a:t>
+            </a:r>
+            <a:endParaRPr dirty="0"/>
+          </a:p>
+          <a:p>
+            <a:pPr marL="0" lvl="0" indent="0" algn="l" rtl="0">
+              <a:spcBef>
+                <a:spcPts val="1200"/>
+              </a:spcBef>
+              <a:spcAft>
+                <a:spcPts val="0"/>
+              </a:spcAft>
+              <a:buNone/>
+            </a:pPr>
+            <a:r>
+              <a:rPr lang="en-US" altLang="zh-CN" sz="3000" dirty="0">
+                <a:solidFill>
+                  <a:schemeClr val="dk1"/>
+                </a:solidFill>
+              </a:rPr>
+              <a:t>-&gt; </a:t>
+            </a:r>
+            <a:r>
+              <a:rPr lang="zh-CN" altLang="en-US" sz="3000" dirty="0">
+                <a:solidFill>
+                  <a:schemeClr val="dk1"/>
+                </a:solidFill>
+              </a:rPr>
+              <a:t>𝜌</a:t>
+            </a:r>
+            <a:r>
+              <a:rPr lang="en-US" altLang="zh-CN" sz="3000" dirty="0">
+                <a:solidFill>
+                  <a:schemeClr val="dk1"/>
+                </a:solidFill>
+              </a:rPr>
+              <a:t>-</a:t>
+            </a:r>
+            <a:r>
+              <a:rPr lang="en-US" altLang="zh-CN" sz="3000" dirty="0" err="1">
+                <a:solidFill>
+                  <a:schemeClr val="dk1"/>
+                </a:solidFill>
+              </a:rPr>
+              <a:t>th</a:t>
+            </a:r>
+            <a:r>
+              <a:rPr lang="en-US" altLang="zh-CN" sz="3000" dirty="0">
+                <a:solidFill>
+                  <a:schemeClr val="dk1"/>
+                </a:solidFill>
+              </a:rPr>
+              <a:t> smallest </a:t>
+            </a:r>
+            <a:r>
+              <a:rPr lang="zh-CN" altLang="en-US" sz="3000" dirty="0">
+                <a:solidFill>
+                  <a:schemeClr val="dk1"/>
+                </a:solidFill>
+              </a:rPr>
+              <a:t>𝛿 </a:t>
+            </a:r>
+            <a:r>
+              <a:rPr lang="en-US" altLang="zh-CN" sz="3000" dirty="0">
+                <a:solidFill>
+                  <a:schemeClr val="dk1"/>
+                </a:solidFill>
+              </a:rPr>
+              <a:t>[</a:t>
+            </a:r>
+            <a:r>
+              <a:rPr lang="zh-CN" altLang="en-US" sz="3000" dirty="0">
+                <a:solidFill>
+                  <a:schemeClr val="dk1"/>
+                </a:solidFill>
+              </a:rPr>
+              <a:t>𝑣</a:t>
+            </a:r>
+            <a:r>
+              <a:rPr lang="en-US" altLang="zh-CN" sz="3000" dirty="0">
+                <a:solidFill>
+                  <a:schemeClr val="dk1"/>
+                </a:solidFill>
+              </a:rPr>
+              <a:t>] in Q                    </a:t>
+            </a:r>
+          </a:p>
+          <a:p>
+            <a:pPr marL="0" lvl="0" indent="0" algn="l" rtl="0">
+              <a:spcBef>
+                <a:spcPts val="1200"/>
+              </a:spcBef>
+              <a:spcAft>
+                <a:spcPts val="0"/>
+              </a:spcAft>
+              <a:buNone/>
+            </a:pPr>
+            <a:r>
+              <a:rPr lang="en-US" sz="3000" dirty="0">
+                <a:solidFill>
+                  <a:schemeClr val="dk1"/>
+                </a:solidFill>
+              </a:rPr>
+              <a:t>-&gt; It will increase it search range</a:t>
+            </a:r>
+          </a:p>
+          <a:p>
+            <a:pPr marL="0" lvl="0" indent="0" algn="l" rtl="0">
+              <a:spcBef>
+                <a:spcPts val="1200"/>
+              </a:spcBef>
+              <a:spcAft>
+                <a:spcPts val="0"/>
+              </a:spcAft>
+              <a:buNone/>
+            </a:pPr>
+            <a:r>
+              <a:rPr lang="en-US" altLang="zh-CN" sz="3000" dirty="0">
+                <a:solidFill>
+                  <a:schemeClr val="dk1"/>
+                </a:solidFill>
+              </a:rPr>
+              <a:t>	</a:t>
+            </a:r>
+            <a:r>
+              <a:rPr lang="zh-CN" altLang="en-US" sz="3000" dirty="0">
+                <a:solidFill>
+                  <a:schemeClr val="dk1"/>
+                </a:solidFill>
+              </a:rPr>
+              <a:t>𝜌</a:t>
+            </a:r>
+            <a:r>
+              <a:rPr lang="en-US" altLang="zh-CN" sz="3000" dirty="0">
+                <a:solidFill>
+                  <a:schemeClr val="dk1"/>
+                </a:solidFill>
+              </a:rPr>
+              <a:t>-</a:t>
+            </a:r>
+            <a:r>
+              <a:rPr lang="en-US" altLang="zh-CN" sz="3000" dirty="0" err="1">
+                <a:solidFill>
+                  <a:schemeClr val="dk1"/>
+                </a:solidFill>
+              </a:rPr>
+              <a:t>th</a:t>
+            </a:r>
+            <a:r>
+              <a:rPr lang="en-US" altLang="zh-CN" sz="3000" dirty="0">
+                <a:solidFill>
+                  <a:schemeClr val="dk1"/>
+                </a:solidFill>
+              </a:rPr>
+              <a:t> smallest </a:t>
+            </a:r>
+            <a:r>
+              <a:rPr lang="zh-CN" altLang="en-US" sz="3000" dirty="0">
+                <a:solidFill>
+                  <a:schemeClr val="dk1"/>
+                </a:solidFill>
+              </a:rPr>
+              <a:t>𝛿 </a:t>
+            </a:r>
+            <a:r>
+              <a:rPr lang="en-US" altLang="zh-CN" sz="3000" dirty="0">
+                <a:solidFill>
+                  <a:schemeClr val="dk1"/>
+                </a:solidFill>
+              </a:rPr>
+              <a:t>[</a:t>
+            </a:r>
+            <a:r>
+              <a:rPr lang="zh-CN" altLang="en-US" sz="3000" dirty="0">
+                <a:solidFill>
+                  <a:schemeClr val="dk1"/>
+                </a:solidFill>
+              </a:rPr>
+              <a:t>𝑣</a:t>
+            </a:r>
+            <a:r>
+              <a:rPr lang="en-US" altLang="zh-CN" sz="3000" dirty="0">
+                <a:solidFill>
+                  <a:schemeClr val="dk1"/>
+                </a:solidFill>
+              </a:rPr>
+              <a:t>] for each step.</a:t>
+            </a:r>
+            <a:endParaRPr lang="en-US" sz="3000" dirty="0">
+              <a:solidFill>
+                <a:schemeClr val="dk1"/>
+              </a:solidFill>
+            </a:endParaRPr>
+          </a:p>
+          <a:p>
+            <a:pPr marL="0" lvl="0" indent="0" algn="l" rtl="0">
+              <a:spcBef>
+                <a:spcPts val="1200"/>
+              </a:spcBef>
+              <a:spcAft>
+                <a:spcPts val="1200"/>
+              </a:spcAft>
+              <a:buNone/>
+            </a:pPr>
+            <a:endParaRPr dirty="0"/>
+          </a:p>
+        </p:txBody>
+      </p:sp>
     </p:spTree>
   </p:cSld>
   <p:clrMapOvr>
